--- a/stuff/docs/2020-pps-forecasting.pptx
+++ b/stuff/docs/2020-pps-forecasting.pptx
@@ -6,27 +6,34 @@
     <p:sldMasterId id="2147483654" r:id="rId2"/>
   </p:sldMasterIdLst>
   <p:notesMasterIdLst>
-    <p:notesMasterId r:id="rId21"/>
+    <p:notesMasterId r:id="rId28"/>
   </p:notesMasterIdLst>
   <p:sldIdLst>
     <p:sldId id="256" r:id="rId3"/>
-    <p:sldId id="257" r:id="rId4"/>
-    <p:sldId id="259" r:id="rId5"/>
+    <p:sldId id="278" r:id="rId4"/>
+    <p:sldId id="279" r:id="rId5"/>
     <p:sldId id="260" r:id="rId6"/>
-    <p:sldId id="258" r:id="rId7"/>
-    <p:sldId id="261" r:id="rId8"/>
-    <p:sldId id="262" r:id="rId9"/>
-    <p:sldId id="263" r:id="rId10"/>
-    <p:sldId id="264" r:id="rId11"/>
-    <p:sldId id="265" r:id="rId12"/>
-    <p:sldId id="266" r:id="rId13"/>
-    <p:sldId id="267" r:id="rId14"/>
-    <p:sldId id="268" r:id="rId15"/>
-    <p:sldId id="269" r:id="rId16"/>
-    <p:sldId id="270" r:id="rId17"/>
-    <p:sldId id="271" r:id="rId18"/>
-    <p:sldId id="272" r:id="rId19"/>
-    <p:sldId id="273" r:id="rId20"/>
+    <p:sldId id="259" r:id="rId7"/>
+    <p:sldId id="258" r:id="rId8"/>
+    <p:sldId id="261" r:id="rId9"/>
+    <p:sldId id="262" r:id="rId10"/>
+    <p:sldId id="263" r:id="rId11"/>
+    <p:sldId id="264" r:id="rId12"/>
+    <p:sldId id="282" r:id="rId13"/>
+    <p:sldId id="283" r:id="rId14"/>
+    <p:sldId id="265" r:id="rId15"/>
+    <p:sldId id="281" r:id="rId16"/>
+    <p:sldId id="266" r:id="rId17"/>
+    <p:sldId id="267" r:id="rId18"/>
+    <p:sldId id="280" r:id="rId19"/>
+    <p:sldId id="268" r:id="rId20"/>
+    <p:sldId id="276" r:id="rId21"/>
+    <p:sldId id="284" r:id="rId22"/>
+    <p:sldId id="269" r:id="rId23"/>
+    <p:sldId id="270" r:id="rId24"/>
+    <p:sldId id="272" r:id="rId25"/>
+    <p:sldId id="277" r:id="rId26"/>
+    <p:sldId id="273" r:id="rId27"/>
   </p:sldIdLst>
   <p:sldSz cx="9144000" cy="5143500" type="screen16x9"/>
   <p:notesSz cx="6858000" cy="9144000"/>
@@ -275,7 +282,7 @@
       </p15:sldGuideLst>
     </p:ext>
     <p:ext uri="http://customooxmlschemas.google.com/">
-      <go:slidesCustomData xmlns:go="http://customooxmlschemas.google.com/" xmlns:p15="http://schemas.microsoft.com/office/powerpoint/2012/main" xmlns:p14="http://schemas.microsoft.com/office/powerpoint/2010/main" xmlns:com="http://schemas.openxmlformats.org/drawingml/2006/compatibility" xmlns:pvml="urn:schemas-microsoft-com:office:powerpoint" xmlns:v="urn:schemas-microsoft-com:vml" xmlns:o="urn:schemas-microsoft-com:office:office" xmlns:dgm="http://schemas.openxmlformats.org/drawingml/2006/diagram" xmlns:c="http://schemas.openxmlformats.org/drawingml/2006/chart" xmlns:mv="urn:schemas-microsoft-com:mac:vml" xmlns:mc="http://schemas.openxmlformats.org/markup-compatibility/2006" xmlns="" r:id="rId25" roundtripDataSignature="AMtx7miHpxGHLmQtDThjjpGeMc6LHFAfgA=="/>
+      <go:slidesCustomData xmlns="" xmlns:mc="http://schemas.openxmlformats.org/markup-compatibility/2006" xmlns:mv="urn:schemas-microsoft-com:mac:vml" xmlns:c="http://schemas.openxmlformats.org/drawingml/2006/chart" xmlns:dgm="http://schemas.openxmlformats.org/drawingml/2006/diagram" xmlns:o="urn:schemas-microsoft-com:office:office" xmlns:v="urn:schemas-microsoft-com:vml" xmlns:pvml="urn:schemas-microsoft-com:office:powerpoint" xmlns:com="http://schemas.openxmlformats.org/drawingml/2006/compatibility" xmlns:p14="http://schemas.microsoft.com/office/powerpoint/2010/main" xmlns:p15="http://schemas.microsoft.com/office/powerpoint/2012/main" xmlns:go="http://customooxmlschemas.google.com/" r:id="rId29" roundtripDataSignature="AMtx7miHpxGHLmQtDThjjpGeMc6LHFAfgA=="/>
     </p:ext>
   </p:extLst>
 </p:presentation>
@@ -1583,6 +1590,224 @@
   <p:cSld>
     <p:spTree>
       <p:nvGrpSpPr>
+        <p:cNvPr id="1" name="Shape 161"/>
+        <p:cNvGrpSpPr/>
+        <p:nvPr/>
+      </p:nvGrpSpPr>
+      <p:grpSpPr>
+        <a:xfrm>
+          <a:off x="0" y="0"/>
+          <a:ext cx="0" cy="0"/>
+          <a:chOff x="0" y="0"/>
+          <a:chExt cx="0" cy="0"/>
+        </a:xfrm>
+      </p:grpSpPr>
+      <p:sp>
+        <p:nvSpPr>
+          <p:cNvPr id="162" name="Google Shape;162;p8:notes"/>
+          <p:cNvSpPr txBox="1">
+            <a:spLocks noGrp="1"/>
+          </p:cNvSpPr>
+          <p:nvPr>
+            <p:ph type="body" idx="1"/>
+          </p:nvPr>
+        </p:nvSpPr>
+        <p:spPr>
+          <a:xfrm>
+            <a:off x="685800" y="4343400"/>
+            <a:ext cx="5486400" cy="4114800"/>
+          </a:xfrm>
+          <a:prstGeom prst="rect">
+            <a:avLst/>
+          </a:prstGeom>
+        </p:spPr>
+        <p:txBody>
+          <a:bodyPr spcFirstLastPara="1" wrap="square" lIns="91425" tIns="45700" rIns="91425" bIns="45700" anchor="t" anchorCtr="0">
+            <a:noAutofit/>
+          </a:bodyPr>
+          <a:lstStyle/>
+          <a:p>
+            <a:pPr marL="0" lvl="0" indent="0" algn="l" rtl="0">
+              <a:spcBef>
+                <a:spcPts val="0"/>
+              </a:spcBef>
+              <a:spcAft>
+                <a:spcPts val="0"/>
+              </a:spcAft>
+              <a:buNone/>
+            </a:pPr>
+            <a:endParaRPr/>
+          </a:p>
+        </p:txBody>
+      </p:sp>
+      <p:sp>
+        <p:nvSpPr>
+          <p:cNvPr id="163" name="Google Shape;163;p8:notes"/>
+          <p:cNvSpPr>
+            <a:spLocks noGrp="1" noRot="1" noChangeAspect="1"/>
+          </p:cNvSpPr>
+          <p:nvPr>
+            <p:ph type="sldImg" idx="2"/>
+          </p:nvPr>
+        </p:nvSpPr>
+        <p:spPr>
+          <a:xfrm>
+            <a:off x="381000" y="685800"/>
+            <a:ext cx="6096000" cy="3429000"/>
+          </a:xfrm>
+          <a:custGeom>
+            <a:avLst/>
+            <a:gdLst/>
+            <a:ahLst/>
+            <a:cxnLst/>
+            <a:rect l="l" t="t" r="r" b="b"/>
+            <a:pathLst>
+              <a:path w="120000" h="120000" extrusionOk="0">
+                <a:moveTo>
+                  <a:pt x="0" y="0"/>
+                </a:moveTo>
+                <a:lnTo>
+                  <a:pt x="120000" y="0"/>
+                </a:lnTo>
+                <a:lnTo>
+                  <a:pt x="120000" y="120000"/>
+                </a:lnTo>
+                <a:lnTo>
+                  <a:pt x="0" y="120000"/>
+                </a:lnTo>
+                <a:close/>
+              </a:path>
+            </a:pathLst>
+          </a:custGeom>
+        </p:spPr>
+      </p:sp>
+    </p:spTree>
+    <p:extLst>
+      <p:ext uri="{BB962C8B-B14F-4D97-AF65-F5344CB8AC3E}">
+        <p14:creationId xmlns:p14="http://schemas.microsoft.com/office/powerpoint/2010/main" val="3256969769"/>
+      </p:ext>
+    </p:extLst>
+  </p:cSld>
+  <p:clrMapOvr>
+    <a:masterClrMapping/>
+  </p:clrMapOvr>
+</p:notes>
+</file>
+
+<file path=ppt/notesSlides/notesSlide11.xml><?xml version="1.0" encoding="utf-8"?>
+<p:notes xmlns:a="http://schemas.openxmlformats.org/drawingml/2006/main" xmlns:r="http://schemas.openxmlformats.org/officeDocument/2006/relationships" xmlns:p="http://schemas.openxmlformats.org/presentationml/2006/main" showMasterSp="0" showMasterPhAnim="0">
+  <p:cSld>
+    <p:spTree>
+      <p:nvGrpSpPr>
+        <p:cNvPr id="1" name="Shape 161"/>
+        <p:cNvGrpSpPr/>
+        <p:nvPr/>
+      </p:nvGrpSpPr>
+      <p:grpSpPr>
+        <a:xfrm>
+          <a:off x="0" y="0"/>
+          <a:ext cx="0" cy="0"/>
+          <a:chOff x="0" y="0"/>
+          <a:chExt cx="0" cy="0"/>
+        </a:xfrm>
+      </p:grpSpPr>
+      <p:sp>
+        <p:nvSpPr>
+          <p:cNvPr id="162" name="Google Shape;162;p8:notes"/>
+          <p:cNvSpPr txBox="1">
+            <a:spLocks noGrp="1"/>
+          </p:cNvSpPr>
+          <p:nvPr>
+            <p:ph type="body" idx="1"/>
+          </p:nvPr>
+        </p:nvSpPr>
+        <p:spPr>
+          <a:xfrm>
+            <a:off x="685800" y="4343400"/>
+            <a:ext cx="5486400" cy="4114800"/>
+          </a:xfrm>
+          <a:prstGeom prst="rect">
+            <a:avLst/>
+          </a:prstGeom>
+        </p:spPr>
+        <p:txBody>
+          <a:bodyPr spcFirstLastPara="1" wrap="square" lIns="91425" tIns="45700" rIns="91425" bIns="45700" anchor="t" anchorCtr="0">
+            <a:noAutofit/>
+          </a:bodyPr>
+          <a:lstStyle/>
+          <a:p>
+            <a:pPr marL="0" lvl="0" indent="0" algn="l" rtl="0">
+              <a:spcBef>
+                <a:spcPts val="0"/>
+              </a:spcBef>
+              <a:spcAft>
+                <a:spcPts val="0"/>
+              </a:spcAft>
+              <a:buNone/>
+            </a:pPr>
+            <a:endParaRPr/>
+          </a:p>
+        </p:txBody>
+      </p:sp>
+      <p:sp>
+        <p:nvSpPr>
+          <p:cNvPr id="163" name="Google Shape;163;p8:notes"/>
+          <p:cNvSpPr>
+            <a:spLocks noGrp="1" noRot="1" noChangeAspect="1"/>
+          </p:cNvSpPr>
+          <p:nvPr>
+            <p:ph type="sldImg" idx="2"/>
+          </p:nvPr>
+        </p:nvSpPr>
+        <p:spPr>
+          <a:xfrm>
+            <a:off x="381000" y="685800"/>
+            <a:ext cx="6096000" cy="3429000"/>
+          </a:xfrm>
+          <a:custGeom>
+            <a:avLst/>
+            <a:gdLst/>
+            <a:ahLst/>
+            <a:cxnLst/>
+            <a:rect l="l" t="t" r="r" b="b"/>
+            <a:pathLst>
+              <a:path w="120000" h="120000" extrusionOk="0">
+                <a:moveTo>
+                  <a:pt x="0" y="0"/>
+                </a:moveTo>
+                <a:lnTo>
+                  <a:pt x="120000" y="0"/>
+                </a:lnTo>
+                <a:lnTo>
+                  <a:pt x="120000" y="120000"/>
+                </a:lnTo>
+                <a:lnTo>
+                  <a:pt x="0" y="120000"/>
+                </a:lnTo>
+                <a:close/>
+              </a:path>
+            </a:pathLst>
+          </a:custGeom>
+        </p:spPr>
+      </p:sp>
+    </p:spTree>
+    <p:extLst>
+      <p:ext uri="{BB962C8B-B14F-4D97-AF65-F5344CB8AC3E}">
+        <p14:creationId xmlns:p14="http://schemas.microsoft.com/office/powerpoint/2010/main" val="940933434"/>
+      </p:ext>
+    </p:extLst>
+  </p:cSld>
+  <p:clrMapOvr>
+    <a:masterClrMapping/>
+  </p:clrMapOvr>
+</p:notes>
+</file>
+
+<file path=ppt/notesSlides/notesSlide12.xml><?xml version="1.0" encoding="utf-8"?>
+<p:notes xmlns:a="http://schemas.openxmlformats.org/drawingml/2006/main" xmlns:r="http://schemas.openxmlformats.org/officeDocument/2006/relationships" xmlns:p="http://schemas.openxmlformats.org/presentationml/2006/main" showMasterSp="0" showMasterPhAnim="0">
+  <p:cSld>
+    <p:spTree>
+      <p:nvGrpSpPr>
         <p:cNvPr id="1" name="Shape 169"/>
         <p:cNvGrpSpPr/>
         <p:nvPr/>
@@ -1682,7 +1907,116 @@
 </p:notes>
 </file>
 
-<file path=ppt/notesSlides/notesSlide11.xml><?xml version="1.0" encoding="utf-8"?>
+<file path=ppt/notesSlides/notesSlide13.xml><?xml version="1.0" encoding="utf-8"?>
+<p:notes xmlns:a="http://schemas.openxmlformats.org/drawingml/2006/main" xmlns:r="http://schemas.openxmlformats.org/officeDocument/2006/relationships" xmlns:p="http://schemas.openxmlformats.org/presentationml/2006/main" showMasterSp="0" showMasterPhAnim="0">
+  <p:cSld>
+    <p:spTree>
+      <p:nvGrpSpPr>
+        <p:cNvPr id="1" name="Shape 161"/>
+        <p:cNvGrpSpPr/>
+        <p:nvPr/>
+      </p:nvGrpSpPr>
+      <p:grpSpPr>
+        <a:xfrm>
+          <a:off x="0" y="0"/>
+          <a:ext cx="0" cy="0"/>
+          <a:chOff x="0" y="0"/>
+          <a:chExt cx="0" cy="0"/>
+        </a:xfrm>
+      </p:grpSpPr>
+      <p:sp>
+        <p:nvSpPr>
+          <p:cNvPr id="162" name="Google Shape;162;p8:notes"/>
+          <p:cNvSpPr txBox="1">
+            <a:spLocks noGrp="1"/>
+          </p:cNvSpPr>
+          <p:nvPr>
+            <p:ph type="body" idx="1"/>
+          </p:nvPr>
+        </p:nvSpPr>
+        <p:spPr>
+          <a:xfrm>
+            <a:off x="685800" y="4343400"/>
+            <a:ext cx="5486400" cy="4114800"/>
+          </a:xfrm>
+          <a:prstGeom prst="rect">
+            <a:avLst/>
+          </a:prstGeom>
+        </p:spPr>
+        <p:txBody>
+          <a:bodyPr spcFirstLastPara="1" wrap="square" lIns="91425" tIns="45700" rIns="91425" bIns="45700" anchor="t" anchorCtr="0">
+            <a:noAutofit/>
+          </a:bodyPr>
+          <a:lstStyle/>
+          <a:p>
+            <a:pPr marL="0" lvl="0" indent="0" algn="l" rtl="0">
+              <a:spcBef>
+                <a:spcPts val="0"/>
+              </a:spcBef>
+              <a:spcAft>
+                <a:spcPts val="0"/>
+              </a:spcAft>
+              <a:buNone/>
+            </a:pPr>
+            <a:endParaRPr/>
+          </a:p>
+        </p:txBody>
+      </p:sp>
+      <p:sp>
+        <p:nvSpPr>
+          <p:cNvPr id="163" name="Google Shape;163;p8:notes"/>
+          <p:cNvSpPr>
+            <a:spLocks noGrp="1" noRot="1" noChangeAspect="1"/>
+          </p:cNvSpPr>
+          <p:nvPr>
+            <p:ph type="sldImg" idx="2"/>
+          </p:nvPr>
+        </p:nvSpPr>
+        <p:spPr>
+          <a:xfrm>
+            <a:off x="381000" y="685800"/>
+            <a:ext cx="6096000" cy="3429000"/>
+          </a:xfrm>
+          <a:custGeom>
+            <a:avLst/>
+            <a:gdLst/>
+            <a:ahLst/>
+            <a:cxnLst/>
+            <a:rect l="l" t="t" r="r" b="b"/>
+            <a:pathLst>
+              <a:path w="120000" h="120000" extrusionOk="0">
+                <a:moveTo>
+                  <a:pt x="0" y="0"/>
+                </a:moveTo>
+                <a:lnTo>
+                  <a:pt x="120000" y="0"/>
+                </a:lnTo>
+                <a:lnTo>
+                  <a:pt x="120000" y="120000"/>
+                </a:lnTo>
+                <a:lnTo>
+                  <a:pt x="0" y="120000"/>
+                </a:lnTo>
+                <a:close/>
+              </a:path>
+            </a:pathLst>
+          </a:custGeom>
+        </p:spPr>
+      </p:sp>
+    </p:spTree>
+    <p:extLst>
+      <p:ext uri="{BB962C8B-B14F-4D97-AF65-F5344CB8AC3E}">
+        <p14:creationId xmlns:p14="http://schemas.microsoft.com/office/powerpoint/2010/main" val="654252565"/>
+      </p:ext>
+    </p:extLst>
+  </p:cSld>
+  <p:clrMapOvr>
+    <a:masterClrMapping/>
+  </p:clrMapOvr>
+</p:notes>
+</file>
+
+<file path=ppt/notesSlides/notesSlide14.xml><?xml version="1.0" encoding="utf-8"?>
 <p:notes xmlns:a="http://schemas.openxmlformats.org/drawingml/2006/main" xmlns:r="http://schemas.openxmlformats.org/officeDocument/2006/relationships" xmlns:p="http://schemas.openxmlformats.org/presentationml/2006/main" showMasterSp="0" showMasterPhAnim="0">
   <p:cSld>
     <p:spTree>
@@ -1818,7 +2152,7 @@
             </a:pPr>
             <a:fld id="{00000000-1234-1234-1234-123412341234}" type="slidenum">
               <a:rPr lang="ru-RU"/>
-              <a:t>11</a:t>
+              <a:t>15</a:t>
             </a:fld>
             <a:endParaRPr/>
           </a:p>
@@ -1832,7 +2166,7 @@
 </p:notes>
 </file>
 
-<file path=ppt/notesSlides/notesSlide12.xml><?xml version="1.0" encoding="utf-8"?>
+<file path=ppt/notesSlides/notesSlide15.xml><?xml version="1.0" encoding="utf-8"?>
 <p:notes xmlns:a="http://schemas.openxmlformats.org/drawingml/2006/main" xmlns:r="http://schemas.openxmlformats.org/officeDocument/2006/relationships" xmlns:p="http://schemas.openxmlformats.org/presentationml/2006/main" showMasterSp="0" showMasterPhAnim="0">
   <p:cSld>
     <p:spTree>
@@ -1936,7 +2270,162 @@
 </p:notes>
 </file>
 
-<file path=ppt/notesSlides/notesSlide13.xml><?xml version="1.0" encoding="utf-8"?>
+<file path=ppt/notesSlides/notesSlide16.xml><?xml version="1.0" encoding="utf-8"?>
+<p:notes xmlns:a="http://schemas.openxmlformats.org/drawingml/2006/main" xmlns:r="http://schemas.openxmlformats.org/officeDocument/2006/relationships" xmlns:p="http://schemas.openxmlformats.org/presentationml/2006/main" showMasterSp="0" showMasterPhAnim="0">
+  <p:cSld>
+    <p:spTree>
+      <p:nvGrpSpPr>
+        <p:cNvPr id="1" name="Shape 177"/>
+        <p:cNvGrpSpPr/>
+        <p:nvPr/>
+      </p:nvGrpSpPr>
+      <p:grpSpPr>
+        <a:xfrm>
+          <a:off x="0" y="0"/>
+          <a:ext cx="0" cy="0"/>
+          <a:chOff x="0" y="0"/>
+          <a:chExt cx="0" cy="0"/>
+        </a:xfrm>
+      </p:grpSpPr>
+      <p:sp>
+        <p:nvSpPr>
+          <p:cNvPr id="178" name="Google Shape;178;g752914e07d_2_11:notes"/>
+          <p:cNvSpPr>
+            <a:spLocks noGrp="1" noRot="1" noChangeAspect="1"/>
+          </p:cNvSpPr>
+          <p:nvPr>
+            <p:ph type="sldImg" idx="2"/>
+          </p:nvPr>
+        </p:nvSpPr>
+        <p:spPr>
+          <a:xfrm>
+            <a:off x="381000" y="685800"/>
+            <a:ext cx="6096000" cy="3429000"/>
+          </a:xfrm>
+          <a:custGeom>
+            <a:avLst/>
+            <a:gdLst/>
+            <a:ahLst/>
+            <a:cxnLst/>
+            <a:rect l="l" t="t" r="r" b="b"/>
+            <a:pathLst>
+              <a:path w="120000" h="120000" extrusionOk="0">
+                <a:moveTo>
+                  <a:pt x="0" y="0"/>
+                </a:moveTo>
+                <a:lnTo>
+                  <a:pt x="120000" y="0"/>
+                </a:lnTo>
+                <a:lnTo>
+                  <a:pt x="120000" y="120000"/>
+                </a:lnTo>
+                <a:lnTo>
+                  <a:pt x="0" y="120000"/>
+                </a:lnTo>
+                <a:close/>
+              </a:path>
+            </a:pathLst>
+          </a:custGeom>
+        </p:spPr>
+      </p:sp>
+      <p:sp>
+        <p:nvSpPr>
+          <p:cNvPr id="179" name="Google Shape;179;g752914e07d_2_11:notes"/>
+          <p:cNvSpPr txBox="1">
+            <a:spLocks noGrp="1"/>
+          </p:cNvSpPr>
+          <p:nvPr>
+            <p:ph type="body" idx="1"/>
+          </p:nvPr>
+        </p:nvSpPr>
+        <p:spPr>
+          <a:xfrm>
+            <a:off x="685800" y="4343400"/>
+            <a:ext cx="5486400" cy="4114800"/>
+          </a:xfrm>
+          <a:prstGeom prst="rect">
+            <a:avLst/>
+          </a:prstGeom>
+        </p:spPr>
+        <p:txBody>
+          <a:bodyPr spcFirstLastPara="1" wrap="square" lIns="91425" tIns="45700" rIns="91425" bIns="45700" anchor="t" anchorCtr="0">
+            <a:noAutofit/>
+          </a:bodyPr>
+          <a:lstStyle/>
+          <a:p>
+            <a:pPr marL="0" lvl="0" indent="0" algn="l" rtl="0">
+              <a:spcBef>
+                <a:spcPts val="0"/>
+              </a:spcBef>
+              <a:spcAft>
+                <a:spcPts val="0"/>
+              </a:spcAft>
+              <a:buNone/>
+            </a:pPr>
+            <a:endParaRPr dirty="0"/>
+          </a:p>
+        </p:txBody>
+      </p:sp>
+      <p:sp>
+        <p:nvSpPr>
+          <p:cNvPr id="180" name="Google Shape;180;g752914e07d_2_11:notes"/>
+          <p:cNvSpPr txBox="1">
+            <a:spLocks noGrp="1"/>
+          </p:cNvSpPr>
+          <p:nvPr>
+            <p:ph type="sldNum" idx="12"/>
+          </p:nvPr>
+        </p:nvSpPr>
+        <p:spPr>
+          <a:xfrm>
+            <a:off x="3884613" y="8685213"/>
+            <a:ext cx="2971800" cy="457200"/>
+          </a:xfrm>
+          <a:prstGeom prst="rect">
+            <a:avLst/>
+          </a:prstGeom>
+        </p:spPr>
+        <p:txBody>
+          <a:bodyPr spcFirstLastPara="1" wrap="square" lIns="91425" tIns="45700" rIns="91425" bIns="45700" anchor="b" anchorCtr="0">
+            <a:noAutofit/>
+          </a:bodyPr>
+          <a:lstStyle/>
+          <a:p>
+            <a:pPr marL="0" lvl="0" indent="0" algn="r" rtl="0">
+              <a:spcBef>
+                <a:spcPts val="0"/>
+              </a:spcBef>
+              <a:spcAft>
+                <a:spcPts val="0"/>
+              </a:spcAft>
+              <a:buClr>
+                <a:srgbClr val="000000"/>
+              </a:buClr>
+              <a:buFont typeface="Arial"/>
+              <a:buNone/>
+            </a:pPr>
+            <a:fld id="{00000000-1234-1234-1234-123412341234}" type="slidenum">
+              <a:rPr lang="ru-RU"/>
+              <a:t>17</a:t>
+            </a:fld>
+            <a:endParaRPr/>
+          </a:p>
+        </p:txBody>
+      </p:sp>
+    </p:spTree>
+    <p:extLst>
+      <p:ext uri="{BB962C8B-B14F-4D97-AF65-F5344CB8AC3E}">
+        <p14:creationId xmlns:p14="http://schemas.microsoft.com/office/powerpoint/2010/main" val="1104422332"/>
+      </p:ext>
+    </p:extLst>
+  </p:cSld>
+  <p:clrMapOvr>
+    <a:masterClrMapping/>
+  </p:clrMapOvr>
+</p:notes>
+</file>
+
+<file path=ppt/notesSlides/notesSlide17.xml><?xml version="1.0" encoding="utf-8"?>
 <p:notes xmlns:a="http://schemas.openxmlformats.org/drawingml/2006/main" xmlns:r="http://schemas.openxmlformats.org/officeDocument/2006/relationships" xmlns:p="http://schemas.openxmlformats.org/presentationml/2006/main" showMasterSp="0" showMasterPhAnim="0">
   <p:cSld>
     <p:spTree>
@@ -1987,7 +2476,41 @@
               </a:spcAft>
               <a:buNone/>
             </a:pPr>
-            <a:endParaRPr/>
+            <a:r>
+              <a:rPr lang="ru-RU" dirty="0"/>
+              <a:t>Голосом:</a:t>
+            </a:r>
+            <a:br>
+              <a:rPr lang="ru-RU" dirty="0"/>
+            </a:br>
+            <a:r>
+              <a:rPr lang="ru-RU" dirty="0"/>
+              <a:t>Рассказать про желаемую вероятность</a:t>
+            </a:r>
+          </a:p>
+          <a:p>
+            <a:pPr marL="0" lvl="0" indent="0" algn="l" rtl="0">
+              <a:spcBef>
+                <a:spcPts val="0"/>
+              </a:spcBef>
+              <a:spcAft>
+                <a:spcPts val="0"/>
+              </a:spcAft>
+              <a:buNone/>
+            </a:pPr>
+            <a:endParaRPr lang="ru-RU" dirty="0"/>
+          </a:p>
+          <a:p>
+            <a:pPr marL="0" lvl="0" indent="0" algn="l" rtl="0">
+              <a:spcBef>
+                <a:spcPts val="0"/>
+              </a:spcBef>
+              <a:spcAft>
+                <a:spcPts val="0"/>
+              </a:spcAft>
+              <a:buNone/>
+            </a:pPr>
+            <a:endParaRPr lang="ru-RU" dirty="0"/>
           </a:p>
         </p:txBody>
       </p:sp>
@@ -2040,7 +2563,116 @@
 </p:notes>
 </file>
 
-<file path=ppt/notesSlides/notesSlide14.xml><?xml version="1.0" encoding="utf-8"?>
+<file path=ppt/notesSlides/notesSlide18.xml><?xml version="1.0" encoding="utf-8"?>
+<p:notes xmlns:a="http://schemas.openxmlformats.org/drawingml/2006/main" xmlns:r="http://schemas.openxmlformats.org/officeDocument/2006/relationships" xmlns:p="http://schemas.openxmlformats.org/presentationml/2006/main" showMasterSp="0" showMasterPhAnim="0">
+  <p:cSld>
+    <p:spTree>
+      <p:nvGrpSpPr>
+        <p:cNvPr id="1" name="Shape 216"/>
+        <p:cNvGrpSpPr/>
+        <p:nvPr/>
+      </p:nvGrpSpPr>
+      <p:grpSpPr>
+        <a:xfrm>
+          <a:off x="0" y="0"/>
+          <a:ext cx="0" cy="0"/>
+          <a:chOff x="0" y="0"/>
+          <a:chExt cx="0" cy="0"/>
+        </a:xfrm>
+      </p:grpSpPr>
+      <p:sp>
+        <p:nvSpPr>
+          <p:cNvPr id="217" name="Google Shape;217;p14:notes"/>
+          <p:cNvSpPr txBox="1">
+            <a:spLocks noGrp="1"/>
+          </p:cNvSpPr>
+          <p:nvPr>
+            <p:ph type="body" idx="1"/>
+          </p:nvPr>
+        </p:nvSpPr>
+        <p:spPr>
+          <a:xfrm>
+            <a:off x="685800" y="4343400"/>
+            <a:ext cx="5486400" cy="4114800"/>
+          </a:xfrm>
+          <a:prstGeom prst="rect">
+            <a:avLst/>
+          </a:prstGeom>
+        </p:spPr>
+        <p:txBody>
+          <a:bodyPr spcFirstLastPara="1" wrap="square" lIns="91425" tIns="45700" rIns="91425" bIns="45700" anchor="t" anchorCtr="0">
+            <a:noAutofit/>
+          </a:bodyPr>
+          <a:lstStyle/>
+          <a:p>
+            <a:pPr marL="0" lvl="0" indent="0" algn="l" rtl="0">
+              <a:spcBef>
+                <a:spcPts val="0"/>
+              </a:spcBef>
+              <a:spcAft>
+                <a:spcPts val="0"/>
+              </a:spcAft>
+              <a:buNone/>
+            </a:pPr>
+            <a:endParaRPr/>
+          </a:p>
+        </p:txBody>
+      </p:sp>
+      <p:sp>
+        <p:nvSpPr>
+          <p:cNvPr id="218" name="Google Shape;218;p14:notes"/>
+          <p:cNvSpPr>
+            <a:spLocks noGrp="1" noRot="1" noChangeAspect="1"/>
+          </p:cNvSpPr>
+          <p:nvPr>
+            <p:ph type="sldImg" idx="2"/>
+          </p:nvPr>
+        </p:nvSpPr>
+        <p:spPr>
+          <a:xfrm>
+            <a:off x="381000" y="685800"/>
+            <a:ext cx="6096000" cy="3429000"/>
+          </a:xfrm>
+          <a:custGeom>
+            <a:avLst/>
+            <a:gdLst/>
+            <a:ahLst/>
+            <a:cxnLst/>
+            <a:rect l="l" t="t" r="r" b="b"/>
+            <a:pathLst>
+              <a:path w="120000" h="120000" extrusionOk="0">
+                <a:moveTo>
+                  <a:pt x="0" y="0"/>
+                </a:moveTo>
+                <a:lnTo>
+                  <a:pt x="120000" y="0"/>
+                </a:lnTo>
+                <a:lnTo>
+                  <a:pt x="120000" y="120000"/>
+                </a:lnTo>
+                <a:lnTo>
+                  <a:pt x="0" y="120000"/>
+                </a:lnTo>
+                <a:close/>
+              </a:path>
+            </a:pathLst>
+          </a:custGeom>
+        </p:spPr>
+      </p:sp>
+    </p:spTree>
+    <p:extLst>
+      <p:ext uri="{BB962C8B-B14F-4D97-AF65-F5344CB8AC3E}">
+        <p14:creationId xmlns:p14="http://schemas.microsoft.com/office/powerpoint/2010/main" val="3807903069"/>
+      </p:ext>
+    </p:extLst>
+  </p:cSld>
+  <p:clrMapOvr>
+    <a:masterClrMapping/>
+  </p:clrMapOvr>
+</p:notes>
+</file>
+
+<file path=ppt/notesSlides/notesSlide19.xml><?xml version="1.0" encoding="utf-8"?>
 <p:notes xmlns:a="http://schemas.openxmlformats.org/drawingml/2006/main" xmlns:r="http://schemas.openxmlformats.org/officeDocument/2006/relationships" xmlns:p="http://schemas.openxmlformats.org/presentationml/2006/main" showMasterSp="0" showMasterPhAnim="0">
   <p:cSld>
     <p:spTree>
@@ -2091,7 +2723,42 @@
               </a:spcAft>
               <a:buNone/>
             </a:pPr>
-            <a:endParaRPr/>
+            <a:r>
+              <a:rPr lang="ru-RU" dirty="0"/>
+              <a:t>Рассказать про </a:t>
+            </a:r>
+            <a:r>
+              <a:rPr lang="ru-RU" dirty="0" err="1"/>
+              <a:t>датасет</a:t>
+            </a:r>
+            <a:endParaRPr lang="ru-RU" dirty="0"/>
+          </a:p>
+          <a:p>
+            <a:pPr marL="0" lvl="0" indent="0" algn="l" rtl="0">
+              <a:spcBef>
+                <a:spcPts val="0"/>
+              </a:spcBef>
+              <a:spcAft>
+                <a:spcPts val="0"/>
+              </a:spcAft>
+              <a:buNone/>
+            </a:pPr>
+            <a:r>
+              <a:rPr lang="ru-RU" dirty="0"/>
+              <a:t>Про метрики</a:t>
+            </a:r>
+          </a:p>
+          <a:p>
+            <a:pPr marL="0" lvl="0" indent="0" algn="l" rtl="0">
+              <a:spcBef>
+                <a:spcPts val="0"/>
+              </a:spcBef>
+              <a:spcAft>
+                <a:spcPts val="0"/>
+              </a:spcAft>
+              <a:buNone/>
+            </a:pPr>
+            <a:endParaRPr dirty="0"/>
           </a:p>
         </p:txBody>
       </p:sp>
@@ -2144,7 +2811,116 @@
 </p:notes>
 </file>
 
-<file path=ppt/notesSlides/notesSlide15.xml><?xml version="1.0" encoding="utf-8"?>
+<file path=ppt/notesSlides/notesSlide2.xml><?xml version="1.0" encoding="utf-8"?>
+<p:notes xmlns:a="http://schemas.openxmlformats.org/drawingml/2006/main" xmlns:r="http://schemas.openxmlformats.org/officeDocument/2006/relationships" xmlns:p="http://schemas.openxmlformats.org/presentationml/2006/main">
+  <p:cSld>
+    <p:spTree>
+      <p:nvGrpSpPr>
+        <p:cNvPr id="1" name=""/>
+        <p:cNvGrpSpPr/>
+        <p:nvPr/>
+      </p:nvGrpSpPr>
+      <p:grpSpPr>
+        <a:xfrm>
+          <a:off x="0" y="0"/>
+          <a:ext cx="0" cy="0"/>
+          <a:chOff x="0" y="0"/>
+          <a:chExt cx="0" cy="0"/>
+        </a:xfrm>
+      </p:grpSpPr>
+      <p:sp>
+        <p:nvSpPr>
+          <p:cNvPr id="2" name="Образ слайда 1"/>
+          <p:cNvSpPr>
+            <a:spLocks noGrp="1" noRot="1" noChangeAspect="1"/>
+          </p:cNvSpPr>
+          <p:nvPr>
+            <p:ph type="sldImg"/>
+          </p:nvPr>
+        </p:nvSpPr>
+        <p:spPr/>
+      </p:sp>
+      <p:sp>
+        <p:nvSpPr>
+          <p:cNvPr id="3" name="Заметки 2"/>
+          <p:cNvSpPr>
+            <a:spLocks noGrp="1"/>
+          </p:cNvSpPr>
+          <p:nvPr>
+            <p:ph type="body" idx="1"/>
+          </p:nvPr>
+        </p:nvSpPr>
+        <p:spPr/>
+        <p:txBody>
+          <a:bodyPr/>
+          <a:lstStyle/>
+          <a:p>
+            <a:endParaRPr lang="ru-US" dirty="0"/>
+          </a:p>
+        </p:txBody>
+      </p:sp>
+      <p:sp>
+        <p:nvSpPr>
+          <p:cNvPr id="4" name="Номер слайда 3"/>
+          <p:cNvSpPr>
+            <a:spLocks noGrp="1"/>
+          </p:cNvSpPr>
+          <p:nvPr>
+            <p:ph type="sldNum" idx="12"/>
+          </p:nvPr>
+        </p:nvSpPr>
+        <p:spPr/>
+        <p:txBody>
+          <a:bodyPr/>
+          <a:lstStyle/>
+          <a:p>
+            <a:pPr marL="0" marR="0" lvl="0" indent="0" algn="r" rtl="0">
+              <a:spcBef>
+                <a:spcPts val="0"/>
+              </a:spcBef>
+              <a:spcAft>
+                <a:spcPts val="0"/>
+              </a:spcAft>
+              <a:buNone/>
+            </a:pPr>
+            <a:fld id="{00000000-1234-1234-1234-123412341234}" type="slidenum">
+              <a:rPr lang="ru-RU" sz="1200" b="0" i="0" u="none" strike="noStrike" cap="none" smtClean="0">
+                <a:solidFill>
+                  <a:schemeClr val="dk1"/>
+                </a:solidFill>
+                <a:latin typeface="Calibri"/>
+                <a:ea typeface="Calibri"/>
+                <a:cs typeface="Calibri"/>
+                <a:sym typeface="Calibri"/>
+              </a:rPr>
+              <a:t>2</a:t>
+            </a:fld>
+            <a:endParaRPr lang="ru-RU" sz="1200" b="0" i="0" u="none" strike="noStrike" cap="none">
+              <a:solidFill>
+                <a:schemeClr val="dk1"/>
+              </a:solidFill>
+              <a:latin typeface="Calibri"/>
+              <a:ea typeface="Calibri"/>
+              <a:cs typeface="Calibri"/>
+              <a:sym typeface="Calibri"/>
+            </a:endParaRPr>
+          </a:p>
+        </p:txBody>
+      </p:sp>
+    </p:spTree>
+    <p:extLst>
+      <p:ext uri="{BB962C8B-B14F-4D97-AF65-F5344CB8AC3E}">
+        <p14:creationId xmlns:p14="http://schemas.microsoft.com/office/powerpoint/2010/main" val="3983350897"/>
+      </p:ext>
+    </p:extLst>
+  </p:cSld>
+  <p:clrMapOvr>
+    <a:masterClrMapping/>
+  </p:clrMapOvr>
+</p:notes>
+</file>
+
+<file path=ppt/notesSlides/notesSlide20.xml><?xml version="1.0" encoding="utf-8"?>
 <p:notes xmlns:a="http://schemas.openxmlformats.org/drawingml/2006/main" xmlns:r="http://schemas.openxmlformats.org/officeDocument/2006/relationships" xmlns:p="http://schemas.openxmlformats.org/presentationml/2006/main" showMasterSp="0" showMasterPhAnim="0">
   <p:cSld>
     <p:spTree>
@@ -2248,111 +3024,7 @@
 </p:notes>
 </file>
 
-<file path=ppt/notesSlides/notesSlide16.xml><?xml version="1.0" encoding="utf-8"?>
-<p:notes xmlns:a="http://schemas.openxmlformats.org/drawingml/2006/main" xmlns:r="http://schemas.openxmlformats.org/officeDocument/2006/relationships" xmlns:p="http://schemas.openxmlformats.org/presentationml/2006/main" showMasterSp="0" showMasterPhAnim="0">
-  <p:cSld>
-    <p:spTree>
-      <p:nvGrpSpPr>
-        <p:cNvPr id="1" name="Shape 216"/>
-        <p:cNvGrpSpPr/>
-        <p:nvPr/>
-      </p:nvGrpSpPr>
-      <p:grpSpPr>
-        <a:xfrm>
-          <a:off x="0" y="0"/>
-          <a:ext cx="0" cy="0"/>
-          <a:chOff x="0" y="0"/>
-          <a:chExt cx="0" cy="0"/>
-        </a:xfrm>
-      </p:grpSpPr>
-      <p:sp>
-        <p:nvSpPr>
-          <p:cNvPr id="217" name="Google Shape;217;p14:notes"/>
-          <p:cNvSpPr txBox="1">
-            <a:spLocks noGrp="1"/>
-          </p:cNvSpPr>
-          <p:nvPr>
-            <p:ph type="body" idx="1"/>
-          </p:nvPr>
-        </p:nvSpPr>
-        <p:spPr>
-          <a:xfrm>
-            <a:off x="685800" y="4343400"/>
-            <a:ext cx="5486400" cy="4114800"/>
-          </a:xfrm>
-          <a:prstGeom prst="rect">
-            <a:avLst/>
-          </a:prstGeom>
-        </p:spPr>
-        <p:txBody>
-          <a:bodyPr spcFirstLastPara="1" wrap="square" lIns="91425" tIns="45700" rIns="91425" bIns="45700" anchor="t" anchorCtr="0">
-            <a:noAutofit/>
-          </a:bodyPr>
-          <a:lstStyle/>
-          <a:p>
-            <a:pPr marL="0" lvl="0" indent="0" algn="l" rtl="0">
-              <a:spcBef>
-                <a:spcPts val="0"/>
-              </a:spcBef>
-              <a:spcAft>
-                <a:spcPts val="0"/>
-              </a:spcAft>
-              <a:buNone/>
-            </a:pPr>
-            <a:endParaRPr/>
-          </a:p>
-        </p:txBody>
-      </p:sp>
-      <p:sp>
-        <p:nvSpPr>
-          <p:cNvPr id="218" name="Google Shape;218;p14:notes"/>
-          <p:cNvSpPr>
-            <a:spLocks noGrp="1" noRot="1" noChangeAspect="1"/>
-          </p:cNvSpPr>
-          <p:nvPr>
-            <p:ph type="sldImg" idx="2"/>
-          </p:nvPr>
-        </p:nvSpPr>
-        <p:spPr>
-          <a:xfrm>
-            <a:off x="381000" y="685800"/>
-            <a:ext cx="6096000" cy="3429000"/>
-          </a:xfrm>
-          <a:custGeom>
-            <a:avLst/>
-            <a:gdLst/>
-            <a:ahLst/>
-            <a:cxnLst/>
-            <a:rect l="l" t="t" r="r" b="b"/>
-            <a:pathLst>
-              <a:path w="120000" h="120000" extrusionOk="0">
-                <a:moveTo>
-                  <a:pt x="0" y="0"/>
-                </a:moveTo>
-                <a:lnTo>
-                  <a:pt x="120000" y="0"/>
-                </a:lnTo>
-                <a:lnTo>
-                  <a:pt x="120000" y="120000"/>
-                </a:lnTo>
-                <a:lnTo>
-                  <a:pt x="0" y="120000"/>
-                </a:lnTo>
-                <a:close/>
-              </a:path>
-            </a:pathLst>
-          </a:custGeom>
-        </p:spPr>
-      </p:sp>
-    </p:spTree>
-  </p:cSld>
-  <p:clrMapOvr>
-    <a:masterClrMapping/>
-  </p:clrMapOvr>
-</p:notes>
-</file>
-
-<file path=ppt/notesSlides/notesSlide17.xml><?xml version="1.0" encoding="utf-8"?>
+<file path=ppt/notesSlides/notesSlide21.xml><?xml version="1.0" encoding="utf-8"?>
 <p:notes xmlns:a="http://schemas.openxmlformats.org/drawingml/2006/main" xmlns:r="http://schemas.openxmlformats.org/officeDocument/2006/relationships" xmlns:p="http://schemas.openxmlformats.org/presentationml/2006/main" showMasterSp="0" showMasterPhAnim="0">
   <p:cSld>
     <p:spTree>
@@ -2456,7 +3128,7 @@
 </p:notes>
 </file>
 
-<file path=ppt/notesSlides/notesSlide18.xml><?xml version="1.0" encoding="utf-8"?>
+<file path=ppt/notesSlides/notesSlide22.xml><?xml version="1.0" encoding="utf-8"?>
 <p:notes xmlns:a="http://schemas.openxmlformats.org/drawingml/2006/main" xmlns:r="http://schemas.openxmlformats.org/officeDocument/2006/relationships" xmlns:p="http://schemas.openxmlformats.org/presentationml/2006/main" showMasterSp="0" showMasterPhAnim="0">
   <p:cSld>
     <p:spTree>
@@ -2560,12 +3232,12 @@
 </p:notes>
 </file>
 
-<file path=ppt/notesSlides/notesSlide2.xml><?xml version="1.0" encoding="utf-8"?>
+<file path=ppt/notesSlides/notesSlide3.xml><?xml version="1.0" encoding="utf-8"?>
 <p:notes xmlns:a="http://schemas.openxmlformats.org/drawingml/2006/main" xmlns:r="http://schemas.openxmlformats.org/officeDocument/2006/relationships" xmlns:p="http://schemas.openxmlformats.org/presentationml/2006/main" showMasterSp="0" showMasterPhAnim="0">
   <p:cSld>
     <p:spTree>
       <p:nvGrpSpPr>
-        <p:cNvPr id="1" name="Shape 107"/>
+        <p:cNvPr id="1" name="Shape 129"/>
         <p:cNvGrpSpPr/>
         <p:nvPr/>
       </p:nvGrpSpPr>
@@ -2579,171 +3251,7 @@
       </p:grpSpPr>
       <p:sp>
         <p:nvSpPr>
-          <p:cNvPr id="108" name="Google Shape;108;p2:notes"/>
-          <p:cNvSpPr>
-            <a:spLocks noGrp="1" noRot="1" noChangeAspect="1"/>
-          </p:cNvSpPr>
-          <p:nvPr>
-            <p:ph type="sldImg" idx="2"/>
-          </p:nvPr>
-        </p:nvSpPr>
-        <p:spPr>
-          <a:xfrm>
-            <a:off x="381000" y="685800"/>
-            <a:ext cx="6096000" cy="3429000"/>
-          </a:xfrm>
-          <a:custGeom>
-            <a:avLst/>
-            <a:gdLst/>
-            <a:ahLst/>
-            <a:cxnLst/>
-            <a:rect l="l" t="t" r="r" b="b"/>
-            <a:pathLst>
-              <a:path w="120000" h="120000" extrusionOk="0">
-                <a:moveTo>
-                  <a:pt x="0" y="0"/>
-                </a:moveTo>
-                <a:lnTo>
-                  <a:pt x="120000" y="0"/>
-                </a:lnTo>
-                <a:lnTo>
-                  <a:pt x="120000" y="120000"/>
-                </a:lnTo>
-                <a:lnTo>
-                  <a:pt x="0" y="120000"/>
-                </a:lnTo>
-                <a:close/>
-              </a:path>
-            </a:pathLst>
-          </a:custGeom>
-          <a:noFill/>
-          <a:ln w="12700" cap="flat" cmpd="sng">
-            <a:solidFill>
-              <a:srgbClr val="000000"/>
-            </a:solidFill>
-            <a:prstDash val="solid"/>
-            <a:round/>
-            <a:headEnd type="none" w="sm" len="sm"/>
-            <a:tailEnd type="none" w="sm" len="sm"/>
-          </a:ln>
-        </p:spPr>
-      </p:sp>
-      <p:sp>
-        <p:nvSpPr>
-          <p:cNvPr id="109" name="Google Shape;109;p2:notes"/>
-          <p:cNvSpPr txBox="1">
-            <a:spLocks noGrp="1"/>
-          </p:cNvSpPr>
-          <p:nvPr>
-            <p:ph type="body" idx="1"/>
-          </p:nvPr>
-        </p:nvSpPr>
-        <p:spPr>
-          <a:xfrm>
-            <a:off x="685800" y="4343400"/>
-            <a:ext cx="5486400" cy="4114800"/>
-          </a:xfrm>
-          <a:prstGeom prst="rect">
-            <a:avLst/>
-          </a:prstGeom>
-          <a:noFill/>
-          <a:ln>
-            <a:noFill/>
-          </a:ln>
-        </p:spPr>
-        <p:txBody>
-          <a:bodyPr spcFirstLastPara="1" wrap="square" lIns="91425" tIns="45700" rIns="91425" bIns="45700" anchor="t" anchorCtr="0">
-            <a:noAutofit/>
-          </a:bodyPr>
-          <a:lstStyle/>
-          <a:p>
-            <a:pPr marL="0" lvl="0" indent="0" algn="l" rtl="0">
-              <a:spcBef>
-                <a:spcPts val="0"/>
-              </a:spcBef>
-              <a:spcAft>
-                <a:spcPts val="0"/>
-              </a:spcAft>
-              <a:buNone/>
-            </a:pPr>
-            <a:endParaRPr/>
-          </a:p>
-        </p:txBody>
-      </p:sp>
-      <p:sp>
-        <p:nvSpPr>
-          <p:cNvPr id="110" name="Google Shape;110;p2:notes"/>
-          <p:cNvSpPr txBox="1">
-            <a:spLocks noGrp="1"/>
-          </p:cNvSpPr>
-          <p:nvPr>
-            <p:ph type="sldNum" idx="12"/>
-          </p:nvPr>
-        </p:nvSpPr>
-        <p:spPr>
-          <a:xfrm>
-            <a:off x="3884613" y="8685213"/>
-            <a:ext cx="2971800" cy="457200"/>
-          </a:xfrm>
-          <a:prstGeom prst="rect">
-            <a:avLst/>
-          </a:prstGeom>
-          <a:noFill/>
-          <a:ln>
-            <a:noFill/>
-          </a:ln>
-        </p:spPr>
-        <p:txBody>
-          <a:bodyPr spcFirstLastPara="1" wrap="square" lIns="91425" tIns="45700" rIns="91425" bIns="45700" anchor="b" anchorCtr="0">
-            <a:noAutofit/>
-          </a:bodyPr>
-          <a:lstStyle/>
-          <a:p>
-            <a:pPr marL="0" lvl="0" indent="0" algn="r" rtl="0">
-              <a:spcBef>
-                <a:spcPts val="0"/>
-              </a:spcBef>
-              <a:spcAft>
-                <a:spcPts val="0"/>
-              </a:spcAft>
-              <a:buNone/>
-            </a:pPr>
-            <a:fld id="{00000000-1234-1234-1234-123412341234}" type="slidenum">
-              <a:rPr lang="ru-RU"/>
-              <a:t>2</a:t>
-            </a:fld>
-            <a:endParaRPr/>
-          </a:p>
-        </p:txBody>
-      </p:sp>
-    </p:spTree>
-  </p:cSld>
-  <p:clrMapOvr>
-    <a:masterClrMapping/>
-  </p:clrMapOvr>
-</p:notes>
-</file>
-
-<file path=ppt/notesSlides/notesSlide3.xml><?xml version="1.0" encoding="utf-8"?>
-<p:notes xmlns:a="http://schemas.openxmlformats.org/drawingml/2006/main" xmlns:r="http://schemas.openxmlformats.org/officeDocument/2006/relationships" xmlns:p="http://schemas.openxmlformats.org/presentationml/2006/main" showMasterSp="0" showMasterPhAnim="0">
-  <p:cSld>
-    <p:spTree>
-      <p:nvGrpSpPr>
-        <p:cNvPr id="1" name="Shape 122"/>
-        <p:cNvGrpSpPr/>
-        <p:nvPr/>
-      </p:nvGrpSpPr>
-      <p:grpSpPr>
-        <a:xfrm>
-          <a:off x="0" y="0"/>
-          <a:ext cx="0" cy="0"/>
-          <a:chOff x="0" y="0"/>
-          <a:chExt cx="0" cy="0"/>
-        </a:xfrm>
-      </p:grpSpPr>
-      <p:sp>
-        <p:nvSpPr>
-          <p:cNvPr id="123" name="Google Shape;123;p4:notes"/>
+          <p:cNvPr id="130" name="Google Shape;130;p5:notes"/>
           <p:cNvSpPr txBox="1">
             <a:spLocks noGrp="1"/>
           </p:cNvSpPr>
@@ -2781,7 +3289,7 @@
       </p:sp>
       <p:sp>
         <p:nvSpPr>
-          <p:cNvPr id="124" name="Google Shape;124;p4:notes"/>
+          <p:cNvPr id="131" name="Google Shape;131;p5:notes"/>
           <p:cNvSpPr>
             <a:spLocks noGrp="1" noRot="1" noChangeAspect="1"/>
           </p:cNvSpPr>
@@ -2833,7 +3341,7 @@
   <p:cSld>
     <p:spTree>
       <p:nvGrpSpPr>
-        <p:cNvPr id="1" name="Shape 129"/>
+        <p:cNvPr id="1" name="Shape 122"/>
         <p:cNvGrpSpPr/>
         <p:nvPr/>
       </p:nvGrpSpPr>
@@ -2847,7 +3355,7 @@
       </p:grpSpPr>
       <p:sp>
         <p:nvSpPr>
-          <p:cNvPr id="130" name="Google Shape;130;p5:notes"/>
+          <p:cNvPr id="123" name="Google Shape;123;p4:notes"/>
           <p:cNvSpPr txBox="1">
             <a:spLocks noGrp="1"/>
           </p:cNvSpPr>
@@ -2885,7 +3393,7 @@
       </p:sp>
       <p:sp>
         <p:nvSpPr>
-          <p:cNvPr id="131" name="Google Shape;131;p5:notes"/>
+          <p:cNvPr id="124" name="Google Shape;124;p4:notes"/>
           <p:cNvSpPr>
             <a:spLocks noGrp="1" noRot="1" noChangeAspect="1"/>
           </p:cNvSpPr>
@@ -3191,7 +3699,19 @@
               </a:spcAft>
               <a:buNone/>
             </a:pPr>
-            <a:endParaRPr/>
+            <a:r>
+              <a:rPr lang="ru-RU" sz="1200" dirty="0">
+                <a:solidFill>
+                  <a:schemeClr val="dk1"/>
+                </a:solidFill>
+                <a:latin typeface="Calibri"/>
+                <a:ea typeface="Calibri"/>
+                <a:cs typeface="Calibri"/>
+                <a:sym typeface="Calibri"/>
+              </a:rPr>
+              <a:t>И пример – медицина, сказать как сводиться к нашей задаче</a:t>
+            </a:r>
+            <a:endParaRPr dirty="0"/>
           </a:p>
         </p:txBody>
       </p:sp>
@@ -3380,7 +3900,7 @@
             </a:pPr>
             <a:fld id="{00000000-1234-1234-1234-123412341234}" type="slidenum">
               <a:rPr lang="ru-RU"/>
-              <a:t>8</a:t>
+              <a:t>9</a:t>
             </a:fld>
             <a:endParaRPr/>
           </a:p>
@@ -17227,7 +17747,7 @@
         </p:nvSpPr>
         <p:spPr>
           <a:xfrm>
-            <a:off x="822960" y="1394635"/>
+            <a:off x="822960" y="1692934"/>
             <a:ext cx="7498080" cy="705749"/>
           </a:xfrm>
           <a:prstGeom prst="rect">
@@ -17259,10 +17779,10 @@
               <a:buNone/>
             </a:pPr>
             <a:r>
-              <a:rPr lang="ru-RU"/>
+              <a:rPr lang="ru-RU" dirty="0"/>
               <a:t>Моделирование ставок в аукционе</a:t>
             </a:r>
-            <a:endParaRPr sz="2800">
+            <a:endParaRPr sz="2800" dirty="0">
               <a:latin typeface="Arial"/>
               <a:ea typeface="Arial"/>
               <a:cs typeface="Arial"/>
@@ -17337,11 +17857,27 @@
             </a:pPr>
             <a:r>
               <a:rPr lang="ru-RU" dirty="0"/>
-              <a:t>Научный руководитель Фильченков А. А., к. ф.-м. н., доцент </a:t>
+              <a:t>Научный руководитель Фильченков А. А., к. ф.-м. н., </a:t>
             </a:r>
+          </a:p>
+          <a:p>
+            <a:pPr marL="0" lvl="0" indent="0" algn="ctr" rtl="0">
+              <a:spcBef>
+                <a:spcPts val="320"/>
+              </a:spcBef>
+              <a:spcAft>
+                <a:spcPts val="0"/>
+              </a:spcAft>
+              <a:buClr>
+                <a:schemeClr val="lt1"/>
+              </a:buClr>
+              <a:buSzPts val="1600"/>
+              <a:buFont typeface="Arial"/>
+              <a:buNone/>
+            </a:pPr>
             <a:r>
-              <a:rPr lang="ru-RU" dirty="0" err="1"/>
-              <a:t>ФИТиП</a:t>
+              <a:rPr lang="ru-RU" dirty="0"/>
+              <a:t>доцент ФИТиП</a:t>
             </a:r>
             <a:endParaRPr lang="en-US" dirty="0"/>
           </a:p>
@@ -17517,6 +18053,639 @@
 </file>
 
 <file path=ppt/slides/slide10.xml><?xml version="1.0" encoding="utf-8"?>
+<p:sld xmlns:a="http://schemas.openxmlformats.org/drawingml/2006/main" xmlns:r="http://schemas.openxmlformats.org/officeDocument/2006/relationships" xmlns:p="http://schemas.openxmlformats.org/presentationml/2006/main">
+  <p:cSld>
+    <p:spTree>
+      <p:nvGrpSpPr>
+        <p:cNvPr id="1" name="Shape 164"/>
+        <p:cNvGrpSpPr/>
+        <p:nvPr/>
+      </p:nvGrpSpPr>
+      <p:grpSpPr>
+        <a:xfrm>
+          <a:off x="0" y="0"/>
+          <a:ext cx="0" cy="0"/>
+          <a:chOff x="0" y="0"/>
+          <a:chExt cx="0" cy="0"/>
+        </a:xfrm>
+      </p:grpSpPr>
+      <p:sp>
+        <p:nvSpPr>
+          <p:cNvPr id="165" name="Google Shape;165;p8"/>
+          <p:cNvSpPr txBox="1">
+            <a:spLocks noGrp="1"/>
+          </p:cNvSpPr>
+          <p:nvPr>
+            <p:ph type="body" idx="1"/>
+          </p:nvPr>
+        </p:nvSpPr>
+        <p:spPr>
+          <a:xfrm>
+            <a:off x="457199" y="1839310"/>
+            <a:ext cx="8229599" cy="2755313"/>
+          </a:xfrm>
+          <a:prstGeom prst="rect">
+            <a:avLst/>
+          </a:prstGeom>
+          <a:blipFill rotWithShape="1">
+            <a:blip r:embed="rId3">
+              <a:alphaModFix/>
+            </a:blip>
+            <a:stretch>
+              <a:fillRect t="-61696" b="-64886"/>
+            </a:stretch>
+          </a:blipFill>
+          <a:ln>
+            <a:noFill/>
+          </a:ln>
+        </p:spPr>
+        <p:txBody>
+          <a:bodyPr spcFirstLastPara="1" wrap="square" lIns="91425" tIns="45700" rIns="91425" bIns="45700" anchor="t" anchorCtr="0">
+            <a:normAutofit/>
+          </a:bodyPr>
+          <a:lstStyle/>
+          <a:p>
+            <a:pPr marL="342900" lvl="0" indent="0" algn="l" rtl="0">
+              <a:spcBef>
+                <a:spcPts val="0"/>
+              </a:spcBef>
+              <a:spcAft>
+                <a:spcPts val="0"/>
+              </a:spcAft>
+              <a:buNone/>
+            </a:pPr>
+            <a:r>
+              <a:rPr lang="ru-RU" dirty="0"/>
+              <a:t> </a:t>
+            </a:r>
+            <a:endParaRPr dirty="0"/>
+          </a:p>
+        </p:txBody>
+      </p:sp>
+      <p:sp>
+        <p:nvSpPr>
+          <p:cNvPr id="166" name="Google Shape;166;p8"/>
+          <p:cNvSpPr txBox="1">
+            <a:spLocks noGrp="1"/>
+          </p:cNvSpPr>
+          <p:nvPr>
+            <p:ph type="title"/>
+          </p:nvPr>
+        </p:nvSpPr>
+        <p:spPr>
+          <a:xfrm>
+            <a:off x="457200" y="927382"/>
+            <a:ext cx="8229600" cy="620483"/>
+          </a:xfrm>
+          <a:prstGeom prst="rect">
+            <a:avLst/>
+          </a:prstGeom>
+          <a:noFill/>
+          <a:ln>
+            <a:noFill/>
+          </a:ln>
+        </p:spPr>
+        <p:txBody>
+          <a:bodyPr spcFirstLastPara="1" wrap="square" lIns="91425" tIns="45700" rIns="91425" bIns="45700" anchor="ctr" anchorCtr="0">
+            <a:normAutofit/>
+          </a:bodyPr>
+          <a:lstStyle/>
+          <a:p>
+            <a:pPr marL="0" lvl="0" indent="0" algn="l" rtl="0">
+              <a:spcBef>
+                <a:spcPts val="0"/>
+              </a:spcBef>
+              <a:spcAft>
+                <a:spcPts val="0"/>
+              </a:spcAft>
+              <a:buClr>
+                <a:schemeClr val="dk1"/>
+              </a:buClr>
+              <a:buSzPts val="3200"/>
+              <a:buFont typeface="Arial"/>
+              <a:buNone/>
+            </a:pPr>
+            <a:r>
+              <a:rPr lang="ru-RU" dirty="0"/>
+              <a:t>Решение задачи</a:t>
+            </a:r>
+            <a:endParaRPr dirty="0"/>
+          </a:p>
+        </p:txBody>
+      </p:sp>
+      <p:sp>
+        <p:nvSpPr>
+          <p:cNvPr id="167" name="Google Shape;167;p8"/>
+          <p:cNvSpPr/>
+          <p:nvPr/>
+        </p:nvSpPr>
+        <p:spPr>
+          <a:xfrm>
+            <a:off x="1899501" y="4541676"/>
+            <a:ext cx="7244499" cy="307777"/>
+          </a:xfrm>
+          <a:prstGeom prst="rect">
+            <a:avLst/>
+          </a:prstGeom>
+          <a:noFill/>
+          <a:ln>
+            <a:noFill/>
+          </a:ln>
+        </p:spPr>
+        <p:txBody>
+          <a:bodyPr spcFirstLastPara="1" wrap="square" lIns="91425" tIns="45700" rIns="91425" bIns="45700" anchor="t" anchorCtr="0">
+            <a:spAutoFit/>
+          </a:bodyPr>
+          <a:lstStyle/>
+          <a:p>
+            <a:pPr marL="0" marR="0" lvl="0" indent="0" algn="l" rtl="0">
+              <a:spcBef>
+                <a:spcPts val="0"/>
+              </a:spcBef>
+              <a:spcAft>
+                <a:spcPts val="0"/>
+              </a:spcAft>
+              <a:buNone/>
+            </a:pPr>
+            <a:r>
+              <a:rPr lang="ru-RU" sz="1400">
+                <a:solidFill>
+                  <a:schemeClr val="dk1"/>
+                </a:solidFill>
+                <a:latin typeface="Arial"/>
+                <a:ea typeface="Arial"/>
+                <a:cs typeface="Arial"/>
+                <a:sym typeface="Arial"/>
+              </a:rPr>
+              <a:t>Deep Landscape Forecasting for Real-time Bidding Advertising, KDD, 2019</a:t>
+            </a:r>
+            <a:endParaRPr sz="1400">
+              <a:solidFill>
+                <a:schemeClr val="dk1"/>
+              </a:solidFill>
+              <a:latin typeface="Arial"/>
+              <a:ea typeface="Arial"/>
+              <a:cs typeface="Arial"/>
+              <a:sym typeface="Arial"/>
+            </a:endParaRPr>
+          </a:p>
+        </p:txBody>
+      </p:sp>
+      <p:sp>
+        <p:nvSpPr>
+          <p:cNvPr id="168" name="Google Shape;168;p8"/>
+          <p:cNvSpPr txBox="1">
+            <a:spLocks noGrp="1"/>
+          </p:cNvSpPr>
+          <p:nvPr>
+            <p:ph type="sldNum" idx="12"/>
+          </p:nvPr>
+        </p:nvSpPr>
+        <p:spPr>
+          <a:xfrm>
+            <a:off x="8556784" y="4749851"/>
+            <a:ext cx="548700" cy="393600"/>
+          </a:xfrm>
+          <a:prstGeom prst="rect">
+            <a:avLst/>
+          </a:prstGeom>
+        </p:spPr>
+        <p:txBody>
+          <a:bodyPr spcFirstLastPara="1" wrap="square" lIns="91425" tIns="91425" rIns="91425" bIns="91425" anchor="t" anchorCtr="0">
+            <a:noAutofit/>
+          </a:bodyPr>
+          <a:lstStyle/>
+          <a:p>
+            <a:pPr marL="0" lvl="0" indent="0" algn="r" rtl="0">
+              <a:spcBef>
+                <a:spcPts val="0"/>
+              </a:spcBef>
+              <a:spcAft>
+                <a:spcPts val="0"/>
+              </a:spcAft>
+              <a:buNone/>
+            </a:pPr>
+            <a:fld id="{00000000-1234-1234-1234-123412341234}" type="slidenum">
+              <a:rPr lang="ru-RU"/>
+              <a:t>10</a:t>
+            </a:fld>
+            <a:endParaRPr/>
+          </a:p>
+        </p:txBody>
+      </p:sp>
+    </p:spTree>
+  </p:cSld>
+  <p:clrMapOvr>
+    <a:masterClrMapping/>
+  </p:clrMapOvr>
+</p:sld>
+</file>
+
+<file path=ppt/slides/slide11.xml><?xml version="1.0" encoding="utf-8"?>
+<p:sld xmlns:a="http://schemas.openxmlformats.org/drawingml/2006/main" xmlns:r="http://schemas.openxmlformats.org/officeDocument/2006/relationships" xmlns:p="http://schemas.openxmlformats.org/presentationml/2006/main">
+  <p:cSld>
+    <p:spTree>
+      <p:nvGrpSpPr>
+        <p:cNvPr id="1" name="Shape 164"/>
+        <p:cNvGrpSpPr/>
+        <p:nvPr/>
+      </p:nvGrpSpPr>
+      <p:grpSpPr>
+        <a:xfrm>
+          <a:off x="0" y="0"/>
+          <a:ext cx="0" cy="0"/>
+          <a:chOff x="0" y="0"/>
+          <a:chExt cx="0" cy="0"/>
+        </a:xfrm>
+      </p:grpSpPr>
+      <p:sp>
+        <p:nvSpPr>
+          <p:cNvPr id="166" name="Google Shape;166;p8"/>
+          <p:cNvSpPr txBox="1">
+            <a:spLocks noGrp="1"/>
+          </p:cNvSpPr>
+          <p:nvPr>
+            <p:ph type="title"/>
+          </p:nvPr>
+        </p:nvSpPr>
+        <p:spPr>
+          <a:xfrm>
+            <a:off x="457200" y="927382"/>
+            <a:ext cx="8229600" cy="620483"/>
+          </a:xfrm>
+          <a:prstGeom prst="rect">
+            <a:avLst/>
+          </a:prstGeom>
+          <a:noFill/>
+          <a:ln>
+            <a:noFill/>
+          </a:ln>
+        </p:spPr>
+        <p:txBody>
+          <a:bodyPr spcFirstLastPara="1" wrap="square" lIns="91425" tIns="45700" rIns="91425" bIns="45700" anchor="ctr" anchorCtr="0">
+            <a:normAutofit/>
+          </a:bodyPr>
+          <a:lstStyle/>
+          <a:p>
+            <a:pPr marL="0" lvl="0" indent="0" algn="l" rtl="0">
+              <a:spcBef>
+                <a:spcPts val="0"/>
+              </a:spcBef>
+              <a:spcAft>
+                <a:spcPts val="0"/>
+              </a:spcAft>
+              <a:buClr>
+                <a:schemeClr val="dk1"/>
+              </a:buClr>
+              <a:buSzPts val="3200"/>
+              <a:buFont typeface="Arial"/>
+              <a:buNone/>
+            </a:pPr>
+            <a:r>
+              <a:rPr lang="ru-RU" dirty="0"/>
+              <a:t>Решение задачи</a:t>
+            </a:r>
+            <a:endParaRPr dirty="0"/>
+          </a:p>
+        </p:txBody>
+      </p:sp>
+      <p:sp>
+        <p:nvSpPr>
+          <p:cNvPr id="168" name="Google Shape;168;p8"/>
+          <p:cNvSpPr txBox="1">
+            <a:spLocks noGrp="1"/>
+          </p:cNvSpPr>
+          <p:nvPr>
+            <p:ph type="sldNum" idx="12"/>
+          </p:nvPr>
+        </p:nvSpPr>
+        <p:spPr>
+          <a:xfrm>
+            <a:off x="8556784" y="4749851"/>
+            <a:ext cx="548700" cy="393600"/>
+          </a:xfrm>
+          <a:prstGeom prst="rect">
+            <a:avLst/>
+          </a:prstGeom>
+        </p:spPr>
+        <p:txBody>
+          <a:bodyPr spcFirstLastPara="1" wrap="square" lIns="91425" tIns="91425" rIns="91425" bIns="91425" anchor="t" anchorCtr="0">
+            <a:noAutofit/>
+          </a:bodyPr>
+          <a:lstStyle/>
+          <a:p>
+            <a:pPr marL="0" lvl="0" indent="0" algn="r" rtl="0">
+              <a:spcBef>
+                <a:spcPts val="0"/>
+              </a:spcBef>
+              <a:spcAft>
+                <a:spcPts val="0"/>
+              </a:spcAft>
+              <a:buNone/>
+            </a:pPr>
+            <a:fld id="{00000000-1234-1234-1234-123412341234}" type="slidenum">
+              <a:rPr lang="ru-RU"/>
+              <a:t>11</a:t>
+            </a:fld>
+            <a:endParaRPr/>
+          </a:p>
+        </p:txBody>
+      </p:sp>
+      <p:pic>
+        <p:nvPicPr>
+          <p:cNvPr id="5" name="Рисунок 4">
+            <a:extLst>
+              <a:ext uri="{FF2B5EF4-FFF2-40B4-BE49-F238E27FC236}">
+                <a16:creationId xmlns:a16="http://schemas.microsoft.com/office/drawing/2014/main" id="{7502D97A-F899-DF4C-914C-6456E961E0E6}"/>
+              </a:ext>
+            </a:extLst>
+          </p:cNvPr>
+          <p:cNvPicPr>
+            <a:picLocks noChangeAspect="1"/>
+          </p:cNvPicPr>
+          <p:nvPr/>
+        </p:nvPicPr>
+        <p:blipFill>
+          <a:blip r:embed="rId3"/>
+          <a:stretch>
+            <a:fillRect/>
+          </a:stretch>
+        </p:blipFill>
+        <p:spPr>
+          <a:xfrm>
+            <a:off x="1693903" y="1787196"/>
+            <a:ext cx="5410200" cy="2349500"/>
+          </a:xfrm>
+          <a:prstGeom prst="rect">
+            <a:avLst/>
+          </a:prstGeom>
+        </p:spPr>
+      </p:pic>
+      <p:sp>
+        <p:nvSpPr>
+          <p:cNvPr id="6" name="TextBox 5">
+            <a:extLst>
+              <a:ext uri="{FF2B5EF4-FFF2-40B4-BE49-F238E27FC236}">
+                <a16:creationId xmlns:a16="http://schemas.microsoft.com/office/drawing/2014/main" id="{2FF41DBF-1F2A-B344-BCAE-1D33C9FD6E1D}"/>
+              </a:ext>
+            </a:extLst>
+          </p:cNvPr>
+          <p:cNvSpPr txBox="1"/>
+          <p:nvPr/>
+        </p:nvSpPr>
+        <p:spPr>
+          <a:xfrm>
+            <a:off x="2007836" y="4426685"/>
+            <a:ext cx="5128327" cy="646331"/>
+          </a:xfrm>
+          <a:prstGeom prst="rect">
+            <a:avLst/>
+          </a:prstGeom>
+          <a:noFill/>
+        </p:spPr>
+        <p:txBody>
+          <a:bodyPr wrap="none" rtlCol="0">
+            <a:spAutoFit/>
+          </a:bodyPr>
+          <a:lstStyle/>
+          <a:p>
+            <a:pPr algn="ctr"/>
+            <a:r>
+              <a:rPr lang="ru-RU" sz="1800" dirty="0"/>
+              <a:t>Рисунок 2. График плотности распределения</a:t>
+            </a:r>
+            <a:r>
+              <a:rPr lang="ru-US" sz="1800" dirty="0"/>
+              <a:t> </a:t>
+            </a:r>
+          </a:p>
+          <a:p>
+            <a:pPr algn="ctr"/>
+            <a:r>
+              <a:rPr lang="ru-RU" sz="1800" dirty="0"/>
+              <a:t>в непрерывном пространстве</a:t>
+            </a:r>
+          </a:p>
+        </p:txBody>
+      </p:sp>
+    </p:spTree>
+    <p:extLst>
+      <p:ext uri="{BB962C8B-B14F-4D97-AF65-F5344CB8AC3E}">
+        <p14:creationId xmlns:p14="http://schemas.microsoft.com/office/powerpoint/2010/main" val="855175701"/>
+      </p:ext>
+    </p:extLst>
+  </p:cSld>
+  <p:clrMapOvr>
+    <a:masterClrMapping/>
+  </p:clrMapOvr>
+</p:sld>
+</file>
+
+<file path=ppt/slides/slide12.xml><?xml version="1.0" encoding="utf-8"?>
+<p:sld xmlns:a="http://schemas.openxmlformats.org/drawingml/2006/main" xmlns:r="http://schemas.openxmlformats.org/officeDocument/2006/relationships" xmlns:p="http://schemas.openxmlformats.org/presentationml/2006/main">
+  <p:cSld>
+    <p:spTree>
+      <p:nvGrpSpPr>
+        <p:cNvPr id="1" name="Shape 164"/>
+        <p:cNvGrpSpPr/>
+        <p:nvPr/>
+      </p:nvGrpSpPr>
+      <p:grpSpPr>
+        <a:xfrm>
+          <a:off x="0" y="0"/>
+          <a:ext cx="0" cy="0"/>
+          <a:chOff x="0" y="0"/>
+          <a:chExt cx="0" cy="0"/>
+        </a:xfrm>
+      </p:grpSpPr>
+      <p:sp>
+        <p:nvSpPr>
+          <p:cNvPr id="166" name="Google Shape;166;p8"/>
+          <p:cNvSpPr txBox="1">
+            <a:spLocks noGrp="1"/>
+          </p:cNvSpPr>
+          <p:nvPr>
+            <p:ph type="title"/>
+          </p:nvPr>
+        </p:nvSpPr>
+        <p:spPr>
+          <a:xfrm>
+            <a:off x="457200" y="927382"/>
+            <a:ext cx="8229600" cy="620483"/>
+          </a:xfrm>
+          <a:prstGeom prst="rect">
+            <a:avLst/>
+          </a:prstGeom>
+          <a:noFill/>
+          <a:ln>
+            <a:noFill/>
+          </a:ln>
+        </p:spPr>
+        <p:txBody>
+          <a:bodyPr spcFirstLastPara="1" wrap="square" lIns="91425" tIns="45700" rIns="91425" bIns="45700" anchor="ctr" anchorCtr="0">
+            <a:normAutofit/>
+          </a:bodyPr>
+          <a:lstStyle/>
+          <a:p>
+            <a:pPr marL="0" lvl="0" indent="0" algn="l" rtl="0">
+              <a:spcBef>
+                <a:spcPts val="0"/>
+              </a:spcBef>
+              <a:spcAft>
+                <a:spcPts val="0"/>
+              </a:spcAft>
+              <a:buClr>
+                <a:schemeClr val="dk1"/>
+              </a:buClr>
+              <a:buSzPts val="3200"/>
+              <a:buFont typeface="Arial"/>
+              <a:buNone/>
+            </a:pPr>
+            <a:r>
+              <a:rPr lang="ru-RU" dirty="0"/>
+              <a:t>Решение задачи</a:t>
+            </a:r>
+            <a:endParaRPr dirty="0"/>
+          </a:p>
+        </p:txBody>
+      </p:sp>
+      <p:sp>
+        <p:nvSpPr>
+          <p:cNvPr id="168" name="Google Shape;168;p8"/>
+          <p:cNvSpPr txBox="1">
+            <a:spLocks noGrp="1"/>
+          </p:cNvSpPr>
+          <p:nvPr>
+            <p:ph type="sldNum" idx="12"/>
+          </p:nvPr>
+        </p:nvSpPr>
+        <p:spPr>
+          <a:xfrm>
+            <a:off x="8556784" y="4749851"/>
+            <a:ext cx="548700" cy="393600"/>
+          </a:xfrm>
+          <a:prstGeom prst="rect">
+            <a:avLst/>
+          </a:prstGeom>
+        </p:spPr>
+        <p:txBody>
+          <a:bodyPr spcFirstLastPara="1" wrap="square" lIns="91425" tIns="91425" rIns="91425" bIns="91425" anchor="t" anchorCtr="0">
+            <a:noAutofit/>
+          </a:bodyPr>
+          <a:lstStyle/>
+          <a:p>
+            <a:pPr marL="0" lvl="0" indent="0" algn="r" rtl="0">
+              <a:spcBef>
+                <a:spcPts val="0"/>
+              </a:spcBef>
+              <a:spcAft>
+                <a:spcPts val="0"/>
+              </a:spcAft>
+              <a:buNone/>
+            </a:pPr>
+            <a:fld id="{00000000-1234-1234-1234-123412341234}" type="slidenum">
+              <a:rPr lang="ru-RU"/>
+              <a:t>12</a:t>
+            </a:fld>
+            <a:endParaRPr/>
+          </a:p>
+        </p:txBody>
+      </p:sp>
+      <p:sp>
+        <p:nvSpPr>
+          <p:cNvPr id="6" name="TextBox 5">
+            <a:extLst>
+              <a:ext uri="{FF2B5EF4-FFF2-40B4-BE49-F238E27FC236}">
+                <a16:creationId xmlns:a16="http://schemas.microsoft.com/office/drawing/2014/main" id="{2FF41DBF-1F2A-B344-BCAE-1D33C9FD6E1D}"/>
+              </a:ext>
+            </a:extLst>
+          </p:cNvPr>
+          <p:cNvSpPr txBox="1"/>
+          <p:nvPr/>
+        </p:nvSpPr>
+        <p:spPr>
+          <a:xfrm>
+            <a:off x="2039896" y="4426685"/>
+            <a:ext cx="5064207" cy="646331"/>
+          </a:xfrm>
+          <a:prstGeom prst="rect">
+            <a:avLst/>
+          </a:prstGeom>
+          <a:noFill/>
+        </p:spPr>
+        <p:txBody>
+          <a:bodyPr wrap="none" rtlCol="0">
+            <a:spAutoFit/>
+          </a:bodyPr>
+          <a:lstStyle/>
+          <a:p>
+            <a:r>
+              <a:rPr lang="ru-RU" sz="1800" dirty="0"/>
+              <a:t>Рисунок </a:t>
+            </a:r>
+            <a:r>
+              <a:rPr lang="en-US" sz="1800" dirty="0"/>
+              <a:t>3</a:t>
+            </a:r>
+            <a:r>
+              <a:rPr lang="ru-RU" sz="1800" dirty="0"/>
+              <a:t>. График плотности распределения</a:t>
+            </a:r>
+          </a:p>
+          <a:p>
+            <a:pPr algn="ctr"/>
+            <a:r>
+              <a:rPr lang="ru-RU" sz="1800" dirty="0"/>
+              <a:t>в дискретном пространстве</a:t>
+            </a:r>
+            <a:endParaRPr lang="ru-US" sz="1800" dirty="0"/>
+          </a:p>
+        </p:txBody>
+      </p:sp>
+      <p:pic>
+        <p:nvPicPr>
+          <p:cNvPr id="7" name="Рисунок 6">
+            <a:extLst>
+              <a:ext uri="{FF2B5EF4-FFF2-40B4-BE49-F238E27FC236}">
+                <a16:creationId xmlns:a16="http://schemas.microsoft.com/office/drawing/2014/main" id="{65F7D98F-45B3-2D43-8291-D39B97A22F70}"/>
+              </a:ext>
+            </a:extLst>
+          </p:cNvPr>
+          <p:cNvPicPr>
+            <a:picLocks noChangeAspect="1"/>
+          </p:cNvPicPr>
+          <p:nvPr/>
+        </p:nvPicPr>
+        <p:blipFill>
+          <a:blip r:embed="rId3"/>
+          <a:stretch>
+            <a:fillRect/>
+          </a:stretch>
+        </p:blipFill>
+        <p:spPr>
+          <a:xfrm>
+            <a:off x="1993899" y="1799645"/>
+            <a:ext cx="5156200" cy="2387600"/>
+          </a:xfrm>
+          <a:prstGeom prst="rect">
+            <a:avLst/>
+          </a:prstGeom>
+        </p:spPr>
+      </p:pic>
+    </p:spTree>
+    <p:extLst>
+      <p:ext uri="{BB962C8B-B14F-4D97-AF65-F5344CB8AC3E}">
+        <p14:creationId xmlns:p14="http://schemas.microsoft.com/office/powerpoint/2010/main" val="2539662457"/>
+      </p:ext>
+    </p:extLst>
+  </p:cSld>
+  <p:clrMapOvr>
+    <a:masterClrMapping/>
+  </p:clrMapOvr>
+</p:sld>
+</file>
+
+<file path=ppt/slides/slide13.xml><?xml version="1.0" encoding="utf-8"?>
 <p:sld xmlns:a="http://schemas.openxmlformats.org/drawingml/2006/main" xmlns:r="http://schemas.openxmlformats.org/officeDocument/2006/relationships" xmlns:p="http://schemas.openxmlformats.org/presentationml/2006/main">
   <p:cSld>
     <p:spTree>
@@ -17579,10 +18748,10 @@
               <a:buNone/>
             </a:pPr>
             <a:r>
-              <a:rPr lang="ru-RU"/>
+              <a:rPr lang="ru-RU" dirty="0"/>
               <a:t> </a:t>
             </a:r>
-            <a:endParaRPr/>
+            <a:endParaRPr dirty="0"/>
           </a:p>
         </p:txBody>
       </p:sp>
@@ -17630,10 +18799,10 @@
               <a:buNone/>
             </a:pPr>
             <a:r>
-              <a:rPr lang="ru-RU"/>
+              <a:rPr lang="ru-RU" dirty="0"/>
               <a:t>Решение задачи</a:t>
             </a:r>
-            <a:endParaRPr/>
+            <a:endParaRPr dirty="0"/>
           </a:p>
         </p:txBody>
       </p:sp>
@@ -17731,7 +18900,7 @@
             </a:pPr>
             <a:fld id="{00000000-1234-1234-1234-123412341234}" type="slidenum">
               <a:rPr lang="ru-RU"/>
-              <a:t>10</a:t>
+              <a:t>13</a:t>
             </a:fld>
             <a:endParaRPr/>
           </a:p>
@@ -17745,7 +18914,565 @@
 </p:sld>
 </file>
 
-<file path=ppt/slides/slide11.xml><?xml version="1.0" encoding="utf-8"?>
+<file path=ppt/slides/slide14.xml><?xml version="1.0" encoding="utf-8"?>
+<p:sld xmlns:a="http://schemas.openxmlformats.org/drawingml/2006/main" xmlns:r="http://schemas.openxmlformats.org/officeDocument/2006/relationships" xmlns:p="http://schemas.openxmlformats.org/presentationml/2006/main">
+  <p:cSld>
+    <p:spTree>
+      <p:nvGrpSpPr>
+        <p:cNvPr id="1" name="Shape 164"/>
+        <p:cNvGrpSpPr/>
+        <p:nvPr/>
+      </p:nvGrpSpPr>
+      <p:grpSpPr>
+        <a:xfrm>
+          <a:off x="0" y="0"/>
+          <a:ext cx="0" cy="0"/>
+          <a:chOff x="0" y="0"/>
+          <a:chExt cx="0" cy="0"/>
+        </a:xfrm>
+      </p:grpSpPr>
+      <p:sp>
+        <p:nvSpPr>
+          <p:cNvPr id="166" name="Google Shape;166;p8"/>
+          <p:cNvSpPr txBox="1">
+            <a:spLocks noGrp="1"/>
+          </p:cNvSpPr>
+          <p:nvPr>
+            <p:ph type="title"/>
+          </p:nvPr>
+        </p:nvSpPr>
+        <p:spPr>
+          <a:xfrm>
+            <a:off x="457200" y="927382"/>
+            <a:ext cx="8229600" cy="620483"/>
+          </a:xfrm>
+          <a:prstGeom prst="rect">
+            <a:avLst/>
+          </a:prstGeom>
+          <a:noFill/>
+          <a:ln>
+            <a:noFill/>
+          </a:ln>
+        </p:spPr>
+        <p:txBody>
+          <a:bodyPr spcFirstLastPara="1" wrap="square" lIns="91425" tIns="45700" rIns="91425" bIns="45700" anchor="ctr" anchorCtr="0">
+            <a:normAutofit/>
+          </a:bodyPr>
+          <a:lstStyle/>
+          <a:p>
+            <a:pPr marL="0" lvl="0" indent="0" algn="l" rtl="0">
+              <a:spcBef>
+                <a:spcPts val="0"/>
+              </a:spcBef>
+              <a:spcAft>
+                <a:spcPts val="0"/>
+              </a:spcAft>
+              <a:buClr>
+                <a:schemeClr val="dk1"/>
+              </a:buClr>
+              <a:buSzPts val="3200"/>
+              <a:buFont typeface="Arial"/>
+              <a:buNone/>
+            </a:pPr>
+            <a:r>
+              <a:rPr lang="ru-RU" dirty="0"/>
+              <a:t>Решение задачи</a:t>
+            </a:r>
+            <a:endParaRPr dirty="0"/>
+          </a:p>
+        </p:txBody>
+      </p:sp>
+      <p:sp>
+        <p:nvSpPr>
+          <p:cNvPr id="167" name="Google Shape;167;p8"/>
+          <p:cNvSpPr/>
+          <p:nvPr/>
+        </p:nvSpPr>
+        <p:spPr>
+          <a:xfrm>
+            <a:off x="1899501" y="4541676"/>
+            <a:ext cx="7244499" cy="307777"/>
+          </a:xfrm>
+          <a:prstGeom prst="rect">
+            <a:avLst/>
+          </a:prstGeom>
+          <a:noFill/>
+          <a:ln>
+            <a:noFill/>
+          </a:ln>
+        </p:spPr>
+        <p:txBody>
+          <a:bodyPr spcFirstLastPara="1" wrap="square" lIns="91425" tIns="45700" rIns="91425" bIns="45700" anchor="t" anchorCtr="0">
+            <a:spAutoFit/>
+          </a:bodyPr>
+          <a:lstStyle/>
+          <a:p>
+            <a:pPr marL="0" marR="0" lvl="0" indent="0" algn="l" rtl="0">
+              <a:spcBef>
+                <a:spcPts val="0"/>
+              </a:spcBef>
+              <a:spcAft>
+                <a:spcPts val="0"/>
+              </a:spcAft>
+              <a:buNone/>
+            </a:pPr>
+            <a:r>
+              <a:rPr lang="ru-RU" sz="1400">
+                <a:solidFill>
+                  <a:schemeClr val="dk1"/>
+                </a:solidFill>
+                <a:latin typeface="Arial"/>
+                <a:ea typeface="Arial"/>
+                <a:cs typeface="Arial"/>
+                <a:sym typeface="Arial"/>
+              </a:rPr>
+              <a:t>Deep Landscape Forecasting for Real-time Bidding Advertising, KDD, 2019</a:t>
+            </a:r>
+            <a:endParaRPr sz="1400">
+              <a:solidFill>
+                <a:schemeClr val="dk1"/>
+              </a:solidFill>
+              <a:latin typeface="Arial"/>
+              <a:ea typeface="Arial"/>
+              <a:cs typeface="Arial"/>
+              <a:sym typeface="Arial"/>
+            </a:endParaRPr>
+          </a:p>
+        </p:txBody>
+      </p:sp>
+      <p:sp>
+        <p:nvSpPr>
+          <p:cNvPr id="168" name="Google Shape;168;p8"/>
+          <p:cNvSpPr txBox="1">
+            <a:spLocks noGrp="1"/>
+          </p:cNvSpPr>
+          <p:nvPr>
+            <p:ph type="sldNum" idx="12"/>
+          </p:nvPr>
+        </p:nvSpPr>
+        <p:spPr>
+          <a:xfrm>
+            <a:off x="8556784" y="4749851"/>
+            <a:ext cx="548700" cy="393600"/>
+          </a:xfrm>
+          <a:prstGeom prst="rect">
+            <a:avLst/>
+          </a:prstGeom>
+        </p:spPr>
+        <p:txBody>
+          <a:bodyPr spcFirstLastPara="1" wrap="square" lIns="91425" tIns="91425" rIns="91425" bIns="91425" anchor="t" anchorCtr="0">
+            <a:noAutofit/>
+          </a:bodyPr>
+          <a:lstStyle/>
+          <a:p>
+            <a:pPr marL="0" lvl="0" indent="0" algn="r" rtl="0">
+              <a:spcBef>
+                <a:spcPts val="0"/>
+              </a:spcBef>
+              <a:spcAft>
+                <a:spcPts val="0"/>
+              </a:spcAft>
+              <a:buNone/>
+            </a:pPr>
+            <a:fld id="{00000000-1234-1234-1234-123412341234}" type="slidenum">
+              <a:rPr lang="ru-RU"/>
+              <a:t>14</a:t>
+            </a:fld>
+            <a:endParaRPr/>
+          </a:p>
+        </p:txBody>
+      </p:sp>
+      <mc:AlternateContent xmlns:mc="http://schemas.openxmlformats.org/markup-compatibility/2006">
+        <mc:Choice xmlns:a14="http://schemas.microsoft.com/office/drawing/2010/main" Requires="a14">
+          <p:sp>
+            <p:nvSpPr>
+              <p:cNvPr id="2" name="Текст 1">
+                <a:extLst>
+                  <a:ext uri="{FF2B5EF4-FFF2-40B4-BE49-F238E27FC236}">
+                    <a16:creationId xmlns:a16="http://schemas.microsoft.com/office/drawing/2014/main" id="{10BE50A9-EB91-234D-8BB6-A10839C11970}"/>
+                  </a:ext>
+                </a:extLst>
+              </p:cNvPr>
+              <p:cNvSpPr>
+                <a:spLocks noGrp="1"/>
+              </p:cNvSpPr>
+              <p:nvPr>
+                <p:ph type="body" idx="1"/>
+              </p:nvPr>
+            </p:nvSpPr>
+            <p:spPr>
+              <a:xfrm>
+                <a:off x="457200" y="2031175"/>
+                <a:ext cx="8229600" cy="1081150"/>
+              </a:xfrm>
+            </p:spPr>
+            <p:txBody>
+              <a:bodyPr/>
+              <a:lstStyle/>
+              <a:p>
+                <a:pPr marL="76200" indent="0">
+                  <a:buNone/>
+                </a:pPr>
+                <a14:m>
+                  <m:oMathPara xmlns:m="http://schemas.openxmlformats.org/officeDocument/2006/math">
+                    <m:oMathParaPr>
+                      <m:jc m:val="centerGroup"/>
+                    </m:oMathParaPr>
+                    <m:oMath xmlns:m="http://schemas.openxmlformats.org/officeDocument/2006/math">
+                      <m:sSub>
+                        <m:sSubPr>
+                          <m:ctrlPr>
+                            <a:rPr lang="ru-US" i="1"/>
+                          </m:ctrlPr>
+                        </m:sSubPr>
+                        <m:e>
+                          <m:r>
+                            <a:rPr lang="ru-RU" i="1"/>
+                            <m:t>h</m:t>
+                          </m:r>
+                        </m:e>
+                        <m:sub>
+                          <m:r>
+                            <a:rPr lang="ru-RU" i="1"/>
+                            <m:t>𝑙</m:t>
+                          </m:r>
+                        </m:sub>
+                      </m:sSub>
+                      <m:r>
+                        <a:rPr lang="ru-RU" i="1"/>
+                        <m:t>=</m:t>
+                      </m:r>
+                      <m:func>
+                        <m:funcPr>
+                          <m:ctrlPr>
+                            <a:rPr lang="ru-US" i="1"/>
+                          </m:ctrlPr>
+                        </m:funcPr>
+                        <m:fName>
+                          <m:r>
+                            <m:rPr>
+                              <m:sty m:val="p"/>
+                            </m:rPr>
+                            <a:rPr lang="ru-RU"/>
+                            <m:t>Pr</m:t>
+                          </m:r>
+                        </m:fName>
+                        <m:e>
+                          <m:d>
+                            <m:dPr>
+                              <m:ctrlPr>
+                                <a:rPr lang="ru-US" i="1"/>
+                              </m:ctrlPr>
+                            </m:dPr>
+                            <m:e>
+                              <m:r>
+                                <a:rPr lang="ru-RU" i="1"/>
+                                <m:t>𝑧</m:t>
+                              </m:r>
+                              <m:r>
+                                <a:rPr lang="ru-RU" i="1"/>
+                                <m:t>∈</m:t>
+                              </m:r>
+                              <m:sSub>
+                                <m:sSubPr>
+                                  <m:ctrlPr>
+                                    <a:rPr lang="ru-US" i="1"/>
+                                  </m:ctrlPr>
+                                </m:sSubPr>
+                                <m:e>
+                                  <m:r>
+                                    <a:rPr lang="ru-RU" i="1"/>
+                                    <m:t>𝑉</m:t>
+                                  </m:r>
+                                </m:e>
+                                <m:sub>
+                                  <m:r>
+                                    <a:rPr lang="ru-RU" i="1"/>
+                                    <m:t>𝑙</m:t>
+                                  </m:r>
+                                </m:sub>
+                              </m:sSub>
+                            </m:e>
+                            <m:e>
+                              <m:r>
+                                <a:rPr lang="ru-RU" i="1"/>
+                                <m:t>𝑧</m:t>
+                              </m:r>
+                              <m:r>
+                                <a:rPr lang="ru-RU" i="1"/>
+                                <m:t>≥</m:t>
+                              </m:r>
+                              <m:sSub>
+                                <m:sSubPr>
+                                  <m:ctrlPr>
+                                    <a:rPr lang="ru-US" i="1"/>
+                                  </m:ctrlPr>
+                                </m:sSubPr>
+                                <m:e>
+                                  <m:r>
+                                    <a:rPr lang="ru-RU" i="1"/>
+                                    <m:t>𝑏</m:t>
+                                  </m:r>
+                                </m:e>
+                                <m:sub>
+                                  <m:r>
+                                    <a:rPr lang="ru-RU" i="1"/>
+                                    <m:t>𝑙</m:t>
+                                  </m:r>
+                                  <m:r>
+                                    <a:rPr lang="ru-RU" i="1"/>
+                                    <m:t>−1</m:t>
+                                  </m:r>
+                                </m:sub>
+                              </m:sSub>
+                            </m:e>
+                          </m:d>
+                        </m:e>
+                      </m:func>
+                      <m:r>
+                        <a:rPr lang="ru-RU" i="1"/>
+                        <m:t>= </m:t>
+                      </m:r>
+                      <m:f>
+                        <m:fPr>
+                          <m:ctrlPr>
+                            <a:rPr lang="ru-US" i="1"/>
+                          </m:ctrlPr>
+                        </m:fPr>
+                        <m:num>
+                          <m:r>
+                            <m:rPr>
+                              <m:sty m:val="p"/>
+                            </m:rPr>
+                            <a:rPr lang="en-US"/>
+                            <m:t>Pr</m:t>
+                          </m:r>
+                          <m:r>
+                            <a:rPr lang="en-US" i="1"/>
+                            <m:t>(</m:t>
+                          </m:r>
+                          <m:r>
+                            <a:rPr lang="en-US" i="1"/>
+                            <m:t>𝑧</m:t>
+                          </m:r>
+                          <m:r>
+                            <a:rPr lang="en-US" i="1"/>
+                            <m:t>∈</m:t>
+                          </m:r>
+                          <m:sSub>
+                            <m:sSubPr>
+                              <m:ctrlPr>
+                                <a:rPr lang="ru-US" i="1"/>
+                              </m:ctrlPr>
+                            </m:sSubPr>
+                            <m:e>
+                              <m:r>
+                                <a:rPr lang="en-US" i="1"/>
+                                <m:t>𝑉</m:t>
+                              </m:r>
+                            </m:e>
+                            <m:sub>
+                              <m:r>
+                                <a:rPr lang="en-US" i="1"/>
+                                <m:t>𝑙</m:t>
+                              </m:r>
+                            </m:sub>
+                          </m:sSub>
+                          <m:r>
+                            <a:rPr lang="en-US" i="1"/>
+                            <m:t>)</m:t>
+                          </m:r>
+                        </m:num>
+                        <m:den>
+                          <m:r>
+                            <m:rPr>
+                              <m:sty m:val="p"/>
+                            </m:rPr>
+                            <a:rPr lang="ru-RU"/>
+                            <m:t>Pr</m:t>
+                          </m:r>
+                          <m:r>
+                            <a:rPr lang="ru-RU" i="1"/>
+                            <m:t>(</m:t>
+                          </m:r>
+                          <m:r>
+                            <a:rPr lang="ru-RU" i="1"/>
+                            <m:t>𝑧</m:t>
+                          </m:r>
+                          <m:r>
+                            <a:rPr lang="ru-RU" i="1"/>
+                            <m:t>≥</m:t>
+                          </m:r>
+                          <m:sSub>
+                            <m:sSubPr>
+                              <m:ctrlPr>
+                                <a:rPr lang="ru-US" i="1"/>
+                              </m:ctrlPr>
+                            </m:sSubPr>
+                            <m:e>
+                              <m:r>
+                                <a:rPr lang="ru-RU" i="1"/>
+                                <m:t>𝑏</m:t>
+                              </m:r>
+                            </m:e>
+                            <m:sub>
+                              <m:r>
+                                <a:rPr lang="ru-RU" i="1"/>
+                                <m:t>𝑙</m:t>
+                              </m:r>
+                              <m:r>
+                                <a:rPr lang="ru-RU" i="1"/>
+                                <m:t>−1</m:t>
+                              </m:r>
+                            </m:sub>
+                          </m:sSub>
+                          <m:r>
+                            <a:rPr lang="ru-RU" i="1"/>
+                            <m:t>)</m:t>
+                          </m:r>
+                        </m:den>
+                      </m:f>
+                      <m:r>
+                        <a:rPr lang="ru-RU" i="1"/>
+                        <m:t>=</m:t>
+                      </m:r>
+                      <m:f>
+                        <m:fPr>
+                          <m:ctrlPr>
+                            <a:rPr lang="ru-US" i="1"/>
+                          </m:ctrlPr>
+                        </m:fPr>
+                        <m:num>
+                          <m:sSub>
+                            <m:sSubPr>
+                              <m:ctrlPr>
+                                <a:rPr lang="ru-US" i="1"/>
+                              </m:ctrlPr>
+                            </m:sSubPr>
+                            <m:e>
+                              <m:r>
+                                <a:rPr lang="ru-RU" i="1"/>
+                                <m:t>𝑝</m:t>
+                              </m:r>
+                            </m:e>
+                            <m:sub>
+                              <m:r>
+                                <a:rPr lang="ru-RU" i="1"/>
+                                <m:t>𝑙</m:t>
+                              </m:r>
+                            </m:sub>
+                          </m:sSub>
+                        </m:num>
+                        <m:den>
+                          <m:r>
+                            <a:rPr lang="ru-RU" i="1"/>
+                            <m:t>𝑆</m:t>
+                          </m:r>
+                          <m:r>
+                            <a:rPr lang="ru-RU" i="1"/>
+                            <m:t>(</m:t>
+                          </m:r>
+                          <m:sSub>
+                            <m:sSubPr>
+                              <m:ctrlPr>
+                                <a:rPr lang="ru-US" i="1"/>
+                              </m:ctrlPr>
+                            </m:sSubPr>
+                            <m:e>
+                              <m:r>
+                                <a:rPr lang="ru-RU" i="1"/>
+                                <m:t>𝑏</m:t>
+                              </m:r>
+                            </m:e>
+                            <m:sub>
+                              <m:r>
+                                <a:rPr lang="ru-RU" i="1"/>
+                                <m:t>𝑙</m:t>
+                              </m:r>
+                              <m:r>
+                                <a:rPr lang="ru-RU" i="1"/>
+                                <m:t>−1</m:t>
+                              </m:r>
+                            </m:sub>
+                          </m:sSub>
+                          <m:r>
+                            <a:rPr lang="ru-RU" i="1"/>
+                            <m:t>)</m:t>
+                          </m:r>
+                        </m:den>
+                      </m:f>
+                    </m:oMath>
+                  </m:oMathPara>
+                </a14:m>
+                <a:endParaRPr lang="ru-US" dirty="0"/>
+              </a:p>
+              <a:p>
+                <a:pPr marL="76200" indent="0">
+                  <a:buNone/>
+                </a:pPr>
+                <a:endParaRPr lang="ru-US" dirty="0"/>
+              </a:p>
+            </p:txBody>
+          </p:sp>
+        </mc:Choice>
+        <mc:Fallback>
+          <p:sp>
+            <p:nvSpPr>
+              <p:cNvPr id="2" name="Текст 1">
+                <a:extLst>
+                  <a:ext uri="{FF2B5EF4-FFF2-40B4-BE49-F238E27FC236}">
+                    <a16:creationId xmlns:a16="http://schemas.microsoft.com/office/drawing/2014/main" id="{10BE50A9-EB91-234D-8BB6-A10839C11970}"/>
+                  </a:ext>
+                </a:extLst>
+              </p:cNvPr>
+              <p:cNvSpPr>
+                <a:spLocks noGrp="1" noRot="1" noChangeAspect="1" noMove="1" noResize="1" noEditPoints="1" noAdjustHandles="1" noChangeArrowheads="1" noChangeShapeType="1" noTextEdit="1"/>
+              </p:cNvSpPr>
+              <p:nvPr>
+                <p:ph type="body" idx="1"/>
+              </p:nvPr>
+            </p:nvSpPr>
+            <p:spPr>
+              <a:xfrm>
+                <a:off x="457200" y="2031175"/>
+                <a:ext cx="8229600" cy="1081150"/>
+              </a:xfrm>
+              <a:blipFill>
+                <a:blip r:embed="rId3"/>
+                <a:stretch>
+                  <a:fillRect/>
+                </a:stretch>
+              </a:blipFill>
+            </p:spPr>
+            <p:txBody>
+              <a:bodyPr/>
+              <a:lstStyle/>
+              <a:p>
+                <a:r>
+                  <a:rPr lang="ru-US">
+                    <a:noFill/>
+                  </a:rPr>
+                  <a:t> </a:t>
+                </a:r>
+              </a:p>
+            </p:txBody>
+          </p:sp>
+        </mc:Fallback>
+      </mc:AlternateContent>
+    </p:spTree>
+    <p:extLst>
+      <p:ext uri="{BB962C8B-B14F-4D97-AF65-F5344CB8AC3E}">
+        <p14:creationId xmlns:p14="http://schemas.microsoft.com/office/powerpoint/2010/main" val="740224930"/>
+      </p:ext>
+    </p:extLst>
+  </p:cSld>
+  <p:clrMapOvr>
+    <a:masterClrMapping/>
+  </p:clrMapOvr>
+</p:sld>
+</file>
+
+<file path=ppt/slides/slide15.xml><?xml version="1.0" encoding="utf-8"?>
 <p:sld xmlns:a="http://schemas.openxmlformats.org/drawingml/2006/main" xmlns:r="http://schemas.openxmlformats.org/officeDocument/2006/relationships" xmlns:p="http://schemas.openxmlformats.org/presentationml/2006/main">
   <p:cSld>
     <p:spTree>
@@ -17774,8 +19501,8 @@
         </p:nvSpPr>
         <p:spPr>
           <a:xfrm>
-            <a:off x="457200" y="1746125"/>
-            <a:ext cx="8229600" cy="2848500"/>
+            <a:off x="457200" y="1724566"/>
+            <a:ext cx="8229599" cy="2848500"/>
           </a:xfrm>
           <a:prstGeom prst="rect">
             <a:avLst/>
@@ -17798,10 +19525,10 @@
               <a:buChar char="•"/>
             </a:pPr>
             <a:r>
-              <a:rPr lang="ru-RU"/>
+              <a:rPr lang="ru-RU" dirty="0"/>
               <a:t>Рекуррентная LSTM сеть</a:t>
             </a:r>
-            <a:endParaRPr/>
+            <a:endParaRPr dirty="0"/>
           </a:p>
           <a:p>
             <a:pPr marL="457200" lvl="0" indent="-381000" algn="l" rtl="0">
@@ -17815,10 +19542,10 @@
               <a:buChar char="•"/>
             </a:pPr>
             <a:r>
-              <a:rPr lang="ru-RU"/>
+              <a:rPr lang="ru-RU" dirty="0"/>
               <a:t>Предсказание условной вероятности на выходе</a:t>
             </a:r>
-            <a:endParaRPr/>
+            <a:endParaRPr dirty="0"/>
           </a:p>
           <a:p>
             <a:pPr marL="457200" lvl="0" indent="-381000" algn="l" rtl="0">
@@ -17832,10 +19559,9 @@
               <a:buChar char="•"/>
             </a:pPr>
             <a:r>
-              <a:rPr lang="ru-RU"/>
+              <a:rPr lang="ru-RU" dirty="0"/>
               <a:t>Обучение по выигрышных и проигрышных примерах</a:t>
             </a:r>
-            <a:endParaRPr/>
           </a:p>
         </p:txBody>
       </p:sp>
@@ -17874,10 +19600,10 @@
               <a:buNone/>
             </a:pPr>
             <a:r>
-              <a:rPr lang="ru-RU"/>
+              <a:rPr lang="ru-RU" dirty="0"/>
               <a:t>Текущее решение</a:t>
             </a:r>
-            <a:endParaRPr/>
+            <a:endParaRPr dirty="0"/>
           </a:p>
         </p:txBody>
       </p:sp>
@@ -17917,7 +19643,7 @@
             </a:pPr>
             <a:fld id="{00000000-1234-1234-1234-123412341234}" type="slidenum">
               <a:rPr lang="ru-RU"/>
-              <a:t>11</a:t>
+              <a:t>15</a:t>
             </a:fld>
             <a:endParaRPr/>
           </a:p>
@@ -17931,7 +19657,7 @@
 </p:sld>
 </file>
 
-<file path=ppt/slides/slide12.xml><?xml version="1.0" encoding="utf-8"?>
+<file path=ppt/slides/slide16.xml><?xml version="1.0" encoding="utf-8"?>
 <p:sld xmlns:a="http://schemas.openxmlformats.org/drawingml/2006/main" xmlns:r="http://schemas.openxmlformats.org/officeDocument/2006/relationships" xmlns:p="http://schemas.openxmlformats.org/presentationml/2006/main">
   <p:cSld>
     <p:spTree>
@@ -17992,40 +19718,13 @@
               <a:buNone/>
             </a:pPr>
             <a:r>
-              <a:rPr lang="ru-RU"/>
+              <a:rPr lang="ru-RU" dirty="0"/>
               <a:t>Устройство нейронной сети</a:t>
             </a:r>
-            <a:endParaRPr/>
+            <a:endParaRPr dirty="0"/>
           </a:p>
         </p:txBody>
       </p:sp>
-      <p:pic>
-        <p:nvPicPr>
-          <p:cNvPr id="190" name="Google Shape;190;p10"/>
-          <p:cNvPicPr preferRelativeResize="0"/>
-          <p:nvPr/>
-        </p:nvPicPr>
-        <p:blipFill rotWithShape="1">
-          <a:blip r:embed="rId3">
-            <a:alphaModFix/>
-          </a:blip>
-          <a:srcRect/>
-          <a:stretch/>
-        </p:blipFill>
-        <p:spPr>
-          <a:xfrm>
-            <a:off x="1684609" y="1611513"/>
-            <a:ext cx="5774782" cy="2604605"/>
-          </a:xfrm>
-          <a:prstGeom prst="rect">
-            <a:avLst/>
-          </a:prstGeom>
-          <a:noFill/>
-          <a:ln>
-            <a:noFill/>
-          </a:ln>
-        </p:spPr>
-      </p:pic>
       <p:sp>
         <p:nvSpPr>
           <p:cNvPr id="191" name="Google Shape;191;p10"/>
@@ -18061,7 +19760,7 @@
               <a:buNone/>
             </a:pPr>
             <a:r>
-              <a:rPr lang="ru-RU" sz="1800">
+              <a:rPr lang="ru-RU" sz="1800" dirty="0">
                 <a:solidFill>
                   <a:schemeClr val="dk1"/>
                 </a:solidFill>
@@ -18070,9 +19769,9 @@
                 <a:cs typeface="Calibri"/>
                 <a:sym typeface="Calibri"/>
               </a:rPr>
-              <a:t>Рисунок 2. Модель нейронной сети</a:t>
+              <a:t>Рисунок 4. Модель нейронной сети</a:t>
             </a:r>
-            <a:endParaRPr/>
+            <a:endParaRPr sz="1800" dirty="0"/>
           </a:p>
         </p:txBody>
       </p:sp>
@@ -18112,12 +19811,42 @@
             </a:pPr>
             <a:fld id="{00000000-1234-1234-1234-123412341234}" type="slidenum">
               <a:rPr lang="ru-RU"/>
-              <a:t>12</a:t>
+              <a:t>16</a:t>
             </a:fld>
             <a:endParaRPr/>
           </a:p>
         </p:txBody>
       </p:sp>
+      <p:pic>
+        <p:nvPicPr>
+          <p:cNvPr id="7" name="Рисунок 6">
+            <a:extLst>
+              <a:ext uri="{FF2B5EF4-FFF2-40B4-BE49-F238E27FC236}">
+                <a16:creationId xmlns:a16="http://schemas.microsoft.com/office/drawing/2014/main" id="{A3EACCB1-3C39-BE4E-91FE-C35D36246073}"/>
+              </a:ext>
+            </a:extLst>
+          </p:cNvPr>
+          <p:cNvPicPr>
+            <a:picLocks noChangeAspect="1"/>
+          </p:cNvPicPr>
+          <p:nvPr/>
+        </p:nvPicPr>
+        <p:blipFill>
+          <a:blip r:embed="rId3"/>
+          <a:stretch>
+            <a:fillRect/>
+          </a:stretch>
+        </p:blipFill>
+        <p:spPr>
+          <a:xfrm>
+            <a:off x="1574800" y="1547865"/>
+            <a:ext cx="5994400" cy="2703996"/>
+          </a:xfrm>
+          <a:prstGeom prst="rect">
+            <a:avLst/>
+          </a:prstGeom>
+        </p:spPr>
+      </p:pic>
     </p:spTree>
   </p:cSld>
   <p:clrMapOvr>
@@ -18126,7 +19855,179 @@
 </p:sld>
 </file>
 
-<file path=ppt/slides/slide13.xml><?xml version="1.0" encoding="utf-8"?>
+<file path=ppt/slides/slide17.xml><?xml version="1.0" encoding="utf-8"?>
+<p:sld xmlns:a="http://schemas.openxmlformats.org/drawingml/2006/main" xmlns:r="http://schemas.openxmlformats.org/officeDocument/2006/relationships" xmlns:p="http://schemas.openxmlformats.org/presentationml/2006/main">
+  <p:cSld>
+    <p:spTree>
+      <p:nvGrpSpPr>
+        <p:cNvPr id="1" name="Shape 181"/>
+        <p:cNvGrpSpPr/>
+        <p:nvPr/>
+      </p:nvGrpSpPr>
+      <p:grpSpPr>
+        <a:xfrm>
+          <a:off x="0" y="0"/>
+          <a:ext cx="0" cy="0"/>
+          <a:chOff x="0" y="0"/>
+          <a:chExt cx="0" cy="0"/>
+        </a:xfrm>
+      </p:grpSpPr>
+      <p:sp>
+        <p:nvSpPr>
+          <p:cNvPr id="183" name="Google Shape;183;g752914e07d_2_11"/>
+          <p:cNvSpPr txBox="1">
+            <a:spLocks noGrp="1"/>
+          </p:cNvSpPr>
+          <p:nvPr>
+            <p:ph type="title"/>
+          </p:nvPr>
+        </p:nvSpPr>
+        <p:spPr>
+          <a:xfrm>
+            <a:off x="457200" y="927382"/>
+            <a:ext cx="8229600" cy="620400"/>
+          </a:xfrm>
+          <a:prstGeom prst="rect">
+            <a:avLst/>
+          </a:prstGeom>
+        </p:spPr>
+        <p:txBody>
+          <a:bodyPr spcFirstLastPara="1" wrap="square" lIns="91425" tIns="45700" rIns="91425" bIns="45700" anchor="ctr" anchorCtr="0">
+            <a:noAutofit/>
+          </a:bodyPr>
+          <a:lstStyle/>
+          <a:p>
+            <a:pPr lvl="0"/>
+            <a:r>
+              <a:rPr lang="ru-RU" dirty="0"/>
+              <a:t>Устройство нейронной сети</a:t>
+            </a:r>
+            <a:endParaRPr dirty="0"/>
+          </a:p>
+        </p:txBody>
+      </p:sp>
+      <p:sp>
+        <p:nvSpPr>
+          <p:cNvPr id="184" name="Google Shape;184;g752914e07d_2_11"/>
+          <p:cNvSpPr txBox="1">
+            <a:spLocks noGrp="1"/>
+          </p:cNvSpPr>
+          <p:nvPr>
+            <p:ph type="sldNum" idx="12"/>
+          </p:nvPr>
+        </p:nvSpPr>
+        <p:spPr>
+          <a:xfrm>
+            <a:off x="8556784" y="4749851"/>
+            <a:ext cx="548700" cy="393600"/>
+          </a:xfrm>
+          <a:prstGeom prst="rect">
+            <a:avLst/>
+          </a:prstGeom>
+        </p:spPr>
+        <p:txBody>
+          <a:bodyPr spcFirstLastPara="1" wrap="square" lIns="91425" tIns="91425" rIns="91425" bIns="91425" anchor="t" anchorCtr="0">
+            <a:noAutofit/>
+          </a:bodyPr>
+          <a:lstStyle/>
+          <a:p>
+            <a:pPr marL="0" lvl="0" indent="0" algn="r" rtl="0">
+              <a:spcBef>
+                <a:spcPts val="0"/>
+              </a:spcBef>
+              <a:spcAft>
+                <a:spcPts val="0"/>
+              </a:spcAft>
+              <a:buNone/>
+            </a:pPr>
+            <a:fld id="{00000000-1234-1234-1234-123412341234}" type="slidenum">
+              <a:rPr lang="ru-RU"/>
+              <a:t>17</a:t>
+            </a:fld>
+            <a:endParaRPr dirty="0"/>
+          </a:p>
+        </p:txBody>
+      </p:sp>
+      <p:sp>
+        <p:nvSpPr>
+          <p:cNvPr id="9" name="TextBox 8">
+            <a:extLst>
+              <a:ext uri="{FF2B5EF4-FFF2-40B4-BE49-F238E27FC236}">
+                <a16:creationId xmlns:a16="http://schemas.microsoft.com/office/drawing/2014/main" id="{3F64DEB4-B19B-6142-B9F7-1ED18E76B7FD}"/>
+              </a:ext>
+            </a:extLst>
+          </p:cNvPr>
+          <p:cNvSpPr txBox="1"/>
+          <p:nvPr/>
+        </p:nvSpPr>
+        <p:spPr>
+          <a:xfrm>
+            <a:off x="2386799" y="4565185"/>
+            <a:ext cx="4793300" cy="369332"/>
+          </a:xfrm>
+          <a:prstGeom prst="rect">
+            <a:avLst/>
+          </a:prstGeom>
+          <a:noFill/>
+        </p:spPr>
+        <p:txBody>
+          <a:bodyPr wrap="none" rtlCol="0">
+            <a:spAutoFit/>
+          </a:bodyPr>
+          <a:lstStyle/>
+          <a:p>
+            <a:r>
+              <a:rPr lang="ru-RU" sz="1800" dirty="0"/>
+              <a:t>Рисунок 5. Устройство рекуррентного слоя</a:t>
+            </a:r>
+            <a:endParaRPr lang="ru-US" sz="1800" dirty="0"/>
+          </a:p>
+        </p:txBody>
+      </p:sp>
+      <p:pic>
+        <p:nvPicPr>
+          <p:cNvPr id="15" name="Рисунок 14">
+            <a:extLst>
+              <a:ext uri="{FF2B5EF4-FFF2-40B4-BE49-F238E27FC236}">
+                <a16:creationId xmlns:a16="http://schemas.microsoft.com/office/drawing/2014/main" id="{B9FE23FF-7008-E842-94A6-307372F62AE7}"/>
+              </a:ext>
+            </a:extLst>
+          </p:cNvPr>
+          <p:cNvPicPr>
+            <a:picLocks noChangeAspect="1"/>
+          </p:cNvPicPr>
+          <p:nvPr/>
+        </p:nvPicPr>
+        <p:blipFill>
+          <a:blip r:embed="rId3"/>
+          <a:stretch>
+            <a:fillRect/>
+          </a:stretch>
+        </p:blipFill>
+        <p:spPr>
+          <a:xfrm>
+            <a:off x="1975178" y="1453957"/>
+            <a:ext cx="5193643" cy="3111228"/>
+          </a:xfrm>
+          <a:prstGeom prst="rect">
+            <a:avLst/>
+          </a:prstGeom>
+        </p:spPr>
+      </p:pic>
+    </p:spTree>
+    <p:extLst>
+      <p:ext uri="{BB962C8B-B14F-4D97-AF65-F5344CB8AC3E}">
+        <p14:creationId xmlns:p14="http://schemas.microsoft.com/office/powerpoint/2010/main" val="2358701917"/>
+      </p:ext>
+    </p:extLst>
+  </p:cSld>
+  <p:clrMapOvr>
+    <a:masterClrMapping/>
+  </p:clrMapOvr>
+</p:sld>
+</file>
+
+<file path=ppt/slides/slide18.xml><?xml version="1.0" encoding="utf-8"?>
 <p:sld xmlns:a="http://schemas.openxmlformats.org/drawingml/2006/main" xmlns:r="http://schemas.openxmlformats.org/officeDocument/2006/relationships" xmlns:p="http://schemas.openxmlformats.org/presentationml/2006/main">
   <p:cSld>
     <p:spTree>
@@ -18203,7 +20104,7 @@
         <p:spPr>
           <a:xfrm>
             <a:off x="575035" y="1659118"/>
-            <a:ext cx="7927942" cy="1754326"/>
+            <a:ext cx="7927942" cy="2031285"/>
           </a:xfrm>
           <a:prstGeom prst="rect">
             <a:avLst/>
@@ -18234,7 +20135,7 @@
               <a:buChar char="•"/>
             </a:pPr>
             <a:r>
-              <a:rPr lang="ru-RU" sz="1800">
+              <a:rPr lang="ru-RU" sz="1800" dirty="0">
                 <a:solidFill>
                   <a:schemeClr val="dk1"/>
                 </a:solidFill>
@@ -18245,7 +20146,7 @@
               </a:rPr>
               <a:t>Сравниваем функцию распределения вероятности выигрыша для ставки алгоритма и желаемую</a:t>
             </a:r>
-            <a:endParaRPr/>
+            <a:endParaRPr dirty="0"/>
           </a:p>
           <a:p>
             <a:pPr marL="285750" marR="0" lvl="0" indent="-285750" algn="l" rtl="0">
@@ -18263,7 +20164,7 @@
               <a:buChar char="•"/>
             </a:pPr>
             <a:r>
-              <a:rPr lang="ru-RU" sz="1800">
+              <a:rPr lang="ru-RU" sz="1800" dirty="0">
                 <a:solidFill>
                   <a:schemeClr val="dk1"/>
                 </a:solidFill>
@@ -18272,27 +20173,10 @@
                 <a:cs typeface="Arial"/>
                 <a:sym typeface="Arial"/>
               </a:rPr>
-              <a:t>Используем две loss-функции </a:t>
+              <a:t>Используем две </a:t>
             </a:r>
-            <a:endParaRPr/>
-          </a:p>
-          <a:p>
-            <a:pPr marL="285750" marR="0" lvl="0" indent="-285750" algn="l" rtl="0">
-              <a:spcBef>
-                <a:spcPts val="0"/>
-              </a:spcBef>
-              <a:spcAft>
-                <a:spcPts val="0"/>
-              </a:spcAft>
-              <a:buClr>
-                <a:schemeClr val="dk1"/>
-              </a:buClr>
-              <a:buSzPts val="1800"/>
-              <a:buFont typeface="Arial"/>
-              <a:buChar char="•"/>
-            </a:pPr>
             <a:r>
-              <a:rPr lang="ru-RU" sz="1800">
+              <a:rPr lang="en-US" sz="1800" dirty="0">
                 <a:solidFill>
                   <a:schemeClr val="dk1"/>
                 </a:solidFill>
@@ -18301,27 +20185,10 @@
                 <a:cs typeface="Arial"/>
                 <a:sym typeface="Arial"/>
               </a:rPr>
-              <a:t>Первая часть loss-функции отвечает за качество предсказания для выигрышных примеров</a:t>
+              <a:t>loss</a:t>
             </a:r>
-            <a:endParaRPr/>
-          </a:p>
-          <a:p>
-            <a:pPr marL="285750" marR="0" lvl="0" indent="-285750" algn="l" rtl="0">
-              <a:spcBef>
-                <a:spcPts val="0"/>
-              </a:spcBef>
-              <a:spcAft>
-                <a:spcPts val="0"/>
-              </a:spcAft>
-              <a:buClr>
-                <a:schemeClr val="dk1"/>
-              </a:buClr>
-              <a:buSzPts val="1800"/>
-              <a:buFont typeface="Arial"/>
-              <a:buChar char="•"/>
-            </a:pPr>
             <a:r>
-              <a:rPr lang="ru-RU" sz="1800">
+              <a:rPr lang="ru-RU" sz="1800" dirty="0">
                 <a:solidFill>
                   <a:schemeClr val="dk1"/>
                 </a:solidFill>
@@ -18330,9 +20197,115 @@
                 <a:cs typeface="Arial"/>
                 <a:sym typeface="Arial"/>
               </a:rPr>
-              <a:t>Вторая часть loss-функции позволяет обучаться на проигрышных примерах</a:t>
+              <a:t>-функции </a:t>
             </a:r>
-            <a:endParaRPr sz="1800">
+            <a:endParaRPr dirty="0"/>
+          </a:p>
+          <a:p>
+            <a:pPr marL="285750" marR="0" lvl="0" indent="-285750" algn="l" rtl="0">
+              <a:spcBef>
+                <a:spcPts val="0"/>
+              </a:spcBef>
+              <a:spcAft>
+                <a:spcPts val="0"/>
+              </a:spcAft>
+              <a:buClr>
+                <a:schemeClr val="dk1"/>
+              </a:buClr>
+              <a:buSzPts val="1800"/>
+              <a:buFont typeface="Arial"/>
+              <a:buChar char="•"/>
+            </a:pPr>
+            <a:r>
+              <a:rPr lang="ru-RU" sz="1800" dirty="0">
+                <a:solidFill>
+                  <a:schemeClr val="dk1"/>
+                </a:solidFill>
+                <a:latin typeface="Arial"/>
+                <a:ea typeface="Arial"/>
+                <a:cs typeface="Arial"/>
+                <a:sym typeface="Arial"/>
+              </a:rPr>
+              <a:t>Первая </a:t>
+            </a:r>
+            <a:r>
+              <a:rPr lang="en-US" sz="1800" dirty="0">
+                <a:solidFill>
+                  <a:schemeClr val="dk1"/>
+                </a:solidFill>
+                <a:latin typeface="Arial"/>
+                <a:ea typeface="Arial"/>
+                <a:cs typeface="Arial"/>
+                <a:sym typeface="Arial"/>
+              </a:rPr>
+              <a:t>loss</a:t>
+            </a:r>
+            <a:r>
+              <a:rPr lang="ru-RU" sz="1800" dirty="0">
+                <a:solidFill>
+                  <a:schemeClr val="dk1"/>
+                </a:solidFill>
+                <a:latin typeface="Arial"/>
+                <a:ea typeface="Arial"/>
+                <a:cs typeface="Arial"/>
+                <a:sym typeface="Arial"/>
+              </a:rPr>
+              <a:t>-функция отвечает за качество предсказания для выигрышных примеров</a:t>
+            </a:r>
+            <a:endParaRPr dirty="0"/>
+          </a:p>
+          <a:p>
+            <a:pPr marL="285750" marR="0" lvl="0" indent="-285750" algn="l" rtl="0">
+              <a:spcBef>
+                <a:spcPts val="0"/>
+              </a:spcBef>
+              <a:spcAft>
+                <a:spcPts val="0"/>
+              </a:spcAft>
+              <a:buClr>
+                <a:schemeClr val="dk1"/>
+              </a:buClr>
+              <a:buSzPts val="1800"/>
+              <a:buFont typeface="Arial"/>
+              <a:buChar char="•"/>
+            </a:pPr>
+            <a:r>
+              <a:rPr lang="ru-RU" sz="1800" dirty="0">
+                <a:solidFill>
+                  <a:schemeClr val="dk1"/>
+                </a:solidFill>
+                <a:latin typeface="Arial"/>
+                <a:ea typeface="Arial"/>
+                <a:cs typeface="Arial"/>
+                <a:sym typeface="Arial"/>
+              </a:rPr>
+              <a:t>Вторая </a:t>
+            </a:r>
+            <a:r>
+              <a:rPr lang="en-US" sz="1800" dirty="0">
+                <a:solidFill>
+                  <a:schemeClr val="dk1"/>
+                </a:solidFill>
+                <a:latin typeface="Arial"/>
+                <a:ea typeface="Arial"/>
+                <a:cs typeface="Arial"/>
+                <a:sym typeface="Arial"/>
+              </a:rPr>
+              <a:t>loss</a:t>
+            </a:r>
+            <a:r>
+              <a:rPr lang="ru-RU" sz="1800" dirty="0">
+                <a:solidFill>
+                  <a:schemeClr val="dk1"/>
+                </a:solidFill>
+                <a:latin typeface="Arial"/>
+                <a:ea typeface="Arial"/>
+                <a:cs typeface="Arial"/>
+                <a:sym typeface="Arial"/>
+              </a:rPr>
+              <a:t>-функция позволяет обучаться на проигрышных примерах</a:t>
+            </a:r>
+            <a:endParaRPr sz="1800" dirty="0">
               <a:solidFill>
                 <a:schemeClr val="dk1"/>
               </a:solidFill>
@@ -18380,7 +20353,7 @@
             </a:pPr>
             <a:fld id="{00000000-1234-1234-1234-123412341234}" type="slidenum">
               <a:rPr lang="ru-RU"/>
-              <a:t>13</a:t>
+              <a:t>18</a:t>
             </a:fld>
             <a:endParaRPr/>
           </a:p>
@@ -18394,7 +20367,874 @@
 </p:sld>
 </file>
 
-<file path=ppt/slides/slide14.xml><?xml version="1.0" encoding="utf-8"?>
+<file path=ppt/slides/slide19.xml><?xml version="1.0" encoding="utf-8"?>
+<p:sld xmlns:a="http://schemas.openxmlformats.org/drawingml/2006/main" xmlns:r="http://schemas.openxmlformats.org/officeDocument/2006/relationships" xmlns:p="http://schemas.openxmlformats.org/presentationml/2006/main">
+  <p:cSld>
+    <p:spTree>
+      <p:nvGrpSpPr>
+        <p:cNvPr id="1" name=""/>
+        <p:cNvGrpSpPr/>
+        <p:nvPr/>
+      </p:nvGrpSpPr>
+      <p:grpSpPr>
+        <a:xfrm>
+          <a:off x="0" y="0"/>
+          <a:ext cx="0" cy="0"/>
+          <a:chOff x="0" y="0"/>
+          <a:chExt cx="0" cy="0"/>
+        </a:xfrm>
+      </p:grpSpPr>
+      <p:sp>
+        <p:nvSpPr>
+          <p:cNvPr id="2" name="Текст 1">
+            <a:extLst>
+              <a:ext uri="{FF2B5EF4-FFF2-40B4-BE49-F238E27FC236}">
+                <a16:creationId xmlns:a16="http://schemas.microsoft.com/office/drawing/2014/main" id="{D527C9D3-3007-F74E-8F8D-A0EC40CC80D5}"/>
+              </a:ext>
+            </a:extLst>
+          </p:cNvPr>
+          <p:cNvSpPr>
+            <a:spLocks noGrp="1"/>
+          </p:cNvSpPr>
+          <p:nvPr>
+            <p:ph type="body" idx="1"/>
+          </p:nvPr>
+        </p:nvSpPr>
+        <p:spPr>
+          <a:xfrm>
+            <a:off x="457200" y="1759937"/>
+            <a:ext cx="8229600" cy="2834686"/>
+          </a:xfrm>
+        </p:spPr>
+        <p:txBody>
+          <a:bodyPr/>
+          <a:lstStyle/>
+          <a:p>
+            <a:r>
+              <a:rPr lang="ru-US" dirty="0"/>
+              <a:t>Используется открытый датасет </a:t>
+            </a:r>
+            <a:r>
+              <a:rPr lang="ru-RU" dirty="0">
+                <a:latin typeface="Calibri"/>
+                <a:ea typeface="Calibri"/>
+                <a:cs typeface="Calibri"/>
+                <a:sym typeface="Calibri"/>
+              </a:rPr>
+              <a:t>iPinYou</a:t>
+            </a:r>
+            <a:endParaRPr lang="ru-US" dirty="0"/>
+          </a:p>
+        </p:txBody>
+      </p:sp>
+      <p:sp>
+        <p:nvSpPr>
+          <p:cNvPr id="4" name="Заголовок 3">
+            <a:extLst>
+              <a:ext uri="{FF2B5EF4-FFF2-40B4-BE49-F238E27FC236}">
+                <a16:creationId xmlns:a16="http://schemas.microsoft.com/office/drawing/2014/main" id="{D8110ED4-3997-C149-A543-747CFDBBF4E4}"/>
+              </a:ext>
+            </a:extLst>
+          </p:cNvPr>
+          <p:cNvSpPr>
+            <a:spLocks noGrp="1"/>
+          </p:cNvSpPr>
+          <p:nvPr>
+            <p:ph type="title"/>
+          </p:nvPr>
+        </p:nvSpPr>
+        <p:spPr/>
+        <p:txBody>
+          <a:bodyPr/>
+          <a:lstStyle/>
+          <a:p>
+            <a:r>
+              <a:rPr lang="ru-RU" dirty="0"/>
+              <a:t>Д</a:t>
+            </a:r>
+            <a:r>
+              <a:rPr lang="ru-US" dirty="0"/>
+              <a:t>атасет</a:t>
+            </a:r>
+          </a:p>
+        </p:txBody>
+      </p:sp>
+      <p:sp>
+        <p:nvSpPr>
+          <p:cNvPr id="5" name="Номер слайда 4">
+            <a:extLst>
+              <a:ext uri="{FF2B5EF4-FFF2-40B4-BE49-F238E27FC236}">
+                <a16:creationId xmlns:a16="http://schemas.microsoft.com/office/drawing/2014/main" id="{08C37C81-B507-1C4C-A3E4-FC4844CF2152}"/>
+              </a:ext>
+            </a:extLst>
+          </p:cNvPr>
+          <p:cNvSpPr>
+            <a:spLocks noGrp="1"/>
+          </p:cNvSpPr>
+          <p:nvPr>
+            <p:ph type="sldNum" idx="12"/>
+          </p:nvPr>
+        </p:nvSpPr>
+        <p:spPr/>
+        <p:txBody>
+          <a:bodyPr/>
+          <a:lstStyle/>
+          <a:p>
+            <a:pPr marL="0" lvl="0" indent="0" algn="r" rtl="0">
+              <a:spcBef>
+                <a:spcPts val="0"/>
+              </a:spcBef>
+              <a:spcAft>
+                <a:spcPts val="0"/>
+              </a:spcAft>
+              <a:buNone/>
+            </a:pPr>
+            <a:fld id="{00000000-1234-1234-1234-123412341234}" type="slidenum">
+              <a:rPr lang="ru-RU" smtClean="0"/>
+              <a:t>19</a:t>
+            </a:fld>
+            <a:endParaRPr lang="ru-RU"/>
+          </a:p>
+        </p:txBody>
+      </p:sp>
+    </p:spTree>
+    <p:extLst>
+      <p:ext uri="{BB962C8B-B14F-4D97-AF65-F5344CB8AC3E}">
+        <p14:creationId xmlns:p14="http://schemas.microsoft.com/office/powerpoint/2010/main" val="2564706954"/>
+      </p:ext>
+    </p:extLst>
+  </p:cSld>
+  <p:clrMapOvr>
+    <a:masterClrMapping/>
+  </p:clrMapOvr>
+</p:sld>
+</file>
+
+<file path=ppt/slides/slide2.xml><?xml version="1.0" encoding="utf-8"?>
+<p:sld xmlns:a="http://schemas.openxmlformats.org/drawingml/2006/main" xmlns:r="http://schemas.openxmlformats.org/officeDocument/2006/relationships" xmlns:p="http://schemas.openxmlformats.org/presentationml/2006/main">
+  <p:cSld>
+    <p:spTree>
+      <p:nvGrpSpPr>
+        <p:cNvPr id="1" name=""/>
+        <p:cNvGrpSpPr/>
+        <p:nvPr/>
+      </p:nvGrpSpPr>
+      <p:grpSpPr>
+        <a:xfrm>
+          <a:off x="0" y="0"/>
+          <a:ext cx="0" cy="0"/>
+          <a:chOff x="0" y="0"/>
+          <a:chExt cx="0" cy="0"/>
+        </a:xfrm>
+      </p:grpSpPr>
+      <p:sp>
+        <p:nvSpPr>
+          <p:cNvPr id="2" name="Текст 1">
+            <a:extLst>
+              <a:ext uri="{FF2B5EF4-FFF2-40B4-BE49-F238E27FC236}">
+                <a16:creationId xmlns:a16="http://schemas.microsoft.com/office/drawing/2014/main" id="{151B69D1-C3FF-6F43-A3A1-2D6F5038A23C}"/>
+              </a:ext>
+            </a:extLst>
+          </p:cNvPr>
+          <p:cNvSpPr>
+            <a:spLocks noGrp="1"/>
+          </p:cNvSpPr>
+          <p:nvPr>
+            <p:ph type="body" idx="1"/>
+          </p:nvPr>
+        </p:nvSpPr>
+        <p:spPr>
+          <a:xfrm>
+            <a:off x="457200" y="1759937"/>
+            <a:ext cx="8099584" cy="2834686"/>
+          </a:xfrm>
+        </p:spPr>
+        <p:txBody>
+          <a:bodyPr>
+            <a:normAutofit/>
+          </a:bodyPr>
+          <a:lstStyle/>
+          <a:p>
+            <a:r>
+              <a:rPr lang="ru-RU" dirty="0"/>
+              <a:t>Онлайн аукцион – процесс выбора рекламного объявления для показа пользователю</a:t>
+            </a:r>
+          </a:p>
+          <a:p>
+            <a:r>
+              <a:rPr lang="ru-RU" dirty="0"/>
+              <a:t>Победитель аукциона – участник, предложивший наибольшую ставку</a:t>
+            </a:r>
+          </a:p>
+          <a:p>
+            <a:r>
+              <a:rPr lang="ru-RU" dirty="0"/>
+              <a:t>Рыночная цена – цена, которую платит победитель аукциона</a:t>
+            </a:r>
+            <a:endParaRPr lang="ru-US" dirty="0"/>
+          </a:p>
+        </p:txBody>
+      </p:sp>
+      <p:sp>
+        <p:nvSpPr>
+          <p:cNvPr id="4" name="Заголовок 3">
+            <a:extLst>
+              <a:ext uri="{FF2B5EF4-FFF2-40B4-BE49-F238E27FC236}">
+                <a16:creationId xmlns:a16="http://schemas.microsoft.com/office/drawing/2014/main" id="{1E2AD96D-FE10-6847-9686-CB82764BD286}"/>
+              </a:ext>
+            </a:extLst>
+          </p:cNvPr>
+          <p:cNvSpPr>
+            <a:spLocks noGrp="1"/>
+          </p:cNvSpPr>
+          <p:nvPr>
+            <p:ph type="title"/>
+          </p:nvPr>
+        </p:nvSpPr>
+        <p:spPr>
+          <a:xfrm>
+            <a:off x="457200" y="927382"/>
+            <a:ext cx="8099584" cy="620483"/>
+          </a:xfrm>
+        </p:spPr>
+        <p:txBody>
+          <a:bodyPr/>
+          <a:lstStyle/>
+          <a:p>
+            <a:r>
+              <a:rPr lang="ru-US" dirty="0"/>
+              <a:t>Онлайн реклама</a:t>
+            </a:r>
+          </a:p>
+        </p:txBody>
+      </p:sp>
+      <p:sp>
+        <p:nvSpPr>
+          <p:cNvPr id="5" name="Номер слайда 4">
+            <a:extLst>
+              <a:ext uri="{FF2B5EF4-FFF2-40B4-BE49-F238E27FC236}">
+                <a16:creationId xmlns:a16="http://schemas.microsoft.com/office/drawing/2014/main" id="{BCC5DDF8-21D7-214F-BD93-7224057B4284}"/>
+              </a:ext>
+            </a:extLst>
+          </p:cNvPr>
+          <p:cNvSpPr>
+            <a:spLocks noGrp="1"/>
+          </p:cNvSpPr>
+          <p:nvPr>
+            <p:ph type="sldNum" idx="12"/>
+          </p:nvPr>
+        </p:nvSpPr>
+        <p:spPr/>
+        <p:txBody>
+          <a:bodyPr/>
+          <a:lstStyle/>
+          <a:p>
+            <a:pPr marL="0" lvl="0" indent="0" algn="r" rtl="0">
+              <a:spcBef>
+                <a:spcPts val="0"/>
+              </a:spcBef>
+              <a:spcAft>
+                <a:spcPts val="0"/>
+              </a:spcAft>
+              <a:buNone/>
+            </a:pPr>
+            <a:fld id="{00000000-1234-1234-1234-123412341234}" type="slidenum">
+              <a:rPr lang="ru-RU" smtClean="0"/>
+              <a:t>2</a:t>
+            </a:fld>
+            <a:endParaRPr lang="ru-RU"/>
+          </a:p>
+        </p:txBody>
+      </p:sp>
+    </p:spTree>
+    <p:extLst>
+      <p:ext uri="{BB962C8B-B14F-4D97-AF65-F5344CB8AC3E}">
+        <p14:creationId xmlns:p14="http://schemas.microsoft.com/office/powerpoint/2010/main" val="3098445476"/>
+      </p:ext>
+    </p:extLst>
+  </p:cSld>
+  <p:clrMapOvr>
+    <a:masterClrMapping/>
+  </p:clrMapOvr>
+</p:sld>
+</file>
+
+<file path=ppt/slides/slide20.xml><?xml version="1.0" encoding="utf-8"?>
+<p:sld xmlns:a="http://schemas.openxmlformats.org/drawingml/2006/main" xmlns:r="http://schemas.openxmlformats.org/officeDocument/2006/relationships" xmlns:p="http://schemas.openxmlformats.org/presentationml/2006/main">
+  <p:cSld>
+    <p:spTree>
+      <p:nvGrpSpPr>
+        <p:cNvPr id="1" name="Shape 219"/>
+        <p:cNvGrpSpPr/>
+        <p:nvPr/>
+      </p:nvGrpSpPr>
+      <p:grpSpPr>
+        <a:xfrm>
+          <a:off x="0" y="0"/>
+          <a:ext cx="0" cy="0"/>
+          <a:chOff x="0" y="0"/>
+          <a:chExt cx="0" cy="0"/>
+        </a:xfrm>
+      </p:grpSpPr>
+      <p:sp>
+        <p:nvSpPr>
+          <p:cNvPr id="220" name="Google Shape;220;p14"/>
+          <p:cNvSpPr txBox="1">
+            <a:spLocks noGrp="1"/>
+          </p:cNvSpPr>
+          <p:nvPr>
+            <p:ph type="title"/>
+          </p:nvPr>
+        </p:nvSpPr>
+        <p:spPr>
+          <a:xfrm>
+            <a:off x="457200" y="927382"/>
+            <a:ext cx="8229600" cy="620483"/>
+          </a:xfrm>
+          <a:prstGeom prst="rect">
+            <a:avLst/>
+          </a:prstGeom>
+          <a:noFill/>
+          <a:ln>
+            <a:noFill/>
+          </a:ln>
+        </p:spPr>
+        <p:txBody>
+          <a:bodyPr spcFirstLastPara="1" wrap="square" lIns="91425" tIns="45700" rIns="91425" bIns="45700" anchor="ctr" anchorCtr="0">
+            <a:normAutofit/>
+          </a:bodyPr>
+          <a:lstStyle/>
+          <a:p>
+            <a:pPr marL="0" lvl="0" indent="0" algn="l" rtl="0">
+              <a:spcBef>
+                <a:spcPts val="0"/>
+              </a:spcBef>
+              <a:spcAft>
+                <a:spcPts val="0"/>
+              </a:spcAft>
+              <a:buClr>
+                <a:schemeClr val="dk1"/>
+              </a:buClr>
+              <a:buSzPts val="3200"/>
+              <a:buFont typeface="Arial"/>
+              <a:buNone/>
+            </a:pPr>
+            <a:r>
+              <a:rPr lang="ru-RU" dirty="0"/>
+              <a:t>Текущие результаты</a:t>
+            </a:r>
+            <a:endParaRPr dirty="0"/>
+          </a:p>
+        </p:txBody>
+      </p:sp>
+      <p:sp>
+        <p:nvSpPr>
+          <p:cNvPr id="221" name="Google Shape;221;p14"/>
+          <p:cNvSpPr txBox="1"/>
+          <p:nvPr/>
+        </p:nvSpPr>
+        <p:spPr>
+          <a:xfrm>
+            <a:off x="2405829" y="4588529"/>
+            <a:ext cx="4332340" cy="369332"/>
+          </a:xfrm>
+          <a:prstGeom prst="rect">
+            <a:avLst/>
+          </a:prstGeom>
+          <a:noFill/>
+          <a:ln>
+            <a:noFill/>
+          </a:ln>
+        </p:spPr>
+        <p:txBody>
+          <a:bodyPr spcFirstLastPara="1" wrap="square" lIns="91425" tIns="45700" rIns="91425" bIns="45700" anchor="t" anchorCtr="0">
+            <a:spAutoFit/>
+          </a:bodyPr>
+          <a:lstStyle/>
+          <a:p>
+            <a:pPr marL="0" marR="0" lvl="0" indent="0" algn="l" rtl="0">
+              <a:spcBef>
+                <a:spcPts val="0"/>
+              </a:spcBef>
+              <a:spcAft>
+                <a:spcPts val="0"/>
+              </a:spcAft>
+              <a:buNone/>
+            </a:pPr>
+            <a:r>
+              <a:rPr lang="ru-RU" sz="1800" dirty="0">
+                <a:solidFill>
+                  <a:schemeClr val="dk1"/>
+                </a:solidFill>
+                <a:latin typeface="Calibri"/>
+                <a:ea typeface="Calibri"/>
+                <a:cs typeface="Calibri"/>
+                <a:sym typeface="Calibri"/>
+              </a:rPr>
+              <a:t>Рисунок 5. Результаты на датасете iPinYou</a:t>
+            </a:r>
+            <a:endParaRPr sz="1800" dirty="0">
+              <a:solidFill>
+                <a:schemeClr val="dk1"/>
+              </a:solidFill>
+              <a:latin typeface="Calibri"/>
+              <a:ea typeface="Calibri"/>
+              <a:cs typeface="Calibri"/>
+              <a:sym typeface="Calibri"/>
+            </a:endParaRPr>
+          </a:p>
+        </p:txBody>
+      </p:sp>
+      <p:sp>
+        <p:nvSpPr>
+          <p:cNvPr id="222" name="Google Shape;222;p14"/>
+          <p:cNvSpPr txBox="1">
+            <a:spLocks noGrp="1"/>
+          </p:cNvSpPr>
+          <p:nvPr>
+            <p:ph type="sldNum" idx="12"/>
+          </p:nvPr>
+        </p:nvSpPr>
+        <p:spPr>
+          <a:xfrm>
+            <a:off x="8556784" y="4749851"/>
+            <a:ext cx="548700" cy="393600"/>
+          </a:xfrm>
+          <a:prstGeom prst="rect">
+            <a:avLst/>
+          </a:prstGeom>
+        </p:spPr>
+        <p:txBody>
+          <a:bodyPr spcFirstLastPara="1" wrap="square" lIns="91425" tIns="91425" rIns="91425" bIns="91425" anchor="t" anchorCtr="0">
+            <a:noAutofit/>
+          </a:bodyPr>
+          <a:lstStyle/>
+          <a:p>
+            <a:pPr marL="0" lvl="0" indent="0" algn="r" rtl="0">
+              <a:spcBef>
+                <a:spcPts val="0"/>
+              </a:spcBef>
+              <a:spcAft>
+                <a:spcPts val="0"/>
+              </a:spcAft>
+              <a:buNone/>
+            </a:pPr>
+            <a:fld id="{00000000-1234-1234-1234-123412341234}" type="slidenum">
+              <a:rPr lang="ru-RU"/>
+              <a:t>20</a:t>
+            </a:fld>
+            <a:endParaRPr/>
+          </a:p>
+        </p:txBody>
+      </p:sp>
+      <p:graphicFrame>
+        <p:nvGraphicFramePr>
+          <p:cNvPr id="2" name="Таблица 1">
+            <a:extLst>
+              <a:ext uri="{FF2B5EF4-FFF2-40B4-BE49-F238E27FC236}">
+                <a16:creationId xmlns:a16="http://schemas.microsoft.com/office/drawing/2014/main" id="{E609D533-4F41-1A4E-8443-239611E24A50}"/>
+              </a:ext>
+            </a:extLst>
+          </p:cNvPr>
+          <p:cNvGraphicFramePr>
+            <a:graphicFrameLocks noGrp="1"/>
+          </p:cNvGraphicFramePr>
+          <p:nvPr>
+            <p:extLst>
+              <p:ext uri="{D42A27DB-BD31-4B8C-83A1-F6EECF244321}">
+                <p14:modId xmlns:p14="http://schemas.microsoft.com/office/powerpoint/2010/main" val="1540570951"/>
+              </p:ext>
+            </p:extLst>
+          </p:nvPr>
+        </p:nvGraphicFramePr>
+        <p:xfrm>
+          <a:off x="1305560" y="2071636"/>
+          <a:ext cx="6532880" cy="1992364"/>
+        </p:xfrm>
+        <a:graphic>
+          <a:graphicData uri="http://schemas.openxmlformats.org/drawingml/2006/table">
+            <a:tbl>
+              <a:tblPr firstRow="1" bandRow="1">
+                <a:tableStyleId>{5940675A-B579-460E-94D1-54222C63F5DA}</a:tableStyleId>
+              </a:tblPr>
+              <a:tblGrid>
+                <a:gridCol w="1306576">
+                  <a:extLst>
+                    <a:ext uri="{9D8B030D-6E8A-4147-A177-3AD203B41FA5}">
+                      <a16:colId xmlns:a16="http://schemas.microsoft.com/office/drawing/2014/main" val="3226239251"/>
+                    </a:ext>
+                  </a:extLst>
+                </a:gridCol>
+                <a:gridCol w="1306576">
+                  <a:extLst>
+                    <a:ext uri="{9D8B030D-6E8A-4147-A177-3AD203B41FA5}">
+                      <a16:colId xmlns:a16="http://schemas.microsoft.com/office/drawing/2014/main" val="3538497051"/>
+                    </a:ext>
+                  </a:extLst>
+                </a:gridCol>
+                <a:gridCol w="1306576">
+                  <a:extLst>
+                    <a:ext uri="{9D8B030D-6E8A-4147-A177-3AD203B41FA5}">
+                      <a16:colId xmlns:a16="http://schemas.microsoft.com/office/drawing/2014/main" val="1453757814"/>
+                    </a:ext>
+                  </a:extLst>
+                </a:gridCol>
+                <a:gridCol w="1306576">
+                  <a:extLst>
+                    <a:ext uri="{9D8B030D-6E8A-4147-A177-3AD203B41FA5}">
+                      <a16:colId xmlns:a16="http://schemas.microsoft.com/office/drawing/2014/main" val="683897110"/>
+                    </a:ext>
+                  </a:extLst>
+                </a:gridCol>
+                <a:gridCol w="1306576">
+                  <a:extLst>
+                    <a:ext uri="{9D8B030D-6E8A-4147-A177-3AD203B41FA5}">
+                      <a16:colId xmlns:a16="http://schemas.microsoft.com/office/drawing/2014/main" val="4277327074"/>
+                    </a:ext>
+                  </a:extLst>
+                </a:gridCol>
+              </a:tblGrid>
+              <a:tr h="453092">
+                <a:tc>
+                  <a:txBody>
+                    <a:bodyPr/>
+                    <a:lstStyle/>
+                    <a:p>
+                      <a:pPr algn="ctr"/>
+                      <a:r>
+                        <a:rPr lang="ru-US" dirty="0"/>
+                        <a:t>Компания</a:t>
+                      </a:r>
+                    </a:p>
+                  </a:txBody>
+                  <a:tcPr/>
+                </a:tc>
+                <a:tc gridSpan="2">
+                  <a:txBody>
+                    <a:bodyPr/>
+                    <a:lstStyle/>
+                    <a:p>
+                      <a:pPr algn="ctr"/>
+                      <a:r>
+                        <a:rPr lang="ru-US" dirty="0"/>
+                        <a:t>2997</a:t>
+                      </a:r>
+                    </a:p>
+                  </a:txBody>
+                  <a:tcPr/>
+                </a:tc>
+                <a:tc hMerge="1">
+                  <a:txBody>
+                    <a:bodyPr/>
+                    <a:lstStyle/>
+                    <a:p>
+                      <a:endParaRPr lang="ru-US" dirty="0"/>
+                    </a:p>
+                  </a:txBody>
+                  <a:tcPr/>
+                </a:tc>
+                <a:tc gridSpan="2">
+                  <a:txBody>
+                    <a:bodyPr/>
+                    <a:lstStyle/>
+                    <a:p>
+                      <a:pPr algn="ctr"/>
+                      <a:r>
+                        <a:rPr lang="ru-US" dirty="0"/>
+                        <a:t>3476</a:t>
+                      </a:r>
+                    </a:p>
+                  </a:txBody>
+                  <a:tcPr/>
+                </a:tc>
+                <a:tc hMerge="1">
+                  <a:txBody>
+                    <a:bodyPr/>
+                    <a:lstStyle/>
+                    <a:p>
+                      <a:endParaRPr lang="ru-US" dirty="0"/>
+                    </a:p>
+                  </a:txBody>
+                  <a:tcPr/>
+                </a:tc>
+                <a:extLst>
+                  <a:ext uri="{0D108BD9-81ED-4DB2-BD59-A6C34878D82A}">
+                    <a16:rowId xmlns:a16="http://schemas.microsoft.com/office/drawing/2014/main" val="1599993620"/>
+                  </a:ext>
+                </a:extLst>
+              </a:tr>
+              <a:tr h="633088">
+                <a:tc>
+                  <a:txBody>
+                    <a:bodyPr/>
+                    <a:lstStyle/>
+                    <a:p>
+                      <a:pPr algn="ctr"/>
+                      <a:r>
+                        <a:rPr lang="ru-US" dirty="0"/>
+                        <a:t>Модель</a:t>
+                      </a:r>
+                    </a:p>
+                  </a:txBody>
+                  <a:tcPr/>
+                </a:tc>
+                <a:tc>
+                  <a:txBody>
+                    <a:bodyPr/>
+                    <a:lstStyle/>
+                    <a:p>
+                      <a:pPr algn="ctr"/>
+                      <a:r>
+                        <a:rPr lang="en-US" dirty="0"/>
+                        <a:t>baseline</a:t>
+                      </a:r>
+                      <a:endParaRPr lang="ru-US" dirty="0"/>
+                    </a:p>
+                  </a:txBody>
+                  <a:tcPr/>
+                </a:tc>
+                <a:tc>
+                  <a:txBody>
+                    <a:bodyPr/>
+                    <a:lstStyle/>
+                    <a:p>
+                      <a:pPr algn="ctr"/>
+                      <a:r>
+                        <a:rPr lang="ru-RU" dirty="0"/>
+                        <a:t>Т</a:t>
+                      </a:r>
+                      <a:r>
+                        <a:rPr lang="ru-US" dirty="0"/>
+                        <a:t>екущее решение</a:t>
+                      </a:r>
+                    </a:p>
+                  </a:txBody>
+                  <a:tcPr/>
+                </a:tc>
+                <a:tc>
+                  <a:txBody>
+                    <a:bodyPr/>
+                    <a:lstStyle/>
+                    <a:p>
+                      <a:pPr algn="ctr"/>
+                      <a:r>
+                        <a:rPr lang="en-US" dirty="0"/>
+                        <a:t>baseline</a:t>
+                      </a:r>
+                      <a:endParaRPr lang="ru-US" dirty="0"/>
+                    </a:p>
+                  </a:txBody>
+                  <a:tcPr/>
+                </a:tc>
+                <a:tc>
+                  <a:txBody>
+                    <a:bodyPr/>
+                    <a:lstStyle/>
+                    <a:p>
+                      <a:pPr algn="ctr"/>
+                      <a:r>
+                        <a:rPr lang="ru-RU" dirty="0"/>
+                        <a:t>Т</a:t>
+                      </a:r>
+                      <a:r>
+                        <a:rPr lang="ru-US" dirty="0"/>
+                        <a:t>екущее решение</a:t>
+                      </a:r>
+                    </a:p>
+                  </a:txBody>
+                  <a:tcPr/>
+                </a:tc>
+                <a:extLst>
+                  <a:ext uri="{0D108BD9-81ED-4DB2-BD59-A6C34878D82A}">
+                    <a16:rowId xmlns:a16="http://schemas.microsoft.com/office/drawing/2014/main" val="1026733495"/>
+                  </a:ext>
+                </a:extLst>
+              </a:tr>
+              <a:tr h="453092">
+                <a:tc>
+                  <a:txBody>
+                    <a:bodyPr/>
+                    <a:lstStyle/>
+                    <a:p>
+                      <a:pPr algn="ctr"/>
+                      <a:r>
+                        <a:rPr lang="ru-RU" dirty="0"/>
+                        <a:t>Ошибка</a:t>
+                      </a:r>
+                      <a:endParaRPr lang="ru-US" dirty="0"/>
+                    </a:p>
+                  </a:txBody>
+                  <a:tcPr/>
+                </a:tc>
+                <a:tc>
+                  <a:txBody>
+                    <a:bodyPr/>
+                    <a:lstStyle/>
+                    <a:p>
+                      <a:pPr algn="ctr"/>
+                      <a:r>
+                        <a:rPr lang="ru-US" dirty="0"/>
+                        <a:t>2</a:t>
+                      </a:r>
+                      <a:r>
+                        <a:rPr lang="en-US" dirty="0"/>
+                        <a:t>.2743</a:t>
+                      </a:r>
+                      <a:endParaRPr lang="ru-US" dirty="0"/>
+                    </a:p>
+                  </a:txBody>
+                  <a:tcPr/>
+                </a:tc>
+                <a:tc>
+                  <a:txBody>
+                    <a:bodyPr/>
+                    <a:lstStyle/>
+                    <a:p>
+                      <a:pPr algn="ctr"/>
+                      <a:r>
+                        <a:rPr lang="en-US" b="1" dirty="0"/>
+                        <a:t>0.5439</a:t>
+                      </a:r>
+                      <a:endParaRPr lang="ru-US" b="1" dirty="0"/>
+                    </a:p>
+                  </a:txBody>
+                  <a:tcPr/>
+                </a:tc>
+                <a:tc>
+                  <a:txBody>
+                    <a:bodyPr/>
+                    <a:lstStyle/>
+                    <a:p>
+                      <a:pPr algn="ctr"/>
+                      <a:r>
+                        <a:rPr lang="en-US" dirty="0"/>
+                        <a:t>1.4686</a:t>
+                      </a:r>
+                      <a:endParaRPr lang="ru-US" dirty="0"/>
+                    </a:p>
+                  </a:txBody>
+                  <a:tcPr/>
+                </a:tc>
+                <a:tc>
+                  <a:txBody>
+                    <a:bodyPr/>
+                    <a:lstStyle/>
+                    <a:p>
+                      <a:pPr algn="ctr"/>
+                      <a:r>
+                        <a:rPr lang="en-US" b="1" dirty="0"/>
+                        <a:t>1.4222</a:t>
+                      </a:r>
+                      <a:endParaRPr lang="ru-US" b="1" dirty="0"/>
+                    </a:p>
+                  </a:txBody>
+                  <a:tcPr/>
+                </a:tc>
+                <a:extLst>
+                  <a:ext uri="{0D108BD9-81ED-4DB2-BD59-A6C34878D82A}">
+                    <a16:rowId xmlns:a16="http://schemas.microsoft.com/office/drawing/2014/main" val="3214790814"/>
+                  </a:ext>
+                </a:extLst>
+              </a:tr>
+              <a:tr h="453092">
+                <a:tc>
+                  <a:txBody>
+                    <a:bodyPr/>
+                    <a:lstStyle/>
+                    <a:p>
+                      <a:pPr algn="ctr"/>
+                      <a:r>
+                        <a:rPr lang="ru-US" dirty="0"/>
+                        <a:t>Точность</a:t>
+                      </a:r>
+                    </a:p>
+                  </a:txBody>
+                  <a:tcPr/>
+                </a:tc>
+                <a:tc>
+                  <a:txBody>
+                    <a:bodyPr/>
+                    <a:lstStyle/>
+                    <a:p>
+                      <a:pPr algn="ctr"/>
+                      <a:r>
+                        <a:rPr lang="en-US" b="1" dirty="0"/>
+                        <a:t>0.9258</a:t>
+                      </a:r>
+                      <a:endParaRPr lang="ru-US" b="1" dirty="0"/>
+                    </a:p>
+                  </a:txBody>
+                  <a:tcPr/>
+                </a:tc>
+                <a:tc>
+                  <a:txBody>
+                    <a:bodyPr/>
+                    <a:lstStyle/>
+                    <a:p>
+                      <a:pPr algn="ctr"/>
+                      <a:r>
+                        <a:rPr lang="en-US" dirty="0"/>
+                        <a:t>0.9236</a:t>
+                      </a:r>
+                      <a:endParaRPr lang="ru-US" dirty="0"/>
+                    </a:p>
+                  </a:txBody>
+                  <a:tcPr/>
+                </a:tc>
+                <a:tc>
+                  <a:txBody>
+                    <a:bodyPr/>
+                    <a:lstStyle/>
+                    <a:p>
+                      <a:pPr algn="ctr"/>
+                      <a:r>
+                        <a:rPr lang="en-US" dirty="0"/>
+                        <a:t>0.9233</a:t>
+                      </a:r>
+                      <a:endParaRPr lang="ru-US" dirty="0"/>
+                    </a:p>
+                  </a:txBody>
+                  <a:tcPr/>
+                </a:tc>
+                <a:tc>
+                  <a:txBody>
+                    <a:bodyPr/>
+                    <a:lstStyle/>
+                    <a:p>
+                      <a:pPr algn="ctr"/>
+                      <a:r>
+                        <a:rPr lang="en-US" b="1" dirty="0"/>
+                        <a:t>0.924</a:t>
+                      </a:r>
+                      <a:endParaRPr lang="ru-US" b="1" dirty="0"/>
+                    </a:p>
+                  </a:txBody>
+                  <a:tcPr/>
+                </a:tc>
+                <a:extLst>
+                  <a:ext uri="{0D108BD9-81ED-4DB2-BD59-A6C34878D82A}">
+                    <a16:rowId xmlns:a16="http://schemas.microsoft.com/office/drawing/2014/main" val="413994822"/>
+                  </a:ext>
+                </a:extLst>
+              </a:tr>
+            </a:tbl>
+          </a:graphicData>
+        </a:graphic>
+      </p:graphicFrame>
+    </p:spTree>
+    <p:extLst>
+      <p:ext uri="{BB962C8B-B14F-4D97-AF65-F5344CB8AC3E}">
+        <p14:creationId xmlns:p14="http://schemas.microsoft.com/office/powerpoint/2010/main" val="3171469614"/>
+      </p:ext>
+    </p:extLst>
+  </p:cSld>
+  <p:clrMapOvr>
+    <a:masterClrMapping/>
+  </p:clrMapOvr>
+</p:sld>
+</file>
+
+<file path=ppt/slides/slide21.xml><?xml version="1.0" encoding="utf-8"?>
 <p:sld xmlns:a="http://schemas.openxmlformats.org/drawingml/2006/main" xmlns:r="http://schemas.openxmlformats.org/officeDocument/2006/relationships" xmlns:p="http://schemas.openxmlformats.org/presentationml/2006/main">
   <p:cSld>
     <p:spTree>
@@ -18462,33 +21302,6 @@
           </a:p>
         </p:txBody>
       </p:sp>
-      <p:pic>
-        <p:nvPicPr>
-          <p:cNvPr id="205" name="Google Shape;205;p12"/>
-          <p:cNvPicPr preferRelativeResize="0"/>
-          <p:nvPr/>
-        </p:nvPicPr>
-        <p:blipFill rotWithShape="1">
-          <a:blip r:embed="rId3">
-            <a:alphaModFix/>
-          </a:blip>
-          <a:srcRect/>
-          <a:stretch/>
-        </p:blipFill>
-        <p:spPr>
-          <a:xfrm>
-            <a:off x="457200" y="1818518"/>
-            <a:ext cx="8229600" cy="2397600"/>
-          </a:xfrm>
-          <a:prstGeom prst="rect">
-            <a:avLst/>
-          </a:prstGeom>
-          <a:noFill/>
-          <a:ln>
-            <a:noFill/>
-          </a:ln>
-        </p:spPr>
-      </p:pic>
       <p:sp>
         <p:nvSpPr>
           <p:cNvPr id="206" name="Google Shape;206;p12"/>
@@ -18524,7 +21337,7 @@
               <a:buNone/>
             </a:pPr>
             <a:r>
-              <a:rPr lang="ru-RU" sz="1800">
+              <a:rPr lang="ru-RU" sz="1800" dirty="0">
                 <a:solidFill>
                   <a:schemeClr val="dk1"/>
                 </a:solidFill>
@@ -18533,9 +21346,9 @@
                 <a:cs typeface="Calibri"/>
                 <a:sym typeface="Calibri"/>
               </a:rPr>
-              <a:t>Рисунок 3. Результаты на датасете iPinYou 3476</a:t>
+              <a:t>Рисунок 6. Результаты на датасете iPinYou 3476</a:t>
             </a:r>
-            <a:endParaRPr sz="1800">
+            <a:endParaRPr sz="1800" dirty="0">
               <a:solidFill>
                 <a:schemeClr val="dk1"/>
               </a:solidFill>
@@ -18583,12 +21396,42 @@
             </a:pPr>
             <a:fld id="{00000000-1234-1234-1234-123412341234}" type="slidenum">
               <a:rPr lang="ru-RU"/>
-              <a:t>14</a:t>
+              <a:t>21</a:t>
             </a:fld>
             <a:endParaRPr/>
           </a:p>
         </p:txBody>
       </p:sp>
+      <p:pic>
+        <p:nvPicPr>
+          <p:cNvPr id="3" name="Рисунок 2">
+            <a:extLst>
+              <a:ext uri="{FF2B5EF4-FFF2-40B4-BE49-F238E27FC236}">
+                <a16:creationId xmlns:a16="http://schemas.microsoft.com/office/drawing/2014/main" id="{AE20BAC9-A7EA-9F4A-9A28-4B60C87F0493}"/>
+              </a:ext>
+            </a:extLst>
+          </p:cNvPr>
+          <p:cNvPicPr>
+            <a:picLocks noChangeAspect="1"/>
+          </p:cNvPicPr>
+          <p:nvPr/>
+        </p:nvPicPr>
+        <p:blipFill>
+          <a:blip r:embed="rId3"/>
+          <a:stretch>
+            <a:fillRect/>
+          </a:stretch>
+        </p:blipFill>
+        <p:spPr>
+          <a:xfrm>
+            <a:off x="373587" y="1775010"/>
+            <a:ext cx="8396823" cy="2441108"/>
+          </a:xfrm>
+          <a:prstGeom prst="rect">
+            <a:avLst/>
+          </a:prstGeom>
+        </p:spPr>
+      </p:pic>
     </p:spTree>
   </p:cSld>
   <p:clrMapOvr>
@@ -18597,7 +21440,7 @@
 </p:sld>
 </file>
 
-<file path=ppt/slides/slide15.xml><?xml version="1.0" encoding="utf-8"?>
+<file path=ppt/slides/slide22.xml><?xml version="1.0" encoding="utf-8"?>
 <p:sld xmlns:a="http://schemas.openxmlformats.org/drawingml/2006/main" xmlns:r="http://schemas.openxmlformats.org/officeDocument/2006/relationships" xmlns:p="http://schemas.openxmlformats.org/presentationml/2006/main">
   <p:cSld>
     <p:spTree>
@@ -18665,33 +21508,6 @@
           </a:p>
         </p:txBody>
       </p:sp>
-      <p:pic>
-        <p:nvPicPr>
-          <p:cNvPr id="213" name="Google Shape;213;p13"/>
-          <p:cNvPicPr preferRelativeResize="0"/>
-          <p:nvPr/>
-        </p:nvPicPr>
-        <p:blipFill rotWithShape="1">
-          <a:blip r:embed="rId3">
-            <a:alphaModFix/>
-          </a:blip>
-          <a:srcRect/>
-          <a:stretch/>
-        </p:blipFill>
-        <p:spPr>
-          <a:xfrm>
-            <a:off x="2326802" y="1547865"/>
-            <a:ext cx="4490395" cy="3051636"/>
-          </a:xfrm>
-          <a:prstGeom prst="rect">
-            <a:avLst/>
-          </a:prstGeom>
-          <a:noFill/>
-          <a:ln>
-            <a:noFill/>
-          </a:ln>
-        </p:spPr>
-      </p:pic>
       <p:sp>
         <p:nvSpPr>
           <p:cNvPr id="214" name="Google Shape;214;p13"/>
@@ -18727,7 +21543,7 @@
               <a:buNone/>
             </a:pPr>
             <a:r>
-              <a:rPr lang="ru-RU" sz="1800">
+              <a:rPr lang="ru-RU" sz="1800" dirty="0">
                 <a:solidFill>
                   <a:schemeClr val="dk1"/>
                 </a:solidFill>
@@ -18736,9 +21552,9 @@
                 <a:cs typeface="Calibri"/>
                 <a:sym typeface="Calibri"/>
               </a:rPr>
-              <a:t>Рисунок 4. Результаты на датасете iPinYou 3476</a:t>
+              <a:t>Рисунок 7. Результаты на датасете iPinYou 3476</a:t>
             </a:r>
-            <a:endParaRPr sz="1800">
+            <a:endParaRPr sz="1800" dirty="0">
               <a:solidFill>
                 <a:schemeClr val="dk1"/>
               </a:solidFill>
@@ -18786,183 +21602,7 @@
             </a:pPr>
             <a:fld id="{00000000-1234-1234-1234-123412341234}" type="slidenum">
               <a:rPr lang="ru-RU"/>
-              <a:t>15</a:t>
-            </a:fld>
-            <a:endParaRPr/>
-          </a:p>
-        </p:txBody>
-      </p:sp>
-    </p:spTree>
-  </p:cSld>
-  <p:clrMapOvr>
-    <a:masterClrMapping/>
-  </p:clrMapOvr>
-</p:sld>
-</file>
-
-<file path=ppt/slides/slide16.xml><?xml version="1.0" encoding="utf-8"?>
-<p:sld xmlns:a="http://schemas.openxmlformats.org/drawingml/2006/main" xmlns:r="http://schemas.openxmlformats.org/officeDocument/2006/relationships" xmlns:p="http://schemas.openxmlformats.org/presentationml/2006/main">
-  <p:cSld>
-    <p:spTree>
-      <p:nvGrpSpPr>
-        <p:cNvPr id="1" name="Shape 219"/>
-        <p:cNvGrpSpPr/>
-        <p:nvPr/>
-      </p:nvGrpSpPr>
-      <p:grpSpPr>
-        <a:xfrm>
-          <a:off x="0" y="0"/>
-          <a:ext cx="0" cy="0"/>
-          <a:chOff x="0" y="0"/>
-          <a:chExt cx="0" cy="0"/>
-        </a:xfrm>
-      </p:grpSpPr>
-      <p:sp>
-        <p:nvSpPr>
-          <p:cNvPr id="220" name="Google Shape;220;p14"/>
-          <p:cNvSpPr txBox="1">
-            <a:spLocks noGrp="1"/>
-          </p:cNvSpPr>
-          <p:nvPr>
-            <p:ph type="title"/>
-          </p:nvPr>
-        </p:nvSpPr>
-        <p:spPr>
-          <a:xfrm>
-            <a:off x="457200" y="927382"/>
-            <a:ext cx="8229600" cy="620483"/>
-          </a:xfrm>
-          <a:prstGeom prst="rect">
-            <a:avLst/>
-          </a:prstGeom>
-          <a:noFill/>
-          <a:ln>
-            <a:noFill/>
-          </a:ln>
-        </p:spPr>
-        <p:txBody>
-          <a:bodyPr spcFirstLastPara="1" wrap="square" lIns="91425" tIns="45700" rIns="91425" bIns="45700" anchor="ctr" anchorCtr="0">
-            <a:normAutofit/>
-          </a:bodyPr>
-          <a:lstStyle/>
-          <a:p>
-            <a:pPr marL="0" lvl="0" indent="0" algn="l" rtl="0">
-              <a:spcBef>
-                <a:spcPts val="0"/>
-              </a:spcBef>
-              <a:spcAft>
-                <a:spcPts val="0"/>
-              </a:spcAft>
-              <a:buClr>
-                <a:schemeClr val="dk1"/>
-              </a:buClr>
-              <a:buSzPts val="3200"/>
-              <a:buFont typeface="Arial"/>
-              <a:buNone/>
-            </a:pPr>
-            <a:r>
-              <a:rPr lang="ru-RU"/>
-              <a:t>Текущие результаты</a:t>
-            </a:r>
-            <a:endParaRPr/>
-          </a:p>
-        </p:txBody>
-      </p:sp>
-      <p:sp>
-        <p:nvSpPr>
-          <p:cNvPr id="221" name="Google Shape;221;p14"/>
-          <p:cNvSpPr txBox="1"/>
-          <p:nvPr/>
-        </p:nvSpPr>
-        <p:spPr>
-          <a:xfrm>
-            <a:off x="2405829" y="4588529"/>
-            <a:ext cx="4332340" cy="369332"/>
-          </a:xfrm>
-          <a:prstGeom prst="rect">
-            <a:avLst/>
-          </a:prstGeom>
-          <a:noFill/>
-          <a:ln>
-            <a:noFill/>
-          </a:ln>
-        </p:spPr>
-        <p:txBody>
-          <a:bodyPr spcFirstLastPara="1" wrap="square" lIns="91425" tIns="45700" rIns="91425" bIns="45700" anchor="t" anchorCtr="0">
-            <a:spAutoFit/>
-          </a:bodyPr>
-          <a:lstStyle/>
-          <a:p>
-            <a:pPr marL="0" marR="0" lvl="0" indent="0" algn="l" rtl="0">
-              <a:spcBef>
-                <a:spcPts val="0"/>
-              </a:spcBef>
-              <a:spcAft>
-                <a:spcPts val="0"/>
-              </a:spcAft>
-              <a:buNone/>
-            </a:pPr>
-            <a:r>
-              <a:rPr lang="ru-RU" sz="1800">
-                <a:solidFill>
-                  <a:schemeClr val="dk1"/>
-                </a:solidFill>
-                <a:latin typeface="Calibri"/>
-                <a:ea typeface="Calibri"/>
-                <a:cs typeface="Calibri"/>
-                <a:sym typeface="Calibri"/>
-              </a:rPr>
-              <a:t>Рисунок 5. Результаты на датасете iPinYou</a:t>
-            </a:r>
-            <a:endParaRPr sz="1800">
-              <a:solidFill>
-                <a:schemeClr val="dk1"/>
-              </a:solidFill>
-              <a:latin typeface="Calibri"/>
-              <a:ea typeface="Calibri"/>
-              <a:cs typeface="Calibri"/>
-              <a:sym typeface="Calibri"/>
-            </a:endParaRPr>
-          </a:p>
-        </p:txBody>
-      </p:sp>
-      <p:sp>
-        <p:nvSpPr>
-          <p:cNvPr id="222" name="Google Shape;222;p14"/>
-          <p:cNvSpPr txBox="1">
-            <a:spLocks noGrp="1"/>
-          </p:cNvSpPr>
-          <p:nvPr>
-            <p:ph type="sldNum" idx="12"/>
-          </p:nvPr>
-        </p:nvSpPr>
-        <p:spPr>
-          <a:xfrm>
-            <a:off x="8556784" y="4749851"/>
-            <a:ext cx="548700" cy="393600"/>
-          </a:xfrm>
-          <a:prstGeom prst="rect">
-            <a:avLst/>
-          </a:prstGeom>
-        </p:spPr>
-        <p:txBody>
-          <a:bodyPr spcFirstLastPara="1" wrap="square" lIns="91425" tIns="91425" rIns="91425" bIns="91425" anchor="t" anchorCtr="0">
-            <a:noAutofit/>
-          </a:bodyPr>
-          <a:lstStyle/>
-          <a:p>
-            <a:pPr marL="0" lvl="0" indent="0" algn="r" rtl="0">
-              <a:spcBef>
-                <a:spcPts val="0"/>
-              </a:spcBef>
-              <a:spcAft>
-                <a:spcPts val="0"/>
-              </a:spcAft>
-              <a:buNone/>
-            </a:pPr>
-            <a:fld id="{00000000-1234-1234-1234-123412341234}" type="slidenum">
-              <a:rPr lang="ru-RU"/>
-              <a:t>16</a:t>
+              <a:t>22</a:t>
             </a:fld>
             <a:endParaRPr/>
           </a:p>
@@ -18970,30 +21610,32 @@
       </p:sp>
       <p:pic>
         <p:nvPicPr>
-          <p:cNvPr id="223" name="Google Shape;223;p14"/>
-          <p:cNvPicPr preferRelativeResize="0"/>
+          <p:cNvPr id="6" name="Рисунок 5">
+            <a:extLst>
+              <a:ext uri="{FF2B5EF4-FFF2-40B4-BE49-F238E27FC236}">
+                <a16:creationId xmlns:a16="http://schemas.microsoft.com/office/drawing/2014/main" id="{5FCB0F55-EAF0-2447-9CFE-917A44EEF1EA}"/>
+              </a:ext>
+            </a:extLst>
+          </p:cNvPr>
+          <p:cNvPicPr>
+            <a:picLocks noChangeAspect="1"/>
+          </p:cNvPicPr>
           <p:nvPr/>
         </p:nvPicPr>
         <p:blipFill>
-          <a:blip r:embed="rId3">
-            <a:alphaModFix/>
-          </a:blip>
+          <a:blip r:embed="rId3"/>
           <a:stretch>
             <a:fillRect/>
           </a:stretch>
         </p:blipFill>
         <p:spPr>
           <a:xfrm>
-            <a:off x="1171575" y="1968063"/>
-            <a:ext cx="6800850" cy="2200275"/>
+            <a:off x="1450067" y="1650569"/>
+            <a:ext cx="6243866" cy="2565549"/>
           </a:xfrm>
           <a:prstGeom prst="rect">
             <a:avLst/>
           </a:prstGeom>
-          <a:noFill/>
-          <a:ln>
-            <a:noFill/>
-          </a:ln>
         </p:spPr>
       </p:pic>
     </p:spTree>
@@ -19004,7 +21646,7 @@
 </p:sld>
 </file>
 
-<file path=ppt/slides/slide17.xml><?xml version="1.0" encoding="utf-8"?>
+<file path=ppt/slides/slide23.xml><?xml version="1.0" encoding="utf-8"?>
 <p:sld xmlns:a="http://schemas.openxmlformats.org/drawingml/2006/main" xmlns:r="http://schemas.openxmlformats.org/officeDocument/2006/relationships" xmlns:p="http://schemas.openxmlformats.org/presentationml/2006/main">
   <p:cSld>
     <p:spTree>
@@ -19065,10 +21707,10 @@
               <a:buChar char="•"/>
             </a:pPr>
             <a:r>
-              <a:rPr lang="ru-RU"/>
+              <a:rPr lang="ru-RU" dirty="0"/>
               <a:t>Применение механизма Внимания</a:t>
             </a:r>
-            <a:endParaRPr/>
+            <a:endParaRPr dirty="0"/>
           </a:p>
           <a:p>
             <a:pPr marL="342900" lvl="0" indent="-342900" algn="l" rtl="0">
@@ -19078,18 +21720,22 @@
               <a:spcAft>
                 <a:spcPts val="0"/>
               </a:spcAft>
-              <a:buClr>
-                <a:schemeClr val="dk1"/>
-              </a:buClr>
               <a:buSzPts val="2400"/>
-              <a:buFont typeface="Arial"/>
               <a:buChar char="•"/>
             </a:pPr>
             <a:r>
-              <a:rPr lang="ru-RU"/>
-              <a:t>Проверка гипотезы с self-Attention</a:t>
+              <a:rPr lang="ru-RU" dirty="0"/>
+              <a:t>Доработка </a:t>
             </a:r>
-            <a:endParaRPr/>
+            <a:r>
+              <a:rPr lang="en-US" dirty="0"/>
+              <a:t>loss</a:t>
+            </a:r>
+            <a:r>
+              <a:rPr lang="ru-RU" dirty="0"/>
+              <a:t>-функций</a:t>
+            </a:r>
+            <a:endParaRPr dirty="0"/>
           </a:p>
           <a:p>
             <a:pPr marL="342900" lvl="0" indent="-342900" algn="l" rtl="0">
@@ -19103,10 +21749,10 @@
               <a:buChar char="•"/>
             </a:pPr>
             <a:r>
-              <a:rPr lang="ru-RU"/>
-              <a:t>Доработка loss-функций</a:t>
+              <a:rPr lang="ru-RU" dirty="0"/>
+              <a:t>Оптимизация нейронной сети</a:t>
             </a:r>
-            <a:endParaRPr/>
+            <a:endParaRPr dirty="0"/>
           </a:p>
           <a:p>
             <a:pPr marL="342900" lvl="0" indent="-342900" algn="l" rtl="0">
@@ -19120,27 +21766,14 @@
               <a:buChar char="•"/>
             </a:pPr>
             <a:r>
-              <a:rPr lang="ru-RU"/>
-              <a:t>Оптимизация нейронной сети</a:t>
+              <a:rPr lang="ru-RU" dirty="0"/>
+              <a:t>Реализация альтернативного решения из </a:t>
             </a:r>
-            <a:endParaRPr/>
-          </a:p>
-          <a:p>
-            <a:pPr marL="342900" lvl="0" indent="-342900" algn="l" rtl="0">
-              <a:spcBef>
-                <a:spcPts val="480"/>
-              </a:spcBef>
-              <a:spcAft>
-                <a:spcPts val="0"/>
-              </a:spcAft>
-              <a:buSzPts val="2400"/>
-              <a:buChar char="•"/>
-            </a:pPr>
             <a:r>
-              <a:rPr lang="ru-RU"/>
-              <a:t>Реализация альтернативного решения из survival analysis</a:t>
+              <a:rPr lang="en-US" dirty="0"/>
+              <a:t>Survival Analysis</a:t>
             </a:r>
-            <a:endParaRPr/>
+            <a:endParaRPr dirty="0"/>
           </a:p>
           <a:p>
             <a:pPr marL="342900" lvl="0" indent="-190500" algn="l" rtl="0">
@@ -19157,7 +21790,7 @@
               <a:buFont typeface="Arial"/>
               <a:buNone/>
             </a:pPr>
-            <a:endParaRPr/>
+            <a:endParaRPr dirty="0"/>
           </a:p>
         </p:txBody>
       </p:sp>
@@ -19248,7 +21881,7 @@
             </a:pPr>
             <a:fld id="{00000000-1234-1234-1234-123412341234}" type="slidenum">
               <a:rPr lang="ru-RU"/>
-              <a:t>17</a:t>
+              <a:t>23</a:t>
             </a:fld>
             <a:endParaRPr/>
           </a:p>
@@ -19262,7 +21895,150 @@
 </p:sld>
 </file>
 
-<file path=ppt/slides/slide18.xml><?xml version="1.0" encoding="utf-8"?>
+<file path=ppt/slides/slide24.xml><?xml version="1.0" encoding="utf-8"?>
+<p:sld xmlns:a="http://schemas.openxmlformats.org/drawingml/2006/main" xmlns:r="http://schemas.openxmlformats.org/officeDocument/2006/relationships" xmlns:p="http://schemas.openxmlformats.org/presentationml/2006/main">
+  <p:cSld>
+    <p:spTree>
+      <p:nvGrpSpPr>
+        <p:cNvPr id="1" name=""/>
+        <p:cNvGrpSpPr/>
+        <p:nvPr/>
+      </p:nvGrpSpPr>
+      <p:grpSpPr>
+        <a:xfrm>
+          <a:off x="0" y="0"/>
+          <a:ext cx="0" cy="0"/>
+          <a:chOff x="0" y="0"/>
+          <a:chExt cx="0" cy="0"/>
+        </a:xfrm>
+      </p:grpSpPr>
+      <p:sp>
+        <p:nvSpPr>
+          <p:cNvPr id="2" name="Текст 1">
+            <a:extLst>
+              <a:ext uri="{FF2B5EF4-FFF2-40B4-BE49-F238E27FC236}">
+                <a16:creationId xmlns:a16="http://schemas.microsoft.com/office/drawing/2014/main" id="{9C46E675-367A-D442-A68A-78AB53F9F788}"/>
+              </a:ext>
+            </a:extLst>
+          </p:cNvPr>
+          <p:cNvSpPr>
+            <a:spLocks noGrp="1"/>
+          </p:cNvSpPr>
+          <p:nvPr>
+            <p:ph type="body" idx="1"/>
+          </p:nvPr>
+        </p:nvSpPr>
+        <p:spPr>
+          <a:xfrm>
+            <a:off x="457200" y="1759937"/>
+            <a:ext cx="8229600" cy="2602836"/>
+          </a:xfrm>
+        </p:spPr>
+        <p:txBody>
+          <a:bodyPr/>
+          <a:lstStyle/>
+          <a:p>
+            <a:r>
+              <a:rPr lang="ru-RU" dirty="0"/>
+              <a:t>Реализован описанный а</a:t>
+            </a:r>
+            <a:r>
+              <a:rPr lang="ru-US" dirty="0"/>
+              <a:t>лгоритм</a:t>
+            </a:r>
+          </a:p>
+          <a:p>
+            <a:r>
+              <a:rPr lang="ru-RU" dirty="0"/>
+              <a:t>Есть и</a:t>
+            </a:r>
+            <a:r>
+              <a:rPr lang="ru-US" dirty="0"/>
+              <a:t>деи для улучшение показателей</a:t>
+            </a:r>
+          </a:p>
+        </p:txBody>
+      </p:sp>
+      <p:sp>
+        <p:nvSpPr>
+          <p:cNvPr id="4" name="Заголовок 3">
+            <a:extLst>
+              <a:ext uri="{FF2B5EF4-FFF2-40B4-BE49-F238E27FC236}">
+                <a16:creationId xmlns:a16="http://schemas.microsoft.com/office/drawing/2014/main" id="{23F7DE73-14E9-3848-980D-A2CCF3245249}"/>
+              </a:ext>
+            </a:extLst>
+          </p:cNvPr>
+          <p:cNvSpPr>
+            <a:spLocks noGrp="1"/>
+          </p:cNvSpPr>
+          <p:nvPr>
+            <p:ph type="title"/>
+          </p:nvPr>
+        </p:nvSpPr>
+        <p:spPr/>
+        <p:txBody>
+          <a:bodyPr/>
+          <a:lstStyle/>
+          <a:p>
+            <a:r>
+              <a:rPr lang="ru-US" dirty="0"/>
+              <a:t>Итоги</a:t>
+            </a:r>
+          </a:p>
+        </p:txBody>
+      </p:sp>
+      <p:sp>
+        <p:nvSpPr>
+          <p:cNvPr id="5" name="Номер слайда 4">
+            <a:extLst>
+              <a:ext uri="{FF2B5EF4-FFF2-40B4-BE49-F238E27FC236}">
+                <a16:creationId xmlns:a16="http://schemas.microsoft.com/office/drawing/2014/main" id="{1945C430-8F60-AD4A-A50A-881A6E94657E}"/>
+              </a:ext>
+            </a:extLst>
+          </p:cNvPr>
+          <p:cNvSpPr>
+            <a:spLocks noGrp="1"/>
+          </p:cNvSpPr>
+          <p:nvPr>
+            <p:ph type="sldNum" idx="12"/>
+          </p:nvPr>
+        </p:nvSpPr>
+        <p:spPr/>
+        <p:txBody>
+          <a:bodyPr/>
+          <a:lstStyle/>
+          <a:p>
+            <a:pPr marL="0" lvl="0" indent="0" algn="r" rtl="0">
+              <a:spcBef>
+                <a:spcPts val="0"/>
+              </a:spcBef>
+              <a:spcAft>
+                <a:spcPts val="0"/>
+              </a:spcAft>
+              <a:buNone/>
+            </a:pPr>
+            <a:fld id="{00000000-1234-1234-1234-123412341234}" type="slidenum">
+              <a:rPr lang="ru-RU" smtClean="0"/>
+              <a:t>24</a:t>
+            </a:fld>
+            <a:endParaRPr lang="ru-RU"/>
+          </a:p>
+        </p:txBody>
+      </p:sp>
+    </p:spTree>
+    <p:extLst>
+      <p:ext uri="{BB962C8B-B14F-4D97-AF65-F5344CB8AC3E}">
+        <p14:creationId xmlns:p14="http://schemas.microsoft.com/office/powerpoint/2010/main" val="4047029258"/>
+      </p:ext>
+    </p:extLst>
+  </p:cSld>
+  <p:clrMapOvr>
+    <a:masterClrMapping/>
+  </p:clrMapOvr>
+</p:sld>
+</file>
+
+<file path=ppt/slides/slide25.xml><?xml version="1.0" encoding="utf-8"?>
 <p:sld xmlns:a="http://schemas.openxmlformats.org/drawingml/2006/main" xmlns:r="http://schemas.openxmlformats.org/officeDocument/2006/relationships" xmlns:p="http://schemas.openxmlformats.org/presentationml/2006/main">
   <p:cSld>
     <p:bg>
@@ -19304,8 +22080,8 @@
         </p:nvSpPr>
         <p:spPr>
           <a:xfrm>
-            <a:off x="457200" y="1700037"/>
-            <a:ext cx="8229600" cy="620483"/>
+            <a:off x="457200" y="1996551"/>
+            <a:ext cx="8229600" cy="1150398"/>
           </a:xfrm>
           <a:prstGeom prst="rect">
             <a:avLst/>
@@ -19336,68 +22112,17 @@
               <a:buNone/>
             </a:pPr>
             <a:r>
-              <a:rPr lang="ru-RU" sz="3600"/>
+              <a:rPr lang="ru-RU" sz="3600" dirty="0"/>
               <a:t>Спасибо за внимание!</a:t>
             </a:r>
             <a:br>
-              <a:rPr lang="ru-RU" sz="3600"/>
+              <a:rPr lang="ru-RU" sz="3600" dirty="0"/>
             </a:br>
             <a:r>
-              <a:rPr lang="ru-RU" sz="3600"/>
+              <a:rPr lang="ru-RU" sz="3600" dirty="0"/>
               <a:t>Вопросы?</a:t>
             </a:r>
-            <a:endParaRPr sz="3600"/>
-          </a:p>
-        </p:txBody>
-      </p:sp>
-      <p:sp>
-        <p:nvSpPr>
-          <p:cNvPr id="236" name="Google Shape;236;p16"/>
-          <p:cNvSpPr txBox="1">
-            <a:spLocks noGrp="1"/>
-          </p:cNvSpPr>
-          <p:nvPr>
-            <p:ph type="body" idx="1"/>
-          </p:nvPr>
-        </p:nvSpPr>
-        <p:spPr>
-          <a:xfrm>
-            <a:off x="457200" y="2822981"/>
-            <a:ext cx="8229600" cy="594122"/>
-          </a:xfrm>
-          <a:prstGeom prst="rect">
-            <a:avLst/>
-          </a:prstGeom>
-          <a:noFill/>
-          <a:ln>
-            <a:noFill/>
-          </a:ln>
-        </p:spPr>
-        <p:txBody>
-          <a:bodyPr spcFirstLastPara="1" wrap="square" lIns="91425" tIns="45700" rIns="91425" bIns="45700" anchor="t" anchorCtr="0">
-            <a:normAutofit/>
-          </a:bodyPr>
-          <a:lstStyle/>
-          <a:p>
-            <a:pPr marL="0" lvl="0" indent="0" algn="ctr" rtl="0">
-              <a:spcBef>
-                <a:spcPts val="0"/>
-              </a:spcBef>
-              <a:spcAft>
-                <a:spcPts val="0"/>
-              </a:spcAft>
-              <a:buClr>
-                <a:srgbClr val="FFFFFF"/>
-              </a:buClr>
-              <a:buSzPts val="2000"/>
-              <a:buFont typeface="Arial"/>
-              <a:buNone/>
-            </a:pPr>
-            <a:r>
-              <a:rPr lang="ru-RU"/>
-              <a:t>www.ifmo.ru</a:t>
-            </a:r>
-            <a:endParaRPr/>
+            <a:endParaRPr sz="3600" dirty="0"/>
           </a:p>
         </p:txBody>
       </p:sp>
@@ -19485,267 +22210,7 @@
             </a:pPr>
             <a:fld id="{00000000-1234-1234-1234-123412341234}" type="slidenum">
               <a:rPr lang="ru-RU"/>
-              <a:t>18</a:t>
-            </a:fld>
-            <a:endParaRPr/>
-          </a:p>
-        </p:txBody>
-      </p:sp>
-    </p:spTree>
-  </p:cSld>
-  <p:clrMapOvr>
-    <a:masterClrMapping/>
-  </p:clrMapOvr>
-</p:sld>
-</file>
-
-<file path=ppt/slides/slide2.xml><?xml version="1.0" encoding="utf-8"?>
-<p:sld xmlns:a="http://schemas.openxmlformats.org/drawingml/2006/main" xmlns:r="http://schemas.openxmlformats.org/officeDocument/2006/relationships" xmlns:p="http://schemas.openxmlformats.org/presentationml/2006/main">
-  <p:cSld>
-    <p:spTree>
-      <p:nvGrpSpPr>
-        <p:cNvPr id="1" name="Shape 111"/>
-        <p:cNvGrpSpPr/>
-        <p:nvPr/>
-      </p:nvGrpSpPr>
-      <p:grpSpPr>
-        <a:xfrm>
-          <a:off x="0" y="0"/>
-          <a:ext cx="0" cy="0"/>
-          <a:chOff x="0" y="0"/>
-          <a:chExt cx="0" cy="0"/>
-        </a:xfrm>
-      </p:grpSpPr>
-      <p:sp>
-        <p:nvSpPr>
-          <p:cNvPr id="112" name="Google Shape;112;p2"/>
-          <p:cNvSpPr txBox="1">
-            <a:spLocks noGrp="1"/>
-          </p:cNvSpPr>
-          <p:nvPr>
-            <p:ph type="title"/>
-          </p:nvPr>
-        </p:nvSpPr>
-        <p:spPr>
-          <a:xfrm>
-            <a:off x="330032" y="914548"/>
-            <a:ext cx="5259885" cy="620483"/>
-          </a:xfrm>
-          <a:prstGeom prst="rect">
-            <a:avLst/>
-          </a:prstGeom>
-          <a:noFill/>
-          <a:ln>
-            <a:noFill/>
-          </a:ln>
-        </p:spPr>
-        <p:txBody>
-          <a:bodyPr spcFirstLastPara="1" wrap="square" lIns="91425" tIns="45700" rIns="91425" bIns="45700" anchor="ctr" anchorCtr="0">
-            <a:normAutofit/>
-          </a:bodyPr>
-          <a:lstStyle/>
-          <a:p>
-            <a:pPr marL="0" lvl="0" indent="0" algn="l" rtl="0">
-              <a:spcBef>
-                <a:spcPts val="0"/>
-              </a:spcBef>
-              <a:spcAft>
-                <a:spcPts val="0"/>
-              </a:spcAft>
-              <a:buClr>
-                <a:schemeClr val="dk1"/>
-              </a:buClr>
-              <a:buSzPts val="3200"/>
-              <a:buFont typeface="Arial"/>
-              <a:buNone/>
-            </a:pPr>
-            <a:r>
-              <a:rPr lang="ru-RU"/>
-              <a:t>Онлайн-аукцион</a:t>
-            </a:r>
-            <a:endParaRPr/>
-          </a:p>
-        </p:txBody>
-      </p:sp>
-      <p:sp>
-        <p:nvSpPr>
-          <p:cNvPr id="113" name="Google Shape;113;p2"/>
-          <p:cNvSpPr txBox="1">
-            <a:spLocks noGrp="1"/>
-          </p:cNvSpPr>
-          <p:nvPr>
-            <p:ph type="body" idx="1"/>
-          </p:nvPr>
-        </p:nvSpPr>
-        <p:spPr>
-          <a:xfrm>
-            <a:off x="330032" y="1612669"/>
-            <a:ext cx="8703100" cy="2848490"/>
-          </a:xfrm>
-          <a:prstGeom prst="rect">
-            <a:avLst/>
-          </a:prstGeom>
-          <a:noFill/>
-          <a:ln>
-            <a:noFill/>
-          </a:ln>
-        </p:spPr>
-        <p:txBody>
-          <a:bodyPr spcFirstLastPara="1" wrap="square" lIns="91425" tIns="45700" rIns="91425" bIns="45700" anchor="t" anchorCtr="0">
-            <a:normAutofit/>
-          </a:bodyPr>
-          <a:lstStyle/>
-          <a:p>
-            <a:pPr marL="0" lvl="0" indent="0" algn="l" rtl="0">
-              <a:spcBef>
-                <a:spcPts val="0"/>
-              </a:spcBef>
-              <a:spcAft>
-                <a:spcPts val="0"/>
-              </a:spcAft>
-              <a:buClr>
-                <a:srgbClr val="1946BA"/>
-              </a:buClr>
-              <a:buSzPts val="2000"/>
-              <a:buFont typeface="Arial"/>
-              <a:buNone/>
-            </a:pPr>
-            <a:r>
-              <a:rPr lang="ru-RU" sz="2000"/>
-              <a:t>Процесс выбора рекламного объявления для показа</a:t>
-            </a:r>
-            <a:endParaRPr/>
-          </a:p>
-          <a:p>
-            <a:pPr marL="0" lvl="0" indent="0" algn="l" rtl="0">
-              <a:spcBef>
-                <a:spcPts val="400"/>
-              </a:spcBef>
-              <a:spcAft>
-                <a:spcPts val="0"/>
-              </a:spcAft>
-              <a:buClr>
-                <a:srgbClr val="1946BA"/>
-              </a:buClr>
-              <a:buSzPts val="2000"/>
-              <a:buFont typeface="Arial"/>
-              <a:buNone/>
-            </a:pPr>
-            <a:endParaRPr sz="2000"/>
-          </a:p>
-          <a:p>
-            <a:pPr marL="342900" lvl="0" indent="-342900" algn="l" rtl="0">
-              <a:spcBef>
-                <a:spcPts val="400"/>
-              </a:spcBef>
-              <a:spcAft>
-                <a:spcPts val="0"/>
-              </a:spcAft>
-              <a:buClr>
-                <a:srgbClr val="1946BA"/>
-              </a:buClr>
-              <a:buSzPts val="2000"/>
-              <a:buFont typeface="Arial"/>
-              <a:buChar char="•"/>
-            </a:pPr>
-            <a:r>
-              <a:rPr lang="ru-RU" sz="2000"/>
-              <a:t>Победитель аукциона — участник, предложивший наивысшую ставку</a:t>
-            </a:r>
-            <a:endParaRPr/>
-          </a:p>
-          <a:p>
-            <a:pPr marL="342900" lvl="0" indent="-342900" algn="l" rtl="0">
-              <a:spcBef>
-                <a:spcPts val="400"/>
-              </a:spcBef>
-              <a:spcAft>
-                <a:spcPts val="0"/>
-              </a:spcAft>
-              <a:buClr>
-                <a:srgbClr val="1946BA"/>
-              </a:buClr>
-              <a:buSzPts val="2000"/>
-              <a:buFont typeface="Arial"/>
-              <a:buChar char="•"/>
-            </a:pPr>
-            <a:r>
-              <a:rPr lang="ru-RU" sz="2000"/>
-              <a:t>Аукцион первой цены — победитель платит за показ свою цену</a:t>
-            </a:r>
-            <a:endParaRPr/>
-          </a:p>
-          <a:p>
-            <a:pPr marL="342900" lvl="0" indent="-342900" algn="l" rtl="0">
-              <a:spcBef>
-                <a:spcPts val="400"/>
-              </a:spcBef>
-              <a:spcAft>
-                <a:spcPts val="0"/>
-              </a:spcAft>
-              <a:buClr>
-                <a:srgbClr val="1946BA"/>
-              </a:buClr>
-              <a:buSzPts val="2000"/>
-              <a:buFont typeface="Arial"/>
-              <a:buChar char="•"/>
-            </a:pPr>
-            <a:r>
-              <a:rPr lang="ru-RU" sz="2000" b="1"/>
-              <a:t>Аукцион второй цены </a:t>
-            </a:r>
-            <a:r>
-              <a:rPr lang="ru-RU" sz="2000"/>
-              <a:t>— победитель платит за показ следующую </a:t>
-            </a:r>
-            <a:br>
-              <a:rPr lang="ru-RU" sz="2000"/>
-            </a:br>
-            <a:r>
-              <a:rPr lang="ru-RU" sz="2000"/>
-              <a:t>предложенную ставку</a:t>
-            </a:r>
-            <a:endParaRPr sz="2000"/>
-          </a:p>
-        </p:txBody>
-      </p:sp>
-      <p:sp>
-        <p:nvSpPr>
-          <p:cNvPr id="114" name="Google Shape;114;p2"/>
-          <p:cNvSpPr txBox="1">
-            <a:spLocks noGrp="1"/>
-          </p:cNvSpPr>
-          <p:nvPr>
-            <p:ph type="sldNum" idx="12"/>
-          </p:nvPr>
-        </p:nvSpPr>
-        <p:spPr>
-          <a:xfrm>
-            <a:off x="8556784" y="4749851"/>
-            <a:ext cx="548700" cy="393600"/>
-          </a:xfrm>
-          <a:prstGeom prst="rect">
-            <a:avLst/>
-          </a:prstGeom>
-        </p:spPr>
-        <p:txBody>
-          <a:bodyPr spcFirstLastPara="1" wrap="square" lIns="91425" tIns="91425" rIns="91425" bIns="91425" anchor="t" anchorCtr="0">
-            <a:noAutofit/>
-          </a:bodyPr>
-          <a:lstStyle/>
-          <a:p>
-            <a:pPr marL="0" lvl="0" indent="0" algn="r" rtl="0">
-              <a:spcBef>
-                <a:spcPts val="0"/>
-              </a:spcBef>
-              <a:spcAft>
-                <a:spcPts val="0"/>
-              </a:spcAft>
-              <a:buNone/>
-            </a:pPr>
-            <a:fld id="{00000000-1234-1234-1234-123412341234}" type="slidenum">
-              <a:rPr lang="ru-RU"/>
-              <a:t>2</a:t>
+              <a:t>25</a:t>
             </a:fld>
             <a:endParaRPr/>
           </a:p>
@@ -19764,7 +22229,7 @@
   <p:cSld>
     <p:spTree>
       <p:nvGrpSpPr>
-        <p:cNvPr id="1" name="Shape 125"/>
+        <p:cNvPr id="1" name=""/>
         <p:cNvGrpSpPr/>
         <p:nvPr/>
       </p:nvGrpSpPr>
@@ -19778,8 +22243,14 @@
       </p:grpSpPr>
       <p:sp>
         <p:nvSpPr>
-          <p:cNvPr id="126" name="Google Shape;126;p4"/>
-          <p:cNvSpPr txBox="1">
+          <p:cNvPr id="2" name="Текст 1">
+            <a:extLst>
+              <a:ext uri="{FF2B5EF4-FFF2-40B4-BE49-F238E27FC236}">
+                <a16:creationId xmlns:a16="http://schemas.microsoft.com/office/drawing/2014/main" id="{4EF7222A-3673-0340-A502-072F353D38E3}"/>
+              </a:ext>
+            </a:extLst>
+          </p:cNvPr>
+          <p:cNvSpPr>
             <a:spLocks noGrp="1"/>
           </p:cNvSpPr>
           <p:nvPr>
@@ -19788,70 +22259,43 @@
         </p:nvSpPr>
         <p:spPr>
           <a:xfrm>
-            <a:off x="457200" y="1746133"/>
-            <a:ext cx="7960936" cy="2848490"/>
+            <a:off x="457199" y="1759937"/>
+            <a:ext cx="8099583" cy="2834686"/>
           </a:xfrm>
-          <a:prstGeom prst="rect">
-            <a:avLst/>
-          </a:prstGeom>
-          <a:noFill/>
-          <a:ln>
-            <a:noFill/>
-          </a:ln>
         </p:spPr>
         <p:txBody>
-          <a:bodyPr spcFirstLastPara="1" wrap="square" lIns="91425" tIns="45700" rIns="91425" bIns="45700" anchor="t" anchorCtr="0">
-            <a:normAutofit/>
-          </a:bodyPr>
+          <a:bodyPr/>
           <a:lstStyle/>
           <a:p>
-            <a:pPr marL="342900" lvl="0" indent="-342900" algn="l" rtl="0">
-              <a:spcBef>
-                <a:spcPts val="0"/>
-              </a:spcBef>
-              <a:spcAft>
-                <a:spcPts val="0"/>
-              </a:spcAft>
-              <a:buClr>
-                <a:schemeClr val="dk1"/>
-              </a:buClr>
-              <a:buSzPts val="2400"/>
-              <a:buFont typeface="Arial"/>
-              <a:buChar char="•"/>
-            </a:pPr>
             <a:r>
-              <a:rPr lang="ru-RU"/>
-              <a:t>Задача позволяет предсказать события в аукционе для любого рекламного объявления</a:t>
+              <a:rPr lang="ru-US" dirty="0"/>
+              <a:t>Поставить много и перепланить за показ</a:t>
             </a:r>
-            <a:endParaRPr/>
           </a:p>
           <a:p>
-            <a:pPr marL="342900" lvl="0" indent="-342900" algn="l" rtl="0">
-              <a:spcBef>
-                <a:spcPts val="480"/>
-              </a:spcBef>
-              <a:spcAft>
-                <a:spcPts val="0"/>
-              </a:spcAft>
-              <a:buClr>
-                <a:schemeClr val="dk1"/>
-              </a:buClr>
-              <a:buSzPts val="2400"/>
-              <a:buFont typeface="Arial"/>
-              <a:buChar char="•"/>
-            </a:pPr>
             <a:r>
-              <a:rPr lang="ru-RU"/>
-              <a:t>Предсказание позволяет реализовывать стратегии торгов за рекламодателя для улучшения эффективности объявления  </a:t>
+              <a:rPr lang="ru-US" dirty="0"/>
+              <a:t>Поставить мало и проиграть аукцион</a:t>
             </a:r>
-            <a:endParaRPr/>
+          </a:p>
+          <a:p>
+            <a:r>
+              <a:rPr lang="ru-US" dirty="0"/>
+              <a:t>Сложно найти баланс</a:t>
+            </a:r>
           </a:p>
         </p:txBody>
       </p:sp>
       <p:sp>
         <p:nvSpPr>
-          <p:cNvPr id="127" name="Google Shape;127;p4"/>
-          <p:cNvSpPr txBox="1">
+          <p:cNvPr id="4" name="Заголовок 3">
+            <a:extLst>
+              <a:ext uri="{FF2B5EF4-FFF2-40B4-BE49-F238E27FC236}">
+                <a16:creationId xmlns:a16="http://schemas.microsoft.com/office/drawing/2014/main" id="{FDE371BD-1A63-0C42-868E-CE6AE68A8B3B}"/>
+              </a:ext>
+            </a:extLst>
+          </p:cNvPr>
+          <p:cNvSpPr>
             <a:spLocks noGrp="1"/>
           </p:cNvSpPr>
           <p:nvPr>
@@ -19860,68 +22304,45 @@
         </p:nvSpPr>
         <p:spPr>
           <a:xfrm>
-            <a:off x="457200" y="910129"/>
-            <a:ext cx="8229600" cy="620483"/>
+            <a:off x="457200" y="927382"/>
+            <a:ext cx="8099584" cy="620483"/>
           </a:xfrm>
-          <a:prstGeom prst="rect">
-            <a:avLst/>
-          </a:prstGeom>
-          <a:noFill/>
-          <a:ln>
-            <a:noFill/>
-          </a:ln>
         </p:spPr>
         <p:txBody>
-          <a:bodyPr spcFirstLastPara="1" wrap="square" lIns="91425" tIns="45700" rIns="91425" bIns="45700" anchor="ctr" anchorCtr="0">
-            <a:normAutofit/>
-          </a:bodyPr>
+          <a:bodyPr/>
           <a:lstStyle/>
           <a:p>
-            <a:pPr marL="0" lvl="0" indent="0" algn="l" rtl="0">
-              <a:spcBef>
-                <a:spcPts val="0"/>
-              </a:spcBef>
-              <a:spcAft>
-                <a:spcPts val="0"/>
-              </a:spcAft>
-              <a:buClr>
-                <a:schemeClr val="dk1"/>
-              </a:buClr>
-              <a:buSzPts val="3200"/>
-              <a:buFont typeface="Arial"/>
-              <a:buNone/>
-            </a:pPr>
             <a:r>
-              <a:rPr lang="ru-RU"/>
-              <a:t>Актуальность</a:t>
+              <a:rPr lang="ru-US" dirty="0">
+                <a:solidFill>
+                  <a:srgbClr val="000000"/>
+                </a:solidFill>
+              </a:rPr>
+              <a:t>Проблема выбора ставки</a:t>
             </a:r>
-            <a:endParaRPr/>
+            <a:endParaRPr lang="ru-US" dirty="0"/>
           </a:p>
         </p:txBody>
       </p:sp>
       <p:sp>
         <p:nvSpPr>
-          <p:cNvPr id="128" name="Google Shape;128;p4"/>
-          <p:cNvSpPr txBox="1">
+          <p:cNvPr id="5" name="Номер слайда 4">
+            <a:extLst>
+              <a:ext uri="{FF2B5EF4-FFF2-40B4-BE49-F238E27FC236}">
+                <a16:creationId xmlns:a16="http://schemas.microsoft.com/office/drawing/2014/main" id="{3D96D021-1273-AB4F-9320-BEBB5C5BB366}"/>
+              </a:ext>
+            </a:extLst>
+          </p:cNvPr>
+          <p:cNvSpPr>
             <a:spLocks noGrp="1"/>
           </p:cNvSpPr>
           <p:nvPr>
             <p:ph type="sldNum" idx="12"/>
           </p:nvPr>
         </p:nvSpPr>
-        <p:spPr>
-          <a:xfrm>
-            <a:off x="8556784" y="4749851"/>
-            <a:ext cx="548700" cy="393600"/>
-          </a:xfrm>
-          <a:prstGeom prst="rect">
-            <a:avLst/>
-          </a:prstGeom>
-        </p:spPr>
+        <p:spPr/>
         <p:txBody>
-          <a:bodyPr spcFirstLastPara="1" wrap="square" lIns="91425" tIns="91425" rIns="91425" bIns="91425" anchor="t" anchorCtr="0">
-            <a:noAutofit/>
-          </a:bodyPr>
+          <a:bodyPr/>
           <a:lstStyle/>
           <a:p>
             <a:pPr marL="0" lvl="0" indent="0" algn="r" rtl="0">
@@ -19934,14 +22355,19 @@
               <a:buNone/>
             </a:pPr>
             <a:fld id="{00000000-1234-1234-1234-123412341234}" type="slidenum">
-              <a:rPr lang="ru-RU"/>
+              <a:rPr lang="ru-RU" smtClean="0"/>
               <a:t>3</a:t>
             </a:fld>
-            <a:endParaRPr/>
+            <a:endParaRPr lang="ru-RU"/>
           </a:p>
         </p:txBody>
       </p:sp>
     </p:spTree>
+    <p:extLst>
+      <p:ext uri="{BB962C8B-B14F-4D97-AF65-F5344CB8AC3E}">
+        <p14:creationId xmlns:p14="http://schemas.microsoft.com/office/powerpoint/2010/main" val="17537014"/>
+      </p:ext>
+    </p:extLst>
   </p:cSld>
   <p:clrMapOvr>
     <a:masterClrMapping/>
@@ -20079,7 +22505,7 @@
               <a:buNone/>
             </a:pPr>
             <a:r>
-              <a:rPr lang="ru-RU" sz="1800">
+              <a:rPr lang="ru-RU" sz="1800" dirty="0">
                 <a:solidFill>
                   <a:schemeClr val="dk1"/>
                 </a:solidFill>
@@ -20090,7 +22516,7 @@
               </a:rPr>
               <a:t>Рисунок 1. Задача предсказания ставок в аукционе</a:t>
             </a:r>
-            <a:endParaRPr/>
+            <a:endParaRPr dirty="0"/>
           </a:p>
         </p:txBody>
       </p:sp>
@@ -20149,6 +22575,196 @@
   <p:cSld>
     <p:spTree>
       <p:nvGrpSpPr>
+        <p:cNvPr id="1" name="Shape 125"/>
+        <p:cNvGrpSpPr/>
+        <p:nvPr/>
+      </p:nvGrpSpPr>
+      <p:grpSpPr>
+        <a:xfrm>
+          <a:off x="0" y="0"/>
+          <a:ext cx="0" cy="0"/>
+          <a:chOff x="0" y="0"/>
+          <a:chExt cx="0" cy="0"/>
+        </a:xfrm>
+      </p:grpSpPr>
+      <p:sp>
+        <p:nvSpPr>
+          <p:cNvPr id="126" name="Google Shape;126;p4"/>
+          <p:cNvSpPr txBox="1">
+            <a:spLocks noGrp="1"/>
+          </p:cNvSpPr>
+          <p:nvPr>
+            <p:ph type="body" idx="1"/>
+          </p:nvPr>
+        </p:nvSpPr>
+        <p:spPr>
+          <a:xfrm>
+            <a:off x="457200" y="1746133"/>
+            <a:ext cx="7960936" cy="2848490"/>
+          </a:xfrm>
+          <a:prstGeom prst="rect">
+            <a:avLst/>
+          </a:prstGeom>
+          <a:noFill/>
+          <a:ln>
+            <a:noFill/>
+          </a:ln>
+        </p:spPr>
+        <p:txBody>
+          <a:bodyPr spcFirstLastPara="1" wrap="square" lIns="91425" tIns="45700" rIns="91425" bIns="45700" anchor="t" anchorCtr="0">
+            <a:normAutofit/>
+          </a:bodyPr>
+          <a:lstStyle/>
+          <a:p>
+            <a:pPr marL="342900" lvl="0" indent="-342900" algn="l" rtl="0">
+              <a:spcBef>
+                <a:spcPts val="0"/>
+              </a:spcBef>
+              <a:spcAft>
+                <a:spcPts val="0"/>
+              </a:spcAft>
+              <a:buClr>
+                <a:schemeClr val="dk1"/>
+              </a:buClr>
+              <a:buSzPts val="2400"/>
+              <a:buFont typeface="Arial"/>
+              <a:buChar char="•"/>
+            </a:pPr>
+            <a:r>
+              <a:rPr lang="ru-RU" dirty="0"/>
+              <a:t>Задача позволяет предсказать количество выигрышных аукционов для разных ставок рекламного объявления</a:t>
+            </a:r>
+            <a:endParaRPr dirty="0"/>
+          </a:p>
+          <a:p>
+            <a:pPr marL="342900" lvl="0" indent="-342900" algn="l" rtl="0">
+              <a:spcBef>
+                <a:spcPts val="480"/>
+              </a:spcBef>
+              <a:spcAft>
+                <a:spcPts val="0"/>
+              </a:spcAft>
+              <a:buClr>
+                <a:schemeClr val="dk1"/>
+              </a:buClr>
+              <a:buSzPts val="2400"/>
+              <a:buFont typeface="Arial"/>
+              <a:buChar char="•"/>
+            </a:pPr>
+            <a:r>
+              <a:rPr lang="ru-RU" dirty="0"/>
+              <a:t>Предсказание позволяет реализовывать стратегии торгов за рекламодателя для улучшения эффективности объявления</a:t>
+            </a:r>
+            <a:endParaRPr dirty="0"/>
+          </a:p>
+        </p:txBody>
+      </p:sp>
+      <p:sp>
+        <p:nvSpPr>
+          <p:cNvPr id="127" name="Google Shape;127;p4"/>
+          <p:cNvSpPr txBox="1">
+            <a:spLocks noGrp="1"/>
+          </p:cNvSpPr>
+          <p:nvPr>
+            <p:ph type="title"/>
+          </p:nvPr>
+        </p:nvSpPr>
+        <p:spPr>
+          <a:xfrm>
+            <a:off x="457200" y="910129"/>
+            <a:ext cx="7960936" cy="620483"/>
+          </a:xfrm>
+          <a:prstGeom prst="rect">
+            <a:avLst/>
+          </a:prstGeom>
+          <a:noFill/>
+          <a:ln>
+            <a:noFill/>
+          </a:ln>
+        </p:spPr>
+        <p:txBody>
+          <a:bodyPr spcFirstLastPara="1" wrap="square" lIns="91425" tIns="45700" rIns="91425" bIns="45700" anchor="ctr" anchorCtr="0">
+            <a:normAutofit/>
+          </a:bodyPr>
+          <a:lstStyle/>
+          <a:p>
+            <a:pPr marL="0" lvl="0" indent="0" algn="l" rtl="0">
+              <a:spcBef>
+                <a:spcPts val="0"/>
+              </a:spcBef>
+              <a:spcAft>
+                <a:spcPts val="0"/>
+              </a:spcAft>
+              <a:buClr>
+                <a:schemeClr val="dk1"/>
+              </a:buClr>
+              <a:buSzPts val="3200"/>
+              <a:buFont typeface="Arial"/>
+              <a:buNone/>
+            </a:pPr>
+            <a:r>
+              <a:rPr lang="ru-RU" dirty="0"/>
+              <a:t>Актуальность</a:t>
+            </a:r>
+            <a:endParaRPr dirty="0"/>
+          </a:p>
+        </p:txBody>
+      </p:sp>
+      <p:sp>
+        <p:nvSpPr>
+          <p:cNvPr id="128" name="Google Shape;128;p4"/>
+          <p:cNvSpPr txBox="1">
+            <a:spLocks noGrp="1"/>
+          </p:cNvSpPr>
+          <p:nvPr>
+            <p:ph type="sldNum" idx="12"/>
+          </p:nvPr>
+        </p:nvSpPr>
+        <p:spPr>
+          <a:xfrm>
+            <a:off x="8556784" y="4749851"/>
+            <a:ext cx="548700" cy="393600"/>
+          </a:xfrm>
+          <a:prstGeom prst="rect">
+            <a:avLst/>
+          </a:prstGeom>
+        </p:spPr>
+        <p:txBody>
+          <a:bodyPr spcFirstLastPara="1" wrap="square" lIns="91425" tIns="91425" rIns="91425" bIns="91425" anchor="t" anchorCtr="0">
+            <a:noAutofit/>
+          </a:bodyPr>
+          <a:lstStyle/>
+          <a:p>
+            <a:pPr marL="0" lvl="0" indent="0" algn="r" rtl="0">
+              <a:spcBef>
+                <a:spcPts val="0"/>
+              </a:spcBef>
+              <a:spcAft>
+                <a:spcPts val="0"/>
+              </a:spcAft>
+              <a:buNone/>
+            </a:pPr>
+            <a:fld id="{00000000-1234-1234-1234-123412341234}" type="slidenum">
+              <a:rPr lang="ru-RU"/>
+              <a:t>5</a:t>
+            </a:fld>
+            <a:endParaRPr/>
+          </a:p>
+        </p:txBody>
+      </p:sp>
+    </p:spTree>
+  </p:cSld>
+  <p:clrMapOvr>
+    <a:masterClrMapping/>
+  </p:clrMapOvr>
+</p:sld>
+</file>
+
+<file path=ppt/slides/slide6.xml><?xml version="1.0" encoding="utf-8"?>
+<p:sld xmlns:a="http://schemas.openxmlformats.org/drawingml/2006/main" xmlns:r="http://schemas.openxmlformats.org/officeDocument/2006/relationships" xmlns:p="http://schemas.openxmlformats.org/presentationml/2006/main">
+  <p:cSld>
+    <p:spTree>
+      <p:nvGrpSpPr>
         <p:cNvPr id="1" name="Shape 118"/>
         <p:cNvGrpSpPr/>
         <p:nvPr/>
@@ -20174,7 +22790,7 @@
         <p:spPr>
           <a:xfrm>
             <a:off x="457200" y="916976"/>
-            <a:ext cx="6273934" cy="620483"/>
+            <a:ext cx="7604234" cy="620483"/>
           </a:xfrm>
           <a:prstGeom prst="rect">
             <a:avLst/>
@@ -20205,10 +22821,10 @@
               <a:buNone/>
             </a:pPr>
             <a:r>
-              <a:rPr lang="ru-RU"/>
+              <a:rPr lang="ru-RU" dirty="0"/>
               <a:t>Цель работы</a:t>
             </a:r>
-            <a:endParaRPr/>
+            <a:endParaRPr dirty="0"/>
           </a:p>
         </p:txBody>
       </p:sp>
@@ -20225,7 +22841,7 @@
         <p:spPr>
           <a:xfrm>
             <a:off x="457200" y="1718614"/>
-            <a:ext cx="8202168" cy="2848490"/>
+            <a:ext cx="7604234" cy="2848490"/>
           </a:xfrm>
           <a:prstGeom prst="rect">
             <a:avLst/>
@@ -20256,10 +22872,10 @@
               <a:buNone/>
             </a:pPr>
             <a:r>
-              <a:rPr lang="ru-RU"/>
-              <a:t>Улучшение качества прогноза распределения рыночной цены в онлайн-аукционе</a:t>
+              <a:rPr lang="ru-RU" dirty="0"/>
+              <a:t>Разработать алгоритм для расчета вероятностей выигрыша каждой ставки в аукционе для рекламного объявления</a:t>
             </a:r>
-            <a:endParaRPr/>
+            <a:endParaRPr dirty="0"/>
           </a:p>
         </p:txBody>
       </p:sp>
@@ -20299,7 +22915,7 @@
             </a:pPr>
             <a:fld id="{00000000-1234-1234-1234-123412341234}" type="slidenum">
               <a:rPr lang="ru-RU"/>
-              <a:t>5</a:t>
+              <a:t>6</a:t>
             </a:fld>
             <a:endParaRPr/>
           </a:p>
@@ -20313,7 +22929,7 @@
 </p:sld>
 </file>
 
-<file path=ppt/slides/slide6.xml><?xml version="1.0" encoding="utf-8"?>
+<file path=ppt/slides/slide7.xml><?xml version="1.0" encoding="utf-8"?>
 <p:sld xmlns:a="http://schemas.openxmlformats.org/drawingml/2006/main" xmlns:r="http://schemas.openxmlformats.org/officeDocument/2006/relationships" xmlns:p="http://schemas.openxmlformats.org/presentationml/2006/main">
   <p:cSld>
     <p:spTree>
@@ -20342,7 +22958,7 @@
         </p:nvSpPr>
         <p:spPr>
           <a:xfrm>
-            <a:off x="457200" y="865358"/>
+            <a:off x="457202" y="914273"/>
             <a:ext cx="7932655" cy="620483"/>
           </a:xfrm>
           <a:prstGeom prst="rect">
@@ -20374,10 +22990,10 @@
               <a:buNone/>
             </a:pPr>
             <a:r>
-              <a:rPr lang="ru-RU"/>
+              <a:rPr lang="ru-RU" dirty="0"/>
               <a:t>Дано</a:t>
             </a:r>
-            <a:endParaRPr/>
+            <a:endParaRPr dirty="0"/>
           </a:p>
         </p:txBody>
       </p:sp>
@@ -20393,7 +23009,7 @@
         </p:nvSpPr>
         <p:spPr>
           <a:xfrm>
-            <a:off x="457200" y="1744493"/>
+            <a:off x="457201" y="1762699"/>
             <a:ext cx="7932656" cy="2848490"/>
           </a:xfrm>
           <a:prstGeom prst="rect">
@@ -20470,7 +23086,7 @@
             </a:pPr>
             <a:fld id="{00000000-1234-1234-1234-123412341234}" type="slidenum">
               <a:rPr lang="ru-RU"/>
-              <a:t>6</a:t>
+              <a:t>7</a:t>
             </a:fld>
             <a:endParaRPr/>
           </a:p>
@@ -20484,7 +23100,7 @@
 </p:sld>
 </file>
 
-<file path=ppt/slides/slide7.xml><?xml version="1.0" encoding="utf-8"?>
+<file path=ppt/slides/slide8.xml><?xml version="1.0" encoding="utf-8"?>
 <p:sld xmlns:a="http://schemas.openxmlformats.org/drawingml/2006/main" xmlns:r="http://schemas.openxmlformats.org/officeDocument/2006/relationships" xmlns:p="http://schemas.openxmlformats.org/presentationml/2006/main">
   <p:cSld>
     <p:spTree>
@@ -20545,7 +23161,7 @@
               <a:buNone/>
             </a:pPr>
             <a:r>
-              <a:rPr lang="ru-RU" dirty="0" err="1"/>
+              <a:rPr lang="en-US" dirty="0"/>
               <a:t>Survival</a:t>
             </a:r>
             <a:r>
@@ -20553,7 +23169,7 @@
               <a:t> </a:t>
             </a:r>
             <a:r>
-              <a:rPr lang="ru-RU" dirty="0" err="1"/>
+              <a:rPr lang="en-US" dirty="0"/>
               <a:t>Analysis</a:t>
             </a:r>
             <a:endParaRPr dirty="0"/>
@@ -20569,7 +23185,7 @@
         <p:spPr>
           <a:xfrm>
             <a:off x="457200" y="1841157"/>
-            <a:ext cx="8229600" cy="923330"/>
+            <a:ext cx="8229600" cy="646290"/>
           </a:xfrm>
           <a:prstGeom prst="rect">
             <a:avLst/>
@@ -20595,7 +23211,7 @@
               <a:buNone/>
             </a:pPr>
             <a:r>
-              <a:rPr lang="ru-RU" sz="1800">
+              <a:rPr lang="ru-RU" sz="1800" dirty="0">
                 <a:solidFill>
                   <a:schemeClr val="dk1"/>
                 </a:solidFill>
@@ -20604,21 +23220,9 @@
                 <a:cs typeface="Calibri"/>
                 <a:sym typeface="Calibri"/>
               </a:rPr>
-              <a:t>Класс статистических моделей, позволяющих оценить вероятность наступления события.</a:t>
+              <a:t>Класс задач, в которых нужно оценить время наступления интересующего события.</a:t>
             </a:r>
-            <a:endParaRPr/>
-          </a:p>
-          <a:p>
-            <a:pPr marL="0" marR="0" lvl="0" indent="0" algn="l" rtl="0">
-              <a:spcBef>
-                <a:spcPts val="0"/>
-              </a:spcBef>
-              <a:spcAft>
-                <a:spcPts val="0"/>
-              </a:spcAft>
-              <a:buNone/>
-            </a:pPr>
-            <a:endParaRPr sz="1800">
+            <a:endParaRPr sz="1800" dirty="0">
               <a:solidFill>
                 <a:schemeClr val="dk1"/>
               </a:solidFill>
@@ -20638,7 +23242,7 @@
         </p:nvSpPr>
         <p:spPr>
           <a:xfrm>
-            <a:off x="2652097" y="2681659"/>
+            <a:off x="2899747" y="3066364"/>
             <a:ext cx="3344505" cy="691408"/>
           </a:xfrm>
           <a:prstGeom prst="rect">
@@ -20720,7 +23324,7 @@
             </a:pPr>
             <a:fld id="{00000000-1234-1234-1234-123412341234}" type="slidenum">
               <a:rPr lang="ru-RU"/>
-              <a:t>7</a:t>
+              <a:t>8</a:t>
             </a:fld>
             <a:endParaRPr/>
           </a:p>
@@ -20734,7 +23338,7 @@
 </p:sld>
 </file>
 
-<file path=ppt/slides/slide8.xml><?xml version="1.0" encoding="utf-8"?>
+<file path=ppt/slides/slide9.xml><?xml version="1.0" encoding="utf-8"?>
 <p:sld xmlns:a="http://schemas.openxmlformats.org/drawingml/2006/main" xmlns:r="http://schemas.openxmlformats.org/officeDocument/2006/relationships" xmlns:p="http://schemas.openxmlformats.org/presentationml/2006/main">
   <p:cSld>
     <p:spTree>
@@ -20787,10 +23391,10 @@
               <a:buChar char="•"/>
             </a:pPr>
             <a:r>
-              <a:rPr lang="ru-RU"/>
+              <a:rPr lang="ru-RU" dirty="0"/>
               <a:t>Первое использование нейронной сети в задаче предсказании ставок</a:t>
             </a:r>
-            <a:endParaRPr/>
+            <a:endParaRPr dirty="0"/>
           </a:p>
           <a:p>
             <a:pPr marL="457200" lvl="0" indent="-381000" algn="l" rtl="0">
@@ -20804,10 +23408,10 @@
               <a:buChar char="•"/>
             </a:pPr>
             <a:r>
-              <a:rPr lang="ru-RU"/>
+              <a:rPr lang="ru-RU" dirty="0"/>
               <a:t>Обучение модели на выигрышных и проигрышных аукционах</a:t>
             </a:r>
-            <a:endParaRPr/>
+            <a:endParaRPr dirty="0"/>
           </a:p>
           <a:p>
             <a:pPr marL="457200" lvl="0" indent="-381000" algn="l" rtl="0">
@@ -20821,10 +23425,10 @@
               <a:buChar char="•"/>
             </a:pPr>
             <a:r>
-              <a:rPr lang="ru-RU"/>
-              <a:t>Предсказание плотности распределения</a:t>
+              <a:rPr lang="ru-RU" dirty="0"/>
+              <a:t>Форма распределения заранее неизвестна</a:t>
             </a:r>
-            <a:endParaRPr/>
+            <a:endParaRPr dirty="0"/>
           </a:p>
         </p:txBody>
       </p:sp>
@@ -20863,10 +23467,14 @@
               <a:buNone/>
             </a:pPr>
             <a:r>
-              <a:rPr lang="ru-RU"/>
-              <a:t>Baseline решение</a:t>
+              <a:rPr lang="en-US" dirty="0"/>
+              <a:t>Baseline</a:t>
             </a:r>
-            <a:endParaRPr/>
+            <a:r>
+              <a:rPr lang="ru-RU" dirty="0"/>
+              <a:t> решение</a:t>
+            </a:r>
+            <a:endParaRPr dirty="0"/>
           </a:p>
         </p:txBody>
       </p:sp>
@@ -20906,7 +23514,7 @@
             </a:pPr>
             <a:fld id="{00000000-1234-1234-1234-123412341234}" type="slidenum">
               <a:rPr lang="ru-RU"/>
-              <a:t>8</a:t>
+              <a:t>9</a:t>
             </a:fld>
             <a:endParaRPr/>
           </a:p>
@@ -20967,235 +23575,6 @@
               <a:cs typeface="Arial"/>
               <a:sym typeface="Arial"/>
             </a:endParaRPr>
-          </a:p>
-        </p:txBody>
-      </p:sp>
-    </p:spTree>
-  </p:cSld>
-  <p:clrMapOvr>
-    <a:masterClrMapping/>
-  </p:clrMapOvr>
-</p:sld>
-</file>
-
-<file path=ppt/slides/slide9.xml><?xml version="1.0" encoding="utf-8"?>
-<p:sld xmlns:a="http://schemas.openxmlformats.org/drawingml/2006/main" xmlns:r="http://schemas.openxmlformats.org/officeDocument/2006/relationships" xmlns:p="http://schemas.openxmlformats.org/presentationml/2006/main">
-  <p:cSld>
-    <p:spTree>
-      <p:nvGrpSpPr>
-        <p:cNvPr id="1" name="Shape 164"/>
-        <p:cNvGrpSpPr/>
-        <p:nvPr/>
-      </p:nvGrpSpPr>
-      <p:grpSpPr>
-        <a:xfrm>
-          <a:off x="0" y="0"/>
-          <a:ext cx="0" cy="0"/>
-          <a:chOff x="0" y="0"/>
-          <a:chExt cx="0" cy="0"/>
-        </a:xfrm>
-      </p:grpSpPr>
-      <p:sp>
-        <p:nvSpPr>
-          <p:cNvPr id="165" name="Google Shape;165;p8"/>
-          <p:cNvSpPr txBox="1">
-            <a:spLocks noGrp="1"/>
-          </p:cNvSpPr>
-          <p:nvPr>
-            <p:ph type="body" idx="1"/>
-          </p:nvPr>
-        </p:nvSpPr>
-        <p:spPr>
-          <a:xfrm>
-            <a:off x="457199" y="2216989"/>
-            <a:ext cx="8229599" cy="2377634"/>
-          </a:xfrm>
-          <a:prstGeom prst="rect">
-            <a:avLst/>
-          </a:prstGeom>
-          <a:blipFill rotWithShape="1">
-            <a:blip r:embed="rId3">
-              <a:alphaModFix/>
-            </a:blip>
-            <a:stretch>
-              <a:fillRect t="-61696" b="-64886"/>
-            </a:stretch>
-          </a:blipFill>
-          <a:ln>
-            <a:noFill/>
-          </a:ln>
-        </p:spPr>
-        <p:txBody>
-          <a:bodyPr spcFirstLastPara="1" wrap="square" lIns="91425" tIns="45700" rIns="91425" bIns="45700" anchor="t" anchorCtr="0">
-            <a:normAutofit/>
-          </a:bodyPr>
-          <a:lstStyle/>
-          <a:p>
-            <a:pPr marL="342900" lvl="0" indent="0" algn="l" rtl="0">
-              <a:spcBef>
-                <a:spcPts val="0"/>
-              </a:spcBef>
-              <a:spcAft>
-                <a:spcPts val="0"/>
-              </a:spcAft>
-              <a:buNone/>
-            </a:pPr>
-            <a:r>
-              <a:rPr lang="ru-RU"/>
-              <a:t> </a:t>
-            </a:r>
-            <a:endParaRPr/>
-          </a:p>
-        </p:txBody>
-      </p:sp>
-      <p:sp>
-        <p:nvSpPr>
-          <p:cNvPr id="166" name="Google Shape;166;p8"/>
-          <p:cNvSpPr txBox="1">
-            <a:spLocks noGrp="1"/>
-          </p:cNvSpPr>
-          <p:nvPr>
-            <p:ph type="title"/>
-          </p:nvPr>
-        </p:nvSpPr>
-        <p:spPr>
-          <a:xfrm>
-            <a:off x="457200" y="927382"/>
-            <a:ext cx="8229600" cy="620483"/>
-          </a:xfrm>
-          <a:prstGeom prst="rect">
-            <a:avLst/>
-          </a:prstGeom>
-          <a:noFill/>
-          <a:ln>
-            <a:noFill/>
-          </a:ln>
-        </p:spPr>
-        <p:txBody>
-          <a:bodyPr spcFirstLastPara="1" wrap="square" lIns="91425" tIns="45700" rIns="91425" bIns="45700" anchor="ctr" anchorCtr="0">
-            <a:normAutofit/>
-          </a:bodyPr>
-          <a:lstStyle/>
-          <a:p>
-            <a:pPr marL="0" lvl="0" indent="0" algn="l" rtl="0">
-              <a:spcBef>
-                <a:spcPts val="0"/>
-              </a:spcBef>
-              <a:spcAft>
-                <a:spcPts val="0"/>
-              </a:spcAft>
-              <a:buClr>
-                <a:schemeClr val="dk1"/>
-              </a:buClr>
-              <a:buSzPts val="3200"/>
-              <a:buFont typeface="Arial"/>
-              <a:buNone/>
-            </a:pPr>
-            <a:r>
-              <a:rPr lang="ru-RU"/>
-              <a:t>Решение задачи</a:t>
-            </a:r>
-            <a:endParaRPr/>
-          </a:p>
-        </p:txBody>
-      </p:sp>
-      <p:sp>
-        <p:nvSpPr>
-          <p:cNvPr id="167" name="Google Shape;167;p8"/>
-          <p:cNvSpPr/>
-          <p:nvPr/>
-        </p:nvSpPr>
-        <p:spPr>
-          <a:xfrm>
-            <a:off x="1899501" y="4541676"/>
-            <a:ext cx="7244499" cy="307777"/>
-          </a:xfrm>
-          <a:prstGeom prst="rect">
-            <a:avLst/>
-          </a:prstGeom>
-          <a:noFill/>
-          <a:ln>
-            <a:noFill/>
-          </a:ln>
-        </p:spPr>
-        <p:txBody>
-          <a:bodyPr spcFirstLastPara="1" wrap="square" lIns="91425" tIns="45700" rIns="91425" bIns="45700" anchor="t" anchorCtr="0">
-            <a:spAutoFit/>
-          </a:bodyPr>
-          <a:lstStyle/>
-          <a:p>
-            <a:pPr marL="0" marR="0" lvl="0" indent="0" algn="l" rtl="0">
-              <a:spcBef>
-                <a:spcPts val="0"/>
-              </a:spcBef>
-              <a:spcAft>
-                <a:spcPts val="0"/>
-              </a:spcAft>
-              <a:buNone/>
-            </a:pPr>
-            <a:r>
-              <a:rPr lang="ru-RU" sz="1400">
-                <a:solidFill>
-                  <a:schemeClr val="dk1"/>
-                </a:solidFill>
-                <a:latin typeface="Arial"/>
-                <a:ea typeface="Arial"/>
-                <a:cs typeface="Arial"/>
-                <a:sym typeface="Arial"/>
-              </a:rPr>
-              <a:t>Deep Landscape Forecasting for Real-time Bidding Advertising, KDD, 2019</a:t>
-            </a:r>
-            <a:endParaRPr sz="1400">
-              <a:solidFill>
-                <a:schemeClr val="dk1"/>
-              </a:solidFill>
-              <a:latin typeface="Arial"/>
-              <a:ea typeface="Arial"/>
-              <a:cs typeface="Arial"/>
-              <a:sym typeface="Arial"/>
-            </a:endParaRPr>
-          </a:p>
-        </p:txBody>
-      </p:sp>
-      <p:sp>
-        <p:nvSpPr>
-          <p:cNvPr id="168" name="Google Shape;168;p8"/>
-          <p:cNvSpPr txBox="1">
-            <a:spLocks noGrp="1"/>
-          </p:cNvSpPr>
-          <p:nvPr>
-            <p:ph type="sldNum" idx="12"/>
-          </p:nvPr>
-        </p:nvSpPr>
-        <p:spPr>
-          <a:xfrm>
-            <a:off x="8556784" y="4749851"/>
-            <a:ext cx="548700" cy="393600"/>
-          </a:xfrm>
-          <a:prstGeom prst="rect">
-            <a:avLst/>
-          </a:prstGeom>
-        </p:spPr>
-        <p:txBody>
-          <a:bodyPr spcFirstLastPara="1" wrap="square" lIns="91425" tIns="91425" rIns="91425" bIns="91425" anchor="t" anchorCtr="0">
-            <a:noAutofit/>
-          </a:bodyPr>
-          <a:lstStyle/>
-          <a:p>
-            <a:pPr marL="0" lvl="0" indent="0" algn="r" rtl="0">
-              <a:spcBef>
-                <a:spcPts val="0"/>
-              </a:spcBef>
-              <a:spcAft>
-                <a:spcPts val="0"/>
-              </a:spcAft>
-              <a:buNone/>
-            </a:pPr>
-            <a:fld id="{00000000-1234-1234-1234-123412341234}" type="slidenum">
-              <a:rPr lang="ru-RU"/>
-              <a:t>9</a:t>
-            </a:fld>
-            <a:endParaRPr/>
           </a:p>
         </p:txBody>
       </p:sp>

--- a/stuff/docs/2020-pps-forecasting.pptx
+++ b/stuff/docs/2020-pps-forecasting.pptx
@@ -6,7 +6,7 @@
     <p:sldMasterId id="2147483654" r:id="rId2"/>
   </p:sldMasterIdLst>
   <p:notesMasterIdLst>
-    <p:notesMasterId r:id="rId28"/>
+    <p:notesMasterId r:id="rId26"/>
   </p:notesMasterIdLst>
   <p:sldIdLst>
     <p:sldId id="256" r:id="rId3"/>
@@ -18,22 +18,20 @@
     <p:sldId id="261" r:id="rId9"/>
     <p:sldId id="262" r:id="rId10"/>
     <p:sldId id="263" r:id="rId11"/>
-    <p:sldId id="264" r:id="rId12"/>
-    <p:sldId id="282" r:id="rId13"/>
-    <p:sldId id="283" r:id="rId14"/>
-    <p:sldId id="265" r:id="rId15"/>
-    <p:sldId id="281" r:id="rId16"/>
-    <p:sldId id="266" r:id="rId17"/>
-    <p:sldId id="267" r:id="rId18"/>
-    <p:sldId id="280" r:id="rId19"/>
-    <p:sldId id="268" r:id="rId20"/>
-    <p:sldId id="276" r:id="rId21"/>
-    <p:sldId id="284" r:id="rId22"/>
-    <p:sldId id="269" r:id="rId23"/>
-    <p:sldId id="270" r:id="rId24"/>
-    <p:sldId id="272" r:id="rId25"/>
-    <p:sldId id="277" r:id="rId26"/>
-    <p:sldId id="273" r:id="rId27"/>
+    <p:sldId id="285" r:id="rId12"/>
+    <p:sldId id="286" r:id="rId13"/>
+    <p:sldId id="266" r:id="rId14"/>
+    <p:sldId id="267" r:id="rId15"/>
+    <p:sldId id="280" r:id="rId16"/>
+    <p:sldId id="287" r:id="rId17"/>
+    <p:sldId id="268" r:id="rId18"/>
+    <p:sldId id="276" r:id="rId19"/>
+    <p:sldId id="284" r:id="rId20"/>
+    <p:sldId id="269" r:id="rId21"/>
+    <p:sldId id="270" r:id="rId22"/>
+    <p:sldId id="272" r:id="rId23"/>
+    <p:sldId id="277" r:id="rId24"/>
+    <p:sldId id="273" r:id="rId25"/>
   </p:sldIdLst>
   <p:sldSz cx="9144000" cy="5143500" type="screen16x9"/>
   <p:notesSz cx="6858000" cy="9144000"/>
@@ -286,6 +284,18 @@
     </p:ext>
   </p:extLst>
 </p:presentation>
+</file>
+
+<file path=ppt/commentAuthors.xml><?xml version="1.0" encoding="utf-8"?>
+<p:cmAuthorLst xmlns:a="http://schemas.openxmlformats.org/drawingml/2006/main" xmlns:r="http://schemas.openxmlformats.org/officeDocument/2006/relationships" xmlns:p="http://schemas.openxmlformats.org/presentationml/2006/main">
+  <p:cmAuthor id="1" name="Яковлева Дарья Владимировна" initials="ЯДВ" lastIdx="9" clrIdx="0">
+    <p:extLst>
+      <p:ext uri="{19B8F6BF-5375-455C-9EA6-DF929625EA0E}">
+        <p15:presenceInfo xmlns:p15="http://schemas.microsoft.com/office/powerpoint/2012/main" userId="S::183042@niuitmo.ru::b69f8468-1c4e-45df-b8e3-a5f20509961f" providerId="AD"/>
+      </p:ext>
+    </p:extLst>
+  </p:cmAuthor>
+</p:cmAuthorLst>
 </file>
 
 <file path=ppt/notesMasters/notesMaster1.xml><?xml version="1.0" encoding="utf-8"?>
@@ -1532,7 +1542,11 @@
               </a:spcAft>
               <a:buNone/>
             </a:pPr>
-            <a:endParaRPr/>
+            <a:r>
+              <a:rPr lang="ru-RU" dirty="0"/>
+              <a:t>Здравствуйте! Меня зовут..</a:t>
+            </a:r>
+            <a:endParaRPr dirty="0"/>
           </a:p>
         </p:txBody>
       </p:sp>
@@ -1636,7 +1650,57 @@
               </a:spcAft>
               <a:buNone/>
             </a:pPr>
-            <a:endParaRPr/>
+            <a:r>
+              <a:rPr lang="ru-RU" dirty="0"/>
+              <a:t>Формулы вероятностей выигрыша и проигрыша аукциона не что иное как формулы из </a:t>
+            </a:r>
+            <a:r>
+              <a:rPr lang="en-US" dirty="0"/>
+              <a:t>SA</a:t>
+            </a:r>
+            <a:endParaRPr lang="ru-RU" dirty="0"/>
+          </a:p>
+          <a:p>
+            <a:pPr marL="0" lvl="0" indent="0" algn="l" rtl="0">
+              <a:spcBef>
+                <a:spcPts val="0"/>
+              </a:spcBef>
+              <a:spcAft>
+                <a:spcPts val="0"/>
+              </a:spcAft>
+              <a:buNone/>
+            </a:pPr>
+            <a:r>
+              <a:rPr lang="ru-RU" dirty="0"/>
+              <a:t>Которые представляют из себя площади по кривой плотности распределения</a:t>
+            </a:r>
+          </a:p>
+          <a:p>
+            <a:pPr marL="0" lvl="0" indent="0" algn="l" rtl="0">
+              <a:spcBef>
+                <a:spcPts val="0"/>
+              </a:spcBef>
+              <a:spcAft>
+                <a:spcPts val="0"/>
+              </a:spcAft>
+              <a:buNone/>
+            </a:pPr>
+            <a:endParaRPr lang="ru-RU" dirty="0"/>
+          </a:p>
+          <a:p>
+            <a:pPr marL="0" lvl="0" indent="0" algn="l" rtl="0">
+              <a:spcBef>
+                <a:spcPts val="0"/>
+              </a:spcBef>
+              <a:spcAft>
+                <a:spcPts val="0"/>
+              </a:spcAft>
+              <a:buNone/>
+            </a:pPr>
+            <a:r>
+              <a:rPr lang="ru-RU" dirty="0"/>
+              <a:t>Проблема в том что мы не может работать с непрерывным пространством в нейронной сети</a:t>
+            </a:r>
           </a:p>
         </p:txBody>
       </p:sp>
@@ -1684,7 +1748,7 @@
     </p:spTree>
     <p:extLst>
       <p:ext uri="{BB962C8B-B14F-4D97-AF65-F5344CB8AC3E}">
-        <p14:creationId xmlns:p14="http://schemas.microsoft.com/office/powerpoint/2010/main" val="3256969769"/>
+        <p14:creationId xmlns:p14="http://schemas.microsoft.com/office/powerpoint/2010/main" val="2849906346"/>
       </p:ext>
     </p:extLst>
   </p:cSld>
@@ -1745,7 +1809,68 @@
               </a:spcAft>
               <a:buNone/>
             </a:pPr>
-            <a:endParaRPr/>
+            <a:r>
+              <a:rPr lang="ru-RU" dirty="0"/>
+              <a:t>Поэтому перейдем из непрерывного пространства в дискретное</a:t>
+            </a:r>
+            <a:br>
+              <a:rPr lang="ru-RU" dirty="0"/>
+            </a:br>
+            <a:r>
+              <a:rPr lang="ru-RU" dirty="0"/>
+              <a:t>Для этого представим все возможные ставки как последовательность от наименьшей к наибольшие</a:t>
+            </a:r>
+          </a:p>
+          <a:p>
+            <a:pPr marL="0" lvl="0" indent="0" algn="l" rtl="0">
+              <a:spcBef>
+                <a:spcPts val="0"/>
+              </a:spcBef>
+              <a:spcAft>
+                <a:spcPts val="0"/>
+              </a:spcAft>
+              <a:buNone/>
+            </a:pPr>
+            <a:r>
+              <a:rPr lang="ru-RU" dirty="0"/>
+              <a:t>И разобьем эту последовательность на </a:t>
+            </a:r>
+            <a:r>
+              <a:rPr lang="en-US" dirty="0"/>
+              <a:t>l </a:t>
+            </a:r>
+            <a:r>
+              <a:rPr lang="ru-RU" dirty="0"/>
+              <a:t>равных блоков</a:t>
+            </a:r>
+          </a:p>
+          <a:p>
+            <a:pPr marL="0" lvl="0" indent="0" algn="l" rtl="0">
+              <a:spcBef>
+                <a:spcPts val="0"/>
+              </a:spcBef>
+              <a:spcAft>
+                <a:spcPts val="0"/>
+              </a:spcAft>
+              <a:buNone/>
+            </a:pPr>
+            <a:endParaRPr lang="ru-RU" dirty="0"/>
+          </a:p>
+          <a:p>
+            <a:pPr marL="0" lvl="0" indent="0" algn="l" rtl="0">
+              <a:spcBef>
+                <a:spcPts val="0"/>
+              </a:spcBef>
+              <a:spcAft>
+                <a:spcPts val="0"/>
+              </a:spcAft>
+              <a:buNone/>
+            </a:pPr>
+            <a:r>
+              <a:rPr lang="ru-RU" dirty="0"/>
+              <a:t>Тогда наши вероятности выигрыша/проигрыша будут суммами вероятностей события для каждого блока, что рыночная цена принадлежит этому блоку</a:t>
+            </a:r>
+            <a:endParaRPr dirty="0"/>
           </a:p>
         </p:txBody>
       </p:sp>
@@ -1793,7 +1918,7 @@
     </p:spTree>
     <p:extLst>
       <p:ext uri="{BB962C8B-B14F-4D97-AF65-F5344CB8AC3E}">
-        <p14:creationId xmlns:p14="http://schemas.microsoft.com/office/powerpoint/2010/main" val="940933434"/>
+        <p14:creationId xmlns:p14="http://schemas.microsoft.com/office/powerpoint/2010/main" val="391534531"/>
       </p:ext>
     </p:extLst>
   </p:cSld>
@@ -1808,7 +1933,7 @@
   <p:cSld>
     <p:spTree>
       <p:nvGrpSpPr>
-        <p:cNvPr id="1" name="Shape 169"/>
+        <p:cNvPr id="1" name="Shape 177"/>
         <p:cNvGrpSpPr/>
         <p:nvPr/>
       </p:nvGrpSpPr>
@@ -1822,7 +1947,48 @@
       </p:grpSpPr>
       <p:sp>
         <p:nvSpPr>
-          <p:cNvPr id="170" name="Google Shape;170;p9:notes"/>
+          <p:cNvPr id="178" name="Google Shape;178;g752914e07d_2_11:notes"/>
+          <p:cNvSpPr>
+            <a:spLocks noGrp="1" noRot="1" noChangeAspect="1"/>
+          </p:cNvSpPr>
+          <p:nvPr>
+            <p:ph type="sldImg" idx="2"/>
+          </p:nvPr>
+        </p:nvSpPr>
+        <p:spPr>
+          <a:xfrm>
+            <a:off x="381000" y="685800"/>
+            <a:ext cx="6096000" cy="3429000"/>
+          </a:xfrm>
+          <a:custGeom>
+            <a:avLst/>
+            <a:gdLst/>
+            <a:ahLst/>
+            <a:cxnLst/>
+            <a:rect l="l" t="t" r="r" b="b"/>
+            <a:pathLst>
+              <a:path w="120000" h="120000" extrusionOk="0">
+                <a:moveTo>
+                  <a:pt x="0" y="0"/>
+                </a:moveTo>
+                <a:lnTo>
+                  <a:pt x="120000" y="0"/>
+                </a:lnTo>
+                <a:lnTo>
+                  <a:pt x="120000" y="120000"/>
+                </a:lnTo>
+                <a:lnTo>
+                  <a:pt x="0" y="120000"/>
+                </a:lnTo>
+                <a:close/>
+              </a:path>
+            </a:pathLst>
+          </a:custGeom>
+        </p:spPr>
+      </p:sp>
+      <p:sp>
+        <p:nvSpPr>
+          <p:cNvPr id="179" name="Google Shape;179;g752914e07d_2_11:notes"/>
           <p:cNvSpPr txBox="1">
             <a:spLocks noGrp="1"/>
           </p:cNvSpPr>
@@ -1854,13 +2020,204 @@
               </a:spcAft>
               <a:buNone/>
             </a:pPr>
-            <a:endParaRPr/>
+            <a:r>
+              <a:rPr lang="ru-RU" dirty="0"/>
+              <a:t>Прочитать слайд</a:t>
+            </a:r>
+            <a:br>
+              <a:rPr lang="ru-RU" dirty="0"/>
+            </a:br>
+            <a:r>
+              <a:rPr lang="ru-RU" dirty="0"/>
+              <a:t>Рассказать что предсказывает условную вероятность (рыночная цена принадлежит конкретному блоку, при условии что она больше величин ставок в предыдущих блоках)</a:t>
+            </a:r>
           </a:p>
         </p:txBody>
       </p:sp>
       <p:sp>
         <p:nvSpPr>
-          <p:cNvPr id="171" name="Google Shape;171;p9:notes"/>
+          <p:cNvPr id="180" name="Google Shape;180;g752914e07d_2_11:notes"/>
+          <p:cNvSpPr txBox="1">
+            <a:spLocks noGrp="1"/>
+          </p:cNvSpPr>
+          <p:nvPr>
+            <p:ph type="sldNum" idx="12"/>
+          </p:nvPr>
+        </p:nvSpPr>
+        <p:spPr>
+          <a:xfrm>
+            <a:off x="3884613" y="8685213"/>
+            <a:ext cx="2971800" cy="457200"/>
+          </a:xfrm>
+          <a:prstGeom prst="rect">
+            <a:avLst/>
+          </a:prstGeom>
+        </p:spPr>
+        <p:txBody>
+          <a:bodyPr spcFirstLastPara="1" wrap="square" lIns="91425" tIns="45700" rIns="91425" bIns="45700" anchor="b" anchorCtr="0">
+            <a:noAutofit/>
+          </a:bodyPr>
+          <a:lstStyle/>
+          <a:p>
+            <a:pPr marL="0" lvl="0" indent="0" algn="r" rtl="0">
+              <a:spcBef>
+                <a:spcPts val="0"/>
+              </a:spcBef>
+              <a:spcAft>
+                <a:spcPts val="0"/>
+              </a:spcAft>
+              <a:buClr>
+                <a:srgbClr val="000000"/>
+              </a:buClr>
+              <a:buFont typeface="Arial"/>
+              <a:buNone/>
+            </a:pPr>
+            <a:fld id="{00000000-1234-1234-1234-123412341234}" type="slidenum">
+              <a:rPr lang="ru-RU"/>
+              <a:t>12</a:t>
+            </a:fld>
+            <a:endParaRPr/>
+          </a:p>
+        </p:txBody>
+      </p:sp>
+    </p:spTree>
+  </p:cSld>
+  <p:clrMapOvr>
+    <a:masterClrMapping/>
+  </p:clrMapOvr>
+</p:notes>
+</file>
+
+<file path=ppt/notesSlides/notesSlide13.xml><?xml version="1.0" encoding="utf-8"?>
+<p:notes xmlns:a="http://schemas.openxmlformats.org/drawingml/2006/main" xmlns:r="http://schemas.openxmlformats.org/officeDocument/2006/relationships" xmlns:p="http://schemas.openxmlformats.org/presentationml/2006/main" showMasterSp="0" showMasterPhAnim="0">
+  <p:cSld>
+    <p:spTree>
+      <p:nvGrpSpPr>
+        <p:cNvPr id="1" name="Shape 185"/>
+        <p:cNvGrpSpPr/>
+        <p:nvPr/>
+      </p:nvGrpSpPr>
+      <p:grpSpPr>
+        <a:xfrm>
+          <a:off x="0" y="0"/>
+          <a:ext cx="0" cy="0"/>
+          <a:chOff x="0" y="0"/>
+          <a:chExt cx="0" cy="0"/>
+        </a:xfrm>
+      </p:grpSpPr>
+      <p:sp>
+        <p:nvSpPr>
+          <p:cNvPr id="186" name="Google Shape;186;p10:notes"/>
+          <p:cNvSpPr txBox="1">
+            <a:spLocks noGrp="1"/>
+          </p:cNvSpPr>
+          <p:nvPr>
+            <p:ph type="body" idx="1"/>
+          </p:nvPr>
+        </p:nvSpPr>
+        <p:spPr>
+          <a:xfrm>
+            <a:off x="685800" y="4343400"/>
+            <a:ext cx="5486400" cy="4114800"/>
+          </a:xfrm>
+          <a:prstGeom prst="rect">
+            <a:avLst/>
+          </a:prstGeom>
+        </p:spPr>
+        <p:txBody>
+          <a:bodyPr spcFirstLastPara="1" wrap="square" lIns="91425" tIns="45700" rIns="91425" bIns="45700" anchor="t" anchorCtr="0">
+            <a:noAutofit/>
+          </a:bodyPr>
+          <a:lstStyle/>
+          <a:p>
+            <a:pPr marL="0" lvl="0" indent="0" algn="l" rtl="0">
+              <a:spcBef>
+                <a:spcPts val="0"/>
+              </a:spcBef>
+              <a:spcAft>
+                <a:spcPts val="0"/>
+              </a:spcAft>
+              <a:buNone/>
+            </a:pPr>
+            <a:r>
+              <a:rPr lang="ru-RU" dirty="0"/>
+              <a:t>Рассказать про сеть</a:t>
+            </a:r>
+          </a:p>
+          <a:p>
+            <a:pPr marL="0" lvl="0" indent="0" algn="l" rtl="0">
+              <a:spcBef>
+                <a:spcPts val="0"/>
+              </a:spcBef>
+              <a:spcAft>
+                <a:spcPts val="0"/>
+              </a:spcAft>
+              <a:buNone/>
+            </a:pPr>
+            <a:r>
+              <a:rPr lang="ru-RU" dirty="0"/>
+              <a:t>На вход информация о пользователе и об рекламном объявлении</a:t>
+            </a:r>
+          </a:p>
+          <a:p>
+            <a:pPr marL="0" lvl="0" indent="0" algn="l" rtl="0">
+              <a:spcBef>
+                <a:spcPts val="0"/>
+              </a:spcBef>
+              <a:spcAft>
+                <a:spcPts val="0"/>
+              </a:spcAft>
+              <a:buNone/>
+            </a:pPr>
+            <a:r>
+              <a:rPr lang="ru-RU" dirty="0"/>
+              <a:t>Векторизуем переданные данные</a:t>
+            </a:r>
+          </a:p>
+          <a:p>
+            <a:pPr marL="0" lvl="0" indent="0" algn="l" rtl="0">
+              <a:spcBef>
+                <a:spcPts val="0"/>
+              </a:spcBef>
+              <a:spcAft>
+                <a:spcPts val="0"/>
+              </a:spcAft>
+              <a:buNone/>
+            </a:pPr>
+            <a:r>
+              <a:rPr lang="ru-RU" dirty="0"/>
+              <a:t>После дублируем полученные вектора на </a:t>
+            </a:r>
+            <a:r>
+              <a:rPr lang="en-US" dirty="0"/>
+              <a:t>L </a:t>
+            </a:r>
+            <a:r>
+              <a:rPr lang="ru-RU" dirty="0"/>
+              <a:t>блоков</a:t>
+            </a:r>
+          </a:p>
+          <a:p>
+            <a:pPr marL="0" lvl="0" indent="0" algn="l" rtl="0">
+              <a:spcBef>
+                <a:spcPts val="0"/>
+              </a:spcBef>
+              <a:spcAft>
+                <a:spcPts val="0"/>
+              </a:spcAft>
+              <a:buNone/>
+            </a:pPr>
+            <a:r>
+              <a:rPr lang="ru-RU" dirty="0"/>
+              <a:t>Передает рекуррентному слою для предсказания условной вероятности</a:t>
+            </a:r>
+            <a:endParaRPr dirty="0"/>
+          </a:p>
+        </p:txBody>
+      </p:sp>
+      <p:sp>
+        <p:nvSpPr>
+          <p:cNvPr id="187" name="Google Shape;187;p10:notes"/>
           <p:cNvSpPr>
             <a:spLocks noGrp="1" noRot="1" noChangeAspect="1"/>
           </p:cNvSpPr>
@@ -1900,115 +2257,6 @@
         </p:spPr>
       </p:sp>
     </p:spTree>
-  </p:cSld>
-  <p:clrMapOvr>
-    <a:masterClrMapping/>
-  </p:clrMapOvr>
-</p:notes>
-</file>
-
-<file path=ppt/notesSlides/notesSlide13.xml><?xml version="1.0" encoding="utf-8"?>
-<p:notes xmlns:a="http://schemas.openxmlformats.org/drawingml/2006/main" xmlns:r="http://schemas.openxmlformats.org/officeDocument/2006/relationships" xmlns:p="http://schemas.openxmlformats.org/presentationml/2006/main" showMasterSp="0" showMasterPhAnim="0">
-  <p:cSld>
-    <p:spTree>
-      <p:nvGrpSpPr>
-        <p:cNvPr id="1" name="Shape 161"/>
-        <p:cNvGrpSpPr/>
-        <p:nvPr/>
-      </p:nvGrpSpPr>
-      <p:grpSpPr>
-        <a:xfrm>
-          <a:off x="0" y="0"/>
-          <a:ext cx="0" cy="0"/>
-          <a:chOff x="0" y="0"/>
-          <a:chExt cx="0" cy="0"/>
-        </a:xfrm>
-      </p:grpSpPr>
-      <p:sp>
-        <p:nvSpPr>
-          <p:cNvPr id="162" name="Google Shape;162;p8:notes"/>
-          <p:cNvSpPr txBox="1">
-            <a:spLocks noGrp="1"/>
-          </p:cNvSpPr>
-          <p:nvPr>
-            <p:ph type="body" idx="1"/>
-          </p:nvPr>
-        </p:nvSpPr>
-        <p:spPr>
-          <a:xfrm>
-            <a:off x="685800" y="4343400"/>
-            <a:ext cx="5486400" cy="4114800"/>
-          </a:xfrm>
-          <a:prstGeom prst="rect">
-            <a:avLst/>
-          </a:prstGeom>
-        </p:spPr>
-        <p:txBody>
-          <a:bodyPr spcFirstLastPara="1" wrap="square" lIns="91425" tIns="45700" rIns="91425" bIns="45700" anchor="t" anchorCtr="0">
-            <a:noAutofit/>
-          </a:bodyPr>
-          <a:lstStyle/>
-          <a:p>
-            <a:pPr marL="0" lvl="0" indent="0" algn="l" rtl="0">
-              <a:spcBef>
-                <a:spcPts val="0"/>
-              </a:spcBef>
-              <a:spcAft>
-                <a:spcPts val="0"/>
-              </a:spcAft>
-              <a:buNone/>
-            </a:pPr>
-            <a:endParaRPr/>
-          </a:p>
-        </p:txBody>
-      </p:sp>
-      <p:sp>
-        <p:nvSpPr>
-          <p:cNvPr id="163" name="Google Shape;163;p8:notes"/>
-          <p:cNvSpPr>
-            <a:spLocks noGrp="1" noRot="1" noChangeAspect="1"/>
-          </p:cNvSpPr>
-          <p:nvPr>
-            <p:ph type="sldImg" idx="2"/>
-          </p:nvPr>
-        </p:nvSpPr>
-        <p:spPr>
-          <a:xfrm>
-            <a:off x="381000" y="685800"/>
-            <a:ext cx="6096000" cy="3429000"/>
-          </a:xfrm>
-          <a:custGeom>
-            <a:avLst/>
-            <a:gdLst/>
-            <a:ahLst/>
-            <a:cxnLst/>
-            <a:rect l="l" t="t" r="r" b="b"/>
-            <a:pathLst>
-              <a:path w="120000" h="120000" extrusionOk="0">
-                <a:moveTo>
-                  <a:pt x="0" y="0"/>
-                </a:moveTo>
-                <a:lnTo>
-                  <a:pt x="120000" y="0"/>
-                </a:lnTo>
-                <a:lnTo>
-                  <a:pt x="120000" y="120000"/>
-                </a:lnTo>
-                <a:lnTo>
-                  <a:pt x="0" y="120000"/>
-                </a:lnTo>
-                <a:close/>
-              </a:path>
-            </a:pathLst>
-          </a:custGeom>
-        </p:spPr>
-      </p:sp>
-    </p:spTree>
-    <p:extLst>
-      <p:ext uri="{BB962C8B-B14F-4D97-AF65-F5344CB8AC3E}">
-        <p14:creationId xmlns:p14="http://schemas.microsoft.com/office/powerpoint/2010/main" val="654252565"/>
-      </p:ext>
-    </p:extLst>
   </p:cSld>
   <p:clrMapOvr>
     <a:masterClrMapping/>
@@ -2108,7 +2356,69 @@
               </a:spcAft>
               <a:buNone/>
             </a:pPr>
-            <a:endParaRPr/>
+            <a:r>
+              <a:rPr lang="ru-RU" dirty="0"/>
+              <a:t>Подробнее про рекуррентный </a:t>
+            </a:r>
+            <a:r>
+              <a:rPr lang="en-US" dirty="0"/>
+              <a:t>LSTM </a:t>
+            </a:r>
+            <a:r>
+              <a:rPr lang="ru-RU" dirty="0"/>
+              <a:t>слой</a:t>
+            </a:r>
+            <a:endParaRPr lang="en-US" dirty="0"/>
+          </a:p>
+          <a:p>
+            <a:pPr marL="0" lvl="0" indent="0" algn="l" rtl="0">
+              <a:spcBef>
+                <a:spcPts val="0"/>
+              </a:spcBef>
+              <a:spcAft>
+                <a:spcPts val="0"/>
+              </a:spcAft>
+              <a:buNone/>
+            </a:pPr>
+            <a:r>
+              <a:rPr lang="ru-RU" dirty="0"/>
+              <a:t>В каждой клетке считается условная вероятность</a:t>
+            </a:r>
+          </a:p>
+          <a:p>
+            <a:pPr marL="0" lvl="0" indent="0" algn="l" rtl="0">
+              <a:spcBef>
+                <a:spcPts val="0"/>
+              </a:spcBef>
+              <a:spcAft>
+                <a:spcPts val="0"/>
+              </a:spcAft>
+              <a:buNone/>
+            </a:pPr>
+            <a:endParaRPr lang="ru-RU" dirty="0"/>
+          </a:p>
+          <a:p>
+            <a:pPr marL="0" lvl="0" indent="0" algn="l" rtl="0">
+              <a:spcBef>
+                <a:spcPts val="0"/>
+              </a:spcBef>
+              <a:spcAft>
+                <a:spcPts val="0"/>
+              </a:spcAft>
+              <a:buNone/>
+            </a:pPr>
+            <a:r>
+              <a:rPr lang="ru-RU" dirty="0"/>
+              <a:t>Чтобы получить вероятность выигрыша/проигрыша или плотность распределения рыночной цены для конкретной ставки необходимо взять произведение на </a:t>
+            </a:r>
+            <a:r>
+              <a:rPr lang="ru-RU" dirty="0" err="1"/>
+              <a:t>преффиксе</a:t>
+            </a:r>
+            <a:r>
+              <a:rPr lang="ru-RU" dirty="0"/>
+              <a:t> от первого блока до блока, в которой принадлежит эта ставка</a:t>
+            </a:r>
           </a:p>
         </p:txBody>
       </p:sp>
@@ -2152,13 +2462,18 @@
             </a:pPr>
             <a:fld id="{00000000-1234-1234-1234-123412341234}" type="slidenum">
               <a:rPr lang="ru-RU"/>
-              <a:t>15</a:t>
+              <a:t>14</a:t>
             </a:fld>
             <a:endParaRPr/>
           </a:p>
         </p:txBody>
       </p:sp>
     </p:spTree>
+    <p:extLst>
+      <p:ext uri="{BB962C8B-B14F-4D97-AF65-F5344CB8AC3E}">
+        <p14:creationId xmlns:p14="http://schemas.microsoft.com/office/powerpoint/2010/main" val="1104422332"/>
+      </p:ext>
+    </p:extLst>
   </p:cSld>
   <p:clrMapOvr>
     <a:masterClrMapping/>
@@ -2217,7 +2532,25 @@
               </a:spcAft>
               <a:buNone/>
             </a:pPr>
-            <a:endParaRPr/>
+            <a:r>
+              <a:rPr lang="ru-RU" dirty="0"/>
+              <a:t>Один из первых подходов к улучшению - применения механизма внимания</a:t>
+            </a:r>
+            <a:br>
+              <a:rPr lang="ru-RU" dirty="0"/>
+            </a:br>
+            <a:r>
+              <a:rPr lang="ru-RU" dirty="0"/>
+              <a:t>Собираем скрытый состояние перед каждой </a:t>
+            </a:r>
+            <a:r>
+              <a:rPr lang="en-US" dirty="0"/>
+              <a:t>RNN </a:t>
+            </a:r>
+            <a:r>
+              <a:rPr lang="ru-RU" dirty="0"/>
+              <a:t>клеткой для создания вектора контекста и применяем вектор к каждой ставке.</a:t>
+            </a:r>
           </a:p>
         </p:txBody>
       </p:sp>
@@ -2263,159 +2596,9 @@
         </p:spPr>
       </p:sp>
     </p:spTree>
-  </p:cSld>
-  <p:clrMapOvr>
-    <a:masterClrMapping/>
-  </p:clrMapOvr>
-</p:notes>
-</file>
-
-<file path=ppt/notesSlides/notesSlide16.xml><?xml version="1.0" encoding="utf-8"?>
-<p:notes xmlns:a="http://schemas.openxmlformats.org/drawingml/2006/main" xmlns:r="http://schemas.openxmlformats.org/officeDocument/2006/relationships" xmlns:p="http://schemas.openxmlformats.org/presentationml/2006/main" showMasterSp="0" showMasterPhAnim="0">
-  <p:cSld>
-    <p:spTree>
-      <p:nvGrpSpPr>
-        <p:cNvPr id="1" name="Shape 177"/>
-        <p:cNvGrpSpPr/>
-        <p:nvPr/>
-      </p:nvGrpSpPr>
-      <p:grpSpPr>
-        <a:xfrm>
-          <a:off x="0" y="0"/>
-          <a:ext cx="0" cy="0"/>
-          <a:chOff x="0" y="0"/>
-          <a:chExt cx="0" cy="0"/>
-        </a:xfrm>
-      </p:grpSpPr>
-      <p:sp>
-        <p:nvSpPr>
-          <p:cNvPr id="178" name="Google Shape;178;g752914e07d_2_11:notes"/>
-          <p:cNvSpPr>
-            <a:spLocks noGrp="1" noRot="1" noChangeAspect="1"/>
-          </p:cNvSpPr>
-          <p:nvPr>
-            <p:ph type="sldImg" idx="2"/>
-          </p:nvPr>
-        </p:nvSpPr>
-        <p:spPr>
-          <a:xfrm>
-            <a:off x="381000" y="685800"/>
-            <a:ext cx="6096000" cy="3429000"/>
-          </a:xfrm>
-          <a:custGeom>
-            <a:avLst/>
-            <a:gdLst/>
-            <a:ahLst/>
-            <a:cxnLst/>
-            <a:rect l="l" t="t" r="r" b="b"/>
-            <a:pathLst>
-              <a:path w="120000" h="120000" extrusionOk="0">
-                <a:moveTo>
-                  <a:pt x="0" y="0"/>
-                </a:moveTo>
-                <a:lnTo>
-                  <a:pt x="120000" y="0"/>
-                </a:lnTo>
-                <a:lnTo>
-                  <a:pt x="120000" y="120000"/>
-                </a:lnTo>
-                <a:lnTo>
-                  <a:pt x="0" y="120000"/>
-                </a:lnTo>
-                <a:close/>
-              </a:path>
-            </a:pathLst>
-          </a:custGeom>
-        </p:spPr>
-      </p:sp>
-      <p:sp>
-        <p:nvSpPr>
-          <p:cNvPr id="179" name="Google Shape;179;g752914e07d_2_11:notes"/>
-          <p:cNvSpPr txBox="1">
-            <a:spLocks noGrp="1"/>
-          </p:cNvSpPr>
-          <p:nvPr>
-            <p:ph type="body" idx="1"/>
-          </p:nvPr>
-        </p:nvSpPr>
-        <p:spPr>
-          <a:xfrm>
-            <a:off x="685800" y="4343400"/>
-            <a:ext cx="5486400" cy="4114800"/>
-          </a:xfrm>
-          <a:prstGeom prst="rect">
-            <a:avLst/>
-          </a:prstGeom>
-        </p:spPr>
-        <p:txBody>
-          <a:bodyPr spcFirstLastPara="1" wrap="square" lIns="91425" tIns="45700" rIns="91425" bIns="45700" anchor="t" anchorCtr="0">
-            <a:noAutofit/>
-          </a:bodyPr>
-          <a:lstStyle/>
-          <a:p>
-            <a:pPr marL="0" lvl="0" indent="0" algn="l" rtl="0">
-              <a:spcBef>
-                <a:spcPts val="0"/>
-              </a:spcBef>
-              <a:spcAft>
-                <a:spcPts val="0"/>
-              </a:spcAft>
-              <a:buNone/>
-            </a:pPr>
-            <a:endParaRPr dirty="0"/>
-          </a:p>
-        </p:txBody>
-      </p:sp>
-      <p:sp>
-        <p:nvSpPr>
-          <p:cNvPr id="180" name="Google Shape;180;g752914e07d_2_11:notes"/>
-          <p:cNvSpPr txBox="1">
-            <a:spLocks noGrp="1"/>
-          </p:cNvSpPr>
-          <p:nvPr>
-            <p:ph type="sldNum" idx="12"/>
-          </p:nvPr>
-        </p:nvSpPr>
-        <p:spPr>
-          <a:xfrm>
-            <a:off x="3884613" y="8685213"/>
-            <a:ext cx="2971800" cy="457200"/>
-          </a:xfrm>
-          <a:prstGeom prst="rect">
-            <a:avLst/>
-          </a:prstGeom>
-        </p:spPr>
-        <p:txBody>
-          <a:bodyPr spcFirstLastPara="1" wrap="square" lIns="91425" tIns="45700" rIns="91425" bIns="45700" anchor="b" anchorCtr="0">
-            <a:noAutofit/>
-          </a:bodyPr>
-          <a:lstStyle/>
-          <a:p>
-            <a:pPr marL="0" lvl="0" indent="0" algn="r" rtl="0">
-              <a:spcBef>
-                <a:spcPts val="0"/>
-              </a:spcBef>
-              <a:spcAft>
-                <a:spcPts val="0"/>
-              </a:spcAft>
-              <a:buClr>
-                <a:srgbClr val="000000"/>
-              </a:buClr>
-              <a:buFont typeface="Arial"/>
-              <a:buNone/>
-            </a:pPr>
-            <a:fld id="{00000000-1234-1234-1234-123412341234}" type="slidenum">
-              <a:rPr lang="ru-RU"/>
-              <a:t>17</a:t>
-            </a:fld>
-            <a:endParaRPr/>
-          </a:p>
-        </p:txBody>
-      </p:sp>
-    </p:spTree>
     <p:extLst>
       <p:ext uri="{BB962C8B-B14F-4D97-AF65-F5344CB8AC3E}">
-        <p14:creationId xmlns:p14="http://schemas.microsoft.com/office/powerpoint/2010/main" val="1104422332"/>
+        <p14:creationId xmlns:p14="http://schemas.microsoft.com/office/powerpoint/2010/main" val="2076126904"/>
       </p:ext>
     </p:extLst>
   </p:cSld>
@@ -2425,7 +2608,7 @@
 </p:notes>
 </file>
 
-<file path=ppt/notesSlides/notesSlide17.xml><?xml version="1.0" encoding="utf-8"?>
+<file path=ppt/notesSlides/notesSlide16.xml><?xml version="1.0" encoding="utf-8"?>
 <p:notes xmlns:a="http://schemas.openxmlformats.org/drawingml/2006/main" xmlns:r="http://schemas.openxmlformats.org/officeDocument/2006/relationships" xmlns:p="http://schemas.openxmlformats.org/presentationml/2006/main" showMasterSp="0" showMasterPhAnim="0">
   <p:cSld>
     <p:spTree>
@@ -2467,38 +2650,158 @@
           </a:bodyPr>
           <a:lstStyle/>
           <a:p>
-            <a:pPr marL="0" lvl="0" indent="0" algn="l" rtl="0">
-              <a:spcBef>
-                <a:spcPts val="0"/>
-              </a:spcBef>
-              <a:spcAft>
-                <a:spcPts val="0"/>
-              </a:spcAft>
-              <a:buNone/>
+            <a:pPr marL="0" marR="0" lvl="0" indent="0" algn="l" defTabSz="914400" rtl="0" eaLnBrk="1" fontAlgn="auto" latinLnBrk="0" hangingPunct="1">
+              <a:lnSpc>
+                <a:spcPct val="100000"/>
+              </a:lnSpc>
+              <a:spcBef>
+                <a:spcPts val="0"/>
+              </a:spcBef>
+              <a:spcAft>
+                <a:spcPts val="0"/>
+              </a:spcAft>
+              <a:buClr>
+                <a:srgbClr val="000000"/>
+              </a:buClr>
+              <a:buSzPts val="1400"/>
+              <a:buFont typeface="Arial"/>
+              <a:buNone/>
+              <a:tabLst/>
+              <a:defRPr/>
             </a:pPr>
             <a:r>
               <a:rPr lang="ru-RU" dirty="0"/>
-              <a:t>Голосом:</a:t>
+              <a:t>Для обучения используется две функции потерь</a:t>
+            </a:r>
+          </a:p>
+          <a:p>
+            <a:pPr marL="0" marR="0" lvl="0" indent="0" algn="l" defTabSz="914400" rtl="0" eaLnBrk="1" fontAlgn="auto" latinLnBrk="0" hangingPunct="1">
+              <a:lnSpc>
+                <a:spcPct val="100000"/>
+              </a:lnSpc>
+              <a:spcBef>
+                <a:spcPts val="0"/>
+              </a:spcBef>
+              <a:spcAft>
+                <a:spcPts val="0"/>
+              </a:spcAft>
+              <a:buClr>
+                <a:srgbClr val="000000"/>
+              </a:buClr>
+              <a:buSzPts val="1400"/>
+              <a:buFont typeface="Arial"/>
+              <a:buNone/>
+              <a:tabLst/>
+              <a:defRPr/>
+            </a:pPr>
+            <a:r>
+              <a:rPr lang="ru-RU" dirty="0"/>
+              <a:t>Первая отвечает для качество предсказания, но применяется только на выигрышных аукционах</a:t>
             </a:r>
             <a:br>
               <a:rPr lang="ru-RU" dirty="0"/>
             </a:br>
             <a:r>
               <a:rPr lang="ru-RU" dirty="0"/>
-              <a:t>Рассказать про желаемую вероятность</a:t>
+              <a:t>Вторая позволяет обучаться на всех случаях </a:t>
             </a:r>
           </a:p>
           <a:p>
-            <a:pPr marL="0" lvl="0" indent="0" algn="l" rtl="0">
-              <a:spcBef>
-                <a:spcPts val="0"/>
-              </a:spcBef>
-              <a:spcAft>
-                <a:spcPts val="0"/>
-              </a:spcAft>
-              <a:buNone/>
+            <a:pPr marL="0" marR="0" lvl="0" indent="0" algn="l" defTabSz="914400" rtl="0" eaLnBrk="1" fontAlgn="auto" latinLnBrk="0" hangingPunct="1">
+              <a:lnSpc>
+                <a:spcPct val="100000"/>
+              </a:lnSpc>
+              <a:spcBef>
+                <a:spcPts val="0"/>
+              </a:spcBef>
+              <a:spcAft>
+                <a:spcPts val="0"/>
+              </a:spcAft>
+              <a:buClr>
+                <a:srgbClr val="000000"/>
+              </a:buClr>
+              <a:buSzPts val="1400"/>
+              <a:buFont typeface="Arial"/>
+              <a:buNone/>
+              <a:tabLst/>
+              <a:defRPr/>
+            </a:pPr>
+            <a:r>
+              <a:rPr lang="ru-RU" dirty="0"/>
+              <a:t>(в случае проигрыша мы устремляем наши предсказания к 1, а в случае проигрыша к 0)</a:t>
+            </a:r>
+          </a:p>
+          <a:p>
+            <a:pPr marL="0" marR="0" lvl="0" indent="0" algn="l" defTabSz="914400" rtl="0" eaLnBrk="1" fontAlgn="auto" latinLnBrk="0" hangingPunct="1">
+              <a:lnSpc>
+                <a:spcPct val="100000"/>
+              </a:lnSpc>
+              <a:spcBef>
+                <a:spcPts val="0"/>
+              </a:spcBef>
+              <a:spcAft>
+                <a:spcPts val="0"/>
+              </a:spcAft>
+              <a:buClr>
+                <a:srgbClr val="000000"/>
+              </a:buClr>
+              <a:buSzPts val="1400"/>
+              <a:buFont typeface="Arial"/>
+              <a:buNone/>
+              <a:tabLst/>
+              <a:defRPr/>
+            </a:pPr>
+            <a:r>
+              <a:rPr lang="ru-RU" dirty="0"/>
+              <a:t>То есть делаем Кросс Энтропию</a:t>
+            </a:r>
+          </a:p>
+          <a:p>
+            <a:pPr marL="0" marR="0" lvl="0" indent="0" algn="l" defTabSz="914400" rtl="0" eaLnBrk="1" fontAlgn="auto" latinLnBrk="0" hangingPunct="1">
+              <a:lnSpc>
+                <a:spcPct val="100000"/>
+              </a:lnSpc>
+              <a:spcBef>
+                <a:spcPts val="0"/>
+              </a:spcBef>
+              <a:spcAft>
+                <a:spcPts val="0"/>
+              </a:spcAft>
+              <a:buClr>
+                <a:srgbClr val="000000"/>
+              </a:buClr>
+              <a:buSzPts val="1400"/>
+              <a:buFont typeface="Arial"/>
+              <a:buNone/>
+              <a:tabLst/>
+              <a:defRPr/>
             </a:pPr>
             <a:endParaRPr lang="ru-RU" dirty="0"/>
+          </a:p>
+          <a:p>
+            <a:pPr marL="0" marR="0" lvl="0" indent="0" algn="l" defTabSz="914400" rtl="0" eaLnBrk="1" fontAlgn="auto" latinLnBrk="0" hangingPunct="1">
+              <a:lnSpc>
+                <a:spcPct val="100000"/>
+              </a:lnSpc>
+              <a:spcBef>
+                <a:spcPts val="0"/>
+              </a:spcBef>
+              <a:spcAft>
+                <a:spcPts val="0"/>
+              </a:spcAft>
+              <a:buClr>
+                <a:srgbClr val="000000"/>
+              </a:buClr>
+              <a:buSzPts val="1400"/>
+              <a:buFont typeface="Arial"/>
+              <a:buNone/>
+              <a:tabLst/>
+              <a:defRPr/>
+            </a:pPr>
+            <a:r>
+              <a:rPr lang="ru-RU" dirty="0"/>
+              <a:t>Для проверки качества сравниваем предсказанную вероятность выигрыша и желаемую (аналогично, для выигрыша 1, для проигрыша 0)</a:t>
+            </a:r>
           </a:p>
           <a:p>
             <a:pPr marL="0" lvl="0" indent="0" algn="l" rtl="0">
@@ -2563,6 +2866,146 @@
 </p:notes>
 </file>
 
+<file path=ppt/notesSlides/notesSlide17.xml><?xml version="1.0" encoding="utf-8"?>
+<p:notes xmlns:a="http://schemas.openxmlformats.org/drawingml/2006/main" xmlns:r="http://schemas.openxmlformats.org/officeDocument/2006/relationships" xmlns:p="http://schemas.openxmlformats.org/presentationml/2006/main">
+  <p:cSld>
+    <p:spTree>
+      <p:nvGrpSpPr>
+        <p:cNvPr id="1" name=""/>
+        <p:cNvGrpSpPr/>
+        <p:nvPr/>
+      </p:nvGrpSpPr>
+      <p:grpSpPr>
+        <a:xfrm>
+          <a:off x="0" y="0"/>
+          <a:ext cx="0" cy="0"/>
+          <a:chOff x="0" y="0"/>
+          <a:chExt cx="0" cy="0"/>
+        </a:xfrm>
+      </p:grpSpPr>
+      <p:sp>
+        <p:nvSpPr>
+          <p:cNvPr id="2" name="Образ слайда 1"/>
+          <p:cNvSpPr>
+            <a:spLocks noGrp="1" noRot="1" noChangeAspect="1"/>
+          </p:cNvSpPr>
+          <p:nvPr>
+            <p:ph type="sldImg"/>
+          </p:nvPr>
+        </p:nvSpPr>
+        <p:spPr/>
+      </p:sp>
+      <p:sp>
+        <p:nvSpPr>
+          <p:cNvPr id="3" name="Заметки 2"/>
+          <p:cNvSpPr>
+            <a:spLocks noGrp="1"/>
+          </p:cNvSpPr>
+          <p:nvPr>
+            <p:ph type="body" idx="1"/>
+          </p:nvPr>
+        </p:nvSpPr>
+        <p:spPr/>
+        <p:txBody>
+          <a:bodyPr/>
+          <a:lstStyle/>
+          <a:p>
+            <a:r>
+              <a:rPr lang="ru-US" dirty="0"/>
+              <a:t>Используется открытый датасет компании </a:t>
+            </a:r>
+            <a:r>
+              <a:rPr lang="ru-RU" dirty="0" err="1">
+                <a:latin typeface="Calibri"/>
+                <a:ea typeface="Calibri"/>
+                <a:cs typeface="Calibri"/>
+                <a:sym typeface="Calibri"/>
+              </a:rPr>
+              <a:t>iPinYou</a:t>
+            </a:r>
+            <a:r>
+              <a:rPr lang="en-US" dirty="0">
+                <a:latin typeface="Calibri"/>
+                <a:ea typeface="Calibri"/>
+                <a:cs typeface="Calibri"/>
+                <a:sym typeface="Calibri"/>
+              </a:rPr>
+              <a:t>, </a:t>
+            </a:r>
+            <a:r>
+              <a:rPr lang="ru-RU" dirty="0">
+                <a:latin typeface="Calibri"/>
+                <a:ea typeface="Calibri"/>
+                <a:cs typeface="Calibri"/>
+                <a:sym typeface="Calibri"/>
+              </a:rPr>
+              <a:t>который содержит информацию о 9 различных рекламных объявлениях</a:t>
+            </a:r>
+            <a:endParaRPr lang="ru-US" dirty="0"/>
+          </a:p>
+        </p:txBody>
+      </p:sp>
+      <p:sp>
+        <p:nvSpPr>
+          <p:cNvPr id="4" name="Номер слайда 3"/>
+          <p:cNvSpPr>
+            <a:spLocks noGrp="1"/>
+          </p:cNvSpPr>
+          <p:nvPr>
+            <p:ph type="sldNum" idx="12"/>
+          </p:nvPr>
+        </p:nvSpPr>
+        <p:spPr/>
+        <p:txBody>
+          <a:bodyPr/>
+          <a:lstStyle/>
+          <a:p>
+            <a:pPr marL="0" marR="0" lvl="0" indent="0" algn="r" rtl="0">
+              <a:spcBef>
+                <a:spcPts val="0"/>
+              </a:spcBef>
+              <a:spcAft>
+                <a:spcPts val="0"/>
+              </a:spcAft>
+              <a:buNone/>
+            </a:pPr>
+            <a:fld id="{00000000-1234-1234-1234-123412341234}" type="slidenum">
+              <a:rPr lang="ru-RU" sz="1200" b="0" i="0" u="none" strike="noStrike" cap="none" smtClean="0">
+                <a:solidFill>
+                  <a:schemeClr val="dk1"/>
+                </a:solidFill>
+                <a:latin typeface="Calibri"/>
+                <a:ea typeface="Calibri"/>
+                <a:cs typeface="Calibri"/>
+                <a:sym typeface="Calibri"/>
+              </a:rPr>
+              <a:t>17</a:t>
+            </a:fld>
+            <a:endParaRPr lang="ru-RU" sz="1200" b="0" i="0" u="none" strike="noStrike" cap="none">
+              <a:solidFill>
+                <a:schemeClr val="dk1"/>
+              </a:solidFill>
+              <a:latin typeface="Calibri"/>
+              <a:ea typeface="Calibri"/>
+              <a:cs typeface="Calibri"/>
+              <a:sym typeface="Calibri"/>
+            </a:endParaRPr>
+          </a:p>
+        </p:txBody>
+      </p:sp>
+    </p:spTree>
+    <p:extLst>
+      <p:ext uri="{BB962C8B-B14F-4D97-AF65-F5344CB8AC3E}">
+        <p14:creationId xmlns:p14="http://schemas.microsoft.com/office/powerpoint/2010/main" val="1900411451"/>
+      </p:ext>
+    </p:extLst>
+  </p:cSld>
+  <p:clrMapOvr>
+    <a:masterClrMapping/>
+  </p:clrMapOvr>
+</p:notes>
+</file>
+
 <file path=ppt/notesSlides/notesSlide18.xml><?xml version="1.0" encoding="utf-8"?>
 <p:notes xmlns:a="http://schemas.openxmlformats.org/drawingml/2006/main" xmlns:r="http://schemas.openxmlformats.org/officeDocument/2006/relationships" xmlns:p="http://schemas.openxmlformats.org/presentationml/2006/main" showMasterSp="0" showMasterPhAnim="0">
   <p:cSld>
@@ -2614,7 +3057,19 @@
               </a:spcAft>
               <a:buNone/>
             </a:pPr>
-            <a:endParaRPr/>
+            <a:r>
+              <a:rPr lang="ru-RU" dirty="0"/>
+              <a:t>Текущее сравнение нашей реализации с </a:t>
+            </a:r>
+            <a:r>
+              <a:rPr lang="en-US" dirty="0"/>
+              <a:t>baseline </a:t>
+            </a:r>
+            <a:r>
+              <a:rPr lang="ru-RU" dirty="0"/>
+              <a:t>на примере двух объявлений</a:t>
+            </a:r>
+            <a:endParaRPr dirty="0"/>
           </a:p>
         </p:txBody>
       </p:sp>
@@ -2725,39 +3180,8 @@
             </a:pPr>
             <a:r>
               <a:rPr lang="ru-RU" dirty="0"/>
-              <a:t>Рассказать про </a:t>
+              <a:t>Подробные графики на примере одного объявления</a:t>
             </a:r>
-            <a:r>
-              <a:rPr lang="ru-RU" dirty="0" err="1"/>
-              <a:t>датасет</a:t>
-            </a:r>
-            <a:endParaRPr lang="ru-RU" dirty="0"/>
-          </a:p>
-          <a:p>
-            <a:pPr marL="0" lvl="0" indent="0" algn="l" rtl="0">
-              <a:spcBef>
-                <a:spcPts val="0"/>
-              </a:spcBef>
-              <a:spcAft>
-                <a:spcPts val="0"/>
-              </a:spcAft>
-              <a:buNone/>
-            </a:pPr>
-            <a:r>
-              <a:rPr lang="ru-RU" dirty="0"/>
-              <a:t>Про метрики</a:t>
-            </a:r>
-          </a:p>
-          <a:p>
-            <a:pPr marL="0" lvl="0" indent="0" algn="l" rtl="0">
-              <a:spcBef>
-                <a:spcPts val="0"/>
-              </a:spcBef>
-              <a:spcAft>
-                <a:spcPts val="0"/>
-              </a:spcAft>
-              <a:buNone/>
-            </a:pPr>
             <a:endParaRPr dirty="0"/>
           </a:p>
         </p:txBody>
@@ -2855,6 +3279,36 @@
           <a:bodyPr/>
           <a:lstStyle/>
           <a:p>
+            <a:r>
+              <a:rPr lang="ru-US" dirty="0"/>
+              <a:t>Введение в предметную область</a:t>
+            </a:r>
+          </a:p>
+          <a:p>
+            <a:r>
+              <a:rPr lang="ru-US" dirty="0"/>
+              <a:t>Реклама является основным заработком для большинства </a:t>
+            </a:r>
+            <a:r>
+              <a:rPr lang="en-US" dirty="0"/>
+              <a:t>IT </a:t>
+            </a:r>
+            <a:r>
+              <a:rPr lang="ru-RU" dirty="0"/>
+              <a:t>компаний</a:t>
+            </a:r>
+          </a:p>
+          <a:p>
+            <a:r>
+              <a:rPr lang="ru-RU" dirty="0"/>
+              <a:t>Онлайн аукцион – это механизм для выбора рекламного объявления</a:t>
+            </a:r>
+          </a:p>
+          <a:p>
+            <a:r>
+              <a:rPr lang="ru-RU" dirty="0"/>
+              <a:t>(дальше со слайда)</a:t>
+            </a:r>
             <a:endParaRPr lang="ru-US" dirty="0"/>
           </a:p>
         </p:txBody>
@@ -2962,6 +3416,31 @@
           </a:bodyPr>
           <a:lstStyle/>
           <a:p>
+            <a:pPr marL="0" marR="0" lvl="0" indent="0" algn="l" defTabSz="914400" rtl="0" eaLnBrk="1" fontAlgn="auto" latinLnBrk="0" hangingPunct="1">
+              <a:lnSpc>
+                <a:spcPct val="100000"/>
+              </a:lnSpc>
+              <a:spcBef>
+                <a:spcPts val="0"/>
+              </a:spcBef>
+              <a:spcAft>
+                <a:spcPts val="0"/>
+              </a:spcAft>
+              <a:buClr>
+                <a:srgbClr val="000000"/>
+              </a:buClr>
+              <a:buSzPts val="1400"/>
+              <a:buFont typeface="Arial"/>
+              <a:buNone/>
+              <a:tabLst/>
+              <a:defRPr/>
+            </a:pPr>
+            <a:r>
+              <a:rPr lang="ru-RU" dirty="0"/>
+              <a:t>Подробные графики на примере одного объявления</a:t>
+            </a:r>
+          </a:p>
+          <a:p>
             <a:pPr marL="0" lvl="0" indent="0" algn="l" rtl="0">
               <a:spcBef>
                 <a:spcPts val="0"/>
@@ -2971,7 +3450,7 @@
               </a:spcAft>
               <a:buNone/>
             </a:pPr>
-            <a:endParaRPr/>
+            <a:endParaRPr dirty="0"/>
           </a:p>
         </p:txBody>
       </p:sp>
@@ -3075,7 +3554,80 @@
               </a:spcAft>
               <a:buNone/>
             </a:pPr>
-            <a:endParaRPr/>
+            <a:r>
+              <a:rPr lang="ru-RU" dirty="0"/>
+              <a:t>Планы по улучшению</a:t>
+            </a:r>
+          </a:p>
+          <a:p>
+            <a:pPr marL="0" lvl="0" indent="0" algn="l" rtl="0">
+              <a:spcBef>
+                <a:spcPts val="0"/>
+              </a:spcBef>
+              <a:spcAft>
+                <a:spcPts val="0"/>
+              </a:spcAft>
+              <a:buNone/>
+            </a:pPr>
+            <a:r>
+              <a:rPr lang="ru-RU" dirty="0"/>
+              <a:t>Доработка применения механики внимания</a:t>
+            </a:r>
+          </a:p>
+          <a:p>
+            <a:pPr marL="0" lvl="0" indent="0" algn="l" rtl="0">
+              <a:spcBef>
+                <a:spcPts val="0"/>
+              </a:spcBef>
+              <a:spcAft>
+                <a:spcPts val="0"/>
+              </a:spcAft>
+              <a:buNone/>
+            </a:pPr>
+            <a:r>
+              <a:rPr lang="ru-RU" dirty="0"/>
+              <a:t>Доработка функции потери, добавив еще одну функцию для регуляризации процесса обучения</a:t>
+            </a:r>
+          </a:p>
+          <a:p>
+            <a:pPr marL="0" lvl="0" indent="0" algn="l" rtl="0">
+              <a:spcBef>
+                <a:spcPts val="0"/>
+              </a:spcBef>
+              <a:spcAft>
+                <a:spcPts val="0"/>
+              </a:spcAft>
+              <a:buNone/>
+            </a:pPr>
+            <a:r>
+              <a:rPr lang="ru-RU" dirty="0"/>
+              <a:t>Оптимизация работы нейронной сети с использования </a:t>
+            </a:r>
+            <a:r>
+              <a:rPr lang="en-US" dirty="0" err="1"/>
+              <a:t>Prunning</a:t>
+            </a:r>
+            <a:endParaRPr lang="en-US" dirty="0"/>
+          </a:p>
+          <a:p>
+            <a:pPr marL="0" lvl="0" indent="0" algn="l" rtl="0">
+              <a:spcBef>
+                <a:spcPts val="0"/>
+              </a:spcBef>
+              <a:spcAft>
+                <a:spcPts val="0"/>
+              </a:spcAft>
+              <a:buNone/>
+            </a:pPr>
+            <a:r>
+              <a:rPr lang="ru-RU" dirty="0"/>
+              <a:t>Реализовать альтернативного решения из </a:t>
+            </a:r>
+            <a:r>
+              <a:rPr lang="en-US" dirty="0"/>
+              <a:t>SA</a:t>
+            </a:r>
+            <a:endParaRPr dirty="0"/>
           </a:p>
         </p:txBody>
       </p:sp>
@@ -3129,6 +3681,130 @@
 </file>
 
 <file path=ppt/notesSlides/notesSlide22.xml><?xml version="1.0" encoding="utf-8"?>
+<p:notes xmlns:a="http://schemas.openxmlformats.org/drawingml/2006/main" xmlns:r="http://schemas.openxmlformats.org/officeDocument/2006/relationships" xmlns:p="http://schemas.openxmlformats.org/presentationml/2006/main">
+  <p:cSld>
+    <p:spTree>
+      <p:nvGrpSpPr>
+        <p:cNvPr id="1" name=""/>
+        <p:cNvGrpSpPr/>
+        <p:nvPr/>
+      </p:nvGrpSpPr>
+      <p:grpSpPr>
+        <a:xfrm>
+          <a:off x="0" y="0"/>
+          <a:ext cx="0" cy="0"/>
+          <a:chOff x="0" y="0"/>
+          <a:chExt cx="0" cy="0"/>
+        </a:xfrm>
+      </p:grpSpPr>
+      <p:sp>
+        <p:nvSpPr>
+          <p:cNvPr id="2" name="Образ слайда 1"/>
+          <p:cNvSpPr>
+            <a:spLocks noGrp="1" noRot="1" noChangeAspect="1"/>
+          </p:cNvSpPr>
+          <p:nvPr>
+            <p:ph type="sldImg"/>
+          </p:nvPr>
+        </p:nvSpPr>
+        <p:spPr/>
+      </p:sp>
+      <p:sp>
+        <p:nvSpPr>
+          <p:cNvPr id="3" name="Заметки 2"/>
+          <p:cNvSpPr>
+            <a:spLocks noGrp="1"/>
+          </p:cNvSpPr>
+          <p:nvPr>
+            <p:ph type="body" idx="1"/>
+          </p:nvPr>
+        </p:nvSpPr>
+        <p:spPr/>
+        <p:txBody>
+          <a:bodyPr/>
+          <a:lstStyle/>
+          <a:p>
+            <a:r>
+              <a:rPr lang="ru-US" dirty="0"/>
+              <a:t>Итоги</a:t>
+            </a:r>
+          </a:p>
+          <a:p>
+            <a:r>
+              <a:rPr lang="ru-US" dirty="0"/>
+              <a:t>Реализован описанные алгоритм</a:t>
+            </a:r>
+          </a:p>
+          <a:p>
+            <a:r>
+              <a:rPr lang="ru-US" dirty="0"/>
+              <a:t>Есть идеи для улучшения существующих показателей</a:t>
+            </a:r>
+          </a:p>
+        </p:txBody>
+      </p:sp>
+      <p:sp>
+        <p:nvSpPr>
+          <p:cNvPr id="4" name="Номер слайда 3"/>
+          <p:cNvSpPr>
+            <a:spLocks noGrp="1"/>
+          </p:cNvSpPr>
+          <p:nvPr>
+            <p:ph type="sldNum" idx="12"/>
+          </p:nvPr>
+        </p:nvSpPr>
+        <p:spPr/>
+        <p:txBody>
+          <a:bodyPr/>
+          <a:lstStyle/>
+          <a:p>
+            <a:pPr marL="0" marR="0" lvl="0" indent="0" algn="r" rtl="0">
+              <a:spcBef>
+                <a:spcPts val="0"/>
+              </a:spcBef>
+              <a:spcAft>
+                <a:spcPts val="0"/>
+              </a:spcAft>
+              <a:buNone/>
+            </a:pPr>
+            <a:fld id="{00000000-1234-1234-1234-123412341234}" type="slidenum">
+              <a:rPr lang="ru-RU" sz="1200" b="0" i="0" u="none" strike="noStrike" cap="none" smtClean="0">
+                <a:solidFill>
+                  <a:schemeClr val="dk1"/>
+                </a:solidFill>
+                <a:latin typeface="Calibri"/>
+                <a:ea typeface="Calibri"/>
+                <a:cs typeface="Calibri"/>
+                <a:sym typeface="Calibri"/>
+              </a:rPr>
+              <a:t>22</a:t>
+            </a:fld>
+            <a:endParaRPr lang="ru-RU" sz="1200" b="0" i="0" u="none" strike="noStrike" cap="none">
+              <a:solidFill>
+                <a:schemeClr val="dk1"/>
+              </a:solidFill>
+              <a:latin typeface="Calibri"/>
+              <a:ea typeface="Calibri"/>
+              <a:cs typeface="Calibri"/>
+              <a:sym typeface="Calibri"/>
+            </a:endParaRPr>
+          </a:p>
+        </p:txBody>
+      </p:sp>
+    </p:spTree>
+    <p:extLst>
+      <p:ext uri="{BB962C8B-B14F-4D97-AF65-F5344CB8AC3E}">
+        <p14:creationId xmlns:p14="http://schemas.microsoft.com/office/powerpoint/2010/main" val="2936360072"/>
+      </p:ext>
+    </p:extLst>
+  </p:cSld>
+  <p:clrMapOvr>
+    <a:masterClrMapping/>
+  </p:clrMapOvr>
+</p:notes>
+</file>
+
+<file path=ppt/notesSlides/notesSlide23.xml><?xml version="1.0" encoding="utf-8"?>
 <p:notes xmlns:a="http://schemas.openxmlformats.org/drawingml/2006/main" xmlns:r="http://schemas.openxmlformats.org/officeDocument/2006/relationships" xmlns:p="http://schemas.openxmlformats.org/presentationml/2006/main" showMasterSp="0" showMasterPhAnim="0">
   <p:cSld>
     <p:spTree>
@@ -3233,6 +3909,118 @@
 </file>
 
 <file path=ppt/notesSlides/notesSlide3.xml><?xml version="1.0" encoding="utf-8"?>
+<p:notes xmlns:a="http://schemas.openxmlformats.org/drawingml/2006/main" xmlns:r="http://schemas.openxmlformats.org/officeDocument/2006/relationships" xmlns:p="http://schemas.openxmlformats.org/presentationml/2006/main">
+  <p:cSld>
+    <p:spTree>
+      <p:nvGrpSpPr>
+        <p:cNvPr id="1" name=""/>
+        <p:cNvGrpSpPr/>
+        <p:nvPr/>
+      </p:nvGrpSpPr>
+      <p:grpSpPr>
+        <a:xfrm>
+          <a:off x="0" y="0"/>
+          <a:ext cx="0" cy="0"/>
+          <a:chOff x="0" y="0"/>
+          <a:chExt cx="0" cy="0"/>
+        </a:xfrm>
+      </p:grpSpPr>
+      <p:sp>
+        <p:nvSpPr>
+          <p:cNvPr id="2" name="Образ слайда 1"/>
+          <p:cNvSpPr>
+            <a:spLocks noGrp="1" noRot="1" noChangeAspect="1"/>
+          </p:cNvSpPr>
+          <p:nvPr>
+            <p:ph type="sldImg"/>
+          </p:nvPr>
+        </p:nvSpPr>
+        <p:spPr/>
+      </p:sp>
+      <p:sp>
+        <p:nvSpPr>
+          <p:cNvPr id="3" name="Заметки 2"/>
+          <p:cNvSpPr>
+            <a:spLocks noGrp="1"/>
+          </p:cNvSpPr>
+          <p:nvPr>
+            <p:ph type="body" idx="1"/>
+          </p:nvPr>
+        </p:nvSpPr>
+        <p:spPr/>
+        <p:txBody>
+          <a:bodyPr/>
+          <a:lstStyle/>
+          <a:p>
+            <a:r>
+              <a:rPr lang="ru-US" dirty="0"/>
+              <a:t>Рассказать про сложность найти хороших баланс</a:t>
+            </a:r>
+          </a:p>
+        </p:txBody>
+      </p:sp>
+      <p:sp>
+        <p:nvSpPr>
+          <p:cNvPr id="4" name="Номер слайда 3"/>
+          <p:cNvSpPr>
+            <a:spLocks noGrp="1"/>
+          </p:cNvSpPr>
+          <p:nvPr>
+            <p:ph type="sldNum" idx="12"/>
+          </p:nvPr>
+        </p:nvSpPr>
+        <p:spPr/>
+        <p:txBody>
+          <a:bodyPr/>
+          <a:lstStyle/>
+          <a:p>
+            <a:pPr marL="0" marR="0" lvl="0" indent="0" algn="r" rtl="0">
+              <a:spcBef>
+                <a:spcPts val="0"/>
+              </a:spcBef>
+              <a:spcAft>
+                <a:spcPts val="0"/>
+              </a:spcAft>
+              <a:buNone/>
+            </a:pPr>
+            <a:fld id="{00000000-1234-1234-1234-123412341234}" type="slidenum">
+              <a:rPr lang="ru-RU" sz="1200" b="0" i="0" u="none" strike="noStrike" cap="none" smtClean="0">
+                <a:solidFill>
+                  <a:schemeClr val="dk1"/>
+                </a:solidFill>
+                <a:latin typeface="Calibri"/>
+                <a:ea typeface="Calibri"/>
+                <a:cs typeface="Calibri"/>
+                <a:sym typeface="Calibri"/>
+              </a:rPr>
+              <a:t>3</a:t>
+            </a:fld>
+            <a:endParaRPr lang="ru-RU" sz="1200" b="0" i="0" u="none" strike="noStrike" cap="none">
+              <a:solidFill>
+                <a:schemeClr val="dk1"/>
+              </a:solidFill>
+              <a:latin typeface="Calibri"/>
+              <a:ea typeface="Calibri"/>
+              <a:cs typeface="Calibri"/>
+              <a:sym typeface="Calibri"/>
+            </a:endParaRPr>
+          </a:p>
+        </p:txBody>
+      </p:sp>
+    </p:spTree>
+    <p:extLst>
+      <p:ext uri="{BB962C8B-B14F-4D97-AF65-F5344CB8AC3E}">
+        <p14:creationId xmlns:p14="http://schemas.microsoft.com/office/powerpoint/2010/main" val="1552711688"/>
+      </p:ext>
+    </p:extLst>
+  </p:cSld>
+  <p:clrMapOvr>
+    <a:masterClrMapping/>
+  </p:clrMapOvr>
+</p:notes>
+</file>
+
+<file path=ppt/notesSlides/notesSlide4.xml><?xml version="1.0" encoding="utf-8"?>
 <p:notes xmlns:a="http://schemas.openxmlformats.org/drawingml/2006/main" xmlns:r="http://schemas.openxmlformats.org/officeDocument/2006/relationships" xmlns:p="http://schemas.openxmlformats.org/presentationml/2006/main" showMasterSp="0" showMasterPhAnim="0">
   <p:cSld>
     <p:spTree>
@@ -3283,7 +4071,61 @@
               </a:spcAft>
               <a:buNone/>
             </a:pPr>
-            <a:endParaRPr/>
+            <a:r>
+              <a:rPr lang="ru-RU" dirty="0"/>
+              <a:t>Сама задача предсказания ставки</a:t>
+            </a:r>
+          </a:p>
+          <a:p>
+            <a:pPr marL="0" lvl="0" indent="0" algn="l" rtl="0">
+              <a:spcBef>
+                <a:spcPts val="0"/>
+              </a:spcBef>
+              <a:spcAft>
+                <a:spcPts val="0"/>
+              </a:spcAft>
+              <a:buNone/>
+            </a:pPr>
+            <a:r>
+              <a:rPr lang="ru-RU" dirty="0"/>
+              <a:t>В аукционе известна информация о пользователе и самом рекламном объявлении (сайт, где будет выставлено объявление, размер баннера и </a:t>
+            </a:r>
+            <a:r>
+              <a:rPr lang="ru-RU" dirty="0" err="1"/>
+              <a:t>тд</a:t>
+            </a:r>
+            <a:r>
+              <a:rPr lang="ru-RU" dirty="0"/>
+              <a:t>)</a:t>
+            </a:r>
+          </a:p>
+          <a:p>
+            <a:pPr marL="0" lvl="0" indent="0" algn="l" rtl="0">
+              <a:spcBef>
+                <a:spcPts val="0"/>
+              </a:spcBef>
+              <a:spcAft>
+                <a:spcPts val="0"/>
+              </a:spcAft>
+              <a:buNone/>
+            </a:pPr>
+            <a:endParaRPr lang="ru-RU" dirty="0"/>
+          </a:p>
+          <a:p>
+            <a:pPr marL="0" lvl="0" indent="0" algn="l" rtl="0">
+              <a:spcBef>
+                <a:spcPts val="0"/>
+              </a:spcBef>
+              <a:spcAft>
+                <a:spcPts val="0"/>
+              </a:spcAft>
+              <a:buNone/>
+            </a:pPr>
+            <a:r>
+              <a:rPr lang="ru-RU" dirty="0"/>
+              <a:t>На основе этой информации нужно предсказать плотность распределения рыночной цены, то есть для каждой ставки предсказать вероятность того что эта ставка окажется выигрышной</a:t>
+            </a:r>
+            <a:endParaRPr dirty="0"/>
           </a:p>
         </p:txBody>
       </p:sp>
@@ -3336,7 +4178,7 @@
 </p:notes>
 </file>
 
-<file path=ppt/notesSlides/notesSlide4.xml><?xml version="1.0" encoding="utf-8"?>
+<file path=ppt/notesSlides/notesSlide5.xml><?xml version="1.0" encoding="utf-8"?>
 <p:notes xmlns:a="http://schemas.openxmlformats.org/drawingml/2006/main" xmlns:r="http://schemas.openxmlformats.org/officeDocument/2006/relationships" xmlns:p="http://schemas.openxmlformats.org/presentationml/2006/main" showMasterSp="0" showMasterPhAnim="0">
   <p:cSld>
     <p:spTree>
@@ -3387,7 +4229,25 @@
               </a:spcAft>
               <a:buNone/>
             </a:pPr>
-            <a:endParaRPr/>
+            <a:r>
+              <a:rPr lang="ru-RU" dirty="0"/>
+              <a:t>Благодаря этой задаче рекламодатели узнают примерное количество выигрышных аукционов для каждой ставки.</a:t>
+            </a:r>
+          </a:p>
+          <a:p>
+            <a:pPr marL="0" lvl="0" indent="0" algn="l" rtl="0">
+              <a:spcBef>
+                <a:spcPts val="0"/>
+              </a:spcBef>
+              <a:spcAft>
+                <a:spcPts val="0"/>
+              </a:spcAft>
+              <a:buNone/>
+            </a:pPr>
+            <a:r>
+              <a:rPr lang="ru-RU" dirty="0"/>
+              <a:t>И основываясь на этом смогут реализовывать свои стратегии торгов для улучшения показателей эффективности рекламы.</a:t>
+            </a:r>
           </a:p>
         </p:txBody>
       </p:sp>
@@ -3440,7 +4300,7 @@
 </p:notes>
 </file>
 
-<file path=ppt/notesSlides/notesSlide5.xml><?xml version="1.0" encoding="utf-8"?>
+<file path=ppt/notesSlides/notesSlide6.xml><?xml version="1.0" encoding="utf-8"?>
 <p:notes xmlns:a="http://schemas.openxmlformats.org/drawingml/2006/main" xmlns:r="http://schemas.openxmlformats.org/officeDocument/2006/relationships" xmlns:p="http://schemas.openxmlformats.org/presentationml/2006/main" showMasterSp="0" showMasterPhAnim="0">
   <p:cSld>
     <p:spTree>
@@ -3491,7 +4351,11 @@
               </a:spcAft>
               <a:buNone/>
             </a:pPr>
-            <a:endParaRPr/>
+            <a:r>
+              <a:rPr lang="ru-RU" dirty="0"/>
+              <a:t>Четко и внятно прочитать цель работы</a:t>
+            </a:r>
+            <a:endParaRPr dirty="0"/>
           </a:p>
         </p:txBody>
       </p:sp>
@@ -3544,7 +4408,7 @@
 </p:notes>
 </file>
 
-<file path=ppt/notesSlides/notesSlide6.xml><?xml version="1.0" encoding="utf-8"?>
+<file path=ppt/notesSlides/notesSlide7.xml><?xml version="1.0" encoding="utf-8"?>
 <p:notes xmlns:a="http://schemas.openxmlformats.org/drawingml/2006/main" xmlns:r="http://schemas.openxmlformats.org/officeDocument/2006/relationships" xmlns:p="http://schemas.openxmlformats.org/presentationml/2006/main" showMasterSp="0" showMasterPhAnim="0">
   <p:cSld>
     <p:spTree>
@@ -3595,7 +4459,18 @@
               </a:spcAft>
               <a:buNone/>
             </a:pPr>
-            <a:endParaRPr/>
+            <a:r>
+              <a:rPr lang="ru-RU" dirty="0"/>
+              <a:t>Для решения задачи нам даны исторические данные об аукционов, которую можно представить как тройку значений</a:t>
+            </a:r>
+            <a:br>
+              <a:rPr lang="ru-RU" dirty="0"/>
+            </a:br>
+            <a:r>
+              <a:rPr lang="ru-RU" dirty="0"/>
+              <a:t>Есть нюанс, все онлайн-аукционы закрытые, поэтому рыночную цену знает только победитель аукциона</a:t>
+            </a:r>
+            <a:endParaRPr dirty="0"/>
           </a:p>
         </p:txBody>
       </p:sp>
@@ -3648,7 +4523,7 @@
 </p:notes>
 </file>
 
-<file path=ppt/notesSlides/notesSlide7.xml><?xml version="1.0" encoding="utf-8"?>
+<file path=ppt/notesSlides/notesSlide8.xml><?xml version="1.0" encoding="utf-8"?>
 <p:notes xmlns:a="http://schemas.openxmlformats.org/drawingml/2006/main" xmlns:r="http://schemas.openxmlformats.org/officeDocument/2006/relationships" xmlns:p="http://schemas.openxmlformats.org/presentationml/2006/main" showMasterSp="0" showMasterPhAnim="0">
   <p:cSld>
     <p:spTree>
@@ -3700,18 +4575,77 @@
               <a:buNone/>
             </a:pPr>
             <a:r>
-              <a:rPr lang="ru-RU" sz="1200" dirty="0">
+              <a:rPr lang="en-US" sz="1200" dirty="0">
                 <a:solidFill>
                   <a:schemeClr val="dk1"/>
                 </a:solidFill>
                 <a:latin typeface="Calibri"/>
-                <a:ea typeface="Calibri"/>
                 <a:cs typeface="Calibri"/>
                 <a:sym typeface="Calibri"/>
               </a:rPr>
-              <a:t>И пример – медицина, сказать как сводиться к нашей задаче</a:t>
+              <a:t>SA </a:t>
             </a:r>
-            <a:endParaRPr dirty="0"/>
+            <a:r>
+              <a:rPr lang="ru-RU" sz="1200" dirty="0">
+                <a:solidFill>
+                  <a:schemeClr val="dk1"/>
+                </a:solidFill>
+                <a:latin typeface="Calibri"/>
+                <a:cs typeface="Calibri"/>
+                <a:sym typeface="Calibri"/>
+              </a:rPr>
+              <a:t>это класс задач, в которых нужно оценить вероятность наступления интересующего события для каждого промежутка времени</a:t>
+            </a:r>
+          </a:p>
+          <a:p>
+            <a:pPr marL="0" lvl="0" indent="0" algn="l" rtl="0">
+              <a:spcBef>
+                <a:spcPts val="0"/>
+              </a:spcBef>
+              <a:spcAft>
+                <a:spcPts val="0"/>
+              </a:spcAft>
+              <a:buNone/>
+            </a:pPr>
+            <a:r>
+              <a:rPr lang="ru-RU" dirty="0"/>
+              <a:t>Один из примеров таких задач является медицина, где требуется предсказать вероятность наступления смерти пациента от интересующих болезней для каждого дня в выбранном интервале</a:t>
+            </a:r>
+          </a:p>
+          <a:p>
+            <a:pPr marL="0" lvl="0" indent="0" algn="l" rtl="0">
+              <a:spcBef>
+                <a:spcPts val="0"/>
+              </a:spcBef>
+              <a:spcAft>
+                <a:spcPts val="0"/>
+              </a:spcAft>
+              <a:buNone/>
+            </a:pPr>
+            <a:endParaRPr lang="ru-RU" dirty="0"/>
+          </a:p>
+          <a:p>
+            <a:pPr marL="0" lvl="0" indent="0" algn="l" rtl="0">
+              <a:spcBef>
+                <a:spcPts val="0"/>
+              </a:spcBef>
+              <a:spcAft>
+                <a:spcPts val="0"/>
+              </a:spcAft>
+              <a:buNone/>
+            </a:pPr>
+            <a:r>
+              <a:rPr lang="ru-RU" dirty="0"/>
+              <a:t>В нашей задаче мы также будет использовать </a:t>
+            </a:r>
+            <a:r>
+              <a:rPr lang="en-US" dirty="0"/>
+              <a:t>Survival Analysis</a:t>
+            </a:r>
+            <a:r>
+              <a:rPr lang="ru-RU" dirty="0"/>
+              <a:t>, но в качестве дня у нас будет ставка, аналог наступления смерти будет событие выиграть аукцион</a:t>
+            </a:r>
           </a:p>
         </p:txBody>
       </p:sp>
@@ -3764,7 +4698,7 @@
 </p:notes>
 </file>
 
-<file path=ppt/notesSlides/notesSlide8.xml><?xml version="1.0" encoding="utf-8"?>
+<file path=ppt/notesSlides/notesSlide9.xml><?xml version="1.0" encoding="utf-8"?>
 <p:notes xmlns:a="http://schemas.openxmlformats.org/drawingml/2006/main" xmlns:r="http://schemas.openxmlformats.org/officeDocument/2006/relationships" xmlns:p="http://schemas.openxmlformats.org/presentationml/2006/main" showMasterSp="0" showMasterPhAnim="0">
   <p:cSld>
     <p:spTree>
@@ -3856,7 +4790,26 @@
               </a:spcAft>
               <a:buNone/>
             </a:pPr>
-            <a:endParaRPr/>
+            <a:r>
+              <a:rPr lang="ru-RU" dirty="0"/>
+              <a:t>За </a:t>
+            </a:r>
+            <a:r>
+              <a:rPr lang="en-US" dirty="0"/>
+              <a:t>baseline </a:t>
+            </a:r>
+            <a:r>
+              <a:rPr lang="ru-RU" dirty="0"/>
+              <a:t>решение была выбрана статья 2019 года</a:t>
+            </a:r>
+            <a:br>
+              <a:rPr lang="ru-RU" dirty="0"/>
+            </a:br>
+            <a:r>
+              <a:rPr lang="ru-RU" dirty="0"/>
+              <a:t>Эта статья примечательна тем что в ней (дальше по слайду)</a:t>
+            </a:r>
+            <a:endParaRPr dirty="0"/>
           </a:p>
         </p:txBody>
       </p:sp>
@@ -3905,110 +4858,6 @@
             <a:endParaRPr/>
           </a:p>
         </p:txBody>
-      </p:sp>
-    </p:spTree>
-  </p:cSld>
-  <p:clrMapOvr>
-    <a:masterClrMapping/>
-  </p:clrMapOvr>
-</p:notes>
-</file>
-
-<file path=ppt/notesSlides/notesSlide9.xml><?xml version="1.0" encoding="utf-8"?>
-<p:notes xmlns:a="http://schemas.openxmlformats.org/drawingml/2006/main" xmlns:r="http://schemas.openxmlformats.org/officeDocument/2006/relationships" xmlns:p="http://schemas.openxmlformats.org/presentationml/2006/main" showMasterSp="0" showMasterPhAnim="0">
-  <p:cSld>
-    <p:spTree>
-      <p:nvGrpSpPr>
-        <p:cNvPr id="1" name="Shape 161"/>
-        <p:cNvGrpSpPr/>
-        <p:nvPr/>
-      </p:nvGrpSpPr>
-      <p:grpSpPr>
-        <a:xfrm>
-          <a:off x="0" y="0"/>
-          <a:ext cx="0" cy="0"/>
-          <a:chOff x="0" y="0"/>
-          <a:chExt cx="0" cy="0"/>
-        </a:xfrm>
-      </p:grpSpPr>
-      <p:sp>
-        <p:nvSpPr>
-          <p:cNvPr id="162" name="Google Shape;162;p8:notes"/>
-          <p:cNvSpPr txBox="1">
-            <a:spLocks noGrp="1"/>
-          </p:cNvSpPr>
-          <p:nvPr>
-            <p:ph type="body" idx="1"/>
-          </p:nvPr>
-        </p:nvSpPr>
-        <p:spPr>
-          <a:xfrm>
-            <a:off x="685800" y="4343400"/>
-            <a:ext cx="5486400" cy="4114800"/>
-          </a:xfrm>
-          <a:prstGeom prst="rect">
-            <a:avLst/>
-          </a:prstGeom>
-        </p:spPr>
-        <p:txBody>
-          <a:bodyPr spcFirstLastPara="1" wrap="square" lIns="91425" tIns="45700" rIns="91425" bIns="45700" anchor="t" anchorCtr="0">
-            <a:noAutofit/>
-          </a:bodyPr>
-          <a:lstStyle/>
-          <a:p>
-            <a:pPr marL="0" lvl="0" indent="0" algn="l" rtl="0">
-              <a:spcBef>
-                <a:spcPts val="0"/>
-              </a:spcBef>
-              <a:spcAft>
-                <a:spcPts val="0"/>
-              </a:spcAft>
-              <a:buNone/>
-            </a:pPr>
-            <a:endParaRPr/>
-          </a:p>
-        </p:txBody>
-      </p:sp>
-      <p:sp>
-        <p:nvSpPr>
-          <p:cNvPr id="163" name="Google Shape;163;p8:notes"/>
-          <p:cNvSpPr>
-            <a:spLocks noGrp="1" noRot="1" noChangeAspect="1"/>
-          </p:cNvSpPr>
-          <p:nvPr>
-            <p:ph type="sldImg" idx="2"/>
-          </p:nvPr>
-        </p:nvSpPr>
-        <p:spPr>
-          <a:xfrm>
-            <a:off x="381000" y="685800"/>
-            <a:ext cx="6096000" cy="3429000"/>
-          </a:xfrm>
-          <a:custGeom>
-            <a:avLst/>
-            <a:gdLst/>
-            <a:ahLst/>
-            <a:cxnLst/>
-            <a:rect l="l" t="t" r="r" b="b"/>
-            <a:pathLst>
-              <a:path w="120000" h="120000" extrusionOk="0">
-                <a:moveTo>
-                  <a:pt x="0" y="0"/>
-                </a:moveTo>
-                <a:lnTo>
-                  <a:pt x="120000" y="0"/>
-                </a:lnTo>
-                <a:lnTo>
-                  <a:pt x="120000" y="120000"/>
-                </a:lnTo>
-                <a:lnTo>
-                  <a:pt x="0" y="120000"/>
-                </a:lnTo>
-                <a:close/>
-              </a:path>
-            </a:pathLst>
-          </a:custGeom>
-        </p:spPr>
       </p:sp>
     </p:spTree>
   </p:cSld>
@@ -18071,59 +18920,6 @@
       </p:grpSpPr>
       <p:sp>
         <p:nvSpPr>
-          <p:cNvPr id="165" name="Google Shape;165;p8"/>
-          <p:cNvSpPr txBox="1">
-            <a:spLocks noGrp="1"/>
-          </p:cNvSpPr>
-          <p:nvPr>
-            <p:ph type="body" idx="1"/>
-          </p:nvPr>
-        </p:nvSpPr>
-        <p:spPr>
-          <a:xfrm>
-            <a:off x="457199" y="1839310"/>
-            <a:ext cx="8229599" cy="2755313"/>
-          </a:xfrm>
-          <a:prstGeom prst="rect">
-            <a:avLst/>
-          </a:prstGeom>
-          <a:blipFill rotWithShape="1">
-            <a:blip r:embed="rId3">
-              <a:alphaModFix/>
-            </a:blip>
-            <a:stretch>
-              <a:fillRect t="-61696" b="-64886"/>
-            </a:stretch>
-          </a:blipFill>
-          <a:ln>
-            <a:noFill/>
-          </a:ln>
-        </p:spPr>
-        <p:txBody>
-          <a:bodyPr spcFirstLastPara="1" wrap="square" lIns="91425" tIns="45700" rIns="91425" bIns="45700" anchor="t" anchorCtr="0">
-            <a:normAutofit/>
-          </a:bodyPr>
-          <a:lstStyle/>
-          <a:p>
-            <a:pPr marL="342900" lvl="0" indent="0" algn="l" rtl="0">
-              <a:spcBef>
-                <a:spcPts val="0"/>
-              </a:spcBef>
-              <a:spcAft>
-                <a:spcPts val="0"/>
-              </a:spcAft>
-              <a:buNone/>
-            </a:pPr>
-            <a:r>
-              <a:rPr lang="ru-RU" dirty="0"/>
-              <a:t> </a:t>
-            </a:r>
-            <a:endParaRPr dirty="0"/>
-          </a:p>
-        </p:txBody>
-      </p:sp>
-      <p:sp>
-        <p:nvSpPr>
           <p:cNvPr id="166" name="Google Shape;166;p8"/>
           <p:cNvSpPr txBox="1">
             <a:spLocks noGrp="1"/>
@@ -18170,64 +18966,6 @@
               <a:t>Решение задачи</a:t>
             </a:r>
             <a:endParaRPr dirty="0"/>
-          </a:p>
-        </p:txBody>
-      </p:sp>
-      <p:sp>
-        <p:nvSpPr>
-          <p:cNvPr id="167" name="Google Shape;167;p8"/>
-          <p:cNvSpPr/>
-          <p:nvPr/>
-        </p:nvSpPr>
-        <p:spPr>
-          <a:xfrm>
-            <a:off x="1899501" y="4541676"/>
-            <a:ext cx="7244499" cy="307777"/>
-          </a:xfrm>
-          <a:prstGeom prst="rect">
-            <a:avLst/>
-          </a:prstGeom>
-          <a:noFill/>
-          <a:ln>
-            <a:noFill/>
-          </a:ln>
-        </p:spPr>
-        <p:txBody>
-          <a:bodyPr spcFirstLastPara="1" wrap="square" lIns="91425" tIns="45700" rIns="91425" bIns="45700" anchor="t" anchorCtr="0">
-            <a:spAutoFit/>
-          </a:bodyPr>
-          <a:lstStyle/>
-          <a:p>
-            <a:pPr marL="0" marR="0" lvl="0" indent="0" algn="l" rtl="0">
-              <a:spcBef>
-                <a:spcPts val="0"/>
-              </a:spcBef>
-              <a:spcAft>
-                <a:spcPts val="0"/>
-              </a:spcAft>
-              <a:buNone/>
-            </a:pPr>
-            <a:r>
-              <a:rPr lang="ru-RU" sz="1400">
-                <a:solidFill>
-                  <a:schemeClr val="dk1"/>
-                </a:solidFill>
-                <a:latin typeface="Arial"/>
-                <a:ea typeface="Arial"/>
-                <a:cs typeface="Arial"/>
-                <a:sym typeface="Arial"/>
-              </a:rPr>
-              <a:t>Deep Landscape Forecasting for Real-time Bidding Advertising, KDD, 2019</a:t>
-            </a:r>
-            <a:endParaRPr sz="1400">
-              <a:solidFill>
-                <a:schemeClr val="dk1"/>
-              </a:solidFill>
-              <a:latin typeface="Arial"/>
-              <a:ea typeface="Arial"/>
-              <a:cs typeface="Arial"/>
-              <a:sym typeface="Arial"/>
-            </a:endParaRPr>
           </a:p>
         </p:txBody>
       </p:sp>
@@ -18273,7 +19011,733 @@
           </a:p>
         </p:txBody>
       </p:sp>
+      <p:pic>
+        <p:nvPicPr>
+          <p:cNvPr id="5" name="Рисунок 4">
+            <a:extLst>
+              <a:ext uri="{FF2B5EF4-FFF2-40B4-BE49-F238E27FC236}">
+                <a16:creationId xmlns:a16="http://schemas.microsoft.com/office/drawing/2014/main" id="{7502D97A-F899-DF4C-914C-6456E961E0E6}"/>
+              </a:ext>
+            </a:extLst>
+          </p:cNvPr>
+          <p:cNvPicPr>
+            <a:picLocks noChangeAspect="1"/>
+          </p:cNvPicPr>
+          <p:nvPr/>
+        </p:nvPicPr>
+        <p:blipFill>
+          <a:blip r:embed="rId3"/>
+          <a:stretch>
+            <a:fillRect/>
+          </a:stretch>
+        </p:blipFill>
+        <p:spPr>
+          <a:xfrm>
+            <a:off x="457199" y="1853845"/>
+            <a:ext cx="3827939" cy="1662368"/>
+          </a:xfrm>
+          <a:prstGeom prst="rect">
+            <a:avLst/>
+          </a:prstGeom>
+        </p:spPr>
+      </p:pic>
+      <p:sp>
+        <p:nvSpPr>
+          <p:cNvPr id="6" name="TextBox 5">
+            <a:extLst>
+              <a:ext uri="{FF2B5EF4-FFF2-40B4-BE49-F238E27FC236}">
+                <a16:creationId xmlns:a16="http://schemas.microsoft.com/office/drawing/2014/main" id="{2FF41DBF-1F2A-B344-BCAE-1D33C9FD6E1D}"/>
+              </a:ext>
+            </a:extLst>
+          </p:cNvPr>
+          <p:cNvSpPr txBox="1"/>
+          <p:nvPr/>
+        </p:nvSpPr>
+        <p:spPr>
+          <a:xfrm>
+            <a:off x="457199" y="3692898"/>
+            <a:ext cx="4114801" cy="523220"/>
+          </a:xfrm>
+          <a:prstGeom prst="rect">
+            <a:avLst/>
+          </a:prstGeom>
+          <a:noFill/>
+        </p:spPr>
+        <p:txBody>
+          <a:bodyPr wrap="square" rtlCol="0">
+            <a:spAutoFit/>
+          </a:bodyPr>
+          <a:lstStyle/>
+          <a:p>
+            <a:pPr algn="ctr"/>
+            <a:r>
+              <a:rPr lang="ru-RU" dirty="0"/>
+              <a:t>Рисунок 2. График плотности распределения</a:t>
+            </a:r>
+            <a:r>
+              <a:rPr lang="ru-US" dirty="0"/>
+              <a:t> </a:t>
+            </a:r>
+          </a:p>
+          <a:p>
+            <a:pPr algn="ctr"/>
+            <a:r>
+              <a:rPr lang="ru-RU" dirty="0"/>
+              <a:t>в непрерывном пространстве</a:t>
+            </a:r>
+          </a:p>
+        </p:txBody>
+      </p:sp>
+      <mc:AlternateContent xmlns:mc="http://schemas.openxmlformats.org/markup-compatibility/2006" xmlns:a14="http://schemas.microsoft.com/office/drawing/2010/main">
+        <mc:Choice Requires="a14">
+          <p:sp>
+            <p:nvSpPr>
+              <p:cNvPr id="2" name="TextBox 1">
+                <a:extLst>
+                  <a:ext uri="{FF2B5EF4-FFF2-40B4-BE49-F238E27FC236}">
+                    <a16:creationId xmlns:a16="http://schemas.microsoft.com/office/drawing/2014/main" id="{CA92C322-3E24-7540-9887-BD8E776797B1}"/>
+                  </a:ext>
+                </a:extLst>
+              </p:cNvPr>
+              <p:cNvSpPr txBox="1"/>
+              <p:nvPr/>
+            </p:nvSpPr>
+            <p:spPr>
+              <a:xfrm>
+                <a:off x="5003197" y="1944633"/>
+                <a:ext cx="3827938" cy="1480790"/>
+              </a:xfrm>
+              <a:prstGeom prst="rect">
+                <a:avLst/>
+              </a:prstGeom>
+              <a:noFill/>
+            </p:spPr>
+            <p:txBody>
+              <a:bodyPr wrap="square" rtlCol="0">
+                <a:spAutoFit/>
+              </a:bodyPr>
+              <a:lstStyle/>
+              <a:p>
+                <a:pPr/>
+                <a14:m>
+                  <m:oMathPara xmlns:m="http://schemas.openxmlformats.org/officeDocument/2006/math">
+                    <m:oMathParaPr>
+                      <m:jc m:val="centerGroup"/>
+                    </m:oMathParaPr>
+                    <m:oMath xmlns:m="http://schemas.openxmlformats.org/officeDocument/2006/math">
+                      <m:r>
+                        <a:rPr lang="ru-RU" i="1">
+                          <a:latin typeface="Cambria Math" panose="02040503050406030204" pitchFamily="18" charset="0"/>
+                        </a:rPr>
+                        <m:t>𝑊</m:t>
+                      </m:r>
+                      <m:d>
+                        <m:dPr>
+                          <m:ctrlPr>
+                            <a:rPr lang="ru-US" i="1">
+                              <a:latin typeface="Cambria Math" panose="02040503050406030204" pitchFamily="18" charset="0"/>
+                            </a:rPr>
+                          </m:ctrlPr>
+                        </m:dPr>
+                        <m:e>
+                          <m:r>
+                            <a:rPr lang="ru-RU" i="1">
+                              <a:latin typeface="Cambria Math" panose="02040503050406030204" pitchFamily="18" charset="0"/>
+                            </a:rPr>
+                            <m:t>𝑏</m:t>
+                          </m:r>
+                        </m:e>
+                      </m:d>
+                      <m:r>
+                        <a:rPr lang="ru-RU" i="1">
+                          <a:latin typeface="Cambria Math" panose="02040503050406030204" pitchFamily="18" charset="0"/>
+                        </a:rPr>
+                        <m:t>≐</m:t>
+                      </m:r>
+                      <m:func>
+                        <m:funcPr>
+                          <m:ctrlPr>
+                            <a:rPr lang="ru-US" i="1">
+                              <a:latin typeface="Cambria Math" panose="02040503050406030204" pitchFamily="18" charset="0"/>
+                            </a:rPr>
+                          </m:ctrlPr>
+                        </m:funcPr>
+                        <m:fName>
+                          <m:r>
+                            <m:rPr>
+                              <m:sty m:val="p"/>
+                            </m:rPr>
+                            <a:rPr lang="ru-RU">
+                              <a:latin typeface="Cambria Math" panose="02040503050406030204" pitchFamily="18" charset="0"/>
+                            </a:rPr>
+                            <m:t>Pr</m:t>
+                          </m:r>
+                        </m:fName>
+                        <m:e>
+                          <m:d>
+                            <m:dPr>
+                              <m:ctrlPr>
+                                <a:rPr lang="ru-US" i="1">
+                                  <a:latin typeface="Cambria Math" panose="02040503050406030204" pitchFamily="18" charset="0"/>
+                                </a:rPr>
+                              </m:ctrlPr>
+                            </m:dPr>
+                            <m:e>
+                              <m:r>
+                                <a:rPr lang="ru-RU" i="1">
+                                  <a:latin typeface="Cambria Math" panose="02040503050406030204" pitchFamily="18" charset="0"/>
+                                </a:rPr>
+                                <m:t>𝑧</m:t>
+                              </m:r>
+                              <m:r>
+                                <a:rPr lang="ru-RU" i="1">
+                                  <a:latin typeface="Cambria Math" panose="02040503050406030204" pitchFamily="18" charset="0"/>
+                                </a:rPr>
+                                <m:t>&lt;</m:t>
+                              </m:r>
+                              <m:r>
+                                <a:rPr lang="ru-RU" i="1">
+                                  <a:latin typeface="Cambria Math" panose="02040503050406030204" pitchFamily="18" charset="0"/>
+                                </a:rPr>
+                                <m:t>𝑏</m:t>
+                              </m:r>
+                            </m:e>
+                          </m:d>
+                        </m:e>
+                      </m:func>
+                      <m:r>
+                        <a:rPr lang="ru-RU" i="1">
+                          <a:latin typeface="Cambria Math" panose="02040503050406030204" pitchFamily="18" charset="0"/>
+                        </a:rPr>
+                        <m:t>= </m:t>
+                      </m:r>
+                      <m:nary>
+                        <m:naryPr>
+                          <m:limLoc m:val="subSup"/>
+                          <m:ctrlPr>
+                            <a:rPr lang="ru-US" i="1">
+                              <a:latin typeface="Cambria Math" panose="02040503050406030204" pitchFamily="18" charset="0"/>
+                            </a:rPr>
+                          </m:ctrlPr>
+                        </m:naryPr>
+                        <m:sub>
+                          <m:r>
+                            <a:rPr lang="ru-RU" i="1">
+                              <a:latin typeface="Cambria Math" panose="02040503050406030204" pitchFamily="18" charset="0"/>
+                            </a:rPr>
+                            <m:t>0</m:t>
+                          </m:r>
+                        </m:sub>
+                        <m:sup>
+                          <m:r>
+                            <a:rPr lang="ru-RU" i="1">
+                              <a:latin typeface="Cambria Math" panose="02040503050406030204" pitchFamily="18" charset="0"/>
+                            </a:rPr>
+                            <m:t>𝑏</m:t>
+                          </m:r>
+                        </m:sup>
+                        <m:e>
+                          <m:r>
+                            <a:rPr lang="ru-RU" i="1">
+                              <a:latin typeface="Cambria Math" panose="02040503050406030204" pitchFamily="18" charset="0"/>
+                            </a:rPr>
+                            <m:t>𝑝</m:t>
+                          </m:r>
+                          <m:d>
+                            <m:dPr>
+                              <m:ctrlPr>
+                                <a:rPr lang="ru-US" i="1">
+                                  <a:latin typeface="Cambria Math" panose="02040503050406030204" pitchFamily="18" charset="0"/>
+                                </a:rPr>
+                              </m:ctrlPr>
+                            </m:dPr>
+                            <m:e>
+                              <m:r>
+                                <a:rPr lang="ru-RU" i="1">
+                                  <a:latin typeface="Cambria Math" panose="02040503050406030204" pitchFamily="18" charset="0"/>
+                                </a:rPr>
+                                <m:t>𝑥</m:t>
+                              </m:r>
+                            </m:e>
+                          </m:d>
+                          <m:r>
+                            <a:rPr lang="ru-RU" i="1">
+                              <a:latin typeface="Cambria Math" panose="02040503050406030204" pitchFamily="18" charset="0"/>
+                            </a:rPr>
+                            <m:t>𝑑𝑥</m:t>
+                          </m:r>
+                        </m:e>
+                      </m:nary>
+                    </m:oMath>
+                  </m:oMathPara>
+                </a14:m>
+                <a:endParaRPr lang="ru-US" dirty="0"/>
+              </a:p>
+              <a:p>
+                <a:pPr/>
+                <a14:m>
+                  <m:oMathPara xmlns:m="http://schemas.openxmlformats.org/officeDocument/2006/math">
+                    <m:oMathParaPr>
+                      <m:jc m:val="centerGroup"/>
+                    </m:oMathParaPr>
+                    <m:oMath xmlns:m="http://schemas.openxmlformats.org/officeDocument/2006/math">
+                      <m:r>
+                        <a:rPr lang="ru-RU" i="1">
+                          <a:latin typeface="Cambria Math" panose="02040503050406030204" pitchFamily="18" charset="0"/>
+                        </a:rPr>
+                        <m:t>𝑆</m:t>
+                      </m:r>
+                      <m:d>
+                        <m:dPr>
+                          <m:ctrlPr>
+                            <a:rPr lang="ru-US" i="1">
+                              <a:latin typeface="Cambria Math" panose="02040503050406030204" pitchFamily="18" charset="0"/>
+                            </a:rPr>
+                          </m:ctrlPr>
+                        </m:dPr>
+                        <m:e>
+                          <m:r>
+                            <a:rPr lang="ru-RU" i="1">
+                              <a:latin typeface="Cambria Math" panose="02040503050406030204" pitchFamily="18" charset="0"/>
+                            </a:rPr>
+                            <m:t>𝑏</m:t>
+                          </m:r>
+                        </m:e>
+                      </m:d>
+                      <m:r>
+                        <a:rPr lang="ru-RU" i="1">
+                          <a:latin typeface="Cambria Math" panose="02040503050406030204" pitchFamily="18" charset="0"/>
+                        </a:rPr>
+                        <m:t>≐</m:t>
+                      </m:r>
+                      <m:func>
+                        <m:funcPr>
+                          <m:ctrlPr>
+                            <a:rPr lang="ru-US" i="1">
+                              <a:latin typeface="Cambria Math" panose="02040503050406030204" pitchFamily="18" charset="0"/>
+                            </a:rPr>
+                          </m:ctrlPr>
+                        </m:funcPr>
+                        <m:fName>
+                          <m:r>
+                            <m:rPr>
+                              <m:sty m:val="p"/>
+                            </m:rPr>
+                            <a:rPr lang="ru-RU">
+                              <a:latin typeface="Cambria Math" panose="02040503050406030204" pitchFamily="18" charset="0"/>
+                            </a:rPr>
+                            <m:t>Pr</m:t>
+                          </m:r>
+                        </m:fName>
+                        <m:e>
+                          <m:d>
+                            <m:dPr>
+                              <m:ctrlPr>
+                                <a:rPr lang="ru-US" i="1">
+                                  <a:latin typeface="Cambria Math" panose="02040503050406030204" pitchFamily="18" charset="0"/>
+                                </a:rPr>
+                              </m:ctrlPr>
+                            </m:dPr>
+                            <m:e>
+                              <m:r>
+                                <a:rPr lang="ru-RU" i="1">
+                                  <a:latin typeface="Cambria Math" panose="02040503050406030204" pitchFamily="18" charset="0"/>
+                                </a:rPr>
+                                <m:t>𝑧</m:t>
+                              </m:r>
+                              <m:r>
+                                <a:rPr lang="ru-RU" i="1">
+                                  <a:latin typeface="Cambria Math" panose="02040503050406030204" pitchFamily="18" charset="0"/>
+                                </a:rPr>
+                                <m:t>≥</m:t>
+                              </m:r>
+                              <m:r>
+                                <a:rPr lang="ru-RU" i="1">
+                                  <a:latin typeface="Cambria Math" panose="02040503050406030204" pitchFamily="18" charset="0"/>
+                                </a:rPr>
+                                <m:t>𝑏</m:t>
+                              </m:r>
+                            </m:e>
+                          </m:d>
+                        </m:e>
+                      </m:func>
+                      <m:r>
+                        <a:rPr lang="ru-RU" i="1">
+                          <a:latin typeface="Cambria Math" panose="02040503050406030204" pitchFamily="18" charset="0"/>
+                        </a:rPr>
+                        <m:t>=1−</m:t>
+                      </m:r>
+                      <m:r>
+                        <a:rPr lang="ru-RU" i="1">
+                          <a:latin typeface="Cambria Math" panose="02040503050406030204" pitchFamily="18" charset="0"/>
+                        </a:rPr>
+                        <m:t>𝑊</m:t>
+                      </m:r>
+                      <m:d>
+                        <m:dPr>
+                          <m:ctrlPr>
+                            <a:rPr lang="ru-US" i="1">
+                              <a:latin typeface="Cambria Math" panose="02040503050406030204" pitchFamily="18" charset="0"/>
+                            </a:rPr>
+                          </m:ctrlPr>
+                        </m:dPr>
+                        <m:e>
+                          <m:r>
+                            <a:rPr lang="ru-RU" i="1">
+                              <a:latin typeface="Cambria Math" panose="02040503050406030204" pitchFamily="18" charset="0"/>
+                            </a:rPr>
+                            <m:t>𝑏</m:t>
+                          </m:r>
+                        </m:e>
+                      </m:d>
+                      <m:r>
+                        <a:rPr lang="ru-RU" i="1">
+                          <a:latin typeface="Cambria Math" panose="02040503050406030204" pitchFamily="18" charset="0"/>
+                        </a:rPr>
+                        <m:t>= </m:t>
+                      </m:r>
+                      <m:nary>
+                        <m:naryPr>
+                          <m:limLoc m:val="subSup"/>
+                          <m:ctrlPr>
+                            <a:rPr lang="ru-US" i="1">
+                              <a:latin typeface="Cambria Math" panose="02040503050406030204" pitchFamily="18" charset="0"/>
+                            </a:rPr>
+                          </m:ctrlPr>
+                        </m:naryPr>
+                        <m:sub>
+                          <m:r>
+                            <a:rPr lang="ru-RU" i="1">
+                              <a:latin typeface="Cambria Math" panose="02040503050406030204" pitchFamily="18" charset="0"/>
+                            </a:rPr>
+                            <m:t>𝑏</m:t>
+                          </m:r>
+                        </m:sub>
+                        <m:sup>
+                          <m:r>
+                            <a:rPr lang="ru-RU" i="1">
+                              <a:latin typeface="Cambria Math" panose="02040503050406030204" pitchFamily="18" charset="0"/>
+                            </a:rPr>
+                            <m:t>∞</m:t>
+                          </m:r>
+                        </m:sup>
+                        <m:e>
+                          <m:r>
+                            <a:rPr lang="ru-RU" i="1">
+                              <a:latin typeface="Cambria Math" panose="02040503050406030204" pitchFamily="18" charset="0"/>
+                            </a:rPr>
+                            <m:t>𝑝</m:t>
+                          </m:r>
+                          <m:d>
+                            <m:dPr>
+                              <m:ctrlPr>
+                                <a:rPr lang="ru-US" i="1">
+                                  <a:latin typeface="Cambria Math" panose="02040503050406030204" pitchFamily="18" charset="0"/>
+                                </a:rPr>
+                              </m:ctrlPr>
+                            </m:dPr>
+                            <m:e>
+                              <m:r>
+                                <a:rPr lang="ru-RU" i="1">
+                                  <a:latin typeface="Cambria Math" panose="02040503050406030204" pitchFamily="18" charset="0"/>
+                                </a:rPr>
+                                <m:t>𝑥</m:t>
+                              </m:r>
+                            </m:e>
+                          </m:d>
+                          <m:r>
+                            <a:rPr lang="ru-RU" i="1">
+                              <a:latin typeface="Cambria Math" panose="02040503050406030204" pitchFamily="18" charset="0"/>
+                            </a:rPr>
+                            <m:t>𝑑𝑥</m:t>
+                          </m:r>
+                        </m:e>
+                      </m:nary>
+                    </m:oMath>
+                  </m:oMathPara>
+                </a14:m>
+                <a:endParaRPr lang="ru-US" dirty="0"/>
+              </a:p>
+              <a:p>
+                <a:pPr/>
+                <a14:m>
+                  <m:oMathPara xmlns:m="http://schemas.openxmlformats.org/officeDocument/2006/math">
+                    <m:oMathParaPr>
+                      <m:jc m:val="centerGroup"/>
+                    </m:oMathParaPr>
+                    <m:oMath xmlns:m="http://schemas.openxmlformats.org/officeDocument/2006/math">
+                      <m:r>
+                        <a:rPr lang="ru-RU" i="1">
+                          <a:latin typeface="Cambria Math" panose="02040503050406030204" pitchFamily="18" charset="0"/>
+                        </a:rPr>
+                        <m:t>𝑝</m:t>
+                      </m:r>
+                      <m:d>
+                        <m:dPr>
+                          <m:ctrlPr>
+                            <a:rPr lang="ru-US" i="1">
+                              <a:latin typeface="Cambria Math" panose="02040503050406030204" pitchFamily="18" charset="0"/>
+                            </a:rPr>
+                          </m:ctrlPr>
+                        </m:dPr>
+                        <m:e>
+                          <m:r>
+                            <a:rPr lang="ru-RU" i="1">
+                              <a:latin typeface="Cambria Math" panose="02040503050406030204" pitchFamily="18" charset="0"/>
+                            </a:rPr>
+                            <m:t>𝑏</m:t>
+                          </m:r>
+                        </m:e>
+                      </m:d>
+                      <m:r>
+                        <a:rPr lang="ru-RU" i="1">
+                          <a:latin typeface="Cambria Math" panose="02040503050406030204" pitchFamily="18" charset="0"/>
+                        </a:rPr>
+                        <m:t>=</m:t>
+                      </m:r>
+                      <m:r>
+                        <a:rPr lang="ru-RU" i="1">
+                          <a:latin typeface="Cambria Math" panose="02040503050406030204" pitchFamily="18" charset="0"/>
+                        </a:rPr>
+                        <m:t>𝑊</m:t>
+                      </m:r>
+                      <m:d>
+                        <m:dPr>
+                          <m:ctrlPr>
+                            <a:rPr lang="ru-US" i="1">
+                              <a:latin typeface="Cambria Math" panose="02040503050406030204" pitchFamily="18" charset="0"/>
+                            </a:rPr>
+                          </m:ctrlPr>
+                        </m:dPr>
+                        <m:e>
+                          <m:r>
+                            <a:rPr lang="ru-RU" i="1">
+                              <a:latin typeface="Cambria Math" panose="02040503050406030204" pitchFamily="18" charset="0"/>
+                            </a:rPr>
+                            <m:t>𝑏</m:t>
+                          </m:r>
+                          <m:r>
+                            <a:rPr lang="ru-RU" i="1">
+                              <a:latin typeface="Cambria Math" panose="02040503050406030204" pitchFamily="18" charset="0"/>
+                            </a:rPr>
+                            <m:t>+1</m:t>
+                          </m:r>
+                        </m:e>
+                      </m:d>
+                      <m:r>
+                        <a:rPr lang="ru-RU" i="1">
+                          <a:latin typeface="Cambria Math" panose="02040503050406030204" pitchFamily="18" charset="0"/>
+                        </a:rPr>
+                        <m:t>−</m:t>
+                      </m:r>
+                      <m:r>
+                        <a:rPr lang="ru-RU" i="1">
+                          <a:latin typeface="Cambria Math" panose="02040503050406030204" pitchFamily="18" charset="0"/>
+                        </a:rPr>
+                        <m:t>𝑊</m:t>
+                      </m:r>
+                      <m:d>
+                        <m:dPr>
+                          <m:ctrlPr>
+                            <a:rPr lang="ru-US" i="1">
+                              <a:latin typeface="Cambria Math" panose="02040503050406030204" pitchFamily="18" charset="0"/>
+                            </a:rPr>
+                          </m:ctrlPr>
+                        </m:dPr>
+                        <m:e>
+                          <m:r>
+                            <a:rPr lang="ru-RU" i="1">
+                              <a:latin typeface="Cambria Math" panose="02040503050406030204" pitchFamily="18" charset="0"/>
+                            </a:rPr>
+                            <m:t>𝑏</m:t>
+                          </m:r>
+                        </m:e>
+                      </m:d>
+                      <m:r>
+                        <a:rPr lang="ru-RU" i="1">
+                          <a:latin typeface="Cambria Math" panose="02040503050406030204" pitchFamily="18" charset="0"/>
+                        </a:rPr>
+                        <m:t>=</m:t>
+                      </m:r>
+                      <m:r>
+                        <a:rPr lang="ru-RU" i="1">
+                          <a:latin typeface="Cambria Math" panose="02040503050406030204" pitchFamily="18" charset="0"/>
+                        </a:rPr>
+                        <m:t>𝑆</m:t>
+                      </m:r>
+                      <m:d>
+                        <m:dPr>
+                          <m:ctrlPr>
+                            <a:rPr lang="ru-US" i="1">
+                              <a:latin typeface="Cambria Math" panose="02040503050406030204" pitchFamily="18" charset="0"/>
+                            </a:rPr>
+                          </m:ctrlPr>
+                        </m:dPr>
+                        <m:e>
+                          <m:r>
+                            <a:rPr lang="ru-RU" i="1">
+                              <a:latin typeface="Cambria Math" panose="02040503050406030204" pitchFamily="18" charset="0"/>
+                            </a:rPr>
+                            <m:t>𝑏</m:t>
+                          </m:r>
+                        </m:e>
+                      </m:d>
+                      <m:r>
+                        <a:rPr lang="ru-RU" i="1">
+                          <a:latin typeface="Cambria Math" panose="02040503050406030204" pitchFamily="18" charset="0"/>
+                        </a:rPr>
+                        <m:t>−</m:t>
+                      </m:r>
+                      <m:r>
+                        <a:rPr lang="ru-RU" i="1">
+                          <a:latin typeface="Cambria Math" panose="02040503050406030204" pitchFamily="18" charset="0"/>
+                        </a:rPr>
+                        <m:t>𝑆</m:t>
+                      </m:r>
+                      <m:r>
+                        <a:rPr lang="ru-RU" i="1">
+                          <a:latin typeface="Cambria Math" panose="02040503050406030204" pitchFamily="18" charset="0"/>
+                        </a:rPr>
+                        <m:t>(</m:t>
+                      </m:r>
+                      <m:r>
+                        <a:rPr lang="ru-RU" i="1">
+                          <a:latin typeface="Cambria Math" panose="02040503050406030204" pitchFamily="18" charset="0"/>
+                        </a:rPr>
+                        <m:t>𝑏</m:t>
+                      </m:r>
+                      <m:r>
+                        <a:rPr lang="ru-RU" i="1">
+                          <a:latin typeface="Cambria Math" panose="02040503050406030204" pitchFamily="18" charset="0"/>
+                        </a:rPr>
+                        <m:t>+1)</m:t>
+                      </m:r>
+                    </m:oMath>
+                  </m:oMathPara>
+                </a14:m>
+                <a:endParaRPr lang="ru-US" dirty="0"/>
+              </a:p>
+              <a:p>
+                <a:endParaRPr lang="ru-US" dirty="0"/>
+              </a:p>
+            </p:txBody>
+          </p:sp>
+        </mc:Choice>
+        <mc:Fallback xmlns="">
+          <p:sp>
+            <p:nvSpPr>
+              <p:cNvPr id="2" name="TextBox 1">
+                <a:extLst>
+                  <a:ext uri="{FF2B5EF4-FFF2-40B4-BE49-F238E27FC236}">
+                    <a16:creationId xmlns:a16="http://schemas.microsoft.com/office/drawing/2014/main" id="{CA92C322-3E24-7540-9887-BD8E776797B1}"/>
+                  </a:ext>
+                </a:extLst>
+              </p:cNvPr>
+              <p:cNvSpPr txBox="1">
+                <a:spLocks noRot="1" noChangeAspect="1" noMove="1" noResize="1" noEditPoints="1" noAdjustHandles="1" noChangeArrowheads="1" noChangeShapeType="1" noTextEdit="1"/>
+              </p:cNvSpPr>
+              <p:nvPr/>
+            </p:nvSpPr>
+            <p:spPr>
+              <a:xfrm>
+                <a:off x="5003197" y="1944633"/>
+                <a:ext cx="3827938" cy="1480790"/>
+              </a:xfrm>
+              <a:prstGeom prst="rect">
+                <a:avLst/>
+              </a:prstGeom>
+              <a:blipFill>
+                <a:blip r:embed="rId4"/>
+                <a:stretch>
+                  <a:fillRect t="-55085" b="-54237"/>
+                </a:stretch>
+              </a:blipFill>
+            </p:spPr>
+            <p:txBody>
+              <a:bodyPr/>
+              <a:lstStyle/>
+              <a:p>
+                <a:r>
+                  <a:rPr lang="ru-US">
+                    <a:noFill/>
+                  </a:rPr>
+                  <a:t> </a:t>
+                </a:r>
+              </a:p>
+            </p:txBody>
+          </p:sp>
+        </mc:Fallback>
+      </mc:AlternateContent>
+      <p:sp>
+        <p:nvSpPr>
+          <p:cNvPr id="8" name="Google Shape;160;g752914e07d_2_2">
+            <a:extLst>
+              <a:ext uri="{FF2B5EF4-FFF2-40B4-BE49-F238E27FC236}">
+                <a16:creationId xmlns:a16="http://schemas.microsoft.com/office/drawing/2014/main" id="{C2579B79-625D-2847-97BA-2F8ED7E4115C}"/>
+              </a:ext>
+            </a:extLst>
+          </p:cNvPr>
+          <p:cNvSpPr/>
+          <p:nvPr/>
+        </p:nvSpPr>
+        <p:spPr>
+          <a:xfrm>
+            <a:off x="1899501" y="4541676"/>
+            <a:ext cx="7244400" cy="307800"/>
+          </a:xfrm>
+          <a:prstGeom prst="rect">
+            <a:avLst/>
+          </a:prstGeom>
+          <a:noFill/>
+          <a:ln>
+            <a:noFill/>
+          </a:ln>
+        </p:spPr>
+        <p:txBody>
+          <a:bodyPr spcFirstLastPara="1" wrap="square" lIns="91425" tIns="45700" rIns="91425" bIns="45700" anchor="t" anchorCtr="0">
+            <a:noAutofit/>
+          </a:bodyPr>
+          <a:lstStyle/>
+          <a:p>
+            <a:pPr marL="0" marR="0" lvl="0" indent="0" algn="l" rtl="0">
+              <a:spcBef>
+                <a:spcPts val="0"/>
+              </a:spcBef>
+              <a:spcAft>
+                <a:spcPts val="0"/>
+              </a:spcAft>
+              <a:buNone/>
+            </a:pPr>
+            <a:r>
+              <a:rPr lang="ru-RU" sz="1400" dirty="0">
+                <a:solidFill>
+                  <a:schemeClr val="dk1"/>
+                </a:solidFill>
+                <a:latin typeface="Arial"/>
+                <a:ea typeface="Arial"/>
+                <a:cs typeface="Arial"/>
+                <a:sym typeface="Arial"/>
+              </a:rPr>
+              <a:t>Deep Landscape Forecasting for Real-time Bidding Advertising, KDD, 2019</a:t>
+            </a:r>
+            <a:endParaRPr sz="1400" dirty="0">
+              <a:solidFill>
+                <a:schemeClr val="dk1"/>
+              </a:solidFill>
+              <a:latin typeface="Arial"/>
+              <a:ea typeface="Arial"/>
+              <a:cs typeface="Arial"/>
+              <a:sym typeface="Arial"/>
+            </a:endParaRPr>
+          </a:p>
+        </p:txBody>
+      </p:sp>
     </p:spTree>
+    <p:extLst>
+      <p:ext uri="{BB962C8B-B14F-4D97-AF65-F5344CB8AC3E}">
+        <p14:creationId xmlns:p14="http://schemas.microsoft.com/office/powerpoint/2010/main" val="2116662562"/>
+      </p:ext>
+    </p:extLst>
   </p:cSld>
   <p:clrMapOvr>
     <a:masterClrMapping/>
@@ -18391,36 +19855,6 @@
           </a:p>
         </p:txBody>
       </p:sp>
-      <p:pic>
-        <p:nvPicPr>
-          <p:cNvPr id="5" name="Рисунок 4">
-            <a:extLst>
-              <a:ext uri="{FF2B5EF4-FFF2-40B4-BE49-F238E27FC236}">
-                <a16:creationId xmlns:a16="http://schemas.microsoft.com/office/drawing/2014/main" id="{7502D97A-F899-DF4C-914C-6456E961E0E6}"/>
-              </a:ext>
-            </a:extLst>
-          </p:cNvPr>
-          <p:cNvPicPr>
-            <a:picLocks noChangeAspect="1"/>
-          </p:cNvPicPr>
-          <p:nvPr/>
-        </p:nvPicPr>
-        <p:blipFill>
-          <a:blip r:embed="rId3"/>
-          <a:stretch>
-            <a:fillRect/>
-          </a:stretch>
-        </p:blipFill>
-        <p:spPr>
-          <a:xfrm>
-            <a:off x="1693903" y="1787196"/>
-            <a:ext cx="5410200" cy="2349500"/>
-          </a:xfrm>
-          <a:prstGeom prst="rect">
-            <a:avLst/>
-          </a:prstGeom>
-        </p:spPr>
-      </p:pic>
       <p:sp>
         <p:nvSpPr>
           <p:cNvPr id="6" name="TextBox 5">
@@ -18435,8 +19869,8 @@
         </p:nvSpPr>
         <p:spPr>
           <a:xfrm>
-            <a:off x="2007836" y="4426685"/>
-            <a:ext cx="5128327" cy="646331"/>
+            <a:off x="457199" y="3759031"/>
+            <a:ext cx="4114800" cy="523220"/>
           </a:xfrm>
           <a:prstGeom prst="rect">
             <a:avLst/>
@@ -18444,201 +19878,31 @@
           <a:noFill/>
         </p:spPr>
         <p:txBody>
-          <a:bodyPr wrap="none" rtlCol="0">
-            <a:spAutoFit/>
-          </a:bodyPr>
-          <a:lstStyle/>
-          <a:p>
-            <a:pPr algn="ctr"/>
-            <a:r>
-              <a:rPr lang="ru-RU" sz="1800" dirty="0"/>
-              <a:t>Рисунок 2. График плотности распределения</a:t>
-            </a:r>
-            <a:r>
-              <a:rPr lang="ru-US" sz="1800" dirty="0"/>
-              <a:t> </a:t>
-            </a:r>
-          </a:p>
-          <a:p>
-            <a:pPr algn="ctr"/>
-            <a:r>
-              <a:rPr lang="ru-RU" sz="1800" dirty="0"/>
-              <a:t>в непрерывном пространстве</a:t>
-            </a:r>
-          </a:p>
-        </p:txBody>
-      </p:sp>
-    </p:spTree>
-    <p:extLst>
-      <p:ext uri="{BB962C8B-B14F-4D97-AF65-F5344CB8AC3E}">
-        <p14:creationId xmlns:p14="http://schemas.microsoft.com/office/powerpoint/2010/main" val="855175701"/>
-      </p:ext>
-    </p:extLst>
-  </p:cSld>
-  <p:clrMapOvr>
-    <a:masterClrMapping/>
-  </p:clrMapOvr>
-</p:sld>
-</file>
-
-<file path=ppt/slides/slide12.xml><?xml version="1.0" encoding="utf-8"?>
-<p:sld xmlns:a="http://schemas.openxmlformats.org/drawingml/2006/main" xmlns:r="http://schemas.openxmlformats.org/officeDocument/2006/relationships" xmlns:p="http://schemas.openxmlformats.org/presentationml/2006/main">
-  <p:cSld>
-    <p:spTree>
-      <p:nvGrpSpPr>
-        <p:cNvPr id="1" name="Shape 164"/>
-        <p:cNvGrpSpPr/>
-        <p:nvPr/>
-      </p:nvGrpSpPr>
-      <p:grpSpPr>
-        <a:xfrm>
-          <a:off x="0" y="0"/>
-          <a:ext cx="0" cy="0"/>
-          <a:chOff x="0" y="0"/>
-          <a:chExt cx="0" cy="0"/>
-        </a:xfrm>
-      </p:grpSpPr>
-      <p:sp>
-        <p:nvSpPr>
-          <p:cNvPr id="166" name="Google Shape;166;p8"/>
-          <p:cNvSpPr txBox="1">
-            <a:spLocks noGrp="1"/>
-          </p:cNvSpPr>
-          <p:nvPr>
-            <p:ph type="title"/>
-          </p:nvPr>
-        </p:nvSpPr>
-        <p:spPr>
-          <a:xfrm>
-            <a:off x="457200" y="927382"/>
-            <a:ext cx="8229600" cy="620483"/>
-          </a:xfrm>
-          <a:prstGeom prst="rect">
-            <a:avLst/>
-          </a:prstGeom>
-          <a:noFill/>
-          <a:ln>
-            <a:noFill/>
-          </a:ln>
-        </p:spPr>
-        <p:txBody>
-          <a:bodyPr spcFirstLastPara="1" wrap="square" lIns="91425" tIns="45700" rIns="91425" bIns="45700" anchor="ctr" anchorCtr="0">
-            <a:normAutofit/>
-          </a:bodyPr>
-          <a:lstStyle/>
-          <a:p>
-            <a:pPr marL="0" lvl="0" indent="0" algn="l" rtl="0">
-              <a:spcBef>
-                <a:spcPts val="0"/>
-              </a:spcBef>
-              <a:spcAft>
-                <a:spcPts val="0"/>
-              </a:spcAft>
-              <a:buClr>
-                <a:schemeClr val="dk1"/>
-              </a:buClr>
-              <a:buSzPts val="3200"/>
-              <a:buFont typeface="Arial"/>
-              <a:buNone/>
-            </a:pPr>
-            <a:r>
-              <a:rPr lang="ru-RU" dirty="0"/>
-              <a:t>Решение задачи</a:t>
-            </a:r>
-            <a:endParaRPr dirty="0"/>
-          </a:p>
-        </p:txBody>
-      </p:sp>
-      <p:sp>
-        <p:nvSpPr>
-          <p:cNvPr id="168" name="Google Shape;168;p8"/>
-          <p:cNvSpPr txBox="1">
-            <a:spLocks noGrp="1"/>
-          </p:cNvSpPr>
-          <p:nvPr>
-            <p:ph type="sldNum" idx="12"/>
-          </p:nvPr>
-        </p:nvSpPr>
-        <p:spPr>
-          <a:xfrm>
-            <a:off x="8556784" y="4749851"/>
-            <a:ext cx="548700" cy="393600"/>
-          </a:xfrm>
-          <a:prstGeom prst="rect">
-            <a:avLst/>
-          </a:prstGeom>
-        </p:spPr>
-        <p:txBody>
-          <a:bodyPr spcFirstLastPara="1" wrap="square" lIns="91425" tIns="91425" rIns="91425" bIns="91425" anchor="t" anchorCtr="0">
-            <a:noAutofit/>
-          </a:bodyPr>
-          <a:lstStyle/>
-          <a:p>
-            <a:pPr marL="0" lvl="0" indent="0" algn="r" rtl="0">
-              <a:spcBef>
-                <a:spcPts val="0"/>
-              </a:spcBef>
-              <a:spcAft>
-                <a:spcPts val="0"/>
-              </a:spcAft>
-              <a:buNone/>
-            </a:pPr>
-            <a:fld id="{00000000-1234-1234-1234-123412341234}" type="slidenum">
-              <a:rPr lang="ru-RU"/>
-              <a:t>12</a:t>
-            </a:fld>
-            <a:endParaRPr/>
-          </a:p>
-        </p:txBody>
-      </p:sp>
-      <p:sp>
-        <p:nvSpPr>
-          <p:cNvPr id="6" name="TextBox 5">
-            <a:extLst>
-              <a:ext uri="{FF2B5EF4-FFF2-40B4-BE49-F238E27FC236}">
-                <a16:creationId xmlns:a16="http://schemas.microsoft.com/office/drawing/2014/main" id="{2FF41DBF-1F2A-B344-BCAE-1D33C9FD6E1D}"/>
-              </a:ext>
-            </a:extLst>
-          </p:cNvPr>
-          <p:cNvSpPr txBox="1"/>
-          <p:nvPr/>
-        </p:nvSpPr>
-        <p:spPr>
-          <a:xfrm>
-            <a:off x="2039896" y="4426685"/>
-            <a:ext cx="5064207" cy="646331"/>
-          </a:xfrm>
-          <a:prstGeom prst="rect">
-            <a:avLst/>
-          </a:prstGeom>
-          <a:noFill/>
-        </p:spPr>
-        <p:txBody>
-          <a:bodyPr wrap="none" rtlCol="0">
+          <a:bodyPr wrap="square" rtlCol="0">
             <a:spAutoFit/>
           </a:bodyPr>
           <a:lstStyle/>
           <a:p>
             <a:r>
-              <a:rPr lang="ru-RU" sz="1800" dirty="0"/>
+              <a:rPr lang="ru-RU" dirty="0"/>
               <a:t>Рисунок </a:t>
             </a:r>
             <a:r>
-              <a:rPr lang="en-US" sz="1800" dirty="0"/>
+              <a:rPr lang="en-US" dirty="0"/>
               <a:t>3</a:t>
             </a:r>
             <a:r>
-              <a:rPr lang="ru-RU" sz="1800" dirty="0"/>
+              <a:rPr lang="ru-RU" dirty="0"/>
               <a:t>. График плотности распределения</a:t>
             </a:r>
           </a:p>
           <a:p>
             <a:pPr algn="ctr"/>
             <a:r>
-              <a:rPr lang="ru-RU" sz="1800" dirty="0"/>
+              <a:rPr lang="ru-RU" dirty="0"/>
               <a:t>в дискретном пространстве</a:t>
             </a:r>
-            <a:endParaRPr lang="ru-US" sz="1800" dirty="0"/>
+            <a:endParaRPr lang="ru-US" dirty="0"/>
           </a:p>
         </p:txBody>
       </p:sp>
@@ -18664,455 +19928,505 @@
         </p:blipFill>
         <p:spPr>
           <a:xfrm>
-            <a:off x="1993899" y="1799645"/>
-            <a:ext cx="5156200" cy="2387600"/>
+            <a:off x="457199" y="1853655"/>
+            <a:ext cx="4114800" cy="1905376"/>
           </a:xfrm>
           <a:prstGeom prst="rect">
             <a:avLst/>
           </a:prstGeom>
         </p:spPr>
       </p:pic>
-    </p:spTree>
-    <p:extLst>
-      <p:ext uri="{BB962C8B-B14F-4D97-AF65-F5344CB8AC3E}">
-        <p14:creationId xmlns:p14="http://schemas.microsoft.com/office/powerpoint/2010/main" val="2539662457"/>
-      </p:ext>
-    </p:extLst>
-  </p:cSld>
-  <p:clrMapOvr>
-    <a:masterClrMapping/>
-  </p:clrMapOvr>
-</p:sld>
-</file>
-
-<file path=ppt/slides/slide13.xml><?xml version="1.0" encoding="utf-8"?>
-<p:sld xmlns:a="http://schemas.openxmlformats.org/drawingml/2006/main" xmlns:r="http://schemas.openxmlformats.org/officeDocument/2006/relationships" xmlns:p="http://schemas.openxmlformats.org/presentationml/2006/main">
-  <p:cSld>
-    <p:spTree>
-      <p:nvGrpSpPr>
-        <p:cNvPr id="1" name="Shape 172"/>
-        <p:cNvGrpSpPr/>
-        <p:nvPr/>
-      </p:nvGrpSpPr>
-      <p:grpSpPr>
-        <a:xfrm>
-          <a:off x="0" y="0"/>
-          <a:ext cx="0" cy="0"/>
-          <a:chOff x="0" y="0"/>
-          <a:chExt cx="0" cy="0"/>
-        </a:xfrm>
-      </p:grpSpPr>
-      <p:sp>
-        <p:nvSpPr>
-          <p:cNvPr id="173" name="Google Shape;173;p9"/>
-          <p:cNvSpPr txBox="1">
-            <a:spLocks noGrp="1"/>
-          </p:cNvSpPr>
-          <p:nvPr>
-            <p:ph type="body" idx="1"/>
-          </p:nvPr>
-        </p:nvSpPr>
-        <p:spPr>
-          <a:xfrm>
-            <a:off x="457199" y="1746133"/>
-            <a:ext cx="8229600" cy="2848490"/>
-          </a:xfrm>
-          <a:prstGeom prst="rect">
-            <a:avLst/>
-          </a:prstGeom>
-          <a:blipFill rotWithShape="1">
-            <a:blip r:embed="rId3">
-              <a:alphaModFix/>
-            </a:blip>
-            <a:stretch>
-              <a:fillRect t="-32298" b="-43359"/>
-            </a:stretch>
-          </a:blipFill>
-          <a:ln>
-            <a:noFill/>
-          </a:ln>
-        </p:spPr>
-        <p:txBody>
-          <a:bodyPr spcFirstLastPara="1" wrap="square" lIns="91425" tIns="45700" rIns="91425" bIns="45700" anchor="t" anchorCtr="0">
-            <a:normAutofit/>
-          </a:bodyPr>
-          <a:lstStyle/>
-          <a:p>
-            <a:pPr marL="342900" lvl="0" indent="0" algn="l" rtl="0">
-              <a:spcBef>
-                <a:spcPts val="0"/>
-              </a:spcBef>
-              <a:spcAft>
-                <a:spcPts val="0"/>
-              </a:spcAft>
-              <a:buNone/>
-            </a:pPr>
-            <a:r>
-              <a:rPr lang="ru-RU" dirty="0"/>
-              <a:t> </a:t>
-            </a:r>
-            <a:endParaRPr dirty="0"/>
-          </a:p>
-        </p:txBody>
-      </p:sp>
-      <p:sp>
-        <p:nvSpPr>
-          <p:cNvPr id="174" name="Google Shape;174;p9"/>
-          <p:cNvSpPr txBox="1">
-            <a:spLocks noGrp="1"/>
-          </p:cNvSpPr>
-          <p:nvPr>
-            <p:ph type="title"/>
-          </p:nvPr>
-        </p:nvSpPr>
-        <p:spPr>
-          <a:xfrm>
-            <a:off x="457200" y="927382"/>
-            <a:ext cx="8229600" cy="620483"/>
-          </a:xfrm>
-          <a:prstGeom prst="rect">
-            <a:avLst/>
-          </a:prstGeom>
-          <a:noFill/>
-          <a:ln>
-            <a:noFill/>
-          </a:ln>
-        </p:spPr>
-        <p:txBody>
-          <a:bodyPr spcFirstLastPara="1" wrap="square" lIns="91425" tIns="45700" rIns="91425" bIns="45700" anchor="ctr" anchorCtr="0">
-            <a:normAutofit/>
-          </a:bodyPr>
-          <a:lstStyle/>
-          <a:p>
-            <a:pPr marL="0" lvl="0" indent="0" algn="l" rtl="0">
-              <a:spcBef>
-                <a:spcPts val="0"/>
-              </a:spcBef>
-              <a:spcAft>
-                <a:spcPts val="0"/>
-              </a:spcAft>
-              <a:buClr>
-                <a:schemeClr val="dk1"/>
-              </a:buClr>
-              <a:buSzPts val="3200"/>
-              <a:buFont typeface="Arial"/>
-              <a:buNone/>
-            </a:pPr>
-            <a:r>
-              <a:rPr lang="ru-RU" dirty="0"/>
-              <a:t>Решение задачи</a:t>
-            </a:r>
-            <a:endParaRPr dirty="0"/>
-          </a:p>
-        </p:txBody>
-      </p:sp>
-      <p:sp>
-        <p:nvSpPr>
-          <p:cNvPr id="175" name="Google Shape;175;p9"/>
-          <p:cNvSpPr/>
-          <p:nvPr/>
-        </p:nvSpPr>
-        <p:spPr>
-          <a:xfrm>
-            <a:off x="1899501" y="4541676"/>
-            <a:ext cx="7244499" cy="307777"/>
-          </a:xfrm>
-          <a:prstGeom prst="rect">
-            <a:avLst/>
-          </a:prstGeom>
-          <a:noFill/>
-          <a:ln>
-            <a:noFill/>
-          </a:ln>
-        </p:spPr>
-        <p:txBody>
-          <a:bodyPr spcFirstLastPara="1" wrap="square" lIns="91425" tIns="45700" rIns="91425" bIns="45700" anchor="t" anchorCtr="0">
-            <a:spAutoFit/>
-          </a:bodyPr>
-          <a:lstStyle/>
-          <a:p>
-            <a:pPr marL="0" marR="0" lvl="0" indent="0" algn="l" rtl="0">
-              <a:spcBef>
-                <a:spcPts val="0"/>
-              </a:spcBef>
-              <a:spcAft>
-                <a:spcPts val="0"/>
-              </a:spcAft>
-              <a:buNone/>
-            </a:pPr>
-            <a:r>
-              <a:rPr lang="ru-RU" sz="1400">
-                <a:solidFill>
-                  <a:schemeClr val="dk1"/>
-                </a:solidFill>
-                <a:latin typeface="Arial"/>
-                <a:ea typeface="Arial"/>
-                <a:cs typeface="Arial"/>
-                <a:sym typeface="Arial"/>
-              </a:rPr>
-              <a:t>Deep Landscape Forecasting for Real-time Bidding Advertising, KDD, 2019</a:t>
-            </a:r>
-            <a:endParaRPr sz="1400">
-              <a:solidFill>
-                <a:schemeClr val="dk1"/>
-              </a:solidFill>
-              <a:latin typeface="Arial"/>
-              <a:ea typeface="Arial"/>
-              <a:cs typeface="Arial"/>
-              <a:sym typeface="Arial"/>
-            </a:endParaRPr>
-          </a:p>
-        </p:txBody>
-      </p:sp>
-      <p:sp>
-        <p:nvSpPr>
-          <p:cNvPr id="176" name="Google Shape;176;p9"/>
-          <p:cNvSpPr txBox="1">
-            <a:spLocks noGrp="1"/>
-          </p:cNvSpPr>
-          <p:nvPr>
-            <p:ph type="sldNum" idx="12"/>
-          </p:nvPr>
-        </p:nvSpPr>
-        <p:spPr>
-          <a:xfrm>
-            <a:off x="8556784" y="4749851"/>
-            <a:ext cx="548700" cy="393600"/>
-          </a:xfrm>
-          <a:prstGeom prst="rect">
-            <a:avLst/>
-          </a:prstGeom>
-        </p:spPr>
-        <p:txBody>
-          <a:bodyPr spcFirstLastPara="1" wrap="square" lIns="91425" tIns="91425" rIns="91425" bIns="91425" anchor="t" anchorCtr="0">
-            <a:noAutofit/>
-          </a:bodyPr>
-          <a:lstStyle/>
-          <a:p>
-            <a:pPr marL="0" lvl="0" indent="0" algn="r" rtl="0">
-              <a:spcBef>
-                <a:spcPts val="0"/>
-              </a:spcBef>
-              <a:spcAft>
-                <a:spcPts val="0"/>
-              </a:spcAft>
-              <a:buNone/>
-            </a:pPr>
-            <a:fld id="{00000000-1234-1234-1234-123412341234}" type="slidenum">
-              <a:rPr lang="ru-RU"/>
-              <a:t>13</a:t>
-            </a:fld>
-            <a:endParaRPr/>
-          </a:p>
-        </p:txBody>
-      </p:sp>
-    </p:spTree>
-  </p:cSld>
-  <p:clrMapOvr>
-    <a:masterClrMapping/>
-  </p:clrMapOvr>
-</p:sld>
-</file>
-
-<file path=ppt/slides/slide14.xml><?xml version="1.0" encoding="utf-8"?>
-<p:sld xmlns:a="http://schemas.openxmlformats.org/drawingml/2006/main" xmlns:r="http://schemas.openxmlformats.org/officeDocument/2006/relationships" xmlns:p="http://schemas.openxmlformats.org/presentationml/2006/main">
-  <p:cSld>
-    <p:spTree>
-      <p:nvGrpSpPr>
-        <p:cNvPr id="1" name="Shape 164"/>
-        <p:cNvGrpSpPr/>
-        <p:nvPr/>
-      </p:nvGrpSpPr>
-      <p:grpSpPr>
-        <a:xfrm>
-          <a:off x="0" y="0"/>
-          <a:ext cx="0" cy="0"/>
-          <a:chOff x="0" y="0"/>
-          <a:chExt cx="0" cy="0"/>
-        </a:xfrm>
-      </p:grpSpPr>
-      <p:sp>
-        <p:nvSpPr>
-          <p:cNvPr id="166" name="Google Shape;166;p8"/>
-          <p:cNvSpPr txBox="1">
-            <a:spLocks noGrp="1"/>
-          </p:cNvSpPr>
-          <p:nvPr>
-            <p:ph type="title"/>
-          </p:nvPr>
-        </p:nvSpPr>
-        <p:spPr>
-          <a:xfrm>
-            <a:off x="457200" y="927382"/>
-            <a:ext cx="8229600" cy="620483"/>
-          </a:xfrm>
-          <a:prstGeom prst="rect">
-            <a:avLst/>
-          </a:prstGeom>
-          <a:noFill/>
-          <a:ln>
-            <a:noFill/>
-          </a:ln>
-        </p:spPr>
-        <p:txBody>
-          <a:bodyPr spcFirstLastPara="1" wrap="square" lIns="91425" tIns="45700" rIns="91425" bIns="45700" anchor="ctr" anchorCtr="0">
-            <a:normAutofit/>
-          </a:bodyPr>
-          <a:lstStyle/>
-          <a:p>
-            <a:pPr marL="0" lvl="0" indent="0" algn="l" rtl="0">
-              <a:spcBef>
-                <a:spcPts val="0"/>
-              </a:spcBef>
-              <a:spcAft>
-                <a:spcPts val="0"/>
-              </a:spcAft>
-              <a:buClr>
-                <a:schemeClr val="dk1"/>
-              </a:buClr>
-              <a:buSzPts val="3200"/>
-              <a:buFont typeface="Arial"/>
-              <a:buNone/>
-            </a:pPr>
-            <a:r>
-              <a:rPr lang="ru-RU" dirty="0"/>
-              <a:t>Решение задачи</a:t>
-            </a:r>
-            <a:endParaRPr dirty="0"/>
-          </a:p>
-        </p:txBody>
-      </p:sp>
-      <p:sp>
-        <p:nvSpPr>
-          <p:cNvPr id="167" name="Google Shape;167;p8"/>
-          <p:cNvSpPr/>
-          <p:nvPr/>
-        </p:nvSpPr>
-        <p:spPr>
-          <a:xfrm>
-            <a:off x="1899501" y="4541676"/>
-            <a:ext cx="7244499" cy="307777"/>
-          </a:xfrm>
-          <a:prstGeom prst="rect">
-            <a:avLst/>
-          </a:prstGeom>
-          <a:noFill/>
-          <a:ln>
-            <a:noFill/>
-          </a:ln>
-        </p:spPr>
-        <p:txBody>
-          <a:bodyPr spcFirstLastPara="1" wrap="square" lIns="91425" tIns="45700" rIns="91425" bIns="45700" anchor="t" anchorCtr="0">
-            <a:spAutoFit/>
-          </a:bodyPr>
-          <a:lstStyle/>
-          <a:p>
-            <a:pPr marL="0" marR="0" lvl="0" indent="0" algn="l" rtl="0">
-              <a:spcBef>
-                <a:spcPts val="0"/>
-              </a:spcBef>
-              <a:spcAft>
-                <a:spcPts val="0"/>
-              </a:spcAft>
-              <a:buNone/>
-            </a:pPr>
-            <a:r>
-              <a:rPr lang="ru-RU" sz="1400">
-                <a:solidFill>
-                  <a:schemeClr val="dk1"/>
-                </a:solidFill>
-                <a:latin typeface="Arial"/>
-                <a:ea typeface="Arial"/>
-                <a:cs typeface="Arial"/>
-                <a:sym typeface="Arial"/>
-              </a:rPr>
-              <a:t>Deep Landscape Forecasting for Real-time Bidding Advertising, KDD, 2019</a:t>
-            </a:r>
-            <a:endParaRPr sz="1400">
-              <a:solidFill>
-                <a:schemeClr val="dk1"/>
-              </a:solidFill>
-              <a:latin typeface="Arial"/>
-              <a:ea typeface="Arial"/>
-              <a:cs typeface="Arial"/>
-              <a:sym typeface="Arial"/>
-            </a:endParaRPr>
-          </a:p>
-        </p:txBody>
-      </p:sp>
-      <p:sp>
-        <p:nvSpPr>
-          <p:cNvPr id="168" name="Google Shape;168;p8"/>
-          <p:cNvSpPr txBox="1">
-            <a:spLocks noGrp="1"/>
-          </p:cNvSpPr>
-          <p:nvPr>
-            <p:ph type="sldNum" idx="12"/>
-          </p:nvPr>
-        </p:nvSpPr>
-        <p:spPr>
-          <a:xfrm>
-            <a:off x="8556784" y="4749851"/>
-            <a:ext cx="548700" cy="393600"/>
-          </a:xfrm>
-          <a:prstGeom prst="rect">
-            <a:avLst/>
-          </a:prstGeom>
-        </p:spPr>
-        <p:txBody>
-          <a:bodyPr spcFirstLastPara="1" wrap="square" lIns="91425" tIns="91425" rIns="91425" bIns="91425" anchor="t" anchorCtr="0">
-            <a:noAutofit/>
-          </a:bodyPr>
-          <a:lstStyle/>
-          <a:p>
-            <a:pPr marL="0" lvl="0" indent="0" algn="r" rtl="0">
-              <a:spcBef>
-                <a:spcPts val="0"/>
-              </a:spcBef>
-              <a:spcAft>
-                <a:spcPts val="0"/>
-              </a:spcAft>
-              <a:buNone/>
-            </a:pPr>
-            <a:fld id="{00000000-1234-1234-1234-123412341234}" type="slidenum">
-              <a:rPr lang="ru-RU"/>
-              <a:t>14</a:t>
-            </a:fld>
-            <a:endParaRPr/>
-          </a:p>
-        </p:txBody>
-      </p:sp>
-      <mc:AlternateContent xmlns:mc="http://schemas.openxmlformats.org/markup-compatibility/2006">
-        <mc:Choice xmlns:a14="http://schemas.microsoft.com/office/drawing/2010/main" Requires="a14">
+      <mc:AlternateContent xmlns:mc="http://schemas.openxmlformats.org/markup-compatibility/2006" xmlns:a14="http://schemas.microsoft.com/office/drawing/2010/main">
+        <mc:Choice Requires="a14">
           <p:sp>
             <p:nvSpPr>
-              <p:cNvPr id="2" name="Текст 1">
+              <p:cNvPr id="2" name="TextBox 1">
                 <a:extLst>
                   <a:ext uri="{FF2B5EF4-FFF2-40B4-BE49-F238E27FC236}">
-                    <a16:creationId xmlns:a16="http://schemas.microsoft.com/office/drawing/2014/main" id="{10BE50A9-EB91-234D-8BB6-A10839C11970}"/>
+                    <a16:creationId xmlns:a16="http://schemas.microsoft.com/office/drawing/2014/main" id="{735FCB78-93FC-FF46-90C3-755F6003229B}"/>
                   </a:ext>
                 </a:extLst>
               </p:cNvPr>
-              <p:cNvSpPr>
-                <a:spLocks noGrp="1"/>
-              </p:cNvSpPr>
-              <p:nvPr>
-                <p:ph type="body" idx="1"/>
-              </p:nvPr>
+              <p:cNvSpPr txBox="1"/>
+              <p:nvPr/>
             </p:nvSpPr>
             <p:spPr>
               <a:xfrm>
-                <a:off x="457200" y="2031175"/>
-                <a:ext cx="8229600" cy="1081150"/>
+                <a:off x="4990682" y="1853655"/>
+                <a:ext cx="4114801" cy="1834605"/>
               </a:xfrm>
+              <a:prstGeom prst="rect">
+                <a:avLst/>
+              </a:prstGeom>
+              <a:noFill/>
             </p:spPr>
             <p:txBody>
-              <a:bodyPr/>
+              <a:bodyPr wrap="square" rtlCol="0">
+                <a:spAutoFit/>
+              </a:bodyPr>
               <a:lstStyle/>
               <a:p>
-                <a:pPr marL="76200" indent="0">
-                  <a:buNone/>
-                </a:pPr>
+                <a:pPr/>
+                <a14:m>
+                  <m:oMathPara xmlns:m="http://schemas.openxmlformats.org/officeDocument/2006/math">
+                    <m:oMathParaPr>
+                      <m:jc m:val="centerGroup"/>
+                    </m:oMathParaPr>
+                    <m:oMath xmlns:m="http://schemas.openxmlformats.org/officeDocument/2006/math">
+                      <m:r>
+                        <a:rPr lang="ru-RU" i="1">
+                          <a:latin typeface="Cambria Math" panose="02040503050406030204" pitchFamily="18" charset="0"/>
+                        </a:rPr>
+                        <m:t>𝑊</m:t>
+                      </m:r>
+                      <m:d>
+                        <m:dPr>
+                          <m:ctrlPr>
+                            <a:rPr lang="ru-US" i="1">
+                              <a:latin typeface="Cambria Math" panose="02040503050406030204" pitchFamily="18" charset="0"/>
+                            </a:rPr>
+                          </m:ctrlPr>
+                        </m:dPr>
+                        <m:e>
+                          <m:sSub>
+                            <m:sSubPr>
+                              <m:ctrlPr>
+                                <a:rPr lang="ru-US" i="1">
+                                  <a:latin typeface="Cambria Math" panose="02040503050406030204" pitchFamily="18" charset="0"/>
+                                </a:rPr>
+                              </m:ctrlPr>
+                            </m:sSubPr>
+                            <m:e>
+                              <m:r>
+                                <a:rPr lang="ru-RU" i="1">
+                                  <a:latin typeface="Cambria Math" panose="02040503050406030204" pitchFamily="18" charset="0"/>
+                                </a:rPr>
+                                <m:t>𝑏</m:t>
+                              </m:r>
+                            </m:e>
+                            <m:sub>
+                              <m:r>
+                                <a:rPr lang="ru-RU" i="1">
+                                  <a:latin typeface="Cambria Math" panose="02040503050406030204" pitchFamily="18" charset="0"/>
+                                </a:rPr>
+                                <m:t>𝑙</m:t>
+                              </m:r>
+                            </m:sub>
+                          </m:sSub>
+                        </m:e>
+                      </m:d>
+                      <m:r>
+                        <a:rPr lang="ru-RU" i="1">
+                          <a:latin typeface="Cambria Math" panose="02040503050406030204" pitchFamily="18" charset="0"/>
+                        </a:rPr>
+                        <m:t>≐</m:t>
+                      </m:r>
+                      <m:func>
+                        <m:funcPr>
+                          <m:ctrlPr>
+                            <a:rPr lang="ru-US" i="1">
+                              <a:latin typeface="Cambria Math" panose="02040503050406030204" pitchFamily="18" charset="0"/>
+                            </a:rPr>
+                          </m:ctrlPr>
+                        </m:funcPr>
+                        <m:fName>
+                          <m:r>
+                            <m:rPr>
+                              <m:sty m:val="p"/>
+                            </m:rPr>
+                            <a:rPr lang="ru-RU">
+                              <a:latin typeface="Cambria Math" panose="02040503050406030204" pitchFamily="18" charset="0"/>
+                            </a:rPr>
+                            <m:t>Pr</m:t>
+                          </m:r>
+                        </m:fName>
+                        <m:e>
+                          <m:d>
+                            <m:dPr>
+                              <m:ctrlPr>
+                                <a:rPr lang="ru-US" i="1">
+                                  <a:latin typeface="Cambria Math" panose="02040503050406030204" pitchFamily="18" charset="0"/>
+                                </a:rPr>
+                              </m:ctrlPr>
+                            </m:dPr>
+                            <m:e>
+                              <m:r>
+                                <a:rPr lang="ru-RU" i="1">
+                                  <a:latin typeface="Cambria Math" panose="02040503050406030204" pitchFamily="18" charset="0"/>
+                                </a:rPr>
+                                <m:t>𝑧</m:t>
+                              </m:r>
+                              <m:r>
+                                <a:rPr lang="ru-RU" i="1">
+                                  <a:latin typeface="Cambria Math" panose="02040503050406030204" pitchFamily="18" charset="0"/>
+                                </a:rPr>
+                                <m:t>&lt;</m:t>
+                              </m:r>
+                              <m:sSub>
+                                <m:sSubPr>
+                                  <m:ctrlPr>
+                                    <a:rPr lang="ru-US" i="1">
+                                      <a:latin typeface="Cambria Math" panose="02040503050406030204" pitchFamily="18" charset="0"/>
+                                    </a:rPr>
+                                  </m:ctrlPr>
+                                </m:sSubPr>
+                                <m:e>
+                                  <m:r>
+                                    <a:rPr lang="ru-RU" i="1">
+                                      <a:latin typeface="Cambria Math" panose="02040503050406030204" pitchFamily="18" charset="0"/>
+                                    </a:rPr>
+                                    <m:t>𝑏</m:t>
+                                  </m:r>
+                                </m:e>
+                                <m:sub>
+                                  <m:r>
+                                    <a:rPr lang="ru-RU" i="1">
+                                      <a:latin typeface="Cambria Math" panose="02040503050406030204" pitchFamily="18" charset="0"/>
+                                    </a:rPr>
+                                    <m:t>𝑙</m:t>
+                                  </m:r>
+                                </m:sub>
+                              </m:sSub>
+                            </m:e>
+                          </m:d>
+                        </m:e>
+                      </m:func>
+                      <m:r>
+                        <a:rPr lang="ru-RU" i="1">
+                          <a:latin typeface="Cambria Math" panose="02040503050406030204" pitchFamily="18" charset="0"/>
+                        </a:rPr>
+                        <m:t>= </m:t>
+                      </m:r>
+                      <m:nary>
+                        <m:naryPr>
+                          <m:chr m:val="∑"/>
+                          <m:limLoc m:val="undOvr"/>
+                          <m:supHide m:val="on"/>
+                          <m:ctrlPr>
+                            <a:rPr lang="ru-US" i="1">
+                              <a:latin typeface="Cambria Math" panose="02040503050406030204" pitchFamily="18" charset="0"/>
+                            </a:rPr>
+                          </m:ctrlPr>
+                        </m:naryPr>
+                        <m:sub>
+                          <m:r>
+                            <a:rPr lang="ru-RU" i="1">
+                              <a:latin typeface="Cambria Math" panose="02040503050406030204" pitchFamily="18" charset="0"/>
+                            </a:rPr>
+                            <m:t>𝑗</m:t>
+                          </m:r>
+                          <m:r>
+                            <a:rPr lang="ru-RU" i="1">
+                              <a:latin typeface="Cambria Math" panose="02040503050406030204" pitchFamily="18" charset="0"/>
+                            </a:rPr>
+                            <m:t>&lt;</m:t>
+                          </m:r>
+                          <m:r>
+                            <a:rPr lang="ru-RU" i="1">
+                              <a:latin typeface="Cambria Math" panose="02040503050406030204" pitchFamily="18" charset="0"/>
+                            </a:rPr>
+                            <m:t>𝑙</m:t>
+                          </m:r>
+                        </m:sub>
+                        <m:sup/>
+                        <m:e>
+                          <m:r>
+                            <m:rPr>
+                              <m:sty m:val="p"/>
+                            </m:rPr>
+                            <a:rPr lang="ru-RU">
+                              <a:latin typeface="Cambria Math" panose="02040503050406030204" pitchFamily="18" charset="0"/>
+                            </a:rPr>
+                            <m:t>Pr</m:t>
+                          </m:r>
+                          <m:r>
+                            <a:rPr lang="ru-RU" i="1">
+                              <a:latin typeface="Cambria Math" panose="02040503050406030204" pitchFamily="18" charset="0"/>
+                            </a:rPr>
+                            <m:t>(</m:t>
+                          </m:r>
+                          <m:r>
+                            <a:rPr lang="ru-RU" i="1">
+                              <a:latin typeface="Cambria Math" panose="02040503050406030204" pitchFamily="18" charset="0"/>
+                            </a:rPr>
+                            <m:t>𝑧</m:t>
+                          </m:r>
+                          <m:r>
+                            <a:rPr lang="ru-RU" i="1">
+                              <a:latin typeface="Cambria Math" panose="02040503050406030204" pitchFamily="18" charset="0"/>
+                            </a:rPr>
+                            <m:t>∈</m:t>
+                          </m:r>
+                          <m:sSub>
+                            <m:sSubPr>
+                              <m:ctrlPr>
+                                <a:rPr lang="ru-US" i="1">
+                                  <a:latin typeface="Cambria Math" panose="02040503050406030204" pitchFamily="18" charset="0"/>
+                                </a:rPr>
+                              </m:ctrlPr>
+                            </m:sSubPr>
+                            <m:e>
+                              <m:r>
+                                <a:rPr lang="ru-RU" i="1">
+                                  <a:latin typeface="Cambria Math" panose="02040503050406030204" pitchFamily="18" charset="0"/>
+                                </a:rPr>
+                                <m:t>𝑉</m:t>
+                              </m:r>
+                            </m:e>
+                            <m:sub>
+                              <m:r>
+                                <a:rPr lang="ru-RU" i="1">
+                                  <a:latin typeface="Cambria Math" panose="02040503050406030204" pitchFamily="18" charset="0"/>
+                                </a:rPr>
+                                <m:t>𝑗</m:t>
+                              </m:r>
+                            </m:sub>
+                          </m:sSub>
+                          <m:r>
+                            <a:rPr lang="ru-RU" i="1">
+                              <a:latin typeface="Cambria Math" panose="02040503050406030204" pitchFamily="18" charset="0"/>
+                            </a:rPr>
+                            <m:t>)</m:t>
+                          </m:r>
+                        </m:e>
+                      </m:nary>
+                    </m:oMath>
+                  </m:oMathPara>
+                </a14:m>
+                <a:endParaRPr lang="ru-US" dirty="0"/>
+              </a:p>
+              <a:p>
+                <a:pPr/>
+                <a14:m>
+                  <m:oMathPara xmlns:m="http://schemas.openxmlformats.org/officeDocument/2006/math">
+                    <m:oMathParaPr>
+                      <m:jc m:val="centerGroup"/>
+                    </m:oMathParaPr>
+                    <m:oMath xmlns:m="http://schemas.openxmlformats.org/officeDocument/2006/math">
+                      <m:r>
+                        <a:rPr lang="ru-RU" i="1">
+                          <a:latin typeface="Cambria Math" panose="02040503050406030204" pitchFamily="18" charset="0"/>
+                        </a:rPr>
+                        <m:t>𝑆</m:t>
+                      </m:r>
+                      <m:d>
+                        <m:dPr>
+                          <m:ctrlPr>
+                            <a:rPr lang="ru-US" i="1">
+                              <a:latin typeface="Cambria Math" panose="02040503050406030204" pitchFamily="18" charset="0"/>
+                            </a:rPr>
+                          </m:ctrlPr>
+                        </m:dPr>
+                        <m:e>
+                          <m:sSub>
+                            <m:sSubPr>
+                              <m:ctrlPr>
+                                <a:rPr lang="ru-US" i="1">
+                                  <a:latin typeface="Cambria Math" panose="02040503050406030204" pitchFamily="18" charset="0"/>
+                                </a:rPr>
+                              </m:ctrlPr>
+                            </m:sSubPr>
+                            <m:e>
+                              <m:r>
+                                <a:rPr lang="ru-RU" i="1">
+                                  <a:latin typeface="Cambria Math" panose="02040503050406030204" pitchFamily="18" charset="0"/>
+                                </a:rPr>
+                                <m:t>𝑏</m:t>
+                              </m:r>
+                            </m:e>
+                            <m:sub>
+                              <m:r>
+                                <a:rPr lang="ru-RU" i="1">
+                                  <a:latin typeface="Cambria Math" panose="02040503050406030204" pitchFamily="18" charset="0"/>
+                                </a:rPr>
+                                <m:t>𝑙</m:t>
+                              </m:r>
+                            </m:sub>
+                          </m:sSub>
+                        </m:e>
+                      </m:d>
+                      <m:r>
+                        <a:rPr lang="ru-RU" i="1">
+                          <a:latin typeface="Cambria Math" panose="02040503050406030204" pitchFamily="18" charset="0"/>
+                        </a:rPr>
+                        <m:t> ≐</m:t>
+                      </m:r>
+                      <m:func>
+                        <m:funcPr>
+                          <m:ctrlPr>
+                            <a:rPr lang="ru-US" i="1">
+                              <a:latin typeface="Cambria Math" panose="02040503050406030204" pitchFamily="18" charset="0"/>
+                            </a:rPr>
+                          </m:ctrlPr>
+                        </m:funcPr>
+                        <m:fName>
+                          <m:r>
+                            <m:rPr>
+                              <m:sty m:val="p"/>
+                            </m:rPr>
+                            <a:rPr lang="ru-RU">
+                              <a:latin typeface="Cambria Math" panose="02040503050406030204" pitchFamily="18" charset="0"/>
+                            </a:rPr>
+                            <m:t>Pr</m:t>
+                          </m:r>
+                        </m:fName>
+                        <m:e>
+                          <m:d>
+                            <m:dPr>
+                              <m:ctrlPr>
+                                <a:rPr lang="ru-US" i="1">
+                                  <a:latin typeface="Cambria Math" panose="02040503050406030204" pitchFamily="18" charset="0"/>
+                                </a:rPr>
+                              </m:ctrlPr>
+                            </m:dPr>
+                            <m:e>
+                              <m:r>
+                                <a:rPr lang="ru-RU" i="1">
+                                  <a:latin typeface="Cambria Math" panose="02040503050406030204" pitchFamily="18" charset="0"/>
+                                </a:rPr>
+                                <m:t>𝑧</m:t>
+                              </m:r>
+                              <m:r>
+                                <a:rPr lang="ru-RU" i="1">
+                                  <a:latin typeface="Cambria Math" panose="02040503050406030204" pitchFamily="18" charset="0"/>
+                                </a:rPr>
+                                <m:t>≥</m:t>
+                              </m:r>
+                              <m:sSub>
+                                <m:sSubPr>
+                                  <m:ctrlPr>
+                                    <a:rPr lang="ru-US" i="1">
+                                      <a:latin typeface="Cambria Math" panose="02040503050406030204" pitchFamily="18" charset="0"/>
+                                    </a:rPr>
+                                  </m:ctrlPr>
+                                </m:sSubPr>
+                                <m:e>
+                                  <m:r>
+                                    <a:rPr lang="ru-RU" i="1">
+                                      <a:latin typeface="Cambria Math" panose="02040503050406030204" pitchFamily="18" charset="0"/>
+                                    </a:rPr>
+                                    <m:t>𝑏</m:t>
+                                  </m:r>
+                                </m:e>
+                                <m:sub>
+                                  <m:r>
+                                    <a:rPr lang="ru-RU" i="1">
+                                      <a:latin typeface="Cambria Math" panose="02040503050406030204" pitchFamily="18" charset="0"/>
+                                    </a:rPr>
+                                    <m:t>𝑙</m:t>
+                                  </m:r>
+                                </m:sub>
+                              </m:sSub>
+                            </m:e>
+                          </m:d>
+                        </m:e>
+                      </m:func>
+                      <m:r>
+                        <a:rPr lang="ru-RU" i="1">
+                          <a:latin typeface="Cambria Math" panose="02040503050406030204" pitchFamily="18" charset="0"/>
+                        </a:rPr>
+                        <m:t>= </m:t>
+                      </m:r>
+                      <m:nary>
+                        <m:naryPr>
+                          <m:chr m:val="∑"/>
+                          <m:limLoc m:val="undOvr"/>
+                          <m:supHide m:val="on"/>
+                          <m:ctrlPr>
+                            <a:rPr lang="ru-US" i="1">
+                              <a:latin typeface="Cambria Math" panose="02040503050406030204" pitchFamily="18" charset="0"/>
+                            </a:rPr>
+                          </m:ctrlPr>
+                        </m:naryPr>
+                        <m:sub>
+                          <m:r>
+                            <a:rPr lang="ru-RU" i="1">
+                              <a:latin typeface="Cambria Math" panose="02040503050406030204" pitchFamily="18" charset="0"/>
+                            </a:rPr>
+                            <m:t>𝑗</m:t>
+                          </m:r>
+                          <m:r>
+                            <a:rPr lang="ru-RU" i="1">
+                              <a:latin typeface="Cambria Math" panose="02040503050406030204" pitchFamily="18" charset="0"/>
+                            </a:rPr>
+                            <m:t>≥</m:t>
+                          </m:r>
+                          <m:r>
+                            <a:rPr lang="ru-RU" i="1">
+                              <a:latin typeface="Cambria Math" panose="02040503050406030204" pitchFamily="18" charset="0"/>
+                            </a:rPr>
+                            <m:t>𝑙</m:t>
+                          </m:r>
+                        </m:sub>
+                        <m:sup/>
+                        <m:e>
+                          <m:r>
+                            <m:rPr>
+                              <m:sty m:val="p"/>
+                            </m:rPr>
+                            <a:rPr lang="ru-RU">
+                              <a:latin typeface="Cambria Math" panose="02040503050406030204" pitchFamily="18" charset="0"/>
+                            </a:rPr>
+                            <m:t>Pr</m:t>
+                          </m:r>
+                          <m:r>
+                            <a:rPr lang="ru-RU" i="1">
+                              <a:latin typeface="Cambria Math" panose="02040503050406030204" pitchFamily="18" charset="0"/>
+                            </a:rPr>
+                            <m:t>(</m:t>
+                          </m:r>
+                          <m:r>
+                            <a:rPr lang="ru-RU" i="1">
+                              <a:latin typeface="Cambria Math" panose="02040503050406030204" pitchFamily="18" charset="0"/>
+                            </a:rPr>
+                            <m:t>𝑧</m:t>
+                          </m:r>
+                          <m:r>
+                            <a:rPr lang="ru-RU" i="1">
+                              <a:latin typeface="Cambria Math" panose="02040503050406030204" pitchFamily="18" charset="0"/>
+                            </a:rPr>
+                            <m:t>∈</m:t>
+                          </m:r>
+                          <m:sSub>
+                            <m:sSubPr>
+                              <m:ctrlPr>
+                                <a:rPr lang="ru-US" i="1">
+                                  <a:latin typeface="Cambria Math" panose="02040503050406030204" pitchFamily="18" charset="0"/>
+                                </a:rPr>
+                              </m:ctrlPr>
+                            </m:sSubPr>
+                            <m:e>
+                              <m:r>
+                                <a:rPr lang="ru-RU" i="1">
+                                  <a:latin typeface="Cambria Math" panose="02040503050406030204" pitchFamily="18" charset="0"/>
+                                </a:rPr>
+                                <m:t>𝑉</m:t>
+                              </m:r>
+                            </m:e>
+                            <m:sub>
+                              <m:r>
+                                <a:rPr lang="ru-RU" i="1">
+                                  <a:latin typeface="Cambria Math" panose="02040503050406030204" pitchFamily="18" charset="0"/>
+                                </a:rPr>
+                                <m:t>𝑗</m:t>
+                              </m:r>
+                            </m:sub>
+                          </m:sSub>
+                          <m:r>
+                            <a:rPr lang="ru-RU" i="1">
+                              <a:latin typeface="Cambria Math" panose="02040503050406030204" pitchFamily="18" charset="0"/>
+                            </a:rPr>
+                            <m:t>)</m:t>
+                          </m:r>
+                        </m:e>
+                      </m:nary>
+                    </m:oMath>
+                  </m:oMathPara>
+                </a14:m>
+                <a:endParaRPr lang="ru-US" dirty="0"/>
+              </a:p>
+              <a:p>
+                <a:pPr/>
                 <a14:m>
                   <m:oMathPara xmlns:m="http://schemas.openxmlformats.org/officeDocument/2006/math">
                     <m:oMathParaPr>
@@ -19122,30 +20436,40 @@
                       <m:sSub>
                         <m:sSubPr>
                           <m:ctrlPr>
-                            <a:rPr lang="ru-US" i="1"/>
+                            <a:rPr lang="ru-US" i="1">
+                              <a:latin typeface="Cambria Math" panose="02040503050406030204" pitchFamily="18" charset="0"/>
+                            </a:rPr>
                           </m:ctrlPr>
                         </m:sSubPr>
                         <m:e>
                           <m:r>
-                            <a:rPr lang="ru-RU" i="1"/>
-                            <m:t>h</m:t>
+                            <a:rPr lang="en-US" i="1">
+                              <a:latin typeface="Cambria Math" panose="02040503050406030204" pitchFamily="18" charset="0"/>
+                            </a:rPr>
+                            <m:t>𝑝</m:t>
                           </m:r>
                         </m:e>
                         <m:sub>
                           <m:r>
-                            <a:rPr lang="ru-RU" i="1"/>
+                            <a:rPr lang="en-US" i="1">
+                              <a:latin typeface="Cambria Math" panose="02040503050406030204" pitchFamily="18" charset="0"/>
+                            </a:rPr>
                             <m:t>𝑙</m:t>
                           </m:r>
                         </m:sub>
                       </m:sSub>
                       <m:r>
-                        <a:rPr lang="ru-RU" i="1"/>
+                        <a:rPr lang="en-US" i="1">
+                          <a:latin typeface="Cambria Math" panose="02040503050406030204" pitchFamily="18" charset="0"/>
+                        </a:rPr>
                         <m:t>=</m:t>
                       </m:r>
                       <m:func>
                         <m:funcPr>
                           <m:ctrlPr>
-                            <a:rPr lang="ru-US" i="1"/>
+                            <a:rPr lang="ru-US" i="1">
+                              <a:latin typeface="Cambria Math" panose="02040503050406030204" pitchFamily="18" charset="0"/>
+                            </a:rPr>
                           </m:ctrlPr>
                         </m:funcPr>
                         <m:fName>
@@ -19153,7 +20477,9 @@
                             <m:rPr>
                               <m:sty m:val="p"/>
                             </m:rPr>
-                            <a:rPr lang="ru-RU"/>
+                            <a:rPr lang="en-US">
+                              <a:latin typeface="Cambria Math" panose="02040503050406030204" pitchFamily="18" charset="0"/>
+                            </a:rPr>
                             <m:t>Pr</m:t>
                           </m:r>
                         </m:fName>
@@ -19161,67 +20487,46 @@
                           <m:d>
                             <m:dPr>
                               <m:ctrlPr>
-                                <a:rPr lang="ru-US" i="1"/>
+                                <a:rPr lang="ru-US" i="1">
+                                  <a:latin typeface="Cambria Math" panose="02040503050406030204" pitchFamily="18" charset="0"/>
+                                </a:rPr>
                               </m:ctrlPr>
                             </m:dPr>
                             <m:e>
                               <m:r>
-                                <a:rPr lang="ru-RU" i="1"/>
+                                <a:rPr lang="en-US" i="1">
+                                  <a:latin typeface="Cambria Math" panose="02040503050406030204" pitchFamily="18" charset="0"/>
+                                </a:rPr>
                                 <m:t>𝑧</m:t>
                               </m:r>
                               <m:r>
-                                <a:rPr lang="ru-RU" i="1"/>
+                                <a:rPr lang="en-US" i="1">
+                                  <a:latin typeface="Cambria Math" panose="02040503050406030204" pitchFamily="18" charset="0"/>
+                                </a:rPr>
                                 <m:t>∈</m:t>
                               </m:r>
                               <m:sSub>
                                 <m:sSubPr>
                                   <m:ctrlPr>
-                                    <a:rPr lang="ru-US" i="1"/>
+                                    <a:rPr lang="ru-US" i="1">
+                                      <a:latin typeface="Cambria Math" panose="02040503050406030204" pitchFamily="18" charset="0"/>
+                                    </a:rPr>
                                   </m:ctrlPr>
                                 </m:sSubPr>
                                 <m:e>
                                   <m:r>
-                                    <a:rPr lang="ru-RU" i="1"/>
+                                    <a:rPr lang="en-US" i="1">
+                                      <a:latin typeface="Cambria Math" panose="02040503050406030204" pitchFamily="18" charset="0"/>
+                                    </a:rPr>
                                     <m:t>𝑉</m:t>
                                   </m:r>
                                 </m:e>
                                 <m:sub>
                                   <m:r>
-                                    <a:rPr lang="ru-RU" i="1"/>
+                                    <a:rPr lang="en-US" i="1">
+                                      <a:latin typeface="Cambria Math" panose="02040503050406030204" pitchFamily="18" charset="0"/>
+                                    </a:rPr>
                                     <m:t>𝑙</m:t>
-                                  </m:r>
-                                </m:sub>
-                              </m:sSub>
-                            </m:e>
-                            <m:e>
-                              <m:r>
-                                <a:rPr lang="ru-RU" i="1"/>
-                                <m:t>𝑧</m:t>
-                              </m:r>
-                              <m:r>
-                                <a:rPr lang="ru-RU" i="1"/>
-                                <m:t>≥</m:t>
-                              </m:r>
-                              <m:sSub>
-                                <m:sSubPr>
-                                  <m:ctrlPr>
-                                    <a:rPr lang="ru-US" i="1"/>
-                                  </m:ctrlPr>
-                                </m:sSubPr>
-                                <m:e>
-                                  <m:r>
-                                    <a:rPr lang="ru-RU" i="1"/>
-                                    <m:t>𝑏</m:t>
-                                  </m:r>
-                                </m:e>
-                                <m:sub>
-                                  <m:r>
-                                    <a:rPr lang="ru-RU" i="1"/>
-                                    <m:t>𝑙</m:t>
-                                  </m:r>
-                                  <m:r>
-                                    <a:rPr lang="ru-RU" i="1"/>
-                                    <m:t>−1</m:t>
                                   </m:r>
                                 </m:sub>
                               </m:sSub>
@@ -19230,217 +20535,248 @@
                         </m:e>
                       </m:func>
                       <m:r>
-                        <a:rPr lang="ru-RU" i="1"/>
-                        <m:t>= </m:t>
+                        <a:rPr lang="en-US" i="1">
+                          <a:latin typeface="Cambria Math" panose="02040503050406030204" pitchFamily="18" charset="0"/>
+                        </a:rPr>
+                        <m:t>=</m:t>
                       </m:r>
-                      <m:f>
-                        <m:fPr>
+                      <m:r>
+                        <a:rPr lang="en-US" i="1">
+                          <a:latin typeface="Cambria Math" panose="02040503050406030204" pitchFamily="18" charset="0"/>
+                        </a:rPr>
+                        <m:t>𝑊</m:t>
+                      </m:r>
+                      <m:d>
+                        <m:dPr>
                           <m:ctrlPr>
-                            <a:rPr lang="ru-US" i="1"/>
+                            <a:rPr lang="ru-US" i="1">
+                              <a:latin typeface="Cambria Math" panose="02040503050406030204" pitchFamily="18" charset="0"/>
+                            </a:rPr>
                           </m:ctrlPr>
-                        </m:fPr>
-                        <m:num>
-                          <m:r>
-                            <m:rPr>
-                              <m:sty m:val="p"/>
-                            </m:rPr>
-                            <a:rPr lang="en-US"/>
-                            <m:t>Pr</m:t>
-                          </m:r>
-                          <m:r>
-                            <a:rPr lang="en-US" i="1"/>
-                            <m:t>(</m:t>
-                          </m:r>
-                          <m:r>
-                            <a:rPr lang="en-US" i="1"/>
-                            <m:t>𝑧</m:t>
-                          </m:r>
-                          <m:r>
-                            <a:rPr lang="en-US" i="1"/>
-                            <m:t>∈</m:t>
-                          </m:r>
+                        </m:dPr>
+                        <m:e>
                           <m:sSub>
                             <m:sSubPr>
                               <m:ctrlPr>
-                                <a:rPr lang="ru-US" i="1"/>
+                                <a:rPr lang="ru-US" i="1">
+                                  <a:latin typeface="Cambria Math" panose="02040503050406030204" pitchFamily="18" charset="0"/>
+                                </a:rPr>
                               </m:ctrlPr>
                             </m:sSubPr>
                             <m:e>
                               <m:r>
-                                <a:rPr lang="en-US" i="1"/>
-                                <m:t>𝑉</m:t>
-                              </m:r>
-                            </m:e>
-                            <m:sub>
-                              <m:r>
-                                <a:rPr lang="en-US" i="1"/>
-                                <m:t>𝑙</m:t>
-                              </m:r>
-                            </m:sub>
-                          </m:sSub>
-                          <m:r>
-                            <a:rPr lang="en-US" i="1"/>
-                            <m:t>)</m:t>
-                          </m:r>
-                        </m:num>
-                        <m:den>
-                          <m:r>
-                            <m:rPr>
-                              <m:sty m:val="p"/>
-                            </m:rPr>
-                            <a:rPr lang="ru-RU"/>
-                            <m:t>Pr</m:t>
-                          </m:r>
-                          <m:r>
-                            <a:rPr lang="ru-RU" i="1"/>
-                            <m:t>(</m:t>
-                          </m:r>
-                          <m:r>
-                            <a:rPr lang="ru-RU" i="1"/>
-                            <m:t>𝑧</m:t>
-                          </m:r>
-                          <m:r>
-                            <a:rPr lang="ru-RU" i="1"/>
-                            <m:t>≥</m:t>
-                          </m:r>
-                          <m:sSub>
-                            <m:sSubPr>
-                              <m:ctrlPr>
-                                <a:rPr lang="ru-US" i="1"/>
-                              </m:ctrlPr>
-                            </m:sSubPr>
-                            <m:e>
-                              <m:r>
-                                <a:rPr lang="ru-RU" i="1"/>
+                                <a:rPr lang="en-US" i="1">
+                                  <a:latin typeface="Cambria Math" panose="02040503050406030204" pitchFamily="18" charset="0"/>
+                                </a:rPr>
                                 <m:t>𝑏</m:t>
                               </m:r>
                             </m:e>
                             <m:sub>
                               <m:r>
-                                <a:rPr lang="ru-RU" i="1"/>
+                                <a:rPr lang="en-US" i="1">
+                                  <a:latin typeface="Cambria Math" panose="02040503050406030204" pitchFamily="18" charset="0"/>
+                                </a:rPr>
                                 <m:t>𝑙</m:t>
                               </m:r>
                               <m:r>
-                                <a:rPr lang="ru-RU" i="1"/>
-                                <m:t>−1</m:t>
+                                <a:rPr lang="en-US" i="1">
+                                  <a:latin typeface="Cambria Math" panose="02040503050406030204" pitchFamily="18" charset="0"/>
+                                </a:rPr>
+                                <m:t>+1</m:t>
                               </m:r>
                             </m:sub>
                           </m:sSub>
-                          <m:r>
-                            <a:rPr lang="ru-RU" i="1"/>
-                            <m:t>)</m:t>
-                          </m:r>
-                        </m:den>
-                      </m:f>
+                        </m:e>
+                      </m:d>
                       <m:r>
-                        <a:rPr lang="ru-RU" i="1"/>
-                        <m:t>=</m:t>
+                        <a:rPr lang="en-US" i="1">
+                          <a:latin typeface="Cambria Math" panose="02040503050406030204" pitchFamily="18" charset="0"/>
+                        </a:rPr>
+                        <m:t>−</m:t>
                       </m:r>
-                      <m:f>
-                        <m:fPr>
+                      <m:r>
+                        <a:rPr lang="en-US" i="1">
+                          <a:latin typeface="Cambria Math" panose="02040503050406030204" pitchFamily="18" charset="0"/>
+                        </a:rPr>
+                        <m:t>𝑊</m:t>
+                      </m:r>
+                      <m:d>
+                        <m:dPr>
                           <m:ctrlPr>
-                            <a:rPr lang="ru-US" i="1"/>
+                            <a:rPr lang="ru-US" i="1">
+                              <a:latin typeface="Cambria Math" panose="02040503050406030204" pitchFamily="18" charset="0"/>
+                            </a:rPr>
                           </m:ctrlPr>
-                        </m:fPr>
-                        <m:num>
+                        </m:dPr>
+                        <m:e>
                           <m:sSub>
                             <m:sSubPr>
                               <m:ctrlPr>
-                                <a:rPr lang="ru-US" i="1"/>
+                                <a:rPr lang="ru-US" i="1">
+                                  <a:latin typeface="Cambria Math" panose="02040503050406030204" pitchFamily="18" charset="0"/>
+                                </a:rPr>
                               </m:ctrlPr>
                             </m:sSubPr>
                             <m:e>
                               <m:r>
-                                <a:rPr lang="ru-RU" i="1"/>
-                                <m:t>𝑝</m:t>
-                              </m:r>
-                            </m:e>
-                            <m:sub>
-                              <m:r>
-                                <a:rPr lang="ru-RU" i="1"/>
-                                <m:t>𝑙</m:t>
-                              </m:r>
-                            </m:sub>
-                          </m:sSub>
-                        </m:num>
-                        <m:den>
-                          <m:r>
-                            <a:rPr lang="ru-RU" i="1"/>
-                            <m:t>𝑆</m:t>
-                          </m:r>
-                          <m:r>
-                            <a:rPr lang="ru-RU" i="1"/>
-                            <m:t>(</m:t>
-                          </m:r>
-                          <m:sSub>
-                            <m:sSubPr>
-                              <m:ctrlPr>
-                                <a:rPr lang="ru-US" i="1"/>
-                              </m:ctrlPr>
-                            </m:sSubPr>
-                            <m:e>
-                              <m:r>
-                                <a:rPr lang="ru-RU" i="1"/>
+                                <a:rPr lang="en-US" i="1">
+                                  <a:latin typeface="Cambria Math" panose="02040503050406030204" pitchFamily="18" charset="0"/>
+                                </a:rPr>
                                 <m:t>𝑏</m:t>
                               </m:r>
                             </m:e>
                             <m:sub>
                               <m:r>
-                                <a:rPr lang="ru-RU" i="1"/>
+                                <a:rPr lang="en-US" i="1">
+                                  <a:latin typeface="Cambria Math" panose="02040503050406030204" pitchFamily="18" charset="0"/>
+                                </a:rPr>
                                 <m:t>𝑙</m:t>
-                              </m:r>
-                              <m:r>
-                                <a:rPr lang="ru-RU" i="1"/>
-                                <m:t>−1</m:t>
                               </m:r>
                             </m:sub>
                           </m:sSub>
+                        </m:e>
+                      </m:d>
+                      <m:r>
+                        <a:rPr lang="en-US" i="1">
+                          <a:latin typeface="Cambria Math" panose="02040503050406030204" pitchFamily="18" charset="0"/>
+                        </a:rPr>
+                        <m:t>=</m:t>
+                      </m:r>
+                      <m:r>
+                        <a:rPr lang="en-US" i="1">
+                          <a:latin typeface="Cambria Math" panose="02040503050406030204" pitchFamily="18" charset="0"/>
+                        </a:rPr>
+                        <m:t>𝑆</m:t>
+                      </m:r>
+                      <m:d>
+                        <m:dPr>
+                          <m:ctrlPr>
+                            <a:rPr lang="ru-US" i="1">
+                              <a:latin typeface="Cambria Math" panose="02040503050406030204" pitchFamily="18" charset="0"/>
+                            </a:rPr>
+                          </m:ctrlPr>
+                        </m:dPr>
+                        <m:e>
+                          <m:sSub>
+                            <m:sSubPr>
+                              <m:ctrlPr>
+                                <a:rPr lang="ru-US" i="1">
+                                  <a:latin typeface="Cambria Math" panose="02040503050406030204" pitchFamily="18" charset="0"/>
+                                </a:rPr>
+                              </m:ctrlPr>
+                            </m:sSubPr>
+                            <m:e>
+                              <m:r>
+                                <a:rPr lang="en-US" i="1">
+                                  <a:latin typeface="Cambria Math" panose="02040503050406030204" pitchFamily="18" charset="0"/>
+                                </a:rPr>
+                                <m:t>𝑏</m:t>
+                              </m:r>
+                            </m:e>
+                            <m:sub>
+                              <m:r>
+                                <a:rPr lang="en-US" i="1">
+                                  <a:latin typeface="Cambria Math" panose="02040503050406030204" pitchFamily="18" charset="0"/>
+                                </a:rPr>
+                                <m:t>𝑙</m:t>
+                              </m:r>
+                            </m:sub>
+                          </m:sSub>
+                        </m:e>
+                      </m:d>
+                      <m:r>
+                        <a:rPr lang="en-US" i="1">
+                          <a:latin typeface="Cambria Math" panose="02040503050406030204" pitchFamily="18" charset="0"/>
+                        </a:rPr>
+                        <m:t>−</m:t>
+                      </m:r>
+                      <m:r>
+                        <a:rPr lang="en-US" i="1">
+                          <a:latin typeface="Cambria Math" panose="02040503050406030204" pitchFamily="18" charset="0"/>
+                        </a:rPr>
+                        <m:t>𝑆</m:t>
+                      </m:r>
+                      <m:r>
+                        <a:rPr lang="en-US" i="1">
+                          <a:latin typeface="Cambria Math" panose="02040503050406030204" pitchFamily="18" charset="0"/>
+                        </a:rPr>
+                        <m:t>(</m:t>
+                      </m:r>
+                      <m:sSub>
+                        <m:sSubPr>
+                          <m:ctrlPr>
+                            <a:rPr lang="ru-US" i="1">
+                              <a:latin typeface="Cambria Math" panose="02040503050406030204" pitchFamily="18" charset="0"/>
+                            </a:rPr>
+                          </m:ctrlPr>
+                        </m:sSubPr>
+                        <m:e>
                           <m:r>
-                            <a:rPr lang="ru-RU" i="1"/>
-                            <m:t>)</m:t>
+                            <a:rPr lang="en-US" i="1">
+                              <a:latin typeface="Cambria Math" panose="02040503050406030204" pitchFamily="18" charset="0"/>
+                            </a:rPr>
+                            <m:t>𝑏</m:t>
                           </m:r>
-                        </m:den>
-                      </m:f>
+                        </m:e>
+                        <m:sub>
+                          <m:r>
+                            <a:rPr lang="en-US" i="1">
+                              <a:latin typeface="Cambria Math" panose="02040503050406030204" pitchFamily="18" charset="0"/>
+                            </a:rPr>
+                            <m:t>𝑙</m:t>
+                          </m:r>
+                          <m:r>
+                            <a:rPr lang="en-US" i="1">
+                              <a:latin typeface="Cambria Math" panose="02040503050406030204" pitchFamily="18" charset="0"/>
+                            </a:rPr>
+                            <m:t>+1</m:t>
+                          </m:r>
+                        </m:sub>
+                      </m:sSub>
+                      <m:r>
+                        <a:rPr lang="en-US" i="1">
+                          <a:latin typeface="Cambria Math" panose="02040503050406030204" pitchFamily="18" charset="0"/>
+                        </a:rPr>
+                        <m:t>)</m:t>
+                      </m:r>
                     </m:oMath>
                   </m:oMathPara>
                 </a14:m>
                 <a:endParaRPr lang="ru-US" dirty="0"/>
               </a:p>
               <a:p>
-                <a:pPr marL="76200" indent="0">
-                  <a:buNone/>
-                </a:pPr>
                 <a:endParaRPr lang="ru-US" dirty="0"/>
               </a:p>
             </p:txBody>
           </p:sp>
         </mc:Choice>
-        <mc:Fallback>
+        <mc:Fallback xmlns="">
           <p:sp>
             <p:nvSpPr>
-              <p:cNvPr id="2" name="Текст 1">
+              <p:cNvPr id="2" name="TextBox 1">
                 <a:extLst>
                   <a:ext uri="{FF2B5EF4-FFF2-40B4-BE49-F238E27FC236}">
-                    <a16:creationId xmlns:a16="http://schemas.microsoft.com/office/drawing/2014/main" id="{10BE50A9-EB91-234D-8BB6-A10839C11970}"/>
+                    <a16:creationId xmlns:a16="http://schemas.microsoft.com/office/drawing/2014/main" id="{735FCB78-93FC-FF46-90C3-755F6003229B}"/>
                   </a:ext>
                 </a:extLst>
               </p:cNvPr>
-              <p:cNvSpPr>
-                <a:spLocks noGrp="1" noRot="1" noChangeAspect="1" noMove="1" noResize="1" noEditPoints="1" noAdjustHandles="1" noChangeArrowheads="1" noChangeShapeType="1" noTextEdit="1"/>
+              <p:cNvSpPr txBox="1">
+                <a:spLocks noRot="1" noChangeAspect="1" noMove="1" noResize="1" noEditPoints="1" noAdjustHandles="1" noChangeArrowheads="1" noChangeShapeType="1" noTextEdit="1"/>
               </p:cNvSpPr>
-              <p:nvPr>
-                <p:ph type="body" idx="1"/>
-              </p:nvPr>
+              <p:nvPr/>
             </p:nvSpPr>
             <p:spPr>
               <a:xfrm>
-                <a:off x="457200" y="2031175"/>
-                <a:ext cx="8229600" cy="1081150"/>
+                <a:off x="4990682" y="1853655"/>
+                <a:ext cx="4114801" cy="1834605"/>
               </a:xfrm>
+              <a:prstGeom prst="rect">
+                <a:avLst/>
+              </a:prstGeom>
               <a:blipFill>
-                <a:blip r:embed="rId3"/>
+                <a:blip r:embed="rId4"/>
                 <a:stretch>
-                  <a:fillRect/>
+                  <a:fillRect t="-39310" b="-20690"/>
                 </a:stretch>
               </a:blipFill>
             </p:spPr>
@@ -19459,10 +20795,74 @@
           </p:sp>
         </mc:Fallback>
       </mc:AlternateContent>
+      <p:sp>
+        <p:nvSpPr>
+          <p:cNvPr id="8" name="Google Shape;160;g752914e07d_2_2">
+            <a:extLst>
+              <a:ext uri="{FF2B5EF4-FFF2-40B4-BE49-F238E27FC236}">
+                <a16:creationId xmlns:a16="http://schemas.microsoft.com/office/drawing/2014/main" id="{C4E3BFB7-67B6-4C4F-97A1-D916C26A240E}"/>
+              </a:ext>
+            </a:extLst>
+          </p:cNvPr>
+          <p:cNvSpPr/>
+          <p:nvPr/>
+        </p:nvSpPr>
+        <p:spPr>
+          <a:xfrm>
+            <a:off x="1899501" y="4541676"/>
+            <a:ext cx="7244400" cy="307800"/>
+          </a:xfrm>
+          <a:prstGeom prst="rect">
+            <a:avLst/>
+          </a:prstGeom>
+          <a:noFill/>
+          <a:ln>
+            <a:noFill/>
+          </a:ln>
+        </p:spPr>
+        <p:txBody>
+          <a:bodyPr spcFirstLastPara="1" wrap="square" lIns="91425" tIns="45700" rIns="91425" bIns="45700" anchor="t" anchorCtr="0">
+            <a:noAutofit/>
+          </a:bodyPr>
+          <a:lstStyle/>
+          <a:p>
+            <a:pPr marL="0" marR="0" lvl="0" indent="0" algn="l" rtl="0">
+              <a:spcBef>
+                <a:spcPts val="0"/>
+              </a:spcBef>
+              <a:spcAft>
+                <a:spcPts val="0"/>
+              </a:spcAft>
+              <a:buNone/>
+            </a:pPr>
+            <a:r>
+              <a:rPr lang="ru-RU" sz="1400" dirty="0">
+                <a:solidFill>
+                  <a:schemeClr val="dk1"/>
+                </a:solidFill>
+                <a:latin typeface="Arial"/>
+                <a:ea typeface="Arial"/>
+                <a:cs typeface="Arial"/>
+                <a:sym typeface="Arial"/>
+              </a:rPr>
+              <a:t>Deep Landscape Forecasting for Real-time Bidding Advertising, KDD, 2019</a:t>
+            </a:r>
+            <a:endParaRPr sz="1400" dirty="0">
+              <a:solidFill>
+                <a:schemeClr val="dk1"/>
+              </a:solidFill>
+              <a:latin typeface="Arial"/>
+              <a:ea typeface="Arial"/>
+              <a:cs typeface="Arial"/>
+              <a:sym typeface="Arial"/>
+            </a:endParaRPr>
+          </a:p>
+        </p:txBody>
+      </p:sp>
     </p:spTree>
     <p:extLst>
       <p:ext uri="{BB962C8B-B14F-4D97-AF65-F5344CB8AC3E}">
-        <p14:creationId xmlns:p14="http://schemas.microsoft.com/office/powerpoint/2010/main" val="740224930"/>
+        <p14:creationId xmlns:p14="http://schemas.microsoft.com/office/powerpoint/2010/main" val="2619256191"/>
       </p:ext>
     </p:extLst>
   </p:cSld>
@@ -19472,7 +20872,7 @@
 </p:sld>
 </file>
 
-<file path=ppt/slides/slide15.xml><?xml version="1.0" encoding="utf-8"?>
+<file path=ppt/slides/slide12.xml><?xml version="1.0" encoding="utf-8"?>
 <p:sld xmlns:a="http://schemas.openxmlformats.org/drawingml/2006/main" xmlns:r="http://schemas.openxmlformats.org/officeDocument/2006/relationships" xmlns:p="http://schemas.openxmlformats.org/presentationml/2006/main">
   <p:cSld>
     <p:spTree>
@@ -19489,82 +20889,577 @@
           <a:chExt cx="0" cy="0"/>
         </a:xfrm>
       </p:grpSpPr>
-      <p:sp>
-        <p:nvSpPr>
-          <p:cNvPr id="182" name="Google Shape;182;g752914e07d_2_11"/>
-          <p:cNvSpPr txBox="1">
-            <a:spLocks noGrp="1"/>
-          </p:cNvSpPr>
-          <p:nvPr>
-            <p:ph type="body" idx="1"/>
-          </p:nvPr>
-        </p:nvSpPr>
-        <p:spPr>
-          <a:xfrm>
-            <a:off x="457200" y="1724566"/>
-            <a:ext cx="8229599" cy="2848500"/>
-          </a:xfrm>
-          <a:prstGeom prst="rect">
-            <a:avLst/>
-          </a:prstGeom>
-        </p:spPr>
-        <p:txBody>
-          <a:bodyPr spcFirstLastPara="1" wrap="square" lIns="91425" tIns="45700" rIns="91425" bIns="45700" anchor="t" anchorCtr="0">
-            <a:noAutofit/>
-          </a:bodyPr>
-          <a:lstStyle/>
-          <a:p>
-            <a:pPr marL="457200" lvl="0" indent="-381000" algn="l" rtl="0">
-              <a:spcBef>
-                <a:spcPts val="480"/>
-              </a:spcBef>
-              <a:spcAft>
-                <a:spcPts val="0"/>
-              </a:spcAft>
-              <a:buSzPts val="2400"/>
-              <a:buChar char="•"/>
-            </a:pPr>
-            <a:r>
-              <a:rPr lang="ru-RU" dirty="0"/>
-              <a:t>Рекуррентная LSTM сеть</a:t>
-            </a:r>
-            <a:endParaRPr dirty="0"/>
-          </a:p>
-          <a:p>
-            <a:pPr marL="457200" lvl="0" indent="-381000" algn="l" rtl="0">
-              <a:spcBef>
-                <a:spcPts val="0"/>
-              </a:spcBef>
-              <a:spcAft>
-                <a:spcPts val="0"/>
-              </a:spcAft>
-              <a:buSzPts val="2400"/>
-              <a:buChar char="•"/>
-            </a:pPr>
-            <a:r>
-              <a:rPr lang="ru-RU" dirty="0"/>
-              <a:t>Предсказание условной вероятности на выходе</a:t>
-            </a:r>
-            <a:endParaRPr dirty="0"/>
-          </a:p>
-          <a:p>
-            <a:pPr marL="457200" lvl="0" indent="-381000" algn="l" rtl="0">
-              <a:spcBef>
-                <a:spcPts val="0"/>
-              </a:spcBef>
-              <a:spcAft>
-                <a:spcPts val="0"/>
-              </a:spcAft>
-              <a:buSzPts val="2400"/>
-              <a:buChar char="•"/>
-            </a:pPr>
-            <a:r>
-              <a:rPr lang="ru-RU" dirty="0"/>
-              <a:t>Обучение по выигрышных и проигрышных примерах</a:t>
-            </a:r>
-          </a:p>
-        </p:txBody>
-      </p:sp>
+      <mc:AlternateContent xmlns:mc="http://schemas.openxmlformats.org/markup-compatibility/2006" xmlns:a14="http://schemas.microsoft.com/office/drawing/2010/main">
+        <mc:Choice Requires="a14">
+          <p:sp>
+            <p:nvSpPr>
+              <p:cNvPr id="182" name="Google Shape;182;g752914e07d_2_11"/>
+              <p:cNvSpPr txBox="1">
+                <a:spLocks noGrp="1"/>
+              </p:cNvSpPr>
+              <p:nvPr>
+                <p:ph type="body" idx="1"/>
+              </p:nvPr>
+            </p:nvSpPr>
+            <p:spPr>
+              <a:xfrm>
+                <a:off x="457200" y="1724566"/>
+                <a:ext cx="8229599" cy="2848500"/>
+              </a:xfrm>
+              <a:prstGeom prst="rect">
+                <a:avLst/>
+              </a:prstGeom>
+            </p:spPr>
+            <p:txBody>
+              <a:bodyPr spcFirstLastPara="1" wrap="square" lIns="91425" tIns="45700" rIns="91425" bIns="45700" anchor="t" anchorCtr="0">
+                <a:noAutofit/>
+              </a:bodyPr>
+              <a:lstStyle/>
+              <a:p>
+                <a:pPr marL="457200" lvl="0" indent="-381000" algn="l" rtl="0">
+                  <a:spcBef>
+                    <a:spcPts val="480"/>
+                  </a:spcBef>
+                  <a:spcAft>
+                    <a:spcPts val="0"/>
+                  </a:spcAft>
+                  <a:buSzPts val="2400"/>
+                  <a:buChar char="•"/>
+                </a:pPr>
+                <a:r>
+                  <a:rPr lang="ru-RU" dirty="0"/>
+                  <a:t>Рекуррентная </a:t>
+                </a:r>
+                <a:r>
+                  <a:rPr lang="en-US" dirty="0"/>
+                  <a:t>LSTM </a:t>
+                </a:r>
+                <a:r>
+                  <a:rPr lang="ru-RU" dirty="0"/>
+                  <a:t>сеть</a:t>
+                </a:r>
+              </a:p>
+              <a:p>
+                <a:pPr marL="457200" lvl="0" indent="-381000" algn="l" rtl="0">
+                  <a:spcBef>
+                    <a:spcPts val="0"/>
+                  </a:spcBef>
+                  <a:spcAft>
+                    <a:spcPts val="0"/>
+                  </a:spcAft>
+                  <a:buSzPts val="2400"/>
+                  <a:buChar char="•"/>
+                </a:pPr>
+                <a:r>
+                  <a:rPr lang="ru-RU" dirty="0"/>
+                  <a:t>Обучение по выигрышных и проигрышных примерах</a:t>
+                </a:r>
+              </a:p>
+              <a:p>
+                <a:pPr>
+                  <a:spcBef>
+                    <a:spcPts val="0"/>
+                  </a:spcBef>
+                </a:pPr>
+                <a:r>
+                  <a:rPr lang="ru-RU" dirty="0"/>
+                  <a:t>Предсказание условной вероятности на выходе </a:t>
+                </a:r>
+                <a14:m>
+                  <m:oMath xmlns:m="http://schemas.openxmlformats.org/officeDocument/2006/math">
+                    <m:sSub>
+                      <m:sSubPr>
+                        <m:ctrlPr>
+                          <a:rPr lang="ru-RU" i="1" dirty="0">
+                            <a:latin typeface="Cambria Math" panose="02040503050406030204" pitchFamily="18" charset="0"/>
+                          </a:rPr>
+                        </m:ctrlPr>
+                      </m:sSubPr>
+                      <m:e>
+                        <m:r>
+                          <a:rPr lang="ru-RU" i="1" dirty="0">
+                            <a:latin typeface="Cambria Math" panose="02040503050406030204" pitchFamily="18" charset="0"/>
+                          </a:rPr>
+                          <m:t>h</m:t>
+                        </m:r>
+                      </m:e>
+                      <m:sub>
+                        <m:r>
+                          <a:rPr lang="en-US" i="1" dirty="0">
+                            <a:latin typeface="Cambria Math" panose="02040503050406030204" pitchFamily="18" charset="0"/>
+                          </a:rPr>
+                          <m:t>𝑙</m:t>
+                        </m:r>
+                      </m:sub>
+                    </m:sSub>
+                  </m:oMath>
+                </a14:m>
+                <a:endParaRPr lang="ru-RU" dirty="0"/>
+              </a:p>
+              <a:p>
+                <a:pPr marL="76200" indent="0">
+                  <a:spcBef>
+                    <a:spcPts val="0"/>
+                  </a:spcBef>
+                  <a:buNone/>
+                </a:pPr>
+                <a:endParaRPr lang="ru-RU" sz="1800" i="1" dirty="0"/>
+              </a:p>
+              <a:p>
+                <a:pPr marL="76200" indent="0">
+                  <a:spcBef>
+                    <a:spcPts val="0"/>
+                  </a:spcBef>
+                  <a:buNone/>
+                </a:pPr>
+                <a14:m>
+                  <m:oMathPara xmlns:m="http://schemas.openxmlformats.org/officeDocument/2006/math">
+                    <m:oMathParaPr>
+                      <m:jc m:val="center"/>
+                    </m:oMathParaPr>
+                    <m:oMath xmlns:m="http://schemas.openxmlformats.org/officeDocument/2006/math">
+                      <m:sSub>
+                        <m:sSubPr>
+                          <m:ctrlPr>
+                            <a:rPr lang="ru-US" sz="2000" i="1">
+                              <a:latin typeface="Cambria Math" panose="02040503050406030204" pitchFamily="18" charset="0"/>
+                            </a:rPr>
+                          </m:ctrlPr>
+                        </m:sSubPr>
+                        <m:e>
+                          <m:r>
+                            <a:rPr lang="ru-RU" sz="2000" i="1">
+                              <a:latin typeface="Cambria Math" panose="02040503050406030204" pitchFamily="18" charset="0"/>
+                            </a:rPr>
+                            <m:t>h</m:t>
+                          </m:r>
+                        </m:e>
+                        <m:sub>
+                          <m:r>
+                            <a:rPr lang="ru-RU" sz="2000" i="1">
+                              <a:latin typeface="Cambria Math" panose="02040503050406030204" pitchFamily="18" charset="0"/>
+                            </a:rPr>
+                            <m:t>𝑙</m:t>
+                          </m:r>
+                        </m:sub>
+                      </m:sSub>
+                      <m:r>
+                        <a:rPr lang="ru-RU" sz="2000" i="1">
+                          <a:latin typeface="Cambria Math" panose="02040503050406030204" pitchFamily="18" charset="0"/>
+                        </a:rPr>
+                        <m:t>=</m:t>
+                      </m:r>
+                      <m:func>
+                        <m:funcPr>
+                          <m:ctrlPr>
+                            <a:rPr lang="ru-US" sz="2000" i="1">
+                              <a:latin typeface="Cambria Math" panose="02040503050406030204" pitchFamily="18" charset="0"/>
+                            </a:rPr>
+                          </m:ctrlPr>
+                        </m:funcPr>
+                        <m:fName>
+                          <m:r>
+                            <m:rPr>
+                              <m:sty m:val="p"/>
+                            </m:rPr>
+                            <a:rPr lang="ru-RU" sz="2000">
+                              <a:latin typeface="Cambria Math" panose="02040503050406030204" pitchFamily="18" charset="0"/>
+                            </a:rPr>
+                            <m:t>Pr</m:t>
+                          </m:r>
+                        </m:fName>
+                        <m:e>
+                          <m:d>
+                            <m:dPr>
+                              <m:ctrlPr>
+                                <a:rPr lang="ru-US" sz="2000" i="1">
+                                  <a:latin typeface="Cambria Math" panose="02040503050406030204" pitchFamily="18" charset="0"/>
+                                </a:rPr>
+                              </m:ctrlPr>
+                            </m:dPr>
+                            <m:e>
+                              <m:r>
+                                <a:rPr lang="ru-RU" sz="2000" i="1">
+                                  <a:latin typeface="Cambria Math" panose="02040503050406030204" pitchFamily="18" charset="0"/>
+                                </a:rPr>
+                                <m:t>𝑧</m:t>
+                              </m:r>
+                              <m:r>
+                                <a:rPr lang="ru-RU" sz="2000" i="1">
+                                  <a:latin typeface="Cambria Math" panose="02040503050406030204" pitchFamily="18" charset="0"/>
+                                </a:rPr>
+                                <m:t>∈</m:t>
+                              </m:r>
+                              <m:sSub>
+                                <m:sSubPr>
+                                  <m:ctrlPr>
+                                    <a:rPr lang="ru-US" sz="2000" i="1">
+                                      <a:latin typeface="Cambria Math" panose="02040503050406030204" pitchFamily="18" charset="0"/>
+                                    </a:rPr>
+                                  </m:ctrlPr>
+                                </m:sSubPr>
+                                <m:e>
+                                  <m:r>
+                                    <a:rPr lang="ru-RU" sz="2000" i="1">
+                                      <a:latin typeface="Cambria Math" panose="02040503050406030204" pitchFamily="18" charset="0"/>
+                                    </a:rPr>
+                                    <m:t>𝑉</m:t>
+                                  </m:r>
+                                </m:e>
+                                <m:sub>
+                                  <m:r>
+                                    <a:rPr lang="ru-RU" sz="2000" i="1">
+                                      <a:latin typeface="Cambria Math" panose="02040503050406030204" pitchFamily="18" charset="0"/>
+                                    </a:rPr>
+                                    <m:t>𝑙</m:t>
+                                  </m:r>
+                                </m:sub>
+                              </m:sSub>
+                            </m:e>
+                            <m:e>
+                              <m:r>
+                                <a:rPr lang="ru-RU" sz="2000" i="1">
+                                  <a:latin typeface="Cambria Math" panose="02040503050406030204" pitchFamily="18" charset="0"/>
+                                </a:rPr>
+                                <m:t>𝑧</m:t>
+                              </m:r>
+                              <m:r>
+                                <a:rPr lang="ru-RU" sz="2000" i="1">
+                                  <a:latin typeface="Cambria Math" panose="02040503050406030204" pitchFamily="18" charset="0"/>
+                                </a:rPr>
+                                <m:t>≥</m:t>
+                              </m:r>
+                              <m:sSub>
+                                <m:sSubPr>
+                                  <m:ctrlPr>
+                                    <a:rPr lang="ru-US" sz="2000" i="1">
+                                      <a:latin typeface="Cambria Math" panose="02040503050406030204" pitchFamily="18" charset="0"/>
+                                    </a:rPr>
+                                  </m:ctrlPr>
+                                </m:sSubPr>
+                                <m:e>
+                                  <m:r>
+                                    <a:rPr lang="ru-RU" sz="2000" i="1">
+                                      <a:latin typeface="Cambria Math" panose="02040503050406030204" pitchFamily="18" charset="0"/>
+                                    </a:rPr>
+                                    <m:t>𝑏</m:t>
+                                  </m:r>
+                                </m:e>
+                                <m:sub>
+                                  <m:r>
+                                    <a:rPr lang="ru-RU" sz="2000" i="1">
+                                      <a:latin typeface="Cambria Math" panose="02040503050406030204" pitchFamily="18" charset="0"/>
+                                    </a:rPr>
+                                    <m:t>𝑙</m:t>
+                                  </m:r>
+                                  <m:r>
+                                    <a:rPr lang="ru-RU" sz="2000" i="1">
+                                      <a:latin typeface="Cambria Math" panose="02040503050406030204" pitchFamily="18" charset="0"/>
+                                    </a:rPr>
+                                    <m:t>−1</m:t>
+                                  </m:r>
+                                </m:sub>
+                              </m:sSub>
+                            </m:e>
+                          </m:d>
+                        </m:e>
+                      </m:func>
+                      <m:r>
+                        <a:rPr lang="ru-RU" sz="2000" i="1">
+                          <a:latin typeface="Cambria Math" panose="02040503050406030204" pitchFamily="18" charset="0"/>
+                        </a:rPr>
+                        <m:t>= </m:t>
+                      </m:r>
+                      <m:f>
+                        <m:fPr>
+                          <m:ctrlPr>
+                            <a:rPr lang="ru-US" sz="2000" i="1">
+                              <a:latin typeface="Cambria Math" panose="02040503050406030204" pitchFamily="18" charset="0"/>
+                            </a:rPr>
+                          </m:ctrlPr>
+                        </m:fPr>
+                        <m:num>
+                          <m:r>
+                            <m:rPr>
+                              <m:sty m:val="p"/>
+                            </m:rPr>
+                            <a:rPr lang="en-US" sz="2000">
+                              <a:latin typeface="Cambria Math" panose="02040503050406030204" pitchFamily="18" charset="0"/>
+                            </a:rPr>
+                            <m:t>Pr</m:t>
+                          </m:r>
+                          <m:r>
+                            <a:rPr lang="en-US" sz="2000" i="1">
+                              <a:latin typeface="Cambria Math" panose="02040503050406030204" pitchFamily="18" charset="0"/>
+                            </a:rPr>
+                            <m:t>(</m:t>
+                          </m:r>
+                          <m:r>
+                            <a:rPr lang="en-US" sz="2000" i="1">
+                              <a:latin typeface="Cambria Math" panose="02040503050406030204" pitchFamily="18" charset="0"/>
+                            </a:rPr>
+                            <m:t>𝑧</m:t>
+                          </m:r>
+                          <m:r>
+                            <a:rPr lang="en-US" sz="2000" i="1">
+                              <a:latin typeface="Cambria Math" panose="02040503050406030204" pitchFamily="18" charset="0"/>
+                            </a:rPr>
+                            <m:t>∈</m:t>
+                          </m:r>
+                          <m:sSub>
+                            <m:sSubPr>
+                              <m:ctrlPr>
+                                <a:rPr lang="ru-US" sz="2000" i="1">
+                                  <a:latin typeface="Cambria Math" panose="02040503050406030204" pitchFamily="18" charset="0"/>
+                                </a:rPr>
+                              </m:ctrlPr>
+                            </m:sSubPr>
+                            <m:e>
+                              <m:r>
+                                <a:rPr lang="en-US" sz="2000" i="1">
+                                  <a:latin typeface="Cambria Math" panose="02040503050406030204" pitchFamily="18" charset="0"/>
+                                </a:rPr>
+                                <m:t>𝑉</m:t>
+                              </m:r>
+                            </m:e>
+                            <m:sub>
+                              <m:r>
+                                <a:rPr lang="en-US" sz="2000" i="1">
+                                  <a:latin typeface="Cambria Math" panose="02040503050406030204" pitchFamily="18" charset="0"/>
+                                </a:rPr>
+                                <m:t>𝑙</m:t>
+                              </m:r>
+                            </m:sub>
+                          </m:sSub>
+                          <m:r>
+                            <a:rPr lang="en-US" sz="2000" i="1">
+                              <a:latin typeface="Cambria Math" panose="02040503050406030204" pitchFamily="18" charset="0"/>
+                            </a:rPr>
+                            <m:t>)</m:t>
+                          </m:r>
+                        </m:num>
+                        <m:den>
+                          <m:r>
+                            <m:rPr>
+                              <m:sty m:val="p"/>
+                            </m:rPr>
+                            <a:rPr lang="ru-RU" sz="2000">
+                              <a:latin typeface="Cambria Math" panose="02040503050406030204" pitchFamily="18" charset="0"/>
+                            </a:rPr>
+                            <m:t>Pr</m:t>
+                          </m:r>
+                          <m:r>
+                            <a:rPr lang="ru-RU" sz="2000" i="1">
+                              <a:latin typeface="Cambria Math" panose="02040503050406030204" pitchFamily="18" charset="0"/>
+                            </a:rPr>
+                            <m:t>(</m:t>
+                          </m:r>
+                          <m:r>
+                            <a:rPr lang="ru-RU" sz="2000" i="1">
+                              <a:latin typeface="Cambria Math" panose="02040503050406030204" pitchFamily="18" charset="0"/>
+                            </a:rPr>
+                            <m:t>𝑧</m:t>
+                          </m:r>
+                          <m:r>
+                            <a:rPr lang="ru-RU" sz="2000" i="1">
+                              <a:latin typeface="Cambria Math" panose="02040503050406030204" pitchFamily="18" charset="0"/>
+                            </a:rPr>
+                            <m:t>≥</m:t>
+                          </m:r>
+                          <m:sSub>
+                            <m:sSubPr>
+                              <m:ctrlPr>
+                                <a:rPr lang="ru-US" sz="2000" i="1">
+                                  <a:latin typeface="Cambria Math" panose="02040503050406030204" pitchFamily="18" charset="0"/>
+                                </a:rPr>
+                              </m:ctrlPr>
+                            </m:sSubPr>
+                            <m:e>
+                              <m:r>
+                                <a:rPr lang="ru-RU" sz="2000" i="1">
+                                  <a:latin typeface="Cambria Math" panose="02040503050406030204" pitchFamily="18" charset="0"/>
+                                </a:rPr>
+                                <m:t>𝑏</m:t>
+                              </m:r>
+                            </m:e>
+                            <m:sub>
+                              <m:r>
+                                <a:rPr lang="ru-RU" sz="2000" i="1">
+                                  <a:latin typeface="Cambria Math" panose="02040503050406030204" pitchFamily="18" charset="0"/>
+                                </a:rPr>
+                                <m:t>𝑙</m:t>
+                              </m:r>
+                              <m:r>
+                                <a:rPr lang="ru-RU" sz="2000" i="1">
+                                  <a:latin typeface="Cambria Math" panose="02040503050406030204" pitchFamily="18" charset="0"/>
+                                </a:rPr>
+                                <m:t>−1</m:t>
+                              </m:r>
+                            </m:sub>
+                          </m:sSub>
+                          <m:r>
+                            <a:rPr lang="ru-RU" sz="2000" i="1">
+                              <a:latin typeface="Cambria Math" panose="02040503050406030204" pitchFamily="18" charset="0"/>
+                            </a:rPr>
+                            <m:t>)</m:t>
+                          </m:r>
+                        </m:den>
+                      </m:f>
+                      <m:r>
+                        <a:rPr lang="ru-RU" sz="2000" i="1">
+                          <a:latin typeface="Cambria Math" panose="02040503050406030204" pitchFamily="18" charset="0"/>
+                        </a:rPr>
+                        <m:t>=</m:t>
+                      </m:r>
+                      <m:f>
+                        <m:fPr>
+                          <m:ctrlPr>
+                            <a:rPr lang="ru-US" sz="2000" i="1">
+                              <a:latin typeface="Cambria Math" panose="02040503050406030204" pitchFamily="18" charset="0"/>
+                            </a:rPr>
+                          </m:ctrlPr>
+                        </m:fPr>
+                        <m:num>
+                          <m:sSub>
+                            <m:sSubPr>
+                              <m:ctrlPr>
+                                <a:rPr lang="ru-US" sz="2000" i="1">
+                                  <a:latin typeface="Cambria Math" panose="02040503050406030204" pitchFamily="18" charset="0"/>
+                                </a:rPr>
+                              </m:ctrlPr>
+                            </m:sSubPr>
+                            <m:e>
+                              <m:r>
+                                <a:rPr lang="ru-RU" sz="2000" i="1">
+                                  <a:latin typeface="Cambria Math" panose="02040503050406030204" pitchFamily="18" charset="0"/>
+                                </a:rPr>
+                                <m:t>𝑝</m:t>
+                              </m:r>
+                            </m:e>
+                            <m:sub>
+                              <m:r>
+                                <a:rPr lang="ru-RU" sz="2000" i="1">
+                                  <a:latin typeface="Cambria Math" panose="02040503050406030204" pitchFamily="18" charset="0"/>
+                                </a:rPr>
+                                <m:t>𝑙</m:t>
+                              </m:r>
+                            </m:sub>
+                          </m:sSub>
+                        </m:num>
+                        <m:den>
+                          <m:r>
+                            <a:rPr lang="ru-RU" sz="2000" i="1">
+                              <a:latin typeface="Cambria Math" panose="02040503050406030204" pitchFamily="18" charset="0"/>
+                            </a:rPr>
+                            <m:t>𝑆</m:t>
+                          </m:r>
+                          <m:r>
+                            <a:rPr lang="ru-RU" sz="2000" i="1">
+                              <a:latin typeface="Cambria Math" panose="02040503050406030204" pitchFamily="18" charset="0"/>
+                            </a:rPr>
+                            <m:t>(</m:t>
+                          </m:r>
+                          <m:sSub>
+                            <m:sSubPr>
+                              <m:ctrlPr>
+                                <a:rPr lang="ru-US" sz="2000" i="1">
+                                  <a:latin typeface="Cambria Math" panose="02040503050406030204" pitchFamily="18" charset="0"/>
+                                </a:rPr>
+                              </m:ctrlPr>
+                            </m:sSubPr>
+                            <m:e>
+                              <m:r>
+                                <a:rPr lang="ru-RU" sz="2000" i="1">
+                                  <a:latin typeface="Cambria Math" panose="02040503050406030204" pitchFamily="18" charset="0"/>
+                                </a:rPr>
+                                <m:t>𝑏</m:t>
+                              </m:r>
+                            </m:e>
+                            <m:sub>
+                              <m:r>
+                                <a:rPr lang="ru-RU" sz="2000" i="1">
+                                  <a:latin typeface="Cambria Math" panose="02040503050406030204" pitchFamily="18" charset="0"/>
+                                </a:rPr>
+                                <m:t>𝑙</m:t>
+                              </m:r>
+                              <m:r>
+                                <a:rPr lang="ru-RU" sz="2000" i="1">
+                                  <a:latin typeface="Cambria Math" panose="02040503050406030204" pitchFamily="18" charset="0"/>
+                                </a:rPr>
+                                <m:t>−1</m:t>
+                              </m:r>
+                            </m:sub>
+                          </m:sSub>
+                          <m:r>
+                            <a:rPr lang="ru-RU" sz="2000" i="1">
+                              <a:latin typeface="Cambria Math" panose="02040503050406030204" pitchFamily="18" charset="0"/>
+                            </a:rPr>
+                            <m:t>)</m:t>
+                          </m:r>
+                        </m:den>
+                      </m:f>
+                    </m:oMath>
+                  </m:oMathPara>
+                </a14:m>
+                <a:endParaRPr lang="ru-US" sz="2000" dirty="0"/>
+              </a:p>
+              <a:p>
+                <a:pPr marL="76200" lvl="0" indent="0" algn="l" rtl="0">
+                  <a:spcBef>
+                    <a:spcPts val="0"/>
+                  </a:spcBef>
+                  <a:spcAft>
+                    <a:spcPts val="0"/>
+                  </a:spcAft>
+                  <a:buSzPts val="2400"/>
+                  <a:buNone/>
+                </a:pPr>
+                <a:endParaRPr lang="ru-RU" dirty="0"/>
+              </a:p>
+            </p:txBody>
+          </p:sp>
+        </mc:Choice>
+        <mc:Fallback xmlns="">
+          <p:sp>
+            <p:nvSpPr>
+              <p:cNvPr id="182" name="Google Shape;182;g752914e07d_2_11"/>
+              <p:cNvSpPr txBox="1">
+                <a:spLocks noGrp="1" noRot="1" noChangeAspect="1" noMove="1" noResize="1" noEditPoints="1" noAdjustHandles="1" noChangeArrowheads="1" noChangeShapeType="1" noTextEdit="1"/>
+              </p:cNvSpPr>
+              <p:nvPr>
+                <p:ph type="body" idx="1"/>
+              </p:nvPr>
+            </p:nvSpPr>
+            <p:spPr>
+              <a:xfrm>
+                <a:off x="457200" y="1724566"/>
+                <a:ext cx="8229599" cy="2848500"/>
+              </a:xfrm>
+              <a:prstGeom prst="rect">
+                <a:avLst/>
+              </a:prstGeom>
+              <a:blipFill>
+                <a:blip r:embed="rId3"/>
+                <a:stretch>
+                  <a:fillRect l="-154"/>
+                </a:stretch>
+              </a:blipFill>
+            </p:spPr>
+            <p:txBody>
+              <a:bodyPr/>
+              <a:lstStyle/>
+              <a:p>
+                <a:r>
+                  <a:rPr lang="ru-US">
+                    <a:noFill/>
+                  </a:rPr>
+                  <a:t> </a:t>
+                </a:r>
+              </a:p>
+            </p:txBody>
+          </p:sp>
+        </mc:Fallback>
+      </mc:AlternateContent>
       <p:sp>
         <p:nvSpPr>
           <p:cNvPr id="183" name="Google Shape;183;g752914e07d_2_11"/>
@@ -19643,7 +21538,7 @@
             </a:pPr>
             <a:fld id="{00000000-1234-1234-1234-123412341234}" type="slidenum">
               <a:rPr lang="ru-RU"/>
-              <a:t>15</a:t>
+              <a:t>12</a:t>
             </a:fld>
             <a:endParaRPr/>
           </a:p>
@@ -19657,7 +21552,7 @@
 </p:sld>
 </file>
 
-<file path=ppt/slides/slide16.xml><?xml version="1.0" encoding="utf-8"?>
+<file path=ppt/slides/slide13.xml><?xml version="1.0" encoding="utf-8"?>
 <p:sld xmlns:a="http://schemas.openxmlformats.org/drawingml/2006/main" xmlns:r="http://schemas.openxmlformats.org/officeDocument/2006/relationships" xmlns:p="http://schemas.openxmlformats.org/presentationml/2006/main">
   <p:cSld>
     <p:spTree>
@@ -19811,7 +21706,7 @@
             </a:pPr>
             <a:fld id="{00000000-1234-1234-1234-123412341234}" type="slidenum">
               <a:rPr lang="ru-RU"/>
-              <a:t>16</a:t>
+              <a:t>13</a:t>
             </a:fld>
             <a:endParaRPr/>
           </a:p>
@@ -19819,10 +21714,10 @@
       </p:sp>
       <p:pic>
         <p:nvPicPr>
-          <p:cNvPr id="7" name="Рисунок 6">
+          <p:cNvPr id="3" name="Рисунок 2">
             <a:extLst>
               <a:ext uri="{FF2B5EF4-FFF2-40B4-BE49-F238E27FC236}">
-                <a16:creationId xmlns:a16="http://schemas.microsoft.com/office/drawing/2014/main" id="{A3EACCB1-3C39-BE4E-91FE-C35D36246073}"/>
+                <a16:creationId xmlns:a16="http://schemas.microsoft.com/office/drawing/2014/main" id="{C88EA91A-9F9B-DB48-897A-BEE5AD22CD42}"/>
               </a:ext>
             </a:extLst>
           </p:cNvPr>
@@ -19839,8 +21734,8 @@
         </p:blipFill>
         <p:spPr>
           <a:xfrm>
-            <a:off x="1574800" y="1547865"/>
-            <a:ext cx="5994400" cy="2703996"/>
+            <a:off x="1752600" y="1682744"/>
+            <a:ext cx="5638800" cy="2533374"/>
           </a:xfrm>
           <a:prstGeom prst="rect">
             <a:avLst/>
@@ -19855,7 +21750,7 @@
 </p:sld>
 </file>
 
-<file path=ppt/slides/slide17.xml><?xml version="1.0" encoding="utf-8"?>
+<file path=ppt/slides/slide14.xml><?xml version="1.0" encoding="utf-8"?>
 <p:sld xmlns:a="http://schemas.openxmlformats.org/drawingml/2006/main" xmlns:r="http://schemas.openxmlformats.org/officeDocument/2006/relationships" xmlns:p="http://schemas.openxmlformats.org/presentationml/2006/main">
   <p:cSld>
     <p:spTree>
@@ -19942,7 +21837,7 @@
             </a:pPr>
             <a:fld id="{00000000-1234-1234-1234-123412341234}" type="slidenum">
               <a:rPr lang="ru-RU"/>
-              <a:t>17</a:t>
+              <a:t>14</a:t>
             </a:fld>
             <a:endParaRPr dirty="0"/>
           </a:p>
@@ -20027,7 +21922,210 @@
 </p:sld>
 </file>
 
-<file path=ppt/slides/slide18.xml><?xml version="1.0" encoding="utf-8"?>
+<file path=ppt/slides/slide15.xml><?xml version="1.0" encoding="utf-8"?>
+<p:sld xmlns:a="http://schemas.openxmlformats.org/drawingml/2006/main" xmlns:r="http://schemas.openxmlformats.org/officeDocument/2006/relationships" xmlns:p="http://schemas.openxmlformats.org/presentationml/2006/main">
+  <p:cSld>
+    <p:spTree>
+      <p:nvGrpSpPr>
+        <p:cNvPr id="1" name="Shape 188"/>
+        <p:cNvGrpSpPr/>
+        <p:nvPr/>
+      </p:nvGrpSpPr>
+      <p:grpSpPr>
+        <a:xfrm>
+          <a:off x="0" y="0"/>
+          <a:ext cx="0" cy="0"/>
+          <a:chOff x="0" y="0"/>
+          <a:chExt cx="0" cy="0"/>
+        </a:xfrm>
+      </p:grpSpPr>
+      <p:sp>
+        <p:nvSpPr>
+          <p:cNvPr id="189" name="Google Shape;189;p10"/>
+          <p:cNvSpPr txBox="1">
+            <a:spLocks noGrp="1"/>
+          </p:cNvSpPr>
+          <p:nvPr>
+            <p:ph type="title"/>
+          </p:nvPr>
+        </p:nvSpPr>
+        <p:spPr>
+          <a:xfrm>
+            <a:off x="457200" y="927382"/>
+            <a:ext cx="8229600" cy="620483"/>
+          </a:xfrm>
+          <a:prstGeom prst="rect">
+            <a:avLst/>
+          </a:prstGeom>
+          <a:noFill/>
+          <a:ln>
+            <a:noFill/>
+          </a:ln>
+        </p:spPr>
+        <p:txBody>
+          <a:bodyPr spcFirstLastPara="1" wrap="square" lIns="91425" tIns="45700" rIns="91425" bIns="45700" anchor="ctr" anchorCtr="0">
+            <a:normAutofit/>
+          </a:bodyPr>
+          <a:lstStyle/>
+          <a:p>
+            <a:pPr marL="0" lvl="0" indent="0" algn="l" rtl="0">
+              <a:spcBef>
+                <a:spcPts val="0"/>
+              </a:spcBef>
+              <a:spcAft>
+                <a:spcPts val="0"/>
+              </a:spcAft>
+              <a:buClr>
+                <a:schemeClr val="dk1"/>
+              </a:buClr>
+              <a:buSzPts val="3200"/>
+              <a:buFont typeface="Arial"/>
+              <a:buNone/>
+            </a:pPr>
+            <a:r>
+              <a:rPr lang="ru-RU" dirty="0"/>
+              <a:t>Устройство нейронной сети</a:t>
+            </a:r>
+            <a:endParaRPr dirty="0"/>
+          </a:p>
+        </p:txBody>
+      </p:sp>
+      <p:sp>
+        <p:nvSpPr>
+          <p:cNvPr id="191" name="Google Shape;191;p10"/>
+          <p:cNvSpPr txBox="1"/>
+          <p:nvPr/>
+        </p:nvSpPr>
+        <p:spPr>
+          <a:xfrm>
+            <a:off x="2735023" y="4497161"/>
+            <a:ext cx="3673954" cy="646290"/>
+          </a:xfrm>
+          <a:prstGeom prst="rect">
+            <a:avLst/>
+          </a:prstGeom>
+          <a:noFill/>
+          <a:ln>
+            <a:noFill/>
+          </a:ln>
+        </p:spPr>
+        <p:txBody>
+          <a:bodyPr spcFirstLastPara="1" wrap="square" lIns="91425" tIns="45700" rIns="91425" bIns="45700" anchor="t" anchorCtr="0">
+            <a:spAutoFit/>
+          </a:bodyPr>
+          <a:lstStyle/>
+          <a:p>
+            <a:pPr marL="0" marR="0" lvl="0" indent="0" algn="ctr" rtl="0">
+              <a:spcBef>
+                <a:spcPts val="0"/>
+              </a:spcBef>
+              <a:spcAft>
+                <a:spcPts val="0"/>
+              </a:spcAft>
+              <a:buNone/>
+            </a:pPr>
+            <a:r>
+              <a:rPr lang="ru-RU" sz="1800" dirty="0">
+                <a:solidFill>
+                  <a:schemeClr val="dk1"/>
+                </a:solidFill>
+                <a:latin typeface="Calibri"/>
+                <a:ea typeface="Calibri"/>
+                <a:cs typeface="Calibri"/>
+                <a:sym typeface="Calibri"/>
+              </a:rPr>
+              <a:t>Рисунок 6. Модель нейронной сети с механизмом внимания</a:t>
+            </a:r>
+            <a:endParaRPr sz="1800" dirty="0"/>
+          </a:p>
+        </p:txBody>
+      </p:sp>
+      <p:sp>
+        <p:nvSpPr>
+          <p:cNvPr id="192" name="Google Shape;192;p10"/>
+          <p:cNvSpPr txBox="1">
+            <a:spLocks noGrp="1"/>
+          </p:cNvSpPr>
+          <p:nvPr>
+            <p:ph type="sldNum" idx="12"/>
+          </p:nvPr>
+        </p:nvSpPr>
+        <p:spPr>
+          <a:xfrm>
+            <a:off x="8556784" y="4749851"/>
+            <a:ext cx="548700" cy="393600"/>
+          </a:xfrm>
+          <a:prstGeom prst="rect">
+            <a:avLst/>
+          </a:prstGeom>
+        </p:spPr>
+        <p:txBody>
+          <a:bodyPr spcFirstLastPara="1" wrap="square" lIns="91425" tIns="91425" rIns="91425" bIns="91425" anchor="t" anchorCtr="0">
+            <a:noAutofit/>
+          </a:bodyPr>
+          <a:lstStyle/>
+          <a:p>
+            <a:pPr marL="0" lvl="0" indent="0" algn="r" rtl="0">
+              <a:spcBef>
+                <a:spcPts val="0"/>
+              </a:spcBef>
+              <a:spcAft>
+                <a:spcPts val="0"/>
+              </a:spcAft>
+              <a:buNone/>
+            </a:pPr>
+            <a:fld id="{00000000-1234-1234-1234-123412341234}" type="slidenum">
+              <a:rPr lang="ru-RU"/>
+              <a:t>15</a:t>
+            </a:fld>
+            <a:endParaRPr/>
+          </a:p>
+        </p:txBody>
+      </p:sp>
+      <p:pic>
+        <p:nvPicPr>
+          <p:cNvPr id="4" name="Рисунок 3">
+            <a:extLst>
+              <a:ext uri="{FF2B5EF4-FFF2-40B4-BE49-F238E27FC236}">
+                <a16:creationId xmlns:a16="http://schemas.microsoft.com/office/drawing/2014/main" id="{4661AD14-B3BF-8041-ADF4-E9BB10C1DC21}"/>
+              </a:ext>
+            </a:extLst>
+          </p:cNvPr>
+          <p:cNvPicPr>
+            <a:picLocks noChangeAspect="1"/>
+          </p:cNvPicPr>
+          <p:nvPr/>
+        </p:nvPicPr>
+        <p:blipFill>
+          <a:blip r:embed="rId3"/>
+          <a:stretch>
+            <a:fillRect/>
+          </a:stretch>
+        </p:blipFill>
+        <p:spPr>
+          <a:xfrm>
+            <a:off x="1446831" y="1998256"/>
+            <a:ext cx="6250338" cy="2217862"/>
+          </a:xfrm>
+          <a:prstGeom prst="rect">
+            <a:avLst/>
+          </a:prstGeom>
+        </p:spPr>
+      </p:pic>
+    </p:spTree>
+    <p:extLst>
+      <p:ext uri="{BB962C8B-B14F-4D97-AF65-F5344CB8AC3E}">
+        <p14:creationId xmlns:p14="http://schemas.microsoft.com/office/powerpoint/2010/main" val="3905185991"/>
+      </p:ext>
+    </p:extLst>
+  </p:cSld>
+  <p:clrMapOvr>
+    <a:masterClrMapping/>
+  </p:clrMapOvr>
+</p:sld>
+</file>
+
+<file path=ppt/slides/slide16.xml><?xml version="1.0" encoding="utf-8"?>
 <p:sld xmlns:a="http://schemas.openxmlformats.org/drawingml/2006/main" xmlns:r="http://schemas.openxmlformats.org/officeDocument/2006/relationships" xmlns:p="http://schemas.openxmlformats.org/presentationml/2006/main">
   <p:cSld>
     <p:spTree>
@@ -20144,35 +22242,6 @@
                 <a:cs typeface="Arial"/>
                 <a:sym typeface="Arial"/>
               </a:rPr>
-              <a:t>Сравниваем функцию распределения вероятности выигрыша для ставки алгоритма и желаемую</a:t>
-            </a:r>
-            <a:endParaRPr dirty="0"/>
-          </a:p>
-          <a:p>
-            <a:pPr marL="285750" marR="0" lvl="0" indent="-285750" algn="l" rtl="0">
-              <a:spcBef>
-                <a:spcPts val="0"/>
-              </a:spcBef>
-              <a:spcAft>
-                <a:spcPts val="0"/>
-              </a:spcAft>
-              <a:buClr>
-                <a:schemeClr val="dk1"/>
-              </a:buClr>
-              <a:buSzPts val="1800"/>
-              <a:buFont typeface="Arial"/>
-              <a:buChar char="•"/>
-            </a:pPr>
-            <a:r>
-              <a:rPr lang="ru-RU" sz="1800" dirty="0">
-                <a:solidFill>
-                  <a:schemeClr val="dk1"/>
-                </a:solidFill>
-                <a:latin typeface="Arial"/>
-                <a:ea typeface="Arial"/>
-                <a:cs typeface="Arial"/>
-                <a:sym typeface="Arial"/>
-              </a:rPr>
               <a:t>Используем две </a:t>
             </a:r>
             <a:r>
@@ -20305,15 +22374,25 @@
               </a:rPr>
               <a:t>-функция позволяет обучаться на проигрышных примерах</a:t>
             </a:r>
-            <a:endParaRPr sz="1800" dirty="0">
-              <a:solidFill>
-                <a:schemeClr val="dk1"/>
-              </a:solidFill>
-              <a:latin typeface="Arial"/>
-              <a:ea typeface="Arial"/>
-              <a:cs typeface="Arial"/>
-              <a:sym typeface="Arial"/>
-            </a:endParaRPr>
+          </a:p>
+          <a:p>
+            <a:pPr marL="285750" indent="-285750">
+              <a:buClr>
+                <a:schemeClr val="dk1"/>
+              </a:buClr>
+              <a:buSzPts val="1800"/>
+              <a:buFont typeface="Arial"/>
+              <a:buChar char="•"/>
+            </a:pPr>
+            <a:r>
+              <a:rPr lang="ru-RU" sz="1800" dirty="0">
+                <a:solidFill>
+                  <a:schemeClr val="dk1"/>
+                </a:solidFill>
+              </a:rPr>
+              <a:t>Сравниваем функцию распределения вероятности выигрыша для ставки алгоритма и желаемую</a:t>
+            </a:r>
+            <a:endParaRPr lang="ru-RU" sz="1800" dirty="0"/>
           </a:p>
         </p:txBody>
       </p:sp>
@@ -20353,7 +22432,7 @@
             </a:pPr>
             <a:fld id="{00000000-1234-1234-1234-123412341234}" type="slidenum">
               <a:rPr lang="ru-RU"/>
-              <a:t>18</a:t>
+              <a:t>16</a:t>
             </a:fld>
             <a:endParaRPr/>
           </a:p>
@@ -20367,7 +22446,7 @@
 </p:sld>
 </file>
 
-<file path=ppt/slides/slide19.xml><?xml version="1.0" encoding="utf-8"?>
+<file path=ppt/slides/slide17.xml><?xml version="1.0" encoding="utf-8"?>
 <p:sld xmlns:a="http://schemas.openxmlformats.org/drawingml/2006/main" xmlns:r="http://schemas.openxmlformats.org/officeDocument/2006/relationships" xmlns:p="http://schemas.openxmlformats.org/presentationml/2006/main">
   <p:cSld>
     <p:spTree>
@@ -20415,7 +22494,7 @@
               <a:t>Используется открытый датасет </a:t>
             </a:r>
             <a:r>
-              <a:rPr lang="ru-RU" dirty="0">
+              <a:rPr lang="ru-RU" dirty="0" err="1">
                 <a:latin typeface="Calibri"/>
                 <a:ea typeface="Calibri"/>
                 <a:cs typeface="Calibri"/>
@@ -20423,7 +22502,22 @@
               </a:rPr>
               <a:t>iPinYou</a:t>
             </a:r>
-            <a:endParaRPr lang="ru-US" dirty="0"/>
+            <a:endParaRPr lang="ru-RU" dirty="0">
+              <a:latin typeface="Calibri"/>
+              <a:ea typeface="Calibri"/>
+              <a:cs typeface="Calibri"/>
+              <a:sym typeface="Calibri"/>
+            </a:endParaRPr>
+          </a:p>
+          <a:p>
+            <a:r>
+              <a:rPr lang="ru-RU" dirty="0">
+                <a:latin typeface="Calibri"/>
+                <a:cs typeface="Calibri"/>
+                <a:sym typeface="Calibri"/>
+              </a:rPr>
+              <a:t>9 различных рекламных объявлений</a:t>
+            </a:r>
           </a:p>
         </p:txBody>
       </p:sp>
@@ -20491,7 +22585,7 @@
             </a:pPr>
             <a:fld id="{00000000-1234-1234-1234-123412341234}" type="slidenum">
               <a:rPr lang="ru-RU" smtClean="0"/>
-              <a:t>19</a:t>
+              <a:t>17</a:t>
             </a:fld>
             <a:endParaRPr lang="ru-RU"/>
           </a:p>
@@ -20510,156 +22604,7 @@
 </p:sld>
 </file>
 
-<file path=ppt/slides/slide2.xml><?xml version="1.0" encoding="utf-8"?>
-<p:sld xmlns:a="http://schemas.openxmlformats.org/drawingml/2006/main" xmlns:r="http://schemas.openxmlformats.org/officeDocument/2006/relationships" xmlns:p="http://schemas.openxmlformats.org/presentationml/2006/main">
-  <p:cSld>
-    <p:spTree>
-      <p:nvGrpSpPr>
-        <p:cNvPr id="1" name=""/>
-        <p:cNvGrpSpPr/>
-        <p:nvPr/>
-      </p:nvGrpSpPr>
-      <p:grpSpPr>
-        <a:xfrm>
-          <a:off x="0" y="0"/>
-          <a:ext cx="0" cy="0"/>
-          <a:chOff x="0" y="0"/>
-          <a:chExt cx="0" cy="0"/>
-        </a:xfrm>
-      </p:grpSpPr>
-      <p:sp>
-        <p:nvSpPr>
-          <p:cNvPr id="2" name="Текст 1">
-            <a:extLst>
-              <a:ext uri="{FF2B5EF4-FFF2-40B4-BE49-F238E27FC236}">
-                <a16:creationId xmlns:a16="http://schemas.microsoft.com/office/drawing/2014/main" id="{151B69D1-C3FF-6F43-A3A1-2D6F5038A23C}"/>
-              </a:ext>
-            </a:extLst>
-          </p:cNvPr>
-          <p:cNvSpPr>
-            <a:spLocks noGrp="1"/>
-          </p:cNvSpPr>
-          <p:nvPr>
-            <p:ph type="body" idx="1"/>
-          </p:nvPr>
-        </p:nvSpPr>
-        <p:spPr>
-          <a:xfrm>
-            <a:off x="457200" y="1759937"/>
-            <a:ext cx="8099584" cy="2834686"/>
-          </a:xfrm>
-        </p:spPr>
-        <p:txBody>
-          <a:bodyPr>
-            <a:normAutofit/>
-          </a:bodyPr>
-          <a:lstStyle/>
-          <a:p>
-            <a:r>
-              <a:rPr lang="ru-RU" dirty="0"/>
-              <a:t>Онлайн аукцион – процесс выбора рекламного объявления для показа пользователю</a:t>
-            </a:r>
-          </a:p>
-          <a:p>
-            <a:r>
-              <a:rPr lang="ru-RU" dirty="0"/>
-              <a:t>Победитель аукциона – участник, предложивший наибольшую ставку</a:t>
-            </a:r>
-          </a:p>
-          <a:p>
-            <a:r>
-              <a:rPr lang="ru-RU" dirty="0"/>
-              <a:t>Рыночная цена – цена, которую платит победитель аукциона</a:t>
-            </a:r>
-            <a:endParaRPr lang="ru-US" dirty="0"/>
-          </a:p>
-        </p:txBody>
-      </p:sp>
-      <p:sp>
-        <p:nvSpPr>
-          <p:cNvPr id="4" name="Заголовок 3">
-            <a:extLst>
-              <a:ext uri="{FF2B5EF4-FFF2-40B4-BE49-F238E27FC236}">
-                <a16:creationId xmlns:a16="http://schemas.microsoft.com/office/drawing/2014/main" id="{1E2AD96D-FE10-6847-9686-CB82764BD286}"/>
-              </a:ext>
-            </a:extLst>
-          </p:cNvPr>
-          <p:cNvSpPr>
-            <a:spLocks noGrp="1"/>
-          </p:cNvSpPr>
-          <p:nvPr>
-            <p:ph type="title"/>
-          </p:nvPr>
-        </p:nvSpPr>
-        <p:spPr>
-          <a:xfrm>
-            <a:off x="457200" y="927382"/>
-            <a:ext cx="8099584" cy="620483"/>
-          </a:xfrm>
-        </p:spPr>
-        <p:txBody>
-          <a:bodyPr/>
-          <a:lstStyle/>
-          <a:p>
-            <a:r>
-              <a:rPr lang="ru-US" dirty="0"/>
-              <a:t>Онлайн реклама</a:t>
-            </a:r>
-          </a:p>
-        </p:txBody>
-      </p:sp>
-      <p:sp>
-        <p:nvSpPr>
-          <p:cNvPr id="5" name="Номер слайда 4">
-            <a:extLst>
-              <a:ext uri="{FF2B5EF4-FFF2-40B4-BE49-F238E27FC236}">
-                <a16:creationId xmlns:a16="http://schemas.microsoft.com/office/drawing/2014/main" id="{BCC5DDF8-21D7-214F-BD93-7224057B4284}"/>
-              </a:ext>
-            </a:extLst>
-          </p:cNvPr>
-          <p:cNvSpPr>
-            <a:spLocks noGrp="1"/>
-          </p:cNvSpPr>
-          <p:nvPr>
-            <p:ph type="sldNum" idx="12"/>
-          </p:nvPr>
-        </p:nvSpPr>
-        <p:spPr/>
-        <p:txBody>
-          <a:bodyPr/>
-          <a:lstStyle/>
-          <a:p>
-            <a:pPr marL="0" lvl="0" indent="0" algn="r" rtl="0">
-              <a:spcBef>
-                <a:spcPts val="0"/>
-              </a:spcBef>
-              <a:spcAft>
-                <a:spcPts val="0"/>
-              </a:spcAft>
-              <a:buNone/>
-            </a:pPr>
-            <a:fld id="{00000000-1234-1234-1234-123412341234}" type="slidenum">
-              <a:rPr lang="ru-RU" smtClean="0"/>
-              <a:t>2</a:t>
-            </a:fld>
-            <a:endParaRPr lang="ru-RU"/>
-          </a:p>
-        </p:txBody>
-      </p:sp>
-    </p:spTree>
-    <p:extLst>
-      <p:ext uri="{BB962C8B-B14F-4D97-AF65-F5344CB8AC3E}">
-        <p14:creationId xmlns:p14="http://schemas.microsoft.com/office/powerpoint/2010/main" val="3098445476"/>
-      </p:ext>
-    </p:extLst>
-  </p:cSld>
-  <p:clrMapOvr>
-    <a:masterClrMapping/>
-  </p:clrMapOvr>
-</p:sld>
-</file>
-
-<file path=ppt/slides/slide20.xml><?xml version="1.0" encoding="utf-8"?>
+<file path=ppt/slides/slide18.xml><?xml version="1.0" encoding="utf-8"?>
 <p:sld xmlns:a="http://schemas.openxmlformats.org/drawingml/2006/main" xmlns:r="http://schemas.openxmlformats.org/officeDocument/2006/relationships" xmlns:p="http://schemas.openxmlformats.org/presentationml/2006/main">
   <p:cSld>
     <p:spTree>
@@ -20771,7 +22716,7 @@
                 <a:cs typeface="Calibri"/>
                 <a:sym typeface="Calibri"/>
               </a:rPr>
-              <a:t>Рисунок 5. Результаты на датасете iPinYou</a:t>
+              <a:t>Рисунок 7. Результаты на датасете iPinYou</a:t>
             </a:r>
             <a:endParaRPr sz="1800" dirty="0">
               <a:solidFill>
@@ -20821,7 +22766,7 @@
             </a:pPr>
             <a:fld id="{00000000-1234-1234-1234-123412341234}" type="slidenum">
               <a:rPr lang="ru-RU"/>
-              <a:t>20</a:t>
+              <a:t>18</a:t>
             </a:fld>
             <a:endParaRPr/>
           </a:p>
@@ -20842,14 +22787,14 @@
           <p:nvPr>
             <p:extLst>
               <p:ext uri="{D42A27DB-BD31-4B8C-83A1-F6EECF244321}">
-                <p14:modId xmlns:p14="http://schemas.microsoft.com/office/powerpoint/2010/main" val="1540570951"/>
+                <p14:modId xmlns:p14="http://schemas.microsoft.com/office/powerpoint/2010/main" val="1225769828"/>
               </p:ext>
             </p:extLst>
           </p:nvPr>
         </p:nvGraphicFramePr>
         <p:xfrm>
           <a:off x="1305560" y="2071636"/>
-          <a:ext cx="6532880" cy="1992364"/>
+          <a:ext cx="6532880" cy="2122500"/>
         </p:xfrm>
         <a:graphic>
           <a:graphicData uri="http://schemas.openxmlformats.org/drawingml/2006/table">
@@ -20902,9 +22847,10 @@
                     <a:p>
                       <a:pPr algn="ctr"/>
                       <a:r>
-                        <a:rPr lang="ru-US" dirty="0"/>
-                        <a:t>Компания</a:t>
+                        <a:rPr lang="ru-RU" dirty="0"/>
+                        <a:t>№ объявления</a:t>
                       </a:r>
+                      <a:endParaRPr lang="ru-US" dirty="0"/>
                     </a:p>
                   </a:txBody>
                   <a:tcPr/>
@@ -21147,6 +23093,11 @@
                         <a:rPr lang="ru-US" dirty="0"/>
                         <a:t>Точность</a:t>
                       </a:r>
+                      <a:r>
+                        <a:rPr lang="en-US" dirty="0"/>
+                        <a:t> (AUC)</a:t>
+                      </a:r>
+                      <a:endParaRPr lang="ru-US" dirty="0"/>
                     </a:p>
                   </a:txBody>
                   <a:tcPr/>
@@ -21234,7 +23185,7 @@
 </p:sld>
 </file>
 
-<file path=ppt/slides/slide21.xml><?xml version="1.0" encoding="utf-8"?>
+<file path=ppt/slides/slide19.xml><?xml version="1.0" encoding="utf-8"?>
 <p:sld xmlns:a="http://schemas.openxmlformats.org/drawingml/2006/main" xmlns:r="http://schemas.openxmlformats.org/officeDocument/2006/relationships" xmlns:p="http://schemas.openxmlformats.org/presentationml/2006/main">
   <p:cSld>
     <p:spTree>
@@ -21346,7 +23297,7 @@
                 <a:cs typeface="Calibri"/>
                 <a:sym typeface="Calibri"/>
               </a:rPr>
-              <a:t>Рисунок 6. Результаты на датасете iPinYou 3476</a:t>
+              <a:t>Рисунок 8. Результаты на датасете iPinYou 3476</a:t>
             </a:r>
             <a:endParaRPr sz="1800" dirty="0">
               <a:solidFill>
@@ -21396,7 +23347,7 @@
             </a:pPr>
             <a:fld id="{00000000-1234-1234-1234-123412341234}" type="slidenum">
               <a:rPr lang="ru-RU"/>
-              <a:t>21</a:t>
+              <a:t>19</a:t>
             </a:fld>
             <a:endParaRPr/>
           </a:p>
@@ -21440,7 +23391,156 @@
 </p:sld>
 </file>
 
-<file path=ppt/slides/slide22.xml><?xml version="1.0" encoding="utf-8"?>
+<file path=ppt/slides/slide2.xml><?xml version="1.0" encoding="utf-8"?>
+<p:sld xmlns:a="http://schemas.openxmlformats.org/drawingml/2006/main" xmlns:r="http://schemas.openxmlformats.org/officeDocument/2006/relationships" xmlns:p="http://schemas.openxmlformats.org/presentationml/2006/main">
+  <p:cSld>
+    <p:spTree>
+      <p:nvGrpSpPr>
+        <p:cNvPr id="1" name=""/>
+        <p:cNvGrpSpPr/>
+        <p:nvPr/>
+      </p:nvGrpSpPr>
+      <p:grpSpPr>
+        <a:xfrm>
+          <a:off x="0" y="0"/>
+          <a:ext cx="0" cy="0"/>
+          <a:chOff x="0" y="0"/>
+          <a:chExt cx="0" cy="0"/>
+        </a:xfrm>
+      </p:grpSpPr>
+      <p:sp>
+        <p:nvSpPr>
+          <p:cNvPr id="2" name="Текст 1">
+            <a:extLst>
+              <a:ext uri="{FF2B5EF4-FFF2-40B4-BE49-F238E27FC236}">
+                <a16:creationId xmlns:a16="http://schemas.microsoft.com/office/drawing/2014/main" id="{151B69D1-C3FF-6F43-A3A1-2D6F5038A23C}"/>
+              </a:ext>
+            </a:extLst>
+          </p:cNvPr>
+          <p:cNvSpPr>
+            <a:spLocks noGrp="1"/>
+          </p:cNvSpPr>
+          <p:nvPr>
+            <p:ph type="body" idx="1"/>
+          </p:nvPr>
+        </p:nvSpPr>
+        <p:spPr>
+          <a:xfrm>
+            <a:off x="457200" y="1759937"/>
+            <a:ext cx="8099584" cy="2834686"/>
+          </a:xfrm>
+        </p:spPr>
+        <p:txBody>
+          <a:bodyPr>
+            <a:normAutofit/>
+          </a:bodyPr>
+          <a:lstStyle/>
+          <a:p>
+            <a:r>
+              <a:rPr lang="ru-RU" dirty="0"/>
+              <a:t>Онлайн аукцион – процесс выбора рекламного объявления для показа пользователю</a:t>
+            </a:r>
+          </a:p>
+          <a:p>
+            <a:r>
+              <a:rPr lang="ru-RU" dirty="0"/>
+              <a:t>Победитель аукциона – участник, предложивший наибольшую ставку</a:t>
+            </a:r>
+          </a:p>
+          <a:p>
+            <a:r>
+              <a:rPr lang="ru-RU" dirty="0"/>
+              <a:t>Рыночная цена – цена, которую платит победитель аукциона</a:t>
+            </a:r>
+            <a:endParaRPr lang="ru-US" dirty="0"/>
+          </a:p>
+        </p:txBody>
+      </p:sp>
+      <p:sp>
+        <p:nvSpPr>
+          <p:cNvPr id="4" name="Заголовок 3">
+            <a:extLst>
+              <a:ext uri="{FF2B5EF4-FFF2-40B4-BE49-F238E27FC236}">
+                <a16:creationId xmlns:a16="http://schemas.microsoft.com/office/drawing/2014/main" id="{1E2AD96D-FE10-6847-9686-CB82764BD286}"/>
+              </a:ext>
+            </a:extLst>
+          </p:cNvPr>
+          <p:cNvSpPr>
+            <a:spLocks noGrp="1"/>
+          </p:cNvSpPr>
+          <p:nvPr>
+            <p:ph type="title"/>
+          </p:nvPr>
+        </p:nvSpPr>
+        <p:spPr>
+          <a:xfrm>
+            <a:off x="457200" y="927382"/>
+            <a:ext cx="8099584" cy="620483"/>
+          </a:xfrm>
+        </p:spPr>
+        <p:txBody>
+          <a:bodyPr/>
+          <a:lstStyle/>
+          <a:p>
+            <a:r>
+              <a:rPr lang="ru-US" dirty="0"/>
+              <a:t>Онлайн реклама</a:t>
+            </a:r>
+          </a:p>
+        </p:txBody>
+      </p:sp>
+      <p:sp>
+        <p:nvSpPr>
+          <p:cNvPr id="5" name="Номер слайда 4">
+            <a:extLst>
+              <a:ext uri="{FF2B5EF4-FFF2-40B4-BE49-F238E27FC236}">
+                <a16:creationId xmlns:a16="http://schemas.microsoft.com/office/drawing/2014/main" id="{BCC5DDF8-21D7-214F-BD93-7224057B4284}"/>
+              </a:ext>
+            </a:extLst>
+          </p:cNvPr>
+          <p:cNvSpPr>
+            <a:spLocks noGrp="1"/>
+          </p:cNvSpPr>
+          <p:nvPr>
+            <p:ph type="sldNum" idx="12"/>
+          </p:nvPr>
+        </p:nvSpPr>
+        <p:spPr/>
+        <p:txBody>
+          <a:bodyPr/>
+          <a:lstStyle/>
+          <a:p>
+            <a:pPr marL="0" lvl="0" indent="0" algn="r" rtl="0">
+              <a:spcBef>
+                <a:spcPts val="0"/>
+              </a:spcBef>
+              <a:spcAft>
+                <a:spcPts val="0"/>
+              </a:spcAft>
+              <a:buNone/>
+            </a:pPr>
+            <a:fld id="{00000000-1234-1234-1234-123412341234}" type="slidenum">
+              <a:rPr lang="ru-RU" smtClean="0"/>
+              <a:t>2</a:t>
+            </a:fld>
+            <a:endParaRPr lang="ru-RU"/>
+          </a:p>
+        </p:txBody>
+      </p:sp>
+    </p:spTree>
+    <p:extLst>
+      <p:ext uri="{BB962C8B-B14F-4D97-AF65-F5344CB8AC3E}">
+        <p14:creationId xmlns:p14="http://schemas.microsoft.com/office/powerpoint/2010/main" val="3098445476"/>
+      </p:ext>
+    </p:extLst>
+  </p:cSld>
+  <p:clrMapOvr>
+    <a:masterClrMapping/>
+  </p:clrMapOvr>
+</p:sld>
+</file>
+
+<file path=ppt/slides/slide20.xml><?xml version="1.0" encoding="utf-8"?>
 <p:sld xmlns:a="http://schemas.openxmlformats.org/drawingml/2006/main" xmlns:r="http://schemas.openxmlformats.org/officeDocument/2006/relationships" xmlns:p="http://schemas.openxmlformats.org/presentationml/2006/main">
   <p:cSld>
     <p:spTree>
@@ -21552,7 +23652,7 @@
                 <a:cs typeface="Calibri"/>
                 <a:sym typeface="Calibri"/>
               </a:rPr>
-              <a:t>Рисунок 7. Результаты на датасете iPinYou 3476</a:t>
+              <a:t>Рисунок 9. Результаты на датасете iPinYou 3476</a:t>
             </a:r>
             <a:endParaRPr sz="1800" dirty="0">
               <a:solidFill>
@@ -21602,7 +23702,7 @@
             </a:pPr>
             <a:fld id="{00000000-1234-1234-1234-123412341234}" type="slidenum">
               <a:rPr lang="ru-RU"/>
-              <a:t>22</a:t>
+              <a:t>20</a:t>
             </a:fld>
             <a:endParaRPr/>
           </a:p>
@@ -21646,7 +23746,7 @@
 </p:sld>
 </file>
 
-<file path=ppt/slides/slide23.xml><?xml version="1.0" encoding="utf-8"?>
+<file path=ppt/slides/slide21.xml><?xml version="1.0" encoding="utf-8"?>
 <p:sld xmlns:a="http://schemas.openxmlformats.org/drawingml/2006/main" xmlns:r="http://schemas.openxmlformats.org/officeDocument/2006/relationships" xmlns:p="http://schemas.openxmlformats.org/presentationml/2006/main">
   <p:cSld>
     <p:spTree>
@@ -21881,7 +23981,7 @@
             </a:pPr>
             <a:fld id="{00000000-1234-1234-1234-123412341234}" type="slidenum">
               <a:rPr lang="ru-RU"/>
-              <a:t>23</a:t>
+              <a:t>21</a:t>
             </a:fld>
             <a:endParaRPr/>
           </a:p>
@@ -21895,7 +23995,7 @@
 </p:sld>
 </file>
 
-<file path=ppt/slides/slide24.xml><?xml version="1.0" encoding="utf-8"?>
+<file path=ppt/slides/slide22.xml><?xml version="1.0" encoding="utf-8"?>
 <p:sld xmlns:a="http://schemas.openxmlformats.org/drawingml/2006/main" xmlns:r="http://schemas.openxmlformats.org/officeDocument/2006/relationships" xmlns:p="http://schemas.openxmlformats.org/presentationml/2006/main">
   <p:cSld>
     <p:spTree>
@@ -22019,7 +24119,7 @@
             </a:pPr>
             <a:fld id="{00000000-1234-1234-1234-123412341234}" type="slidenum">
               <a:rPr lang="ru-RU" smtClean="0"/>
-              <a:t>24</a:t>
+              <a:t>22</a:t>
             </a:fld>
             <a:endParaRPr lang="ru-RU"/>
           </a:p>
@@ -22038,7 +24138,7 @@
 </p:sld>
 </file>
 
-<file path=ppt/slides/slide25.xml><?xml version="1.0" encoding="utf-8"?>
+<file path=ppt/slides/slide23.xml><?xml version="1.0" encoding="utf-8"?>
 <p:sld xmlns:a="http://schemas.openxmlformats.org/drawingml/2006/main" xmlns:r="http://schemas.openxmlformats.org/officeDocument/2006/relationships" xmlns:p="http://schemas.openxmlformats.org/presentationml/2006/main">
   <p:cSld>
     <p:bg>
@@ -22210,7 +24310,7 @@
             </a:pPr>
             <a:fld id="{00000000-1234-1234-1234-123412341234}" type="slidenum">
               <a:rPr lang="ru-RU"/>
-              <a:t>25</a:t>
+              <a:t>23</a:t>
             </a:fld>
             <a:endParaRPr/>
           </a:p>
@@ -22269,13 +24369,54 @@
           <a:p>
             <a:r>
               <a:rPr lang="ru-US" dirty="0"/>
-              <a:t>Поставить много и перепланить за показ</a:t>
+              <a:t>Поставить много </a:t>
             </a:r>
+            <a:r>
+              <a:rPr lang="ru-RU" dirty="0"/>
+              <a:t>=</a:t>
+            </a:r>
+            <a:r>
+              <a:rPr lang="en-US" dirty="0"/>
+              <a:t>&gt;</a:t>
+            </a:r>
+            <a:r>
+              <a:rPr lang="ru-US" dirty="0"/>
+              <a:t> перепла</a:t>
+            </a:r>
+            <a:r>
+              <a:rPr lang="ru-RU" dirty="0"/>
+              <a:t>т</a:t>
+            </a:r>
+            <a:r>
+              <a:rPr lang="ru-US" dirty="0"/>
+              <a:t>ить за показ</a:t>
+            </a:r>
+            <a:r>
+              <a:rPr lang="ru-RU" dirty="0"/>
+              <a:t>ы</a:t>
+            </a:r>
+            <a:endParaRPr lang="ru-US" dirty="0"/>
           </a:p>
           <a:p>
             <a:r>
               <a:rPr lang="ru-US" dirty="0"/>
-              <a:t>Поставить мало и проиграть аукцион</a:t>
+              <a:t>Поставить мало </a:t>
+            </a:r>
+            <a:r>
+              <a:rPr lang="en-US" dirty="0"/>
+              <a:t>=&gt;</a:t>
+            </a:r>
+            <a:r>
+              <a:rPr lang="ru-US" dirty="0"/>
+              <a:t> проиг</a:t>
+            </a:r>
+            <a:r>
+              <a:rPr lang="ru-RU" dirty="0"/>
+              <a:t>рать</a:t>
+            </a:r>
+            <a:r>
+              <a:rPr lang="ru-US" dirty="0"/>
+              <a:t> аукцион</a:t>
             </a:r>
           </a:p>
           <a:p>
@@ -22436,10 +24577,10 @@
               <a:buNone/>
             </a:pPr>
             <a:r>
-              <a:rPr lang="ru-RU"/>
+              <a:rPr lang="ru-RU" dirty="0"/>
               <a:t>Постановка задачи</a:t>
             </a:r>
-            <a:endParaRPr/>
+            <a:endParaRPr dirty="0"/>
           </a:p>
         </p:txBody>
       </p:sp>
@@ -23222,15 +25363,6 @@
               </a:rPr>
               <a:t>Класс задач, в которых нужно оценить время наступления интересующего события.</a:t>
             </a:r>
-            <a:endParaRPr sz="1800" dirty="0">
-              <a:solidFill>
-                <a:schemeClr val="dk1"/>
-              </a:solidFill>
-              <a:latin typeface="Calibri"/>
-              <a:ea typeface="Calibri"/>
-              <a:cs typeface="Calibri"/>
-              <a:sym typeface="Calibri"/>
-            </a:endParaRPr>
           </a:p>
         </p:txBody>
       </p:sp>
@@ -23411,7 +25543,6 @@
               <a:rPr lang="ru-RU" dirty="0"/>
               <a:t>Обучение модели на выигрышных и проигрышных аукционах</a:t>
             </a:r>
-            <a:endParaRPr dirty="0"/>
           </a:p>
           <a:p>
             <a:pPr marL="457200" lvl="0" indent="-381000" algn="l" rtl="0">
@@ -23555,7 +25686,7 @@
               <a:buNone/>
             </a:pPr>
             <a:r>
-              <a:rPr lang="ru-RU" sz="1400">
+              <a:rPr lang="ru-RU" sz="1400" dirty="0">
                 <a:solidFill>
                   <a:schemeClr val="dk1"/>
                 </a:solidFill>
@@ -23566,7 +25697,7 @@
               </a:rPr>
               <a:t>Deep Landscape Forecasting for Real-time Bidding Advertising, KDD, 2019</a:t>
             </a:r>
-            <a:endParaRPr sz="1400">
+            <a:endParaRPr sz="1400" dirty="0">
               <a:solidFill>
                 <a:schemeClr val="dk1"/>
               </a:solidFill>
